--- a/04-Poloha/01_Pro_ucitele/Prezentace/43-kompass.pptx
+++ b/04-Poloha/01_Pro_ucitele/Prezentace/43-kompass.pptx
@@ -1,124 +1,25 @@
 
 <file path=ppt/presentation.xml><?xml version="1.0" encoding="utf-8"?>
-<p:presentation xmlns:a="http://schemas.openxmlformats.org/drawingml/2006/main" xmlns:r="http://schemas.openxmlformats.org/officeDocument/2006/relationships" xmlns:p="http://schemas.openxmlformats.org/presentationml/2006/main">
+<p:presentation xmlns:a="http://schemas.openxmlformats.org/drawingml/2006/main" xmlns:p="http://schemas.openxmlformats.org/presentationml/2006/main" xmlns:r="http://schemas.openxmlformats.org/officeDocument/2006/relationships" xmlns:p14="http://schemas.microsoft.com/office/powerpoint/2010/main" xmlns:p15="http://schemas.microsoft.com/office/powerpoint/2012/main" xmlns:mc="http://schemas.openxmlformats.org/markup-compatibility/2006">
   <p:sldMasterIdLst>
-    <p:sldMasterId id="2147483648" r:id="rId1"/>
-    <p:sldMasterId id="2147483674" r:id="rId2"/>
+    <p:sldMasterId id="2147483648" r:id="rId2"/>
+    <p:sldMasterId id="2147483661" r:id="rId3"/>
+    <p:sldMasterId id="2147483674" r:id="rId4"/>
   </p:sldMasterIdLst>
   <p:sldIdLst>
-    <p:sldId id="256" r:id="rId3"/>
-    <p:sldId id="258" r:id="rId4"/>
-    <p:sldId id="259" r:id="rId5"/>
-    <p:sldId id="261" r:id="rId6"/>
-    <p:sldId id="260" r:id="rId7"/>
+    <p:sldId id="256" r:id="rId5"/>
+    <p:sldId id="257" r:id="rId6"/>
+    <p:sldId id="258" r:id="rId7"/>
+    <p:sldId id="259" r:id="rId8"/>
+    <p:sldId id="260" r:id="rId9"/>
   </p:sldIdLst>
   <p:sldSz cx="10080625" cy="7559675"/>
-  <p:notesSz cx="7559675" cy="10691813"/>
-  <p:defaultTextStyle>
-    <a:defPPr>
-      <a:defRPr lang="cs-CZ"/>
-    </a:defPPr>
-    <a:lvl1pPr marL="0" algn="l" defTabSz="914400" rtl="0" eaLnBrk="1" latinLnBrk="0" hangingPunct="1">
-      <a:defRPr sz="1800" kern="1200">
-        <a:solidFill>
-          <a:schemeClr val="tx1"/>
-        </a:solidFill>
-        <a:latin typeface="+mn-lt"/>
-        <a:ea typeface="+mn-ea"/>
-        <a:cs typeface="+mn-cs"/>
-      </a:defRPr>
-    </a:lvl1pPr>
-    <a:lvl2pPr marL="457200" algn="l" defTabSz="914400" rtl="0" eaLnBrk="1" latinLnBrk="0" hangingPunct="1">
-      <a:defRPr sz="1800" kern="1200">
-        <a:solidFill>
-          <a:schemeClr val="tx1"/>
-        </a:solidFill>
-        <a:latin typeface="+mn-lt"/>
-        <a:ea typeface="+mn-ea"/>
-        <a:cs typeface="+mn-cs"/>
-      </a:defRPr>
-    </a:lvl2pPr>
-    <a:lvl3pPr marL="914400" algn="l" defTabSz="914400" rtl="0" eaLnBrk="1" latinLnBrk="0" hangingPunct="1">
-      <a:defRPr sz="1800" kern="1200">
-        <a:solidFill>
-          <a:schemeClr val="tx1"/>
-        </a:solidFill>
-        <a:latin typeface="+mn-lt"/>
-        <a:ea typeface="+mn-ea"/>
-        <a:cs typeface="+mn-cs"/>
-      </a:defRPr>
-    </a:lvl3pPr>
-    <a:lvl4pPr marL="1371600" algn="l" defTabSz="914400" rtl="0" eaLnBrk="1" latinLnBrk="0" hangingPunct="1">
-      <a:defRPr sz="1800" kern="1200">
-        <a:solidFill>
-          <a:schemeClr val="tx1"/>
-        </a:solidFill>
-        <a:latin typeface="+mn-lt"/>
-        <a:ea typeface="+mn-ea"/>
-        <a:cs typeface="+mn-cs"/>
-      </a:defRPr>
-    </a:lvl4pPr>
-    <a:lvl5pPr marL="1828800" algn="l" defTabSz="914400" rtl="0" eaLnBrk="1" latinLnBrk="0" hangingPunct="1">
-      <a:defRPr sz="1800" kern="1200">
-        <a:solidFill>
-          <a:schemeClr val="tx1"/>
-        </a:solidFill>
-        <a:latin typeface="+mn-lt"/>
-        <a:ea typeface="+mn-ea"/>
-        <a:cs typeface="+mn-cs"/>
-      </a:defRPr>
-    </a:lvl5pPr>
-    <a:lvl6pPr marL="2286000" algn="l" defTabSz="914400" rtl="0" eaLnBrk="1" latinLnBrk="0" hangingPunct="1">
-      <a:defRPr sz="1800" kern="1200">
-        <a:solidFill>
-          <a:schemeClr val="tx1"/>
-        </a:solidFill>
-        <a:latin typeface="+mn-lt"/>
-        <a:ea typeface="+mn-ea"/>
-        <a:cs typeface="+mn-cs"/>
-      </a:defRPr>
-    </a:lvl6pPr>
-    <a:lvl7pPr marL="2743200" algn="l" defTabSz="914400" rtl="0" eaLnBrk="1" latinLnBrk="0" hangingPunct="1">
-      <a:defRPr sz="1800" kern="1200">
-        <a:solidFill>
-          <a:schemeClr val="tx1"/>
-        </a:solidFill>
-        <a:latin typeface="+mn-lt"/>
-        <a:ea typeface="+mn-ea"/>
-        <a:cs typeface="+mn-cs"/>
-      </a:defRPr>
-    </a:lvl7pPr>
-    <a:lvl8pPr marL="3200400" algn="l" defTabSz="914400" rtl="0" eaLnBrk="1" latinLnBrk="0" hangingPunct="1">
-      <a:defRPr sz="1800" kern="1200">
-        <a:solidFill>
-          <a:schemeClr val="tx1"/>
-        </a:solidFill>
-        <a:latin typeface="+mn-lt"/>
-        <a:ea typeface="+mn-ea"/>
-        <a:cs typeface="+mn-cs"/>
-      </a:defRPr>
-    </a:lvl8pPr>
-    <a:lvl9pPr marL="3657600" algn="l" defTabSz="914400" rtl="0" eaLnBrk="1" latinLnBrk="0" hangingPunct="1">
-      <a:defRPr sz="1800" kern="1200">
-        <a:solidFill>
-          <a:schemeClr val="tx1"/>
-        </a:solidFill>
-        <a:latin typeface="+mn-lt"/>
-        <a:ea typeface="+mn-ea"/>
-        <a:cs typeface="+mn-cs"/>
-      </a:defRPr>
-    </a:lvl9pPr>
-  </p:defaultTextStyle>
-  <p:extLst>
-    <p:ext uri="{EFAFB233-063F-42B5-8137-9DF3F51BA10A}">
-      <p15:sldGuideLst xmlns:p15="http://schemas.microsoft.com/office/powerpoint/2012/main"/>
-    </p:ext>
-  </p:extLst>
+  <p:notesSz cx="7559675" cy="10691812"/>
 </p:presentation>
 </file>
 
 <file path=ppt/slideLayouts/slideLayout1.xml><?xml version="1.0" encoding="utf-8"?>
-<p:sldLayout xmlns:a="http://schemas.openxmlformats.org/drawingml/2006/main" xmlns:r="http://schemas.openxmlformats.org/officeDocument/2006/relationships" xmlns:p="http://schemas.openxmlformats.org/presentationml/2006/main" type="blank" preserve="1">
+<p:sldLayout xmlns:a="http://schemas.openxmlformats.org/drawingml/2006/main" xmlns:p="http://schemas.openxmlformats.org/presentationml/2006/main" xmlns:r="http://schemas.openxmlformats.org/officeDocument/2006/relationships" xmlns:p14="http://schemas.microsoft.com/office/powerpoint/2010/main" xmlns:p15="http://schemas.microsoft.com/office/powerpoint/2012/main" xmlns:mc="http://schemas.openxmlformats.org/markup-compatibility/2006" type="blank" preserve="1">
   <p:cSld name="Blank Slide">
     <p:spTree>
       <p:nvGrpSpPr>
@@ -136,14 +37,11 @@
       </p:grpSpPr>
     </p:spTree>
   </p:cSld>
-  <p:clrMapOvr>
-    <a:masterClrMapping/>
-  </p:clrMapOvr>
 </p:sldLayout>
 </file>
 
 <file path=ppt/slideLayouts/slideLayout10.xml><?xml version="1.0" encoding="utf-8"?>
-<p:sldLayout xmlns:a="http://schemas.openxmlformats.org/drawingml/2006/main" xmlns:r="http://schemas.openxmlformats.org/officeDocument/2006/relationships" xmlns:p="http://schemas.openxmlformats.org/presentationml/2006/main" type="objOverTx" preserve="1">
+<p:sldLayout xmlns:a="http://schemas.openxmlformats.org/drawingml/2006/main" xmlns:p="http://schemas.openxmlformats.org/presentationml/2006/main" xmlns:r="http://schemas.openxmlformats.org/officeDocument/2006/relationships" xmlns:p14="http://schemas.microsoft.com/office/powerpoint/2010/main" xmlns:p15="http://schemas.microsoft.com/office/powerpoint/2012/main" xmlns:mc="http://schemas.openxmlformats.org/markup-compatibility/2006" type="objOverTx" preserve="1">
   <p:cSld name="Title, Content over Content">
     <p:spTree>
       <p:nvGrpSpPr>
@@ -179,11 +77,12 @@
           </a:prstGeom>
         </p:spPr>
         <p:txBody>
-          <a:bodyPr lIns="0" tIns="0" rIns="0" bIns="0" anchor="ctr"/>
-          <a:lstStyle/>
-          <a:p>
-            <a:pPr algn="ctr"/>
-            <a:endParaRPr lang="cs-CZ" sz="4400" b="0" strike="noStrike" spc="-1">
+          <a:bodyPr lIns="0" rIns="0" tIns="0" bIns="0" anchor="ctr"/>
+          <a:p>
+            <a:endParaRPr b="0" lang="cs-CZ" sz="1800" spc="-1" strike="noStrike">
+              <a:solidFill>
+                <a:srgbClr val="000000"/>
+              </a:solidFill>
               <a:latin typeface="Arial"/>
             </a:endParaRPr>
           </a:p>
@@ -209,12 +108,14 @@
           </a:prstGeom>
         </p:spPr>
         <p:txBody>
-          <a:bodyPr lIns="0" tIns="0" rIns="0" bIns="0">
+          <a:bodyPr lIns="0" rIns="0" tIns="0" bIns="0">
             <a:normAutofit/>
           </a:bodyPr>
-          <a:lstStyle/>
-          <a:p>
-            <a:endParaRPr lang="cs-CZ" sz="3200" b="0" strike="noStrike" spc="-1">
+          <a:p>
+            <a:endParaRPr b="0" lang="cs-CZ" sz="2800" spc="-1" strike="noStrike">
+              <a:solidFill>
+                <a:srgbClr val="000000"/>
+              </a:solidFill>
               <a:latin typeface="Arial"/>
             </a:endParaRPr>
           </a:p>
@@ -240,12 +141,14 @@
           </a:prstGeom>
         </p:spPr>
         <p:txBody>
-          <a:bodyPr lIns="0" tIns="0" rIns="0" bIns="0">
+          <a:bodyPr lIns="0" rIns="0" tIns="0" bIns="0">
             <a:normAutofit/>
           </a:bodyPr>
-          <a:lstStyle/>
-          <a:p>
-            <a:endParaRPr lang="cs-CZ" sz="3200" b="0" strike="noStrike" spc="-1">
+          <a:p>
+            <a:endParaRPr b="0" lang="cs-CZ" sz="2800" spc="-1" strike="noStrike">
+              <a:solidFill>
+                <a:srgbClr val="000000"/>
+              </a:solidFill>
               <a:latin typeface="Arial"/>
             </a:endParaRPr>
           </a:p>
@@ -253,14 +156,11 @@
       </p:sp>
     </p:spTree>
   </p:cSld>
-  <p:clrMapOvr>
-    <a:masterClrMapping/>
-  </p:clrMapOvr>
 </p:sldLayout>
 </file>
 
 <file path=ppt/slideLayouts/slideLayout11.xml><?xml version="1.0" encoding="utf-8"?>
-<p:sldLayout xmlns:a="http://schemas.openxmlformats.org/drawingml/2006/main" xmlns:r="http://schemas.openxmlformats.org/officeDocument/2006/relationships" xmlns:p="http://schemas.openxmlformats.org/presentationml/2006/main" type="fourObj" preserve="1">
+<p:sldLayout xmlns:a="http://schemas.openxmlformats.org/drawingml/2006/main" xmlns:p="http://schemas.openxmlformats.org/presentationml/2006/main" xmlns:r="http://schemas.openxmlformats.org/officeDocument/2006/relationships" xmlns:p14="http://schemas.microsoft.com/office/powerpoint/2010/main" xmlns:p15="http://schemas.microsoft.com/office/powerpoint/2012/main" xmlns:mc="http://schemas.openxmlformats.org/markup-compatibility/2006" type="fourObj" preserve="1">
   <p:cSld name="Title, 4 Content">
     <p:spTree>
       <p:nvGrpSpPr>
@@ -296,11 +196,12 @@
           </a:prstGeom>
         </p:spPr>
         <p:txBody>
-          <a:bodyPr lIns="0" tIns="0" rIns="0" bIns="0" anchor="ctr"/>
-          <a:lstStyle/>
-          <a:p>
-            <a:pPr algn="ctr"/>
-            <a:endParaRPr lang="cs-CZ" sz="4400" b="0" strike="noStrike" spc="-1">
+          <a:bodyPr lIns="0" rIns="0" tIns="0" bIns="0" anchor="ctr"/>
+          <a:p>
+            <a:endParaRPr b="0" lang="cs-CZ" sz="1800" spc="-1" strike="noStrike">
+              <a:solidFill>
+                <a:srgbClr val="000000"/>
+              </a:solidFill>
               <a:latin typeface="Arial"/>
             </a:endParaRPr>
           </a:p>
@@ -326,12 +227,14 @@
           </a:prstGeom>
         </p:spPr>
         <p:txBody>
-          <a:bodyPr lIns="0" tIns="0" rIns="0" bIns="0">
+          <a:bodyPr lIns="0" rIns="0" tIns="0" bIns="0">
             <a:normAutofit/>
           </a:bodyPr>
-          <a:lstStyle/>
-          <a:p>
-            <a:endParaRPr lang="cs-CZ" sz="3200" b="0" strike="noStrike" spc="-1">
+          <a:p>
+            <a:endParaRPr b="0" lang="cs-CZ" sz="2800" spc="-1" strike="noStrike">
+              <a:solidFill>
+                <a:srgbClr val="000000"/>
+              </a:solidFill>
               <a:latin typeface="Arial"/>
             </a:endParaRPr>
           </a:p>
@@ -357,12 +260,14 @@
           </a:prstGeom>
         </p:spPr>
         <p:txBody>
-          <a:bodyPr lIns="0" tIns="0" rIns="0" bIns="0">
+          <a:bodyPr lIns="0" rIns="0" tIns="0" bIns="0">
             <a:normAutofit/>
           </a:bodyPr>
-          <a:lstStyle/>
-          <a:p>
-            <a:endParaRPr lang="cs-CZ" sz="3200" b="0" strike="noStrike" spc="-1">
+          <a:p>
+            <a:endParaRPr b="0" lang="cs-CZ" sz="2800" spc="-1" strike="noStrike">
+              <a:solidFill>
+                <a:srgbClr val="000000"/>
+              </a:solidFill>
               <a:latin typeface="Arial"/>
             </a:endParaRPr>
           </a:p>
@@ -388,12 +293,14 @@
           </a:prstGeom>
         </p:spPr>
         <p:txBody>
-          <a:bodyPr lIns="0" tIns="0" rIns="0" bIns="0">
+          <a:bodyPr lIns="0" rIns="0" tIns="0" bIns="0">
             <a:normAutofit/>
           </a:bodyPr>
-          <a:lstStyle/>
-          <a:p>
-            <a:endParaRPr lang="cs-CZ" sz="3200" b="0" strike="noStrike" spc="-1">
+          <a:p>
+            <a:endParaRPr b="0" lang="cs-CZ" sz="2800" spc="-1" strike="noStrike">
+              <a:solidFill>
+                <a:srgbClr val="000000"/>
+              </a:solidFill>
               <a:latin typeface="Arial"/>
             </a:endParaRPr>
           </a:p>
@@ -419,12 +326,14 @@
           </a:prstGeom>
         </p:spPr>
         <p:txBody>
-          <a:bodyPr lIns="0" tIns="0" rIns="0" bIns="0">
+          <a:bodyPr lIns="0" rIns="0" tIns="0" bIns="0">
             <a:normAutofit/>
           </a:bodyPr>
-          <a:lstStyle/>
-          <a:p>
-            <a:endParaRPr lang="cs-CZ" sz="3200" b="0" strike="noStrike" spc="-1">
+          <a:p>
+            <a:endParaRPr b="0" lang="cs-CZ" sz="2800" spc="-1" strike="noStrike">
+              <a:solidFill>
+                <a:srgbClr val="000000"/>
+              </a:solidFill>
               <a:latin typeface="Arial"/>
             </a:endParaRPr>
           </a:p>
@@ -432,14 +341,11 @@
       </p:sp>
     </p:spTree>
   </p:cSld>
-  <p:clrMapOvr>
-    <a:masterClrMapping/>
-  </p:clrMapOvr>
 </p:sldLayout>
 </file>
 
 <file path=ppt/slideLayouts/slideLayout12.xml><?xml version="1.0" encoding="utf-8"?>
-<p:sldLayout xmlns:a="http://schemas.openxmlformats.org/drawingml/2006/main" xmlns:r="http://schemas.openxmlformats.org/officeDocument/2006/relationships" xmlns:p="http://schemas.openxmlformats.org/presentationml/2006/main" type="blank" preserve="1">
+<p:sldLayout xmlns:a="http://schemas.openxmlformats.org/drawingml/2006/main" xmlns:p="http://schemas.openxmlformats.org/presentationml/2006/main" xmlns:r="http://schemas.openxmlformats.org/officeDocument/2006/relationships" xmlns:p14="http://schemas.microsoft.com/office/powerpoint/2010/main" xmlns:p15="http://schemas.microsoft.com/office/powerpoint/2012/main" xmlns:mc="http://schemas.openxmlformats.org/markup-compatibility/2006" type="blank" preserve="1">
   <p:cSld name="Title, 6 Content">
     <p:spTree>
       <p:nvGrpSpPr>
@@ -475,11 +381,12 @@
           </a:prstGeom>
         </p:spPr>
         <p:txBody>
-          <a:bodyPr lIns="0" tIns="0" rIns="0" bIns="0" anchor="ctr"/>
-          <a:lstStyle/>
-          <a:p>
-            <a:pPr algn="ctr"/>
-            <a:endParaRPr lang="cs-CZ" sz="4400" b="0" strike="noStrike" spc="-1">
+          <a:bodyPr lIns="0" rIns="0" tIns="0" bIns="0" anchor="ctr"/>
+          <a:p>
+            <a:endParaRPr b="0" lang="cs-CZ" sz="1800" spc="-1" strike="noStrike">
+              <a:solidFill>
+                <a:srgbClr val="000000"/>
+              </a:solidFill>
               <a:latin typeface="Arial"/>
             </a:endParaRPr>
           </a:p>
@@ -505,12 +412,14 @@
           </a:prstGeom>
         </p:spPr>
         <p:txBody>
-          <a:bodyPr lIns="0" tIns="0" rIns="0" bIns="0">
+          <a:bodyPr lIns="0" rIns="0" tIns="0" bIns="0">
             <a:normAutofit/>
           </a:bodyPr>
-          <a:lstStyle/>
-          <a:p>
-            <a:endParaRPr lang="cs-CZ" sz="3200" b="0" strike="noStrike" spc="-1">
+          <a:p>
+            <a:endParaRPr b="0" lang="cs-CZ" sz="2800" spc="-1" strike="noStrike">
+              <a:solidFill>
+                <a:srgbClr val="000000"/>
+              </a:solidFill>
               <a:latin typeface="Arial"/>
             </a:endParaRPr>
           </a:p>
@@ -536,12 +445,14 @@
           </a:prstGeom>
         </p:spPr>
         <p:txBody>
-          <a:bodyPr lIns="0" tIns="0" rIns="0" bIns="0">
+          <a:bodyPr lIns="0" rIns="0" tIns="0" bIns="0">
             <a:normAutofit/>
           </a:bodyPr>
-          <a:lstStyle/>
-          <a:p>
-            <a:endParaRPr lang="cs-CZ" sz="3200" b="0" strike="noStrike" spc="-1">
+          <a:p>
+            <a:endParaRPr b="0" lang="cs-CZ" sz="2800" spc="-1" strike="noStrike">
+              <a:solidFill>
+                <a:srgbClr val="000000"/>
+              </a:solidFill>
               <a:latin typeface="Arial"/>
             </a:endParaRPr>
           </a:p>
@@ -567,12 +478,14 @@
           </a:prstGeom>
         </p:spPr>
         <p:txBody>
-          <a:bodyPr lIns="0" tIns="0" rIns="0" bIns="0">
+          <a:bodyPr lIns="0" rIns="0" tIns="0" bIns="0">
             <a:normAutofit/>
           </a:bodyPr>
-          <a:lstStyle/>
-          <a:p>
-            <a:endParaRPr lang="cs-CZ" sz="3200" b="0" strike="noStrike" spc="-1">
+          <a:p>
+            <a:endParaRPr b="0" lang="cs-CZ" sz="2800" spc="-1" strike="noStrike">
+              <a:solidFill>
+                <a:srgbClr val="000000"/>
+              </a:solidFill>
               <a:latin typeface="Arial"/>
             </a:endParaRPr>
           </a:p>
@@ -598,12 +511,14 @@
           </a:prstGeom>
         </p:spPr>
         <p:txBody>
-          <a:bodyPr lIns="0" tIns="0" rIns="0" bIns="0">
+          <a:bodyPr lIns="0" rIns="0" tIns="0" bIns="0">
             <a:normAutofit/>
           </a:bodyPr>
-          <a:lstStyle/>
-          <a:p>
-            <a:endParaRPr lang="cs-CZ" sz="3200" b="0" strike="noStrike" spc="-1">
+          <a:p>
+            <a:endParaRPr b="0" lang="cs-CZ" sz="2800" spc="-1" strike="noStrike">
+              <a:solidFill>
+                <a:srgbClr val="000000"/>
+              </a:solidFill>
               <a:latin typeface="Arial"/>
             </a:endParaRPr>
           </a:p>
@@ -629,12 +544,14 @@
           </a:prstGeom>
         </p:spPr>
         <p:txBody>
-          <a:bodyPr lIns="0" tIns="0" rIns="0" bIns="0">
+          <a:bodyPr lIns="0" rIns="0" tIns="0" bIns="0">
             <a:normAutofit/>
           </a:bodyPr>
-          <a:lstStyle/>
-          <a:p>
-            <a:endParaRPr lang="cs-CZ" sz="3200" b="0" strike="noStrike" spc="-1">
+          <a:p>
+            <a:endParaRPr b="0" lang="cs-CZ" sz="2800" spc="-1" strike="noStrike">
+              <a:solidFill>
+                <a:srgbClr val="000000"/>
+              </a:solidFill>
               <a:latin typeface="Arial"/>
             </a:endParaRPr>
           </a:p>
@@ -660,12 +577,14 @@
           </a:prstGeom>
         </p:spPr>
         <p:txBody>
-          <a:bodyPr lIns="0" tIns="0" rIns="0" bIns="0">
+          <a:bodyPr lIns="0" rIns="0" tIns="0" bIns="0">
             <a:normAutofit/>
           </a:bodyPr>
-          <a:lstStyle/>
-          <a:p>
-            <a:endParaRPr lang="cs-CZ" sz="3200" b="0" strike="noStrike" spc="-1">
+          <a:p>
+            <a:endParaRPr b="0" lang="cs-CZ" sz="2800" spc="-1" strike="noStrike">
+              <a:solidFill>
+                <a:srgbClr val="000000"/>
+              </a:solidFill>
               <a:latin typeface="Arial"/>
             </a:endParaRPr>
           </a:p>
@@ -673,14 +592,11 @@
       </p:sp>
     </p:spTree>
   </p:cSld>
-  <p:clrMapOvr>
-    <a:masterClrMapping/>
-  </p:clrMapOvr>
 </p:sldLayout>
 </file>
 
 <file path=ppt/slideLayouts/slideLayout13.xml><?xml version="1.0" encoding="utf-8"?>
-<p:sldLayout xmlns:a="http://schemas.openxmlformats.org/drawingml/2006/main" xmlns:r="http://schemas.openxmlformats.org/officeDocument/2006/relationships" xmlns:p="http://schemas.openxmlformats.org/presentationml/2006/main" type="blank" preserve="1">
+<p:sldLayout xmlns:a="http://schemas.openxmlformats.org/drawingml/2006/main" xmlns:p="http://schemas.openxmlformats.org/presentationml/2006/main" xmlns:r="http://schemas.openxmlformats.org/officeDocument/2006/relationships" xmlns:p14="http://schemas.microsoft.com/office/powerpoint/2010/main" xmlns:p15="http://schemas.microsoft.com/office/powerpoint/2012/main" xmlns:mc="http://schemas.openxmlformats.org/markup-compatibility/2006" type="blank" preserve="1">
   <p:cSld name="Blank Slide">
     <p:spTree>
       <p:nvGrpSpPr>
@@ -698,14 +614,11 @@
       </p:grpSpPr>
     </p:spTree>
   </p:cSld>
-  <p:clrMapOvr>
-    <a:masterClrMapping/>
-  </p:clrMapOvr>
 </p:sldLayout>
 </file>
 
 <file path=ppt/slideLayouts/slideLayout14.xml><?xml version="1.0" encoding="utf-8"?>
-<p:sldLayout xmlns:a="http://schemas.openxmlformats.org/drawingml/2006/main" xmlns:r="http://schemas.openxmlformats.org/officeDocument/2006/relationships" xmlns:p="http://schemas.openxmlformats.org/presentationml/2006/main" type="tx" preserve="1">
+<p:sldLayout xmlns:a="http://schemas.openxmlformats.org/drawingml/2006/main" xmlns:p="http://schemas.openxmlformats.org/presentationml/2006/main" xmlns:r="http://schemas.openxmlformats.org/officeDocument/2006/relationships" xmlns:p14="http://schemas.microsoft.com/office/powerpoint/2010/main" xmlns:p15="http://schemas.microsoft.com/office/powerpoint/2012/main" xmlns:mc="http://schemas.openxmlformats.org/markup-compatibility/2006" type="tx" preserve="1">
   <p:cSld name="Title Slide">
     <p:spTree>
       <p:nvGrpSpPr>
@@ -723,7 +636,7 @@
       </p:grpSpPr>
       <p:sp>
         <p:nvSpPr>
-          <p:cNvPr id="78" name="PlaceHolder 1"/>
+          <p:cNvPr id="40" name="PlaceHolder 1"/>
           <p:cNvSpPr>
             <a:spLocks noGrp="1"/>
           </p:cNvSpPr>
@@ -741,19 +654,20 @@
           </a:prstGeom>
         </p:spPr>
         <p:txBody>
-          <a:bodyPr lIns="0" tIns="0" rIns="0" bIns="0" anchor="ctr"/>
-          <a:lstStyle/>
-          <a:p>
-            <a:pPr algn="ctr"/>
-            <a:endParaRPr lang="cs-CZ" sz="4400" b="0" strike="noStrike" spc="-1">
-              <a:latin typeface="Arial"/>
-            </a:endParaRPr>
-          </a:p>
-        </p:txBody>
-      </p:sp>
-      <p:sp>
-        <p:nvSpPr>
-          <p:cNvPr id="79" name="PlaceHolder 2"/>
+          <a:bodyPr lIns="0" rIns="0" tIns="0" bIns="0" anchor="ctr"/>
+          <a:p>
+            <a:endParaRPr b="0" lang="cs-CZ" sz="1800" spc="-1" strike="noStrike">
+              <a:solidFill>
+                <a:srgbClr val="000000"/>
+              </a:solidFill>
+              <a:latin typeface="Arial"/>
+            </a:endParaRPr>
+          </a:p>
+        </p:txBody>
+      </p:sp>
+      <p:sp>
+        <p:nvSpPr>
+          <p:cNvPr id="41" name="PlaceHolder 2"/>
           <p:cNvSpPr>
             <a:spLocks noGrp="1"/>
           </p:cNvSpPr>
@@ -771,11 +685,10 @@
           </a:prstGeom>
         </p:spPr>
         <p:txBody>
-          <a:bodyPr lIns="0" tIns="0" rIns="0" bIns="0" anchor="ctr"/>
-          <a:lstStyle/>
+          <a:bodyPr lIns="0" rIns="0" tIns="0" bIns="0" anchor="ctr"/>
           <a:p>
             <a:pPr algn="ctr"/>
-            <a:endParaRPr lang="cs-CZ" sz="3200" b="0" strike="noStrike" spc="-1">
+            <a:endParaRPr b="0" lang="cs-CZ" sz="3200" spc="-1" strike="noStrike">
               <a:latin typeface="Arial"/>
             </a:endParaRPr>
           </a:p>
@@ -783,14 +696,11 @@
       </p:sp>
     </p:spTree>
   </p:cSld>
-  <p:clrMapOvr>
-    <a:masterClrMapping/>
-  </p:clrMapOvr>
 </p:sldLayout>
 </file>
 
 <file path=ppt/slideLayouts/slideLayout15.xml><?xml version="1.0" encoding="utf-8"?>
-<p:sldLayout xmlns:a="http://schemas.openxmlformats.org/drawingml/2006/main" xmlns:r="http://schemas.openxmlformats.org/officeDocument/2006/relationships" xmlns:p="http://schemas.openxmlformats.org/presentationml/2006/main" type="obj" preserve="1">
+<p:sldLayout xmlns:a="http://schemas.openxmlformats.org/drawingml/2006/main" xmlns:p="http://schemas.openxmlformats.org/presentationml/2006/main" xmlns:r="http://schemas.openxmlformats.org/officeDocument/2006/relationships" xmlns:p14="http://schemas.microsoft.com/office/powerpoint/2010/main" xmlns:p15="http://schemas.microsoft.com/office/powerpoint/2012/main" xmlns:mc="http://schemas.openxmlformats.org/markup-compatibility/2006" type="obj" preserve="1">
   <p:cSld name="Title, Content">
     <p:spTree>
       <p:nvGrpSpPr>
@@ -808,7 +718,7 @@
       </p:grpSpPr>
       <p:sp>
         <p:nvSpPr>
-          <p:cNvPr id="80" name="PlaceHolder 1"/>
+          <p:cNvPr id="42" name="PlaceHolder 1"/>
           <p:cNvSpPr>
             <a:spLocks noGrp="1"/>
           </p:cNvSpPr>
@@ -826,19 +736,20 @@
           </a:prstGeom>
         </p:spPr>
         <p:txBody>
-          <a:bodyPr lIns="0" tIns="0" rIns="0" bIns="0" anchor="ctr"/>
-          <a:lstStyle/>
-          <a:p>
-            <a:pPr algn="ctr"/>
-            <a:endParaRPr lang="cs-CZ" sz="4400" b="0" strike="noStrike" spc="-1">
-              <a:latin typeface="Arial"/>
-            </a:endParaRPr>
-          </a:p>
-        </p:txBody>
-      </p:sp>
-      <p:sp>
-        <p:nvSpPr>
-          <p:cNvPr id="81" name="PlaceHolder 2"/>
+          <a:bodyPr lIns="0" rIns="0" tIns="0" bIns="0" anchor="ctr"/>
+          <a:p>
+            <a:endParaRPr b="0" lang="cs-CZ" sz="1800" spc="-1" strike="noStrike">
+              <a:solidFill>
+                <a:srgbClr val="000000"/>
+              </a:solidFill>
+              <a:latin typeface="Arial"/>
+            </a:endParaRPr>
+          </a:p>
+        </p:txBody>
+      </p:sp>
+      <p:sp>
+        <p:nvSpPr>
+          <p:cNvPr id="43" name="PlaceHolder 2"/>
           <p:cNvSpPr>
             <a:spLocks noGrp="1"/>
           </p:cNvSpPr>
@@ -856,12 +767,14 @@
           </a:prstGeom>
         </p:spPr>
         <p:txBody>
-          <a:bodyPr lIns="0" tIns="0" rIns="0" bIns="0">
+          <a:bodyPr lIns="0" rIns="0" tIns="0" bIns="0">
             <a:normAutofit/>
           </a:bodyPr>
-          <a:lstStyle/>
-          <a:p>
-            <a:endParaRPr lang="cs-CZ" sz="3200" b="0" strike="noStrike" spc="-1">
+          <a:p>
+            <a:endParaRPr b="0" lang="cs-CZ" sz="2800" spc="-1" strike="noStrike">
+              <a:solidFill>
+                <a:srgbClr val="000000"/>
+              </a:solidFill>
               <a:latin typeface="Arial"/>
             </a:endParaRPr>
           </a:p>
@@ -869,14 +782,11 @@
       </p:sp>
     </p:spTree>
   </p:cSld>
-  <p:clrMapOvr>
-    <a:masterClrMapping/>
-  </p:clrMapOvr>
 </p:sldLayout>
 </file>
 
 <file path=ppt/slideLayouts/slideLayout16.xml><?xml version="1.0" encoding="utf-8"?>
-<p:sldLayout xmlns:a="http://schemas.openxmlformats.org/drawingml/2006/main" xmlns:r="http://schemas.openxmlformats.org/officeDocument/2006/relationships" xmlns:p="http://schemas.openxmlformats.org/presentationml/2006/main" type="twoObj" preserve="1">
+<p:sldLayout xmlns:a="http://schemas.openxmlformats.org/drawingml/2006/main" xmlns:p="http://schemas.openxmlformats.org/presentationml/2006/main" xmlns:r="http://schemas.openxmlformats.org/officeDocument/2006/relationships" xmlns:p14="http://schemas.microsoft.com/office/powerpoint/2010/main" xmlns:p15="http://schemas.microsoft.com/office/powerpoint/2012/main" xmlns:mc="http://schemas.openxmlformats.org/markup-compatibility/2006" type="twoObj" preserve="1">
   <p:cSld name="Title, 2 Content">
     <p:spTree>
       <p:nvGrpSpPr>
@@ -894,7 +804,7 @@
       </p:grpSpPr>
       <p:sp>
         <p:nvSpPr>
-          <p:cNvPr id="82" name="PlaceHolder 1"/>
+          <p:cNvPr id="44" name="PlaceHolder 1"/>
           <p:cNvSpPr>
             <a:spLocks noGrp="1"/>
           </p:cNvSpPr>
@@ -912,19 +822,20 @@
           </a:prstGeom>
         </p:spPr>
         <p:txBody>
-          <a:bodyPr lIns="0" tIns="0" rIns="0" bIns="0" anchor="ctr"/>
-          <a:lstStyle/>
-          <a:p>
-            <a:pPr algn="ctr"/>
-            <a:endParaRPr lang="cs-CZ" sz="4400" b="0" strike="noStrike" spc="-1">
-              <a:latin typeface="Arial"/>
-            </a:endParaRPr>
-          </a:p>
-        </p:txBody>
-      </p:sp>
-      <p:sp>
-        <p:nvSpPr>
-          <p:cNvPr id="83" name="PlaceHolder 2"/>
+          <a:bodyPr lIns="0" rIns="0" tIns="0" bIns="0" anchor="ctr"/>
+          <a:p>
+            <a:endParaRPr b="0" lang="cs-CZ" sz="1800" spc="-1" strike="noStrike">
+              <a:solidFill>
+                <a:srgbClr val="000000"/>
+              </a:solidFill>
+              <a:latin typeface="Arial"/>
+            </a:endParaRPr>
+          </a:p>
+        </p:txBody>
+      </p:sp>
+      <p:sp>
+        <p:nvSpPr>
+          <p:cNvPr id="45" name="PlaceHolder 2"/>
           <p:cNvSpPr>
             <a:spLocks noGrp="1"/>
           </p:cNvSpPr>
@@ -942,20 +853,22 @@
           </a:prstGeom>
         </p:spPr>
         <p:txBody>
-          <a:bodyPr lIns="0" tIns="0" rIns="0" bIns="0">
+          <a:bodyPr lIns="0" rIns="0" tIns="0" bIns="0">
             <a:normAutofit/>
           </a:bodyPr>
-          <a:lstStyle/>
-          <a:p>
-            <a:endParaRPr lang="cs-CZ" sz="3200" b="0" strike="noStrike" spc="-1">
-              <a:latin typeface="Arial"/>
-            </a:endParaRPr>
-          </a:p>
-        </p:txBody>
-      </p:sp>
-      <p:sp>
-        <p:nvSpPr>
-          <p:cNvPr id="84" name="PlaceHolder 3"/>
+          <a:p>
+            <a:endParaRPr b="0" lang="cs-CZ" sz="2800" spc="-1" strike="noStrike">
+              <a:solidFill>
+                <a:srgbClr val="000000"/>
+              </a:solidFill>
+              <a:latin typeface="Arial"/>
+            </a:endParaRPr>
+          </a:p>
+        </p:txBody>
+      </p:sp>
+      <p:sp>
+        <p:nvSpPr>
+          <p:cNvPr id="46" name="PlaceHolder 3"/>
           <p:cNvSpPr>
             <a:spLocks noGrp="1"/>
           </p:cNvSpPr>
@@ -973,12 +886,14 @@
           </a:prstGeom>
         </p:spPr>
         <p:txBody>
-          <a:bodyPr lIns="0" tIns="0" rIns="0" bIns="0">
+          <a:bodyPr lIns="0" rIns="0" tIns="0" bIns="0">
             <a:normAutofit/>
           </a:bodyPr>
-          <a:lstStyle/>
-          <a:p>
-            <a:endParaRPr lang="cs-CZ" sz="3200" b="0" strike="noStrike" spc="-1">
+          <a:p>
+            <a:endParaRPr b="0" lang="cs-CZ" sz="2800" spc="-1" strike="noStrike">
+              <a:solidFill>
+                <a:srgbClr val="000000"/>
+              </a:solidFill>
               <a:latin typeface="Arial"/>
             </a:endParaRPr>
           </a:p>
@@ -986,14 +901,11 @@
       </p:sp>
     </p:spTree>
   </p:cSld>
-  <p:clrMapOvr>
-    <a:masterClrMapping/>
-  </p:clrMapOvr>
 </p:sldLayout>
 </file>
 
 <file path=ppt/slideLayouts/slideLayout17.xml><?xml version="1.0" encoding="utf-8"?>
-<p:sldLayout xmlns:a="http://schemas.openxmlformats.org/drawingml/2006/main" xmlns:r="http://schemas.openxmlformats.org/officeDocument/2006/relationships" xmlns:p="http://schemas.openxmlformats.org/presentationml/2006/main" type="titleOnly" preserve="1">
+<p:sldLayout xmlns:a="http://schemas.openxmlformats.org/drawingml/2006/main" xmlns:p="http://schemas.openxmlformats.org/presentationml/2006/main" xmlns:r="http://schemas.openxmlformats.org/officeDocument/2006/relationships" xmlns:p14="http://schemas.microsoft.com/office/powerpoint/2010/main" xmlns:p15="http://schemas.microsoft.com/office/powerpoint/2012/main" xmlns:mc="http://schemas.openxmlformats.org/markup-compatibility/2006" type="titleOnly" preserve="1">
   <p:cSld name="Title Only">
     <p:spTree>
       <p:nvGrpSpPr>
@@ -1011,7 +923,7 @@
       </p:grpSpPr>
       <p:sp>
         <p:nvSpPr>
-          <p:cNvPr id="85" name="PlaceHolder 1"/>
+          <p:cNvPr id="47" name="PlaceHolder 1"/>
           <p:cNvSpPr>
             <a:spLocks noGrp="1"/>
           </p:cNvSpPr>
@@ -1029,11 +941,12 @@
           </a:prstGeom>
         </p:spPr>
         <p:txBody>
-          <a:bodyPr lIns="0" tIns="0" rIns="0" bIns="0" anchor="ctr"/>
-          <a:lstStyle/>
-          <a:p>
-            <a:pPr algn="ctr"/>
-            <a:endParaRPr lang="cs-CZ" sz="4400" b="0" strike="noStrike" spc="-1">
+          <a:bodyPr lIns="0" rIns="0" tIns="0" bIns="0" anchor="ctr"/>
+          <a:p>
+            <a:endParaRPr b="0" lang="cs-CZ" sz="1800" spc="-1" strike="noStrike">
+              <a:solidFill>
+                <a:srgbClr val="000000"/>
+              </a:solidFill>
               <a:latin typeface="Arial"/>
             </a:endParaRPr>
           </a:p>
@@ -1041,14 +954,11 @@
       </p:sp>
     </p:spTree>
   </p:cSld>
-  <p:clrMapOvr>
-    <a:masterClrMapping/>
-  </p:clrMapOvr>
 </p:sldLayout>
 </file>
 
 <file path=ppt/slideLayouts/slideLayout18.xml><?xml version="1.0" encoding="utf-8"?>
-<p:sldLayout xmlns:a="http://schemas.openxmlformats.org/drawingml/2006/main" xmlns:r="http://schemas.openxmlformats.org/officeDocument/2006/relationships" xmlns:p="http://schemas.openxmlformats.org/presentationml/2006/main" type="objOnly" preserve="1">
+<p:sldLayout xmlns:a="http://schemas.openxmlformats.org/drawingml/2006/main" xmlns:p="http://schemas.openxmlformats.org/presentationml/2006/main" xmlns:r="http://schemas.openxmlformats.org/officeDocument/2006/relationships" xmlns:p14="http://schemas.microsoft.com/office/powerpoint/2010/main" xmlns:p15="http://schemas.microsoft.com/office/powerpoint/2012/main" xmlns:mc="http://schemas.openxmlformats.org/markup-compatibility/2006" type="objOnly" preserve="1">
   <p:cSld name="Centered Text">
     <p:spTree>
       <p:nvGrpSpPr>
@@ -1066,7 +976,7 @@
       </p:grpSpPr>
       <p:sp>
         <p:nvSpPr>
-          <p:cNvPr id="86" name="PlaceHolder 1"/>
+          <p:cNvPr id="48" name="PlaceHolder 1"/>
           <p:cNvSpPr>
             <a:spLocks noGrp="1"/>
           </p:cNvSpPr>
@@ -1084,11 +994,10 @@
           </a:prstGeom>
         </p:spPr>
         <p:txBody>
-          <a:bodyPr lIns="0" tIns="0" rIns="0" bIns="0" anchor="ctr"/>
-          <a:lstStyle/>
+          <a:bodyPr lIns="0" rIns="0" tIns="0" bIns="0" anchor="ctr"/>
           <a:p>
             <a:pPr algn="ctr"/>
-            <a:endParaRPr lang="cs-CZ" sz="3200" b="0" strike="noStrike" spc="-1">
+            <a:endParaRPr b="0" lang="cs-CZ" sz="3200" spc="-1" strike="noStrike">
               <a:latin typeface="Arial"/>
             </a:endParaRPr>
           </a:p>
@@ -1096,14 +1005,11 @@
       </p:sp>
     </p:spTree>
   </p:cSld>
-  <p:clrMapOvr>
-    <a:masterClrMapping/>
-  </p:clrMapOvr>
 </p:sldLayout>
 </file>
 
 <file path=ppt/slideLayouts/slideLayout19.xml><?xml version="1.0" encoding="utf-8"?>
-<p:sldLayout xmlns:a="http://schemas.openxmlformats.org/drawingml/2006/main" xmlns:r="http://schemas.openxmlformats.org/officeDocument/2006/relationships" xmlns:p="http://schemas.openxmlformats.org/presentationml/2006/main" type="twoObjAndObj" preserve="1">
+<p:sldLayout xmlns:a="http://schemas.openxmlformats.org/drawingml/2006/main" xmlns:p="http://schemas.openxmlformats.org/presentationml/2006/main" xmlns:r="http://schemas.openxmlformats.org/officeDocument/2006/relationships" xmlns:p14="http://schemas.microsoft.com/office/powerpoint/2010/main" xmlns:p15="http://schemas.microsoft.com/office/powerpoint/2012/main" xmlns:mc="http://schemas.openxmlformats.org/markup-compatibility/2006" type="twoObjAndObj" preserve="1">
   <p:cSld name="Title, 2 Content and Content">
     <p:spTree>
       <p:nvGrpSpPr>
@@ -1121,7 +1027,7 @@
       </p:grpSpPr>
       <p:sp>
         <p:nvSpPr>
-          <p:cNvPr id="87" name="PlaceHolder 1"/>
+          <p:cNvPr id="49" name="PlaceHolder 1"/>
           <p:cNvSpPr>
             <a:spLocks noGrp="1"/>
           </p:cNvSpPr>
@@ -1139,19 +1045,20 @@
           </a:prstGeom>
         </p:spPr>
         <p:txBody>
-          <a:bodyPr lIns="0" tIns="0" rIns="0" bIns="0" anchor="ctr"/>
-          <a:lstStyle/>
-          <a:p>
-            <a:pPr algn="ctr"/>
-            <a:endParaRPr lang="cs-CZ" sz="4400" b="0" strike="noStrike" spc="-1">
-              <a:latin typeface="Arial"/>
-            </a:endParaRPr>
-          </a:p>
-        </p:txBody>
-      </p:sp>
-      <p:sp>
-        <p:nvSpPr>
-          <p:cNvPr id="88" name="PlaceHolder 2"/>
+          <a:bodyPr lIns="0" rIns="0" tIns="0" bIns="0" anchor="ctr"/>
+          <a:p>
+            <a:endParaRPr b="0" lang="cs-CZ" sz="1800" spc="-1" strike="noStrike">
+              <a:solidFill>
+                <a:srgbClr val="000000"/>
+              </a:solidFill>
+              <a:latin typeface="Arial"/>
+            </a:endParaRPr>
+          </a:p>
+        </p:txBody>
+      </p:sp>
+      <p:sp>
+        <p:nvSpPr>
+          <p:cNvPr id="50" name="PlaceHolder 2"/>
           <p:cNvSpPr>
             <a:spLocks noGrp="1"/>
           </p:cNvSpPr>
@@ -1169,20 +1076,22 @@
           </a:prstGeom>
         </p:spPr>
         <p:txBody>
-          <a:bodyPr lIns="0" tIns="0" rIns="0" bIns="0">
+          <a:bodyPr lIns="0" rIns="0" tIns="0" bIns="0">
             <a:normAutofit/>
           </a:bodyPr>
-          <a:lstStyle/>
-          <a:p>
-            <a:endParaRPr lang="cs-CZ" sz="3200" b="0" strike="noStrike" spc="-1">
-              <a:latin typeface="Arial"/>
-            </a:endParaRPr>
-          </a:p>
-        </p:txBody>
-      </p:sp>
-      <p:sp>
-        <p:nvSpPr>
-          <p:cNvPr id="89" name="PlaceHolder 3"/>
+          <a:p>
+            <a:endParaRPr b="0" lang="cs-CZ" sz="2800" spc="-1" strike="noStrike">
+              <a:solidFill>
+                <a:srgbClr val="000000"/>
+              </a:solidFill>
+              <a:latin typeface="Arial"/>
+            </a:endParaRPr>
+          </a:p>
+        </p:txBody>
+      </p:sp>
+      <p:sp>
+        <p:nvSpPr>
+          <p:cNvPr id="51" name="PlaceHolder 3"/>
           <p:cNvSpPr>
             <a:spLocks noGrp="1"/>
           </p:cNvSpPr>
@@ -1200,20 +1109,22 @@
           </a:prstGeom>
         </p:spPr>
         <p:txBody>
-          <a:bodyPr lIns="0" tIns="0" rIns="0" bIns="0">
+          <a:bodyPr lIns="0" rIns="0" tIns="0" bIns="0">
             <a:normAutofit/>
           </a:bodyPr>
-          <a:lstStyle/>
-          <a:p>
-            <a:endParaRPr lang="cs-CZ" sz="3200" b="0" strike="noStrike" spc="-1">
-              <a:latin typeface="Arial"/>
-            </a:endParaRPr>
-          </a:p>
-        </p:txBody>
-      </p:sp>
-      <p:sp>
-        <p:nvSpPr>
-          <p:cNvPr id="90" name="PlaceHolder 4"/>
+          <a:p>
+            <a:endParaRPr b="0" lang="cs-CZ" sz="2800" spc="-1" strike="noStrike">
+              <a:solidFill>
+                <a:srgbClr val="000000"/>
+              </a:solidFill>
+              <a:latin typeface="Arial"/>
+            </a:endParaRPr>
+          </a:p>
+        </p:txBody>
+      </p:sp>
+      <p:sp>
+        <p:nvSpPr>
+          <p:cNvPr id="52" name="PlaceHolder 4"/>
           <p:cNvSpPr>
             <a:spLocks noGrp="1"/>
           </p:cNvSpPr>
@@ -1231,12 +1142,14 @@
           </a:prstGeom>
         </p:spPr>
         <p:txBody>
-          <a:bodyPr lIns="0" tIns="0" rIns="0" bIns="0">
+          <a:bodyPr lIns="0" rIns="0" tIns="0" bIns="0">
             <a:normAutofit/>
           </a:bodyPr>
-          <a:lstStyle/>
-          <a:p>
-            <a:endParaRPr lang="cs-CZ" sz="3200" b="0" strike="noStrike" spc="-1">
+          <a:p>
+            <a:endParaRPr b="0" lang="cs-CZ" sz="2800" spc="-1" strike="noStrike">
+              <a:solidFill>
+                <a:srgbClr val="000000"/>
+              </a:solidFill>
               <a:latin typeface="Arial"/>
             </a:endParaRPr>
           </a:p>
@@ -1244,14 +1157,11 @@
       </p:sp>
     </p:spTree>
   </p:cSld>
-  <p:clrMapOvr>
-    <a:masterClrMapping/>
-  </p:clrMapOvr>
 </p:sldLayout>
 </file>
 
 <file path=ppt/slideLayouts/slideLayout2.xml><?xml version="1.0" encoding="utf-8"?>
-<p:sldLayout xmlns:a="http://schemas.openxmlformats.org/drawingml/2006/main" xmlns:r="http://schemas.openxmlformats.org/officeDocument/2006/relationships" xmlns:p="http://schemas.openxmlformats.org/presentationml/2006/main" type="tx" preserve="1">
+<p:sldLayout xmlns:a="http://schemas.openxmlformats.org/drawingml/2006/main" xmlns:p="http://schemas.openxmlformats.org/presentationml/2006/main" xmlns:r="http://schemas.openxmlformats.org/officeDocument/2006/relationships" xmlns:p14="http://schemas.microsoft.com/office/powerpoint/2010/main" xmlns:p15="http://schemas.microsoft.com/office/powerpoint/2012/main" xmlns:mc="http://schemas.openxmlformats.org/markup-compatibility/2006" type="tx" preserve="1">
   <p:cSld name="Title Slide">
     <p:spTree>
       <p:nvGrpSpPr>
@@ -1287,11 +1197,12 @@
           </a:prstGeom>
         </p:spPr>
         <p:txBody>
-          <a:bodyPr lIns="0" tIns="0" rIns="0" bIns="0" anchor="ctr"/>
-          <a:lstStyle/>
-          <a:p>
-            <a:pPr algn="ctr"/>
-            <a:endParaRPr lang="cs-CZ" sz="4400" b="0" strike="noStrike" spc="-1">
+          <a:bodyPr lIns="0" rIns="0" tIns="0" bIns="0" anchor="ctr"/>
+          <a:p>
+            <a:endParaRPr b="0" lang="cs-CZ" sz="1800" spc="-1" strike="noStrike">
+              <a:solidFill>
+                <a:srgbClr val="000000"/>
+              </a:solidFill>
               <a:latin typeface="Arial"/>
             </a:endParaRPr>
           </a:p>
@@ -1317,11 +1228,10 @@
           </a:prstGeom>
         </p:spPr>
         <p:txBody>
-          <a:bodyPr lIns="0" tIns="0" rIns="0" bIns="0" anchor="ctr"/>
-          <a:lstStyle/>
+          <a:bodyPr lIns="0" rIns="0" tIns="0" bIns="0" anchor="ctr"/>
           <a:p>
             <a:pPr algn="ctr"/>
-            <a:endParaRPr lang="cs-CZ" sz="3200" b="0" strike="noStrike" spc="-1">
+            <a:endParaRPr b="0" lang="cs-CZ" sz="3200" spc="-1" strike="noStrike">
               <a:latin typeface="Arial"/>
             </a:endParaRPr>
           </a:p>
@@ -1329,14 +1239,11 @@
       </p:sp>
     </p:spTree>
   </p:cSld>
-  <p:clrMapOvr>
-    <a:masterClrMapping/>
-  </p:clrMapOvr>
 </p:sldLayout>
 </file>
 
 <file path=ppt/slideLayouts/slideLayout20.xml><?xml version="1.0" encoding="utf-8"?>
-<p:sldLayout xmlns:a="http://schemas.openxmlformats.org/drawingml/2006/main" xmlns:r="http://schemas.openxmlformats.org/officeDocument/2006/relationships" xmlns:p="http://schemas.openxmlformats.org/presentationml/2006/main" type="objAndTwoObj" preserve="1">
+<p:sldLayout xmlns:a="http://schemas.openxmlformats.org/drawingml/2006/main" xmlns:p="http://schemas.openxmlformats.org/presentationml/2006/main" xmlns:r="http://schemas.openxmlformats.org/officeDocument/2006/relationships" xmlns:p14="http://schemas.microsoft.com/office/powerpoint/2010/main" xmlns:p15="http://schemas.microsoft.com/office/powerpoint/2012/main" xmlns:mc="http://schemas.openxmlformats.org/markup-compatibility/2006" type="objAndTwoObj" preserve="1">
   <p:cSld name="Title Content and 2 Content">
     <p:spTree>
       <p:nvGrpSpPr>
@@ -1354,7 +1261,7 @@
       </p:grpSpPr>
       <p:sp>
         <p:nvSpPr>
-          <p:cNvPr id="91" name="PlaceHolder 1"/>
+          <p:cNvPr id="53" name="PlaceHolder 1"/>
           <p:cNvSpPr>
             <a:spLocks noGrp="1"/>
           </p:cNvSpPr>
@@ -1372,19 +1279,20 @@
           </a:prstGeom>
         </p:spPr>
         <p:txBody>
-          <a:bodyPr lIns="0" tIns="0" rIns="0" bIns="0" anchor="ctr"/>
-          <a:lstStyle/>
-          <a:p>
-            <a:pPr algn="ctr"/>
-            <a:endParaRPr lang="cs-CZ" sz="4400" b="0" strike="noStrike" spc="-1">
-              <a:latin typeface="Arial"/>
-            </a:endParaRPr>
-          </a:p>
-        </p:txBody>
-      </p:sp>
-      <p:sp>
-        <p:nvSpPr>
-          <p:cNvPr id="92" name="PlaceHolder 2"/>
+          <a:bodyPr lIns="0" rIns="0" tIns="0" bIns="0" anchor="ctr"/>
+          <a:p>
+            <a:endParaRPr b="0" lang="cs-CZ" sz="1800" spc="-1" strike="noStrike">
+              <a:solidFill>
+                <a:srgbClr val="000000"/>
+              </a:solidFill>
+              <a:latin typeface="Arial"/>
+            </a:endParaRPr>
+          </a:p>
+        </p:txBody>
+      </p:sp>
+      <p:sp>
+        <p:nvSpPr>
+          <p:cNvPr id="54" name="PlaceHolder 2"/>
           <p:cNvSpPr>
             <a:spLocks noGrp="1"/>
           </p:cNvSpPr>
@@ -1402,20 +1310,22 @@
           </a:prstGeom>
         </p:spPr>
         <p:txBody>
-          <a:bodyPr lIns="0" tIns="0" rIns="0" bIns="0">
+          <a:bodyPr lIns="0" rIns="0" tIns="0" bIns="0">
             <a:normAutofit/>
           </a:bodyPr>
-          <a:lstStyle/>
-          <a:p>
-            <a:endParaRPr lang="cs-CZ" sz="3200" b="0" strike="noStrike" spc="-1">
-              <a:latin typeface="Arial"/>
-            </a:endParaRPr>
-          </a:p>
-        </p:txBody>
-      </p:sp>
-      <p:sp>
-        <p:nvSpPr>
-          <p:cNvPr id="93" name="PlaceHolder 3"/>
+          <a:p>
+            <a:endParaRPr b="0" lang="cs-CZ" sz="2800" spc="-1" strike="noStrike">
+              <a:solidFill>
+                <a:srgbClr val="000000"/>
+              </a:solidFill>
+              <a:latin typeface="Arial"/>
+            </a:endParaRPr>
+          </a:p>
+        </p:txBody>
+      </p:sp>
+      <p:sp>
+        <p:nvSpPr>
+          <p:cNvPr id="55" name="PlaceHolder 3"/>
           <p:cNvSpPr>
             <a:spLocks noGrp="1"/>
           </p:cNvSpPr>
@@ -1433,20 +1343,22 @@
           </a:prstGeom>
         </p:spPr>
         <p:txBody>
-          <a:bodyPr lIns="0" tIns="0" rIns="0" bIns="0">
+          <a:bodyPr lIns="0" rIns="0" tIns="0" bIns="0">
             <a:normAutofit/>
           </a:bodyPr>
-          <a:lstStyle/>
-          <a:p>
-            <a:endParaRPr lang="cs-CZ" sz="3200" b="0" strike="noStrike" spc="-1">
-              <a:latin typeface="Arial"/>
-            </a:endParaRPr>
-          </a:p>
-        </p:txBody>
-      </p:sp>
-      <p:sp>
-        <p:nvSpPr>
-          <p:cNvPr id="94" name="PlaceHolder 4"/>
+          <a:p>
+            <a:endParaRPr b="0" lang="cs-CZ" sz="2800" spc="-1" strike="noStrike">
+              <a:solidFill>
+                <a:srgbClr val="000000"/>
+              </a:solidFill>
+              <a:latin typeface="Arial"/>
+            </a:endParaRPr>
+          </a:p>
+        </p:txBody>
+      </p:sp>
+      <p:sp>
+        <p:nvSpPr>
+          <p:cNvPr id="56" name="PlaceHolder 4"/>
           <p:cNvSpPr>
             <a:spLocks noGrp="1"/>
           </p:cNvSpPr>
@@ -1464,12 +1376,14 @@
           </a:prstGeom>
         </p:spPr>
         <p:txBody>
-          <a:bodyPr lIns="0" tIns="0" rIns="0" bIns="0">
+          <a:bodyPr lIns="0" rIns="0" tIns="0" bIns="0">
             <a:normAutofit/>
           </a:bodyPr>
-          <a:lstStyle/>
-          <a:p>
-            <a:endParaRPr lang="cs-CZ" sz="3200" b="0" strike="noStrike" spc="-1">
+          <a:p>
+            <a:endParaRPr b="0" lang="cs-CZ" sz="2800" spc="-1" strike="noStrike">
+              <a:solidFill>
+                <a:srgbClr val="000000"/>
+              </a:solidFill>
               <a:latin typeface="Arial"/>
             </a:endParaRPr>
           </a:p>
@@ -1477,14 +1391,11 @@
       </p:sp>
     </p:spTree>
   </p:cSld>
-  <p:clrMapOvr>
-    <a:masterClrMapping/>
-  </p:clrMapOvr>
 </p:sldLayout>
 </file>
 
 <file path=ppt/slideLayouts/slideLayout21.xml><?xml version="1.0" encoding="utf-8"?>
-<p:sldLayout xmlns:a="http://schemas.openxmlformats.org/drawingml/2006/main" xmlns:r="http://schemas.openxmlformats.org/officeDocument/2006/relationships" xmlns:p="http://schemas.openxmlformats.org/presentationml/2006/main" type="twoObjOverTx" preserve="1">
+<p:sldLayout xmlns:a="http://schemas.openxmlformats.org/drawingml/2006/main" xmlns:p="http://schemas.openxmlformats.org/presentationml/2006/main" xmlns:r="http://schemas.openxmlformats.org/officeDocument/2006/relationships" xmlns:p14="http://schemas.microsoft.com/office/powerpoint/2010/main" xmlns:p15="http://schemas.microsoft.com/office/powerpoint/2012/main" xmlns:mc="http://schemas.openxmlformats.org/markup-compatibility/2006" type="twoObjOverTx" preserve="1">
   <p:cSld name="Title, 2 Content over Content">
     <p:spTree>
       <p:nvGrpSpPr>
@@ -1502,7 +1413,7 @@
       </p:grpSpPr>
       <p:sp>
         <p:nvSpPr>
-          <p:cNvPr id="95" name="PlaceHolder 1"/>
+          <p:cNvPr id="57" name="PlaceHolder 1"/>
           <p:cNvSpPr>
             <a:spLocks noGrp="1"/>
           </p:cNvSpPr>
@@ -1520,19 +1431,20 @@
           </a:prstGeom>
         </p:spPr>
         <p:txBody>
-          <a:bodyPr lIns="0" tIns="0" rIns="0" bIns="0" anchor="ctr"/>
-          <a:lstStyle/>
-          <a:p>
-            <a:pPr algn="ctr"/>
-            <a:endParaRPr lang="cs-CZ" sz="4400" b="0" strike="noStrike" spc="-1">
-              <a:latin typeface="Arial"/>
-            </a:endParaRPr>
-          </a:p>
-        </p:txBody>
-      </p:sp>
-      <p:sp>
-        <p:nvSpPr>
-          <p:cNvPr id="96" name="PlaceHolder 2"/>
+          <a:bodyPr lIns="0" rIns="0" tIns="0" bIns="0" anchor="ctr"/>
+          <a:p>
+            <a:endParaRPr b="0" lang="cs-CZ" sz="1800" spc="-1" strike="noStrike">
+              <a:solidFill>
+                <a:srgbClr val="000000"/>
+              </a:solidFill>
+              <a:latin typeface="Arial"/>
+            </a:endParaRPr>
+          </a:p>
+        </p:txBody>
+      </p:sp>
+      <p:sp>
+        <p:nvSpPr>
+          <p:cNvPr id="58" name="PlaceHolder 2"/>
           <p:cNvSpPr>
             <a:spLocks noGrp="1"/>
           </p:cNvSpPr>
@@ -1550,20 +1462,22 @@
           </a:prstGeom>
         </p:spPr>
         <p:txBody>
-          <a:bodyPr lIns="0" tIns="0" rIns="0" bIns="0">
+          <a:bodyPr lIns="0" rIns="0" tIns="0" bIns="0">
             <a:normAutofit/>
           </a:bodyPr>
-          <a:lstStyle/>
-          <a:p>
-            <a:endParaRPr lang="cs-CZ" sz="3200" b="0" strike="noStrike" spc="-1">
-              <a:latin typeface="Arial"/>
-            </a:endParaRPr>
-          </a:p>
-        </p:txBody>
-      </p:sp>
-      <p:sp>
-        <p:nvSpPr>
-          <p:cNvPr id="97" name="PlaceHolder 3"/>
+          <a:p>
+            <a:endParaRPr b="0" lang="cs-CZ" sz="2800" spc="-1" strike="noStrike">
+              <a:solidFill>
+                <a:srgbClr val="000000"/>
+              </a:solidFill>
+              <a:latin typeface="Arial"/>
+            </a:endParaRPr>
+          </a:p>
+        </p:txBody>
+      </p:sp>
+      <p:sp>
+        <p:nvSpPr>
+          <p:cNvPr id="59" name="PlaceHolder 3"/>
           <p:cNvSpPr>
             <a:spLocks noGrp="1"/>
           </p:cNvSpPr>
@@ -1581,20 +1495,22 @@
           </a:prstGeom>
         </p:spPr>
         <p:txBody>
-          <a:bodyPr lIns="0" tIns="0" rIns="0" bIns="0">
+          <a:bodyPr lIns="0" rIns="0" tIns="0" bIns="0">
             <a:normAutofit/>
           </a:bodyPr>
-          <a:lstStyle/>
-          <a:p>
-            <a:endParaRPr lang="cs-CZ" sz="3200" b="0" strike="noStrike" spc="-1">
-              <a:latin typeface="Arial"/>
-            </a:endParaRPr>
-          </a:p>
-        </p:txBody>
-      </p:sp>
-      <p:sp>
-        <p:nvSpPr>
-          <p:cNvPr id="98" name="PlaceHolder 4"/>
+          <a:p>
+            <a:endParaRPr b="0" lang="cs-CZ" sz="2800" spc="-1" strike="noStrike">
+              <a:solidFill>
+                <a:srgbClr val="000000"/>
+              </a:solidFill>
+              <a:latin typeface="Arial"/>
+            </a:endParaRPr>
+          </a:p>
+        </p:txBody>
+      </p:sp>
+      <p:sp>
+        <p:nvSpPr>
+          <p:cNvPr id="60" name="PlaceHolder 4"/>
           <p:cNvSpPr>
             <a:spLocks noGrp="1"/>
           </p:cNvSpPr>
@@ -1612,12 +1528,14 @@
           </a:prstGeom>
         </p:spPr>
         <p:txBody>
-          <a:bodyPr lIns="0" tIns="0" rIns="0" bIns="0">
+          <a:bodyPr lIns="0" rIns="0" tIns="0" bIns="0">
             <a:normAutofit/>
           </a:bodyPr>
-          <a:lstStyle/>
-          <a:p>
-            <a:endParaRPr lang="cs-CZ" sz="3200" b="0" strike="noStrike" spc="-1">
+          <a:p>
+            <a:endParaRPr b="0" lang="cs-CZ" sz="2800" spc="-1" strike="noStrike">
+              <a:solidFill>
+                <a:srgbClr val="000000"/>
+              </a:solidFill>
               <a:latin typeface="Arial"/>
             </a:endParaRPr>
           </a:p>
@@ -1625,14 +1543,11 @@
       </p:sp>
     </p:spTree>
   </p:cSld>
-  <p:clrMapOvr>
-    <a:masterClrMapping/>
-  </p:clrMapOvr>
 </p:sldLayout>
 </file>
 
 <file path=ppt/slideLayouts/slideLayout22.xml><?xml version="1.0" encoding="utf-8"?>
-<p:sldLayout xmlns:a="http://schemas.openxmlformats.org/drawingml/2006/main" xmlns:r="http://schemas.openxmlformats.org/officeDocument/2006/relationships" xmlns:p="http://schemas.openxmlformats.org/presentationml/2006/main" type="objOverTx" preserve="1">
+<p:sldLayout xmlns:a="http://schemas.openxmlformats.org/drawingml/2006/main" xmlns:p="http://schemas.openxmlformats.org/presentationml/2006/main" xmlns:r="http://schemas.openxmlformats.org/officeDocument/2006/relationships" xmlns:p14="http://schemas.microsoft.com/office/powerpoint/2010/main" xmlns:p15="http://schemas.microsoft.com/office/powerpoint/2012/main" xmlns:mc="http://schemas.openxmlformats.org/markup-compatibility/2006" type="objOverTx" preserve="1">
   <p:cSld name="Title, Content over Content">
     <p:spTree>
       <p:nvGrpSpPr>
@@ -1650,7 +1565,7 @@
       </p:grpSpPr>
       <p:sp>
         <p:nvSpPr>
-          <p:cNvPr id="99" name="PlaceHolder 1"/>
+          <p:cNvPr id="61" name="PlaceHolder 1"/>
           <p:cNvSpPr>
             <a:spLocks noGrp="1"/>
           </p:cNvSpPr>
@@ -1668,19 +1583,20 @@
           </a:prstGeom>
         </p:spPr>
         <p:txBody>
-          <a:bodyPr lIns="0" tIns="0" rIns="0" bIns="0" anchor="ctr"/>
-          <a:lstStyle/>
-          <a:p>
-            <a:pPr algn="ctr"/>
-            <a:endParaRPr lang="cs-CZ" sz="4400" b="0" strike="noStrike" spc="-1">
-              <a:latin typeface="Arial"/>
-            </a:endParaRPr>
-          </a:p>
-        </p:txBody>
-      </p:sp>
-      <p:sp>
-        <p:nvSpPr>
-          <p:cNvPr id="100" name="PlaceHolder 2"/>
+          <a:bodyPr lIns="0" rIns="0" tIns="0" bIns="0" anchor="ctr"/>
+          <a:p>
+            <a:endParaRPr b="0" lang="cs-CZ" sz="1800" spc="-1" strike="noStrike">
+              <a:solidFill>
+                <a:srgbClr val="000000"/>
+              </a:solidFill>
+              <a:latin typeface="Arial"/>
+            </a:endParaRPr>
+          </a:p>
+        </p:txBody>
+      </p:sp>
+      <p:sp>
+        <p:nvSpPr>
+          <p:cNvPr id="62" name="PlaceHolder 2"/>
           <p:cNvSpPr>
             <a:spLocks noGrp="1"/>
           </p:cNvSpPr>
@@ -1698,20 +1614,22 @@
           </a:prstGeom>
         </p:spPr>
         <p:txBody>
-          <a:bodyPr lIns="0" tIns="0" rIns="0" bIns="0">
+          <a:bodyPr lIns="0" rIns="0" tIns="0" bIns="0">
             <a:normAutofit/>
           </a:bodyPr>
-          <a:lstStyle/>
-          <a:p>
-            <a:endParaRPr lang="cs-CZ" sz="3200" b="0" strike="noStrike" spc="-1">
-              <a:latin typeface="Arial"/>
-            </a:endParaRPr>
-          </a:p>
-        </p:txBody>
-      </p:sp>
-      <p:sp>
-        <p:nvSpPr>
-          <p:cNvPr id="101" name="PlaceHolder 3"/>
+          <a:p>
+            <a:endParaRPr b="0" lang="cs-CZ" sz="2800" spc="-1" strike="noStrike">
+              <a:solidFill>
+                <a:srgbClr val="000000"/>
+              </a:solidFill>
+              <a:latin typeface="Arial"/>
+            </a:endParaRPr>
+          </a:p>
+        </p:txBody>
+      </p:sp>
+      <p:sp>
+        <p:nvSpPr>
+          <p:cNvPr id="63" name="PlaceHolder 3"/>
           <p:cNvSpPr>
             <a:spLocks noGrp="1"/>
           </p:cNvSpPr>
@@ -1729,12 +1647,14 @@
           </a:prstGeom>
         </p:spPr>
         <p:txBody>
-          <a:bodyPr lIns="0" tIns="0" rIns="0" bIns="0">
+          <a:bodyPr lIns="0" rIns="0" tIns="0" bIns="0">
             <a:normAutofit/>
           </a:bodyPr>
-          <a:lstStyle/>
-          <a:p>
-            <a:endParaRPr lang="cs-CZ" sz="3200" b="0" strike="noStrike" spc="-1">
+          <a:p>
+            <a:endParaRPr b="0" lang="cs-CZ" sz="2800" spc="-1" strike="noStrike">
+              <a:solidFill>
+                <a:srgbClr val="000000"/>
+              </a:solidFill>
               <a:latin typeface="Arial"/>
             </a:endParaRPr>
           </a:p>
@@ -1742,14 +1662,11 @@
       </p:sp>
     </p:spTree>
   </p:cSld>
-  <p:clrMapOvr>
-    <a:masterClrMapping/>
-  </p:clrMapOvr>
 </p:sldLayout>
 </file>
 
 <file path=ppt/slideLayouts/slideLayout23.xml><?xml version="1.0" encoding="utf-8"?>
-<p:sldLayout xmlns:a="http://schemas.openxmlformats.org/drawingml/2006/main" xmlns:r="http://schemas.openxmlformats.org/officeDocument/2006/relationships" xmlns:p="http://schemas.openxmlformats.org/presentationml/2006/main" type="fourObj" preserve="1">
+<p:sldLayout xmlns:a="http://schemas.openxmlformats.org/drawingml/2006/main" xmlns:p="http://schemas.openxmlformats.org/presentationml/2006/main" xmlns:r="http://schemas.openxmlformats.org/officeDocument/2006/relationships" xmlns:p14="http://schemas.microsoft.com/office/powerpoint/2010/main" xmlns:p15="http://schemas.microsoft.com/office/powerpoint/2012/main" xmlns:mc="http://schemas.openxmlformats.org/markup-compatibility/2006" type="fourObj" preserve="1">
   <p:cSld name="Title, 4 Content">
     <p:spTree>
       <p:nvGrpSpPr>
@@ -1767,7 +1684,7 @@
       </p:grpSpPr>
       <p:sp>
         <p:nvSpPr>
-          <p:cNvPr id="102" name="PlaceHolder 1"/>
+          <p:cNvPr id="64" name="PlaceHolder 1"/>
           <p:cNvSpPr>
             <a:spLocks noGrp="1"/>
           </p:cNvSpPr>
@@ -1785,19 +1702,20 @@
           </a:prstGeom>
         </p:spPr>
         <p:txBody>
-          <a:bodyPr lIns="0" tIns="0" rIns="0" bIns="0" anchor="ctr"/>
-          <a:lstStyle/>
-          <a:p>
-            <a:pPr algn="ctr"/>
-            <a:endParaRPr lang="cs-CZ" sz="4400" b="0" strike="noStrike" spc="-1">
-              <a:latin typeface="Arial"/>
-            </a:endParaRPr>
-          </a:p>
-        </p:txBody>
-      </p:sp>
-      <p:sp>
-        <p:nvSpPr>
-          <p:cNvPr id="103" name="PlaceHolder 2"/>
+          <a:bodyPr lIns="0" rIns="0" tIns="0" bIns="0" anchor="ctr"/>
+          <a:p>
+            <a:endParaRPr b="0" lang="cs-CZ" sz="1800" spc="-1" strike="noStrike">
+              <a:solidFill>
+                <a:srgbClr val="000000"/>
+              </a:solidFill>
+              <a:latin typeface="Arial"/>
+            </a:endParaRPr>
+          </a:p>
+        </p:txBody>
+      </p:sp>
+      <p:sp>
+        <p:nvSpPr>
+          <p:cNvPr id="65" name="PlaceHolder 2"/>
           <p:cNvSpPr>
             <a:spLocks noGrp="1"/>
           </p:cNvSpPr>
@@ -1815,20 +1733,22 @@
           </a:prstGeom>
         </p:spPr>
         <p:txBody>
-          <a:bodyPr lIns="0" tIns="0" rIns="0" bIns="0">
+          <a:bodyPr lIns="0" rIns="0" tIns="0" bIns="0">
             <a:normAutofit/>
           </a:bodyPr>
-          <a:lstStyle/>
-          <a:p>
-            <a:endParaRPr lang="cs-CZ" sz="3200" b="0" strike="noStrike" spc="-1">
-              <a:latin typeface="Arial"/>
-            </a:endParaRPr>
-          </a:p>
-        </p:txBody>
-      </p:sp>
-      <p:sp>
-        <p:nvSpPr>
-          <p:cNvPr id="104" name="PlaceHolder 3"/>
+          <a:p>
+            <a:endParaRPr b="0" lang="cs-CZ" sz="2800" spc="-1" strike="noStrike">
+              <a:solidFill>
+                <a:srgbClr val="000000"/>
+              </a:solidFill>
+              <a:latin typeface="Arial"/>
+            </a:endParaRPr>
+          </a:p>
+        </p:txBody>
+      </p:sp>
+      <p:sp>
+        <p:nvSpPr>
+          <p:cNvPr id="66" name="PlaceHolder 3"/>
           <p:cNvSpPr>
             <a:spLocks noGrp="1"/>
           </p:cNvSpPr>
@@ -1846,20 +1766,22 @@
           </a:prstGeom>
         </p:spPr>
         <p:txBody>
-          <a:bodyPr lIns="0" tIns="0" rIns="0" bIns="0">
+          <a:bodyPr lIns="0" rIns="0" tIns="0" bIns="0">
             <a:normAutofit/>
           </a:bodyPr>
-          <a:lstStyle/>
-          <a:p>
-            <a:endParaRPr lang="cs-CZ" sz="3200" b="0" strike="noStrike" spc="-1">
-              <a:latin typeface="Arial"/>
-            </a:endParaRPr>
-          </a:p>
-        </p:txBody>
-      </p:sp>
-      <p:sp>
-        <p:nvSpPr>
-          <p:cNvPr id="105" name="PlaceHolder 4"/>
+          <a:p>
+            <a:endParaRPr b="0" lang="cs-CZ" sz="2800" spc="-1" strike="noStrike">
+              <a:solidFill>
+                <a:srgbClr val="000000"/>
+              </a:solidFill>
+              <a:latin typeface="Arial"/>
+            </a:endParaRPr>
+          </a:p>
+        </p:txBody>
+      </p:sp>
+      <p:sp>
+        <p:nvSpPr>
+          <p:cNvPr id="67" name="PlaceHolder 4"/>
           <p:cNvSpPr>
             <a:spLocks noGrp="1"/>
           </p:cNvSpPr>
@@ -1877,20 +1799,22 @@
           </a:prstGeom>
         </p:spPr>
         <p:txBody>
-          <a:bodyPr lIns="0" tIns="0" rIns="0" bIns="0">
+          <a:bodyPr lIns="0" rIns="0" tIns="0" bIns="0">
             <a:normAutofit/>
           </a:bodyPr>
-          <a:lstStyle/>
-          <a:p>
-            <a:endParaRPr lang="cs-CZ" sz="3200" b="0" strike="noStrike" spc="-1">
-              <a:latin typeface="Arial"/>
-            </a:endParaRPr>
-          </a:p>
-        </p:txBody>
-      </p:sp>
-      <p:sp>
-        <p:nvSpPr>
-          <p:cNvPr id="106" name="PlaceHolder 5"/>
+          <a:p>
+            <a:endParaRPr b="0" lang="cs-CZ" sz="2800" spc="-1" strike="noStrike">
+              <a:solidFill>
+                <a:srgbClr val="000000"/>
+              </a:solidFill>
+              <a:latin typeface="Arial"/>
+            </a:endParaRPr>
+          </a:p>
+        </p:txBody>
+      </p:sp>
+      <p:sp>
+        <p:nvSpPr>
+          <p:cNvPr id="68" name="PlaceHolder 5"/>
           <p:cNvSpPr>
             <a:spLocks noGrp="1"/>
           </p:cNvSpPr>
@@ -1908,12 +1832,14 @@
           </a:prstGeom>
         </p:spPr>
         <p:txBody>
-          <a:bodyPr lIns="0" tIns="0" rIns="0" bIns="0">
+          <a:bodyPr lIns="0" rIns="0" tIns="0" bIns="0">
             <a:normAutofit/>
           </a:bodyPr>
-          <a:lstStyle/>
-          <a:p>
-            <a:endParaRPr lang="cs-CZ" sz="3200" b="0" strike="noStrike" spc="-1">
+          <a:p>
+            <a:endParaRPr b="0" lang="cs-CZ" sz="2800" spc="-1" strike="noStrike">
+              <a:solidFill>
+                <a:srgbClr val="000000"/>
+              </a:solidFill>
               <a:latin typeface="Arial"/>
             </a:endParaRPr>
           </a:p>
@@ -1921,14 +1847,11 @@
       </p:sp>
     </p:spTree>
   </p:cSld>
-  <p:clrMapOvr>
-    <a:masterClrMapping/>
-  </p:clrMapOvr>
 </p:sldLayout>
 </file>
 
 <file path=ppt/slideLayouts/slideLayout24.xml><?xml version="1.0" encoding="utf-8"?>
-<p:sldLayout xmlns:a="http://schemas.openxmlformats.org/drawingml/2006/main" xmlns:r="http://schemas.openxmlformats.org/officeDocument/2006/relationships" xmlns:p="http://schemas.openxmlformats.org/presentationml/2006/main" type="blank" preserve="1">
+<p:sldLayout xmlns:a="http://schemas.openxmlformats.org/drawingml/2006/main" xmlns:p="http://schemas.openxmlformats.org/presentationml/2006/main" xmlns:r="http://schemas.openxmlformats.org/officeDocument/2006/relationships" xmlns:p14="http://schemas.microsoft.com/office/powerpoint/2010/main" xmlns:p15="http://schemas.microsoft.com/office/powerpoint/2012/main" xmlns:mc="http://schemas.openxmlformats.org/markup-compatibility/2006" type="blank" preserve="1">
   <p:cSld name="Title, 6 Content">
     <p:spTree>
       <p:nvGrpSpPr>
@@ -1946,7 +1869,7 @@
       </p:grpSpPr>
       <p:sp>
         <p:nvSpPr>
-          <p:cNvPr id="107" name="PlaceHolder 1"/>
+          <p:cNvPr id="69" name="PlaceHolder 1"/>
           <p:cNvSpPr>
             <a:spLocks noGrp="1"/>
           </p:cNvSpPr>
@@ -1964,19 +1887,20 @@
           </a:prstGeom>
         </p:spPr>
         <p:txBody>
-          <a:bodyPr lIns="0" tIns="0" rIns="0" bIns="0" anchor="ctr"/>
-          <a:lstStyle/>
-          <a:p>
-            <a:pPr algn="ctr"/>
-            <a:endParaRPr lang="cs-CZ" sz="4400" b="0" strike="noStrike" spc="-1">
-              <a:latin typeface="Arial"/>
-            </a:endParaRPr>
-          </a:p>
-        </p:txBody>
-      </p:sp>
-      <p:sp>
-        <p:nvSpPr>
-          <p:cNvPr id="108" name="PlaceHolder 2"/>
+          <a:bodyPr lIns="0" rIns="0" tIns="0" bIns="0" anchor="ctr"/>
+          <a:p>
+            <a:endParaRPr b="0" lang="cs-CZ" sz="1800" spc="-1" strike="noStrike">
+              <a:solidFill>
+                <a:srgbClr val="000000"/>
+              </a:solidFill>
+              <a:latin typeface="Arial"/>
+            </a:endParaRPr>
+          </a:p>
+        </p:txBody>
+      </p:sp>
+      <p:sp>
+        <p:nvSpPr>
+          <p:cNvPr id="70" name="PlaceHolder 2"/>
           <p:cNvSpPr>
             <a:spLocks noGrp="1"/>
           </p:cNvSpPr>
@@ -1994,20 +1918,22 @@
           </a:prstGeom>
         </p:spPr>
         <p:txBody>
-          <a:bodyPr lIns="0" tIns="0" rIns="0" bIns="0">
+          <a:bodyPr lIns="0" rIns="0" tIns="0" bIns="0">
             <a:normAutofit/>
           </a:bodyPr>
-          <a:lstStyle/>
-          <a:p>
-            <a:endParaRPr lang="cs-CZ" sz="3200" b="0" strike="noStrike" spc="-1">
-              <a:latin typeface="Arial"/>
-            </a:endParaRPr>
-          </a:p>
-        </p:txBody>
-      </p:sp>
-      <p:sp>
-        <p:nvSpPr>
-          <p:cNvPr id="109" name="PlaceHolder 3"/>
+          <a:p>
+            <a:endParaRPr b="0" lang="cs-CZ" sz="2800" spc="-1" strike="noStrike">
+              <a:solidFill>
+                <a:srgbClr val="000000"/>
+              </a:solidFill>
+              <a:latin typeface="Arial"/>
+            </a:endParaRPr>
+          </a:p>
+        </p:txBody>
+      </p:sp>
+      <p:sp>
+        <p:nvSpPr>
+          <p:cNvPr id="71" name="PlaceHolder 3"/>
           <p:cNvSpPr>
             <a:spLocks noGrp="1"/>
           </p:cNvSpPr>
@@ -2025,20 +1951,22 @@
           </a:prstGeom>
         </p:spPr>
         <p:txBody>
-          <a:bodyPr lIns="0" tIns="0" rIns="0" bIns="0">
+          <a:bodyPr lIns="0" rIns="0" tIns="0" bIns="0">
             <a:normAutofit/>
           </a:bodyPr>
-          <a:lstStyle/>
-          <a:p>
-            <a:endParaRPr lang="cs-CZ" sz="3200" b="0" strike="noStrike" spc="-1">
-              <a:latin typeface="Arial"/>
-            </a:endParaRPr>
-          </a:p>
-        </p:txBody>
-      </p:sp>
-      <p:sp>
-        <p:nvSpPr>
-          <p:cNvPr id="110" name="PlaceHolder 4"/>
+          <a:p>
+            <a:endParaRPr b="0" lang="cs-CZ" sz="2800" spc="-1" strike="noStrike">
+              <a:solidFill>
+                <a:srgbClr val="000000"/>
+              </a:solidFill>
+              <a:latin typeface="Arial"/>
+            </a:endParaRPr>
+          </a:p>
+        </p:txBody>
+      </p:sp>
+      <p:sp>
+        <p:nvSpPr>
+          <p:cNvPr id="72" name="PlaceHolder 4"/>
           <p:cNvSpPr>
             <a:spLocks noGrp="1"/>
           </p:cNvSpPr>
@@ -2056,20 +1984,22 @@
           </a:prstGeom>
         </p:spPr>
         <p:txBody>
-          <a:bodyPr lIns="0" tIns="0" rIns="0" bIns="0">
+          <a:bodyPr lIns="0" rIns="0" tIns="0" bIns="0">
             <a:normAutofit/>
           </a:bodyPr>
-          <a:lstStyle/>
-          <a:p>
-            <a:endParaRPr lang="cs-CZ" sz="3200" b="0" strike="noStrike" spc="-1">
-              <a:latin typeface="Arial"/>
-            </a:endParaRPr>
-          </a:p>
-        </p:txBody>
-      </p:sp>
-      <p:sp>
-        <p:nvSpPr>
-          <p:cNvPr id="111" name="PlaceHolder 5"/>
+          <a:p>
+            <a:endParaRPr b="0" lang="cs-CZ" sz="2800" spc="-1" strike="noStrike">
+              <a:solidFill>
+                <a:srgbClr val="000000"/>
+              </a:solidFill>
+              <a:latin typeface="Arial"/>
+            </a:endParaRPr>
+          </a:p>
+        </p:txBody>
+      </p:sp>
+      <p:sp>
+        <p:nvSpPr>
+          <p:cNvPr id="73" name="PlaceHolder 5"/>
           <p:cNvSpPr>
             <a:spLocks noGrp="1"/>
           </p:cNvSpPr>
@@ -2087,20 +2017,22 @@
           </a:prstGeom>
         </p:spPr>
         <p:txBody>
-          <a:bodyPr lIns="0" tIns="0" rIns="0" bIns="0">
+          <a:bodyPr lIns="0" rIns="0" tIns="0" bIns="0">
             <a:normAutofit/>
           </a:bodyPr>
-          <a:lstStyle/>
-          <a:p>
-            <a:endParaRPr lang="cs-CZ" sz="3200" b="0" strike="noStrike" spc="-1">
-              <a:latin typeface="Arial"/>
-            </a:endParaRPr>
-          </a:p>
-        </p:txBody>
-      </p:sp>
-      <p:sp>
-        <p:nvSpPr>
-          <p:cNvPr id="112" name="PlaceHolder 6"/>
+          <a:p>
+            <a:endParaRPr b="0" lang="cs-CZ" sz="2800" spc="-1" strike="noStrike">
+              <a:solidFill>
+                <a:srgbClr val="000000"/>
+              </a:solidFill>
+              <a:latin typeface="Arial"/>
+            </a:endParaRPr>
+          </a:p>
+        </p:txBody>
+      </p:sp>
+      <p:sp>
+        <p:nvSpPr>
+          <p:cNvPr id="74" name="PlaceHolder 6"/>
           <p:cNvSpPr>
             <a:spLocks noGrp="1"/>
           </p:cNvSpPr>
@@ -2118,20 +2050,22 @@
           </a:prstGeom>
         </p:spPr>
         <p:txBody>
-          <a:bodyPr lIns="0" tIns="0" rIns="0" bIns="0">
+          <a:bodyPr lIns="0" rIns="0" tIns="0" bIns="0">
             <a:normAutofit/>
           </a:bodyPr>
-          <a:lstStyle/>
-          <a:p>
-            <a:endParaRPr lang="cs-CZ" sz="3200" b="0" strike="noStrike" spc="-1">
-              <a:latin typeface="Arial"/>
-            </a:endParaRPr>
-          </a:p>
-        </p:txBody>
-      </p:sp>
-      <p:sp>
-        <p:nvSpPr>
-          <p:cNvPr id="113" name="PlaceHolder 7"/>
+          <a:p>
+            <a:endParaRPr b="0" lang="cs-CZ" sz="2800" spc="-1" strike="noStrike">
+              <a:solidFill>
+                <a:srgbClr val="000000"/>
+              </a:solidFill>
+              <a:latin typeface="Arial"/>
+            </a:endParaRPr>
+          </a:p>
+        </p:txBody>
+      </p:sp>
+      <p:sp>
+        <p:nvSpPr>
+          <p:cNvPr id="75" name="PlaceHolder 7"/>
           <p:cNvSpPr>
             <a:spLocks noGrp="1"/>
           </p:cNvSpPr>
@@ -2149,12 +2083,14 @@
           </a:prstGeom>
         </p:spPr>
         <p:txBody>
-          <a:bodyPr lIns="0" tIns="0" rIns="0" bIns="0">
+          <a:bodyPr lIns="0" rIns="0" tIns="0" bIns="0">
             <a:normAutofit/>
           </a:bodyPr>
-          <a:lstStyle/>
-          <a:p>
-            <a:endParaRPr lang="cs-CZ" sz="3200" b="0" strike="noStrike" spc="-1">
+          <a:p>
+            <a:endParaRPr b="0" lang="cs-CZ" sz="2800" spc="-1" strike="noStrike">
+              <a:solidFill>
+                <a:srgbClr val="000000"/>
+              </a:solidFill>
               <a:latin typeface="Arial"/>
             </a:endParaRPr>
           </a:p>
@@ -2162,14 +2098,115 @@
       </p:sp>
     </p:spTree>
   </p:cSld>
-  <p:clrMapOvr>
-    <a:masterClrMapping/>
-  </p:clrMapOvr>
 </p:sldLayout>
 </file>
 
-<file path=ppt/slideLayouts/slideLayout3.xml><?xml version="1.0" encoding="utf-8"?>
-<p:sldLayout xmlns:a="http://schemas.openxmlformats.org/drawingml/2006/main" xmlns:r="http://schemas.openxmlformats.org/officeDocument/2006/relationships" xmlns:p="http://schemas.openxmlformats.org/presentationml/2006/main" type="obj" preserve="1">
+<file path=ppt/slideLayouts/slideLayout25.xml><?xml version="1.0" encoding="utf-8"?>
+<p:sldLayout xmlns:a="http://schemas.openxmlformats.org/drawingml/2006/main" xmlns:p="http://schemas.openxmlformats.org/presentationml/2006/main" xmlns:r="http://schemas.openxmlformats.org/officeDocument/2006/relationships" xmlns:p14="http://schemas.microsoft.com/office/powerpoint/2010/main" xmlns:p15="http://schemas.microsoft.com/office/powerpoint/2012/main" xmlns:mc="http://schemas.openxmlformats.org/markup-compatibility/2006" type="blank" preserve="1">
+  <p:cSld name="Blank Slide">
+    <p:spTree>
+      <p:nvGrpSpPr>
+        <p:cNvPr id="1" name=""/>
+        <p:cNvGrpSpPr/>
+        <p:nvPr/>
+      </p:nvGrpSpPr>
+      <p:grpSpPr>
+        <a:xfrm>
+          <a:off x="0" y="0"/>
+          <a:ext cx="0" cy="0"/>
+          <a:chOff x="0" y="0"/>
+          <a:chExt cx="0" cy="0"/>
+        </a:xfrm>
+      </p:grpSpPr>
+    </p:spTree>
+  </p:cSld>
+</p:sldLayout>
+</file>
+
+<file path=ppt/slideLayouts/slideLayout26.xml><?xml version="1.0" encoding="utf-8"?>
+<p:sldLayout xmlns:a="http://schemas.openxmlformats.org/drawingml/2006/main" xmlns:p="http://schemas.openxmlformats.org/presentationml/2006/main" xmlns:r="http://schemas.openxmlformats.org/officeDocument/2006/relationships" xmlns:p14="http://schemas.microsoft.com/office/powerpoint/2010/main" xmlns:p15="http://schemas.microsoft.com/office/powerpoint/2012/main" xmlns:mc="http://schemas.openxmlformats.org/markup-compatibility/2006" type="tx" preserve="1">
+  <p:cSld name="Title Slide">
+    <p:spTree>
+      <p:nvGrpSpPr>
+        <p:cNvPr id="1" name=""/>
+        <p:cNvGrpSpPr/>
+        <p:nvPr/>
+      </p:nvGrpSpPr>
+      <p:grpSpPr>
+        <a:xfrm>
+          <a:off x="0" y="0"/>
+          <a:ext cx="0" cy="0"/>
+          <a:chOff x="0" y="0"/>
+          <a:chExt cx="0" cy="0"/>
+        </a:xfrm>
+      </p:grpSpPr>
+      <p:sp>
+        <p:nvSpPr>
+          <p:cNvPr id="78" name="PlaceHolder 1"/>
+          <p:cNvSpPr>
+            <a:spLocks noGrp="1"/>
+          </p:cNvSpPr>
+          <p:nvPr>
+            <p:ph type="title"/>
+          </p:nvPr>
+        </p:nvSpPr>
+        <p:spPr>
+          <a:xfrm>
+            <a:off x="504000" y="301320"/>
+            <a:ext cx="9072000" cy="1261800"/>
+          </a:xfrm>
+          <a:prstGeom prst="rect">
+            <a:avLst/>
+          </a:prstGeom>
+        </p:spPr>
+        <p:txBody>
+          <a:bodyPr lIns="0" rIns="0" tIns="0" bIns="0" anchor="ctr"/>
+          <a:p>
+            <a:endParaRPr b="0" lang="cs-CZ" sz="1800" spc="-1" strike="noStrike">
+              <a:solidFill>
+                <a:srgbClr val="000000"/>
+              </a:solidFill>
+              <a:latin typeface="Arial"/>
+            </a:endParaRPr>
+          </a:p>
+        </p:txBody>
+      </p:sp>
+      <p:sp>
+        <p:nvSpPr>
+          <p:cNvPr id="79" name="PlaceHolder 2"/>
+          <p:cNvSpPr>
+            <a:spLocks noGrp="1"/>
+          </p:cNvSpPr>
+          <p:nvPr>
+            <p:ph type="subTitle"/>
+          </p:nvPr>
+        </p:nvSpPr>
+        <p:spPr>
+          <a:xfrm>
+            <a:off x="504000" y="1768680"/>
+            <a:ext cx="9072000" cy="4384080"/>
+          </a:xfrm>
+          <a:prstGeom prst="rect">
+            <a:avLst/>
+          </a:prstGeom>
+        </p:spPr>
+        <p:txBody>
+          <a:bodyPr lIns="0" rIns="0" tIns="0" bIns="0" anchor="ctr"/>
+          <a:p>
+            <a:pPr algn="ctr"/>
+            <a:endParaRPr b="0" lang="cs-CZ" sz="3200" spc="-1" strike="noStrike">
+              <a:latin typeface="Arial"/>
+            </a:endParaRPr>
+          </a:p>
+        </p:txBody>
+      </p:sp>
+    </p:spTree>
+  </p:cSld>
+</p:sldLayout>
+</file>
+
+<file path=ppt/slideLayouts/slideLayout27.xml><?xml version="1.0" encoding="utf-8"?>
+<p:sldLayout xmlns:a="http://schemas.openxmlformats.org/drawingml/2006/main" xmlns:p="http://schemas.openxmlformats.org/presentationml/2006/main" xmlns:r="http://schemas.openxmlformats.org/officeDocument/2006/relationships" xmlns:p14="http://schemas.microsoft.com/office/powerpoint/2010/main" xmlns:p15="http://schemas.microsoft.com/office/powerpoint/2012/main" xmlns:mc="http://schemas.openxmlformats.org/markup-compatibility/2006" type="obj" preserve="1">
   <p:cSld name="Title, Content">
     <p:spTree>
       <p:nvGrpSpPr>
@@ -2187,7 +2224,7 @@
       </p:grpSpPr>
       <p:sp>
         <p:nvSpPr>
-          <p:cNvPr id="4" name="PlaceHolder 1"/>
+          <p:cNvPr id="80" name="PlaceHolder 1"/>
           <p:cNvSpPr>
             <a:spLocks noGrp="1"/>
           </p:cNvSpPr>
@@ -2205,19 +2242,20 @@
           </a:prstGeom>
         </p:spPr>
         <p:txBody>
-          <a:bodyPr lIns="0" tIns="0" rIns="0" bIns="0" anchor="ctr"/>
-          <a:lstStyle/>
-          <a:p>
-            <a:pPr algn="ctr"/>
-            <a:endParaRPr lang="cs-CZ" sz="4400" b="0" strike="noStrike" spc="-1">
-              <a:latin typeface="Arial"/>
-            </a:endParaRPr>
-          </a:p>
-        </p:txBody>
-      </p:sp>
-      <p:sp>
-        <p:nvSpPr>
-          <p:cNvPr id="5" name="PlaceHolder 2"/>
+          <a:bodyPr lIns="0" rIns="0" tIns="0" bIns="0" anchor="ctr"/>
+          <a:p>
+            <a:endParaRPr b="0" lang="cs-CZ" sz="1800" spc="-1" strike="noStrike">
+              <a:solidFill>
+                <a:srgbClr val="000000"/>
+              </a:solidFill>
+              <a:latin typeface="Arial"/>
+            </a:endParaRPr>
+          </a:p>
+        </p:txBody>
+      </p:sp>
+      <p:sp>
+        <p:nvSpPr>
+          <p:cNvPr id="81" name="PlaceHolder 2"/>
           <p:cNvSpPr>
             <a:spLocks noGrp="1"/>
           </p:cNvSpPr>
@@ -2235,12 +2273,14 @@
           </a:prstGeom>
         </p:spPr>
         <p:txBody>
-          <a:bodyPr lIns="0" tIns="0" rIns="0" bIns="0">
+          <a:bodyPr lIns="0" rIns="0" tIns="0" bIns="0">
             <a:normAutofit/>
           </a:bodyPr>
-          <a:lstStyle/>
-          <a:p>
-            <a:endParaRPr lang="cs-CZ" sz="3200" b="0" strike="noStrike" spc="-1">
+          <a:p>
+            <a:endParaRPr b="0" lang="cs-CZ" sz="2800" spc="-1" strike="noStrike">
+              <a:solidFill>
+                <a:srgbClr val="000000"/>
+              </a:solidFill>
               <a:latin typeface="Arial"/>
             </a:endParaRPr>
           </a:p>
@@ -2248,14 +2288,11 @@
       </p:sp>
     </p:spTree>
   </p:cSld>
-  <p:clrMapOvr>
-    <a:masterClrMapping/>
-  </p:clrMapOvr>
 </p:sldLayout>
 </file>
 
-<file path=ppt/slideLayouts/slideLayout4.xml><?xml version="1.0" encoding="utf-8"?>
-<p:sldLayout xmlns:a="http://schemas.openxmlformats.org/drawingml/2006/main" xmlns:r="http://schemas.openxmlformats.org/officeDocument/2006/relationships" xmlns:p="http://schemas.openxmlformats.org/presentationml/2006/main" type="twoObj" preserve="1">
+<file path=ppt/slideLayouts/slideLayout28.xml><?xml version="1.0" encoding="utf-8"?>
+<p:sldLayout xmlns:a="http://schemas.openxmlformats.org/drawingml/2006/main" xmlns:p="http://schemas.openxmlformats.org/presentationml/2006/main" xmlns:r="http://schemas.openxmlformats.org/officeDocument/2006/relationships" xmlns:p14="http://schemas.microsoft.com/office/powerpoint/2010/main" xmlns:p15="http://schemas.microsoft.com/office/powerpoint/2012/main" xmlns:mc="http://schemas.openxmlformats.org/markup-compatibility/2006" type="twoObj" preserve="1">
   <p:cSld name="Title, 2 Content">
     <p:spTree>
       <p:nvGrpSpPr>
@@ -2273,7 +2310,7 @@
       </p:grpSpPr>
       <p:sp>
         <p:nvSpPr>
-          <p:cNvPr id="6" name="PlaceHolder 1"/>
+          <p:cNvPr id="82" name="PlaceHolder 1"/>
           <p:cNvSpPr>
             <a:spLocks noGrp="1"/>
           </p:cNvSpPr>
@@ -2291,19 +2328,20 @@
           </a:prstGeom>
         </p:spPr>
         <p:txBody>
-          <a:bodyPr lIns="0" tIns="0" rIns="0" bIns="0" anchor="ctr"/>
-          <a:lstStyle/>
-          <a:p>
-            <a:pPr algn="ctr"/>
-            <a:endParaRPr lang="cs-CZ" sz="4400" b="0" strike="noStrike" spc="-1">
-              <a:latin typeface="Arial"/>
-            </a:endParaRPr>
-          </a:p>
-        </p:txBody>
-      </p:sp>
-      <p:sp>
-        <p:nvSpPr>
-          <p:cNvPr id="7" name="PlaceHolder 2"/>
+          <a:bodyPr lIns="0" rIns="0" tIns="0" bIns="0" anchor="ctr"/>
+          <a:p>
+            <a:endParaRPr b="0" lang="cs-CZ" sz="1800" spc="-1" strike="noStrike">
+              <a:solidFill>
+                <a:srgbClr val="000000"/>
+              </a:solidFill>
+              <a:latin typeface="Arial"/>
+            </a:endParaRPr>
+          </a:p>
+        </p:txBody>
+      </p:sp>
+      <p:sp>
+        <p:nvSpPr>
+          <p:cNvPr id="83" name="PlaceHolder 2"/>
           <p:cNvSpPr>
             <a:spLocks noGrp="1"/>
           </p:cNvSpPr>
@@ -2321,20 +2359,22 @@
           </a:prstGeom>
         </p:spPr>
         <p:txBody>
-          <a:bodyPr lIns="0" tIns="0" rIns="0" bIns="0">
+          <a:bodyPr lIns="0" rIns="0" tIns="0" bIns="0">
             <a:normAutofit/>
           </a:bodyPr>
-          <a:lstStyle/>
-          <a:p>
-            <a:endParaRPr lang="cs-CZ" sz="3200" b="0" strike="noStrike" spc="-1">
-              <a:latin typeface="Arial"/>
-            </a:endParaRPr>
-          </a:p>
-        </p:txBody>
-      </p:sp>
-      <p:sp>
-        <p:nvSpPr>
-          <p:cNvPr id="8" name="PlaceHolder 3"/>
+          <a:p>
+            <a:endParaRPr b="0" lang="cs-CZ" sz="2800" spc="-1" strike="noStrike">
+              <a:solidFill>
+                <a:srgbClr val="000000"/>
+              </a:solidFill>
+              <a:latin typeface="Arial"/>
+            </a:endParaRPr>
+          </a:p>
+        </p:txBody>
+      </p:sp>
+      <p:sp>
+        <p:nvSpPr>
+          <p:cNvPr id="84" name="PlaceHolder 3"/>
           <p:cNvSpPr>
             <a:spLocks noGrp="1"/>
           </p:cNvSpPr>
@@ -2352,12 +2392,14 @@
           </a:prstGeom>
         </p:spPr>
         <p:txBody>
-          <a:bodyPr lIns="0" tIns="0" rIns="0" bIns="0">
+          <a:bodyPr lIns="0" rIns="0" tIns="0" bIns="0">
             <a:normAutofit/>
           </a:bodyPr>
-          <a:lstStyle/>
-          <a:p>
-            <a:endParaRPr lang="cs-CZ" sz="3200" b="0" strike="noStrike" spc="-1">
+          <a:p>
+            <a:endParaRPr b="0" lang="cs-CZ" sz="2800" spc="-1" strike="noStrike">
+              <a:solidFill>
+                <a:srgbClr val="000000"/>
+              </a:solidFill>
               <a:latin typeface="Arial"/>
             </a:endParaRPr>
           </a:p>
@@ -2365,14 +2407,11 @@
       </p:sp>
     </p:spTree>
   </p:cSld>
-  <p:clrMapOvr>
-    <a:masterClrMapping/>
-  </p:clrMapOvr>
 </p:sldLayout>
 </file>
 
-<file path=ppt/slideLayouts/slideLayout5.xml><?xml version="1.0" encoding="utf-8"?>
-<p:sldLayout xmlns:a="http://schemas.openxmlformats.org/drawingml/2006/main" xmlns:r="http://schemas.openxmlformats.org/officeDocument/2006/relationships" xmlns:p="http://schemas.openxmlformats.org/presentationml/2006/main" type="titleOnly" preserve="1">
+<file path=ppt/slideLayouts/slideLayout29.xml><?xml version="1.0" encoding="utf-8"?>
+<p:sldLayout xmlns:a="http://schemas.openxmlformats.org/drawingml/2006/main" xmlns:p="http://schemas.openxmlformats.org/presentationml/2006/main" xmlns:r="http://schemas.openxmlformats.org/officeDocument/2006/relationships" xmlns:p14="http://schemas.microsoft.com/office/powerpoint/2010/main" xmlns:p15="http://schemas.microsoft.com/office/powerpoint/2012/main" xmlns:mc="http://schemas.openxmlformats.org/markup-compatibility/2006" type="titleOnly" preserve="1">
   <p:cSld name="Title Only">
     <p:spTree>
       <p:nvGrpSpPr>
@@ -2390,7 +2429,7 @@
       </p:grpSpPr>
       <p:sp>
         <p:nvSpPr>
-          <p:cNvPr id="9" name="PlaceHolder 1"/>
+          <p:cNvPr id="85" name="PlaceHolder 1"/>
           <p:cNvSpPr>
             <a:spLocks noGrp="1"/>
           </p:cNvSpPr>
@@ -2408,11 +2447,12 @@
           </a:prstGeom>
         </p:spPr>
         <p:txBody>
-          <a:bodyPr lIns="0" tIns="0" rIns="0" bIns="0" anchor="ctr"/>
-          <a:lstStyle/>
-          <a:p>
-            <a:pPr algn="ctr"/>
-            <a:endParaRPr lang="cs-CZ" sz="4400" b="0" strike="noStrike" spc="-1">
+          <a:bodyPr lIns="0" rIns="0" tIns="0" bIns="0" anchor="ctr"/>
+          <a:p>
+            <a:endParaRPr b="0" lang="cs-CZ" sz="1800" spc="-1" strike="noStrike">
+              <a:solidFill>
+                <a:srgbClr val="000000"/>
+              </a:solidFill>
               <a:latin typeface="Arial"/>
             </a:endParaRPr>
           </a:p>
@@ -2420,14 +2460,97 @@
       </p:sp>
     </p:spTree>
   </p:cSld>
-  <p:clrMapOvr>
-    <a:masterClrMapping/>
-  </p:clrMapOvr>
 </p:sldLayout>
 </file>
 
-<file path=ppt/slideLayouts/slideLayout6.xml><?xml version="1.0" encoding="utf-8"?>
-<p:sldLayout xmlns:a="http://schemas.openxmlformats.org/drawingml/2006/main" xmlns:r="http://schemas.openxmlformats.org/officeDocument/2006/relationships" xmlns:p="http://schemas.openxmlformats.org/presentationml/2006/main" type="objOnly" preserve="1">
+<file path=ppt/slideLayouts/slideLayout3.xml><?xml version="1.0" encoding="utf-8"?>
+<p:sldLayout xmlns:a="http://schemas.openxmlformats.org/drawingml/2006/main" xmlns:p="http://schemas.openxmlformats.org/presentationml/2006/main" xmlns:r="http://schemas.openxmlformats.org/officeDocument/2006/relationships" xmlns:p14="http://schemas.microsoft.com/office/powerpoint/2010/main" xmlns:p15="http://schemas.microsoft.com/office/powerpoint/2012/main" xmlns:mc="http://schemas.openxmlformats.org/markup-compatibility/2006" type="obj" preserve="1">
+  <p:cSld name="Title, Content">
+    <p:spTree>
+      <p:nvGrpSpPr>
+        <p:cNvPr id="1" name=""/>
+        <p:cNvGrpSpPr/>
+        <p:nvPr/>
+      </p:nvGrpSpPr>
+      <p:grpSpPr>
+        <a:xfrm>
+          <a:off x="0" y="0"/>
+          <a:ext cx="0" cy="0"/>
+          <a:chOff x="0" y="0"/>
+          <a:chExt cx="0" cy="0"/>
+        </a:xfrm>
+      </p:grpSpPr>
+      <p:sp>
+        <p:nvSpPr>
+          <p:cNvPr id="4" name="PlaceHolder 1"/>
+          <p:cNvSpPr>
+            <a:spLocks noGrp="1"/>
+          </p:cNvSpPr>
+          <p:nvPr>
+            <p:ph type="title"/>
+          </p:nvPr>
+        </p:nvSpPr>
+        <p:spPr>
+          <a:xfrm>
+            <a:off x="504000" y="301320"/>
+            <a:ext cx="9072000" cy="1261800"/>
+          </a:xfrm>
+          <a:prstGeom prst="rect">
+            <a:avLst/>
+          </a:prstGeom>
+        </p:spPr>
+        <p:txBody>
+          <a:bodyPr lIns="0" rIns="0" tIns="0" bIns="0" anchor="ctr"/>
+          <a:p>
+            <a:endParaRPr b="0" lang="cs-CZ" sz="1800" spc="-1" strike="noStrike">
+              <a:solidFill>
+                <a:srgbClr val="000000"/>
+              </a:solidFill>
+              <a:latin typeface="Arial"/>
+            </a:endParaRPr>
+          </a:p>
+        </p:txBody>
+      </p:sp>
+      <p:sp>
+        <p:nvSpPr>
+          <p:cNvPr id="5" name="PlaceHolder 2"/>
+          <p:cNvSpPr>
+            <a:spLocks noGrp="1"/>
+          </p:cNvSpPr>
+          <p:nvPr>
+            <p:ph type="body"/>
+          </p:nvPr>
+        </p:nvSpPr>
+        <p:spPr>
+          <a:xfrm>
+            <a:off x="504000" y="1768680"/>
+            <a:ext cx="9072000" cy="4384080"/>
+          </a:xfrm>
+          <a:prstGeom prst="rect">
+            <a:avLst/>
+          </a:prstGeom>
+        </p:spPr>
+        <p:txBody>
+          <a:bodyPr lIns="0" rIns="0" tIns="0" bIns="0">
+            <a:normAutofit/>
+          </a:bodyPr>
+          <a:p>
+            <a:endParaRPr b="0" lang="cs-CZ" sz="2800" spc="-1" strike="noStrike">
+              <a:solidFill>
+                <a:srgbClr val="000000"/>
+              </a:solidFill>
+              <a:latin typeface="Arial"/>
+            </a:endParaRPr>
+          </a:p>
+        </p:txBody>
+      </p:sp>
+    </p:spTree>
+  </p:cSld>
+</p:sldLayout>
+</file>
+
+<file path=ppt/slideLayouts/slideLayout30.xml><?xml version="1.0" encoding="utf-8"?>
+<p:sldLayout xmlns:a="http://schemas.openxmlformats.org/drawingml/2006/main" xmlns:p="http://schemas.openxmlformats.org/presentationml/2006/main" xmlns:r="http://schemas.openxmlformats.org/officeDocument/2006/relationships" xmlns:p14="http://schemas.microsoft.com/office/powerpoint/2010/main" xmlns:p15="http://schemas.microsoft.com/office/powerpoint/2012/main" xmlns:mc="http://schemas.openxmlformats.org/markup-compatibility/2006" type="objOnly" preserve="1">
   <p:cSld name="Centered Text">
     <p:spTree>
       <p:nvGrpSpPr>
@@ -2445,7 +2568,7 @@
       </p:grpSpPr>
       <p:sp>
         <p:nvSpPr>
-          <p:cNvPr id="10" name="PlaceHolder 1"/>
+          <p:cNvPr id="86" name="PlaceHolder 1"/>
           <p:cNvSpPr>
             <a:spLocks noGrp="1"/>
           </p:cNvSpPr>
@@ -2463,11 +2586,10 @@
           </a:prstGeom>
         </p:spPr>
         <p:txBody>
-          <a:bodyPr lIns="0" tIns="0" rIns="0" bIns="0" anchor="ctr"/>
-          <a:lstStyle/>
+          <a:bodyPr lIns="0" rIns="0" tIns="0" bIns="0" anchor="ctr"/>
           <a:p>
             <a:pPr algn="ctr"/>
-            <a:endParaRPr lang="cs-CZ" sz="3200" b="0" strike="noStrike" spc="-1">
+            <a:endParaRPr b="0" lang="cs-CZ" sz="3200" spc="-1" strike="noStrike">
               <a:latin typeface="Arial"/>
             </a:endParaRPr>
           </a:p>
@@ -2475,14 +2597,11 @@
       </p:sp>
     </p:spTree>
   </p:cSld>
-  <p:clrMapOvr>
-    <a:masterClrMapping/>
-  </p:clrMapOvr>
 </p:sldLayout>
 </file>
 
-<file path=ppt/slideLayouts/slideLayout7.xml><?xml version="1.0" encoding="utf-8"?>
-<p:sldLayout xmlns:a="http://schemas.openxmlformats.org/drawingml/2006/main" xmlns:r="http://schemas.openxmlformats.org/officeDocument/2006/relationships" xmlns:p="http://schemas.openxmlformats.org/presentationml/2006/main" type="twoObjAndObj" preserve="1">
+<file path=ppt/slideLayouts/slideLayout31.xml><?xml version="1.0" encoding="utf-8"?>
+<p:sldLayout xmlns:a="http://schemas.openxmlformats.org/drawingml/2006/main" xmlns:p="http://schemas.openxmlformats.org/presentationml/2006/main" xmlns:r="http://schemas.openxmlformats.org/officeDocument/2006/relationships" xmlns:p14="http://schemas.microsoft.com/office/powerpoint/2010/main" xmlns:p15="http://schemas.microsoft.com/office/powerpoint/2012/main" xmlns:mc="http://schemas.openxmlformats.org/markup-compatibility/2006" type="twoObjAndObj" preserve="1">
   <p:cSld name="Title, 2 Content and Content">
     <p:spTree>
       <p:nvGrpSpPr>
@@ -2500,7 +2619,7 @@
       </p:grpSpPr>
       <p:sp>
         <p:nvSpPr>
-          <p:cNvPr id="11" name="PlaceHolder 1"/>
+          <p:cNvPr id="87" name="PlaceHolder 1"/>
           <p:cNvSpPr>
             <a:spLocks noGrp="1"/>
           </p:cNvSpPr>
@@ -2518,19 +2637,20 @@
           </a:prstGeom>
         </p:spPr>
         <p:txBody>
-          <a:bodyPr lIns="0" tIns="0" rIns="0" bIns="0" anchor="ctr"/>
-          <a:lstStyle/>
-          <a:p>
-            <a:pPr algn="ctr"/>
-            <a:endParaRPr lang="cs-CZ" sz="4400" b="0" strike="noStrike" spc="-1">
-              <a:latin typeface="Arial"/>
-            </a:endParaRPr>
-          </a:p>
-        </p:txBody>
-      </p:sp>
-      <p:sp>
-        <p:nvSpPr>
-          <p:cNvPr id="12" name="PlaceHolder 2"/>
+          <a:bodyPr lIns="0" rIns="0" tIns="0" bIns="0" anchor="ctr"/>
+          <a:p>
+            <a:endParaRPr b="0" lang="cs-CZ" sz="1800" spc="-1" strike="noStrike">
+              <a:solidFill>
+                <a:srgbClr val="000000"/>
+              </a:solidFill>
+              <a:latin typeface="Arial"/>
+            </a:endParaRPr>
+          </a:p>
+        </p:txBody>
+      </p:sp>
+      <p:sp>
+        <p:nvSpPr>
+          <p:cNvPr id="88" name="PlaceHolder 2"/>
           <p:cNvSpPr>
             <a:spLocks noGrp="1"/>
           </p:cNvSpPr>
@@ -2548,20 +2668,22 @@
           </a:prstGeom>
         </p:spPr>
         <p:txBody>
-          <a:bodyPr lIns="0" tIns="0" rIns="0" bIns="0">
+          <a:bodyPr lIns="0" rIns="0" tIns="0" bIns="0">
             <a:normAutofit/>
           </a:bodyPr>
-          <a:lstStyle/>
-          <a:p>
-            <a:endParaRPr lang="cs-CZ" sz="3200" b="0" strike="noStrike" spc="-1">
-              <a:latin typeface="Arial"/>
-            </a:endParaRPr>
-          </a:p>
-        </p:txBody>
-      </p:sp>
-      <p:sp>
-        <p:nvSpPr>
-          <p:cNvPr id="13" name="PlaceHolder 3"/>
+          <a:p>
+            <a:endParaRPr b="0" lang="cs-CZ" sz="2800" spc="-1" strike="noStrike">
+              <a:solidFill>
+                <a:srgbClr val="000000"/>
+              </a:solidFill>
+              <a:latin typeface="Arial"/>
+            </a:endParaRPr>
+          </a:p>
+        </p:txBody>
+      </p:sp>
+      <p:sp>
+        <p:nvSpPr>
+          <p:cNvPr id="89" name="PlaceHolder 3"/>
           <p:cNvSpPr>
             <a:spLocks noGrp="1"/>
           </p:cNvSpPr>
@@ -2579,20 +2701,22 @@
           </a:prstGeom>
         </p:spPr>
         <p:txBody>
-          <a:bodyPr lIns="0" tIns="0" rIns="0" bIns="0">
+          <a:bodyPr lIns="0" rIns="0" tIns="0" bIns="0">
             <a:normAutofit/>
           </a:bodyPr>
-          <a:lstStyle/>
-          <a:p>
-            <a:endParaRPr lang="cs-CZ" sz="3200" b="0" strike="noStrike" spc="-1">
-              <a:latin typeface="Arial"/>
-            </a:endParaRPr>
-          </a:p>
-        </p:txBody>
-      </p:sp>
-      <p:sp>
-        <p:nvSpPr>
-          <p:cNvPr id="14" name="PlaceHolder 4"/>
+          <a:p>
+            <a:endParaRPr b="0" lang="cs-CZ" sz="2800" spc="-1" strike="noStrike">
+              <a:solidFill>
+                <a:srgbClr val="000000"/>
+              </a:solidFill>
+              <a:latin typeface="Arial"/>
+            </a:endParaRPr>
+          </a:p>
+        </p:txBody>
+      </p:sp>
+      <p:sp>
+        <p:nvSpPr>
+          <p:cNvPr id="90" name="PlaceHolder 4"/>
           <p:cNvSpPr>
             <a:spLocks noGrp="1"/>
           </p:cNvSpPr>
@@ -2610,12 +2734,14 @@
           </a:prstGeom>
         </p:spPr>
         <p:txBody>
-          <a:bodyPr lIns="0" tIns="0" rIns="0" bIns="0">
+          <a:bodyPr lIns="0" rIns="0" tIns="0" bIns="0">
             <a:normAutofit/>
           </a:bodyPr>
-          <a:lstStyle/>
-          <a:p>
-            <a:endParaRPr lang="cs-CZ" sz="3200" b="0" strike="noStrike" spc="-1">
+          <a:p>
+            <a:endParaRPr b="0" lang="cs-CZ" sz="2800" spc="-1" strike="noStrike">
+              <a:solidFill>
+                <a:srgbClr val="000000"/>
+              </a:solidFill>
               <a:latin typeface="Arial"/>
             </a:endParaRPr>
           </a:p>
@@ -2623,14 +2749,11 @@
       </p:sp>
     </p:spTree>
   </p:cSld>
-  <p:clrMapOvr>
-    <a:masterClrMapping/>
-  </p:clrMapOvr>
 </p:sldLayout>
 </file>
 
-<file path=ppt/slideLayouts/slideLayout8.xml><?xml version="1.0" encoding="utf-8"?>
-<p:sldLayout xmlns:a="http://schemas.openxmlformats.org/drawingml/2006/main" xmlns:r="http://schemas.openxmlformats.org/officeDocument/2006/relationships" xmlns:p="http://schemas.openxmlformats.org/presentationml/2006/main" type="objAndTwoObj" preserve="1">
+<file path=ppt/slideLayouts/slideLayout32.xml><?xml version="1.0" encoding="utf-8"?>
+<p:sldLayout xmlns:a="http://schemas.openxmlformats.org/drawingml/2006/main" xmlns:p="http://schemas.openxmlformats.org/presentationml/2006/main" xmlns:r="http://schemas.openxmlformats.org/officeDocument/2006/relationships" xmlns:p14="http://schemas.microsoft.com/office/powerpoint/2010/main" xmlns:p15="http://schemas.microsoft.com/office/powerpoint/2012/main" xmlns:mc="http://schemas.openxmlformats.org/markup-compatibility/2006" type="objAndTwoObj" preserve="1">
   <p:cSld name="Title Content and 2 Content">
     <p:spTree>
       <p:nvGrpSpPr>
@@ -2648,7 +2771,7 @@
       </p:grpSpPr>
       <p:sp>
         <p:nvSpPr>
-          <p:cNvPr id="15" name="PlaceHolder 1"/>
+          <p:cNvPr id="91" name="PlaceHolder 1"/>
           <p:cNvSpPr>
             <a:spLocks noGrp="1"/>
           </p:cNvSpPr>
@@ -2666,19 +2789,20 @@
           </a:prstGeom>
         </p:spPr>
         <p:txBody>
-          <a:bodyPr lIns="0" tIns="0" rIns="0" bIns="0" anchor="ctr"/>
-          <a:lstStyle/>
-          <a:p>
-            <a:pPr algn="ctr"/>
-            <a:endParaRPr lang="cs-CZ" sz="4400" b="0" strike="noStrike" spc="-1">
-              <a:latin typeface="Arial"/>
-            </a:endParaRPr>
-          </a:p>
-        </p:txBody>
-      </p:sp>
-      <p:sp>
-        <p:nvSpPr>
-          <p:cNvPr id="16" name="PlaceHolder 2"/>
+          <a:bodyPr lIns="0" rIns="0" tIns="0" bIns="0" anchor="ctr"/>
+          <a:p>
+            <a:endParaRPr b="0" lang="cs-CZ" sz="1800" spc="-1" strike="noStrike">
+              <a:solidFill>
+                <a:srgbClr val="000000"/>
+              </a:solidFill>
+              <a:latin typeface="Arial"/>
+            </a:endParaRPr>
+          </a:p>
+        </p:txBody>
+      </p:sp>
+      <p:sp>
+        <p:nvSpPr>
+          <p:cNvPr id="92" name="PlaceHolder 2"/>
           <p:cNvSpPr>
             <a:spLocks noGrp="1"/>
           </p:cNvSpPr>
@@ -2696,20 +2820,22 @@
           </a:prstGeom>
         </p:spPr>
         <p:txBody>
-          <a:bodyPr lIns="0" tIns="0" rIns="0" bIns="0">
+          <a:bodyPr lIns="0" rIns="0" tIns="0" bIns="0">
             <a:normAutofit/>
           </a:bodyPr>
-          <a:lstStyle/>
-          <a:p>
-            <a:endParaRPr lang="cs-CZ" sz="3200" b="0" strike="noStrike" spc="-1">
-              <a:latin typeface="Arial"/>
-            </a:endParaRPr>
-          </a:p>
-        </p:txBody>
-      </p:sp>
-      <p:sp>
-        <p:nvSpPr>
-          <p:cNvPr id="17" name="PlaceHolder 3"/>
+          <a:p>
+            <a:endParaRPr b="0" lang="cs-CZ" sz="2800" spc="-1" strike="noStrike">
+              <a:solidFill>
+                <a:srgbClr val="000000"/>
+              </a:solidFill>
+              <a:latin typeface="Arial"/>
+            </a:endParaRPr>
+          </a:p>
+        </p:txBody>
+      </p:sp>
+      <p:sp>
+        <p:nvSpPr>
+          <p:cNvPr id="93" name="PlaceHolder 3"/>
           <p:cNvSpPr>
             <a:spLocks noGrp="1"/>
           </p:cNvSpPr>
@@ -2727,20 +2853,22 @@
           </a:prstGeom>
         </p:spPr>
         <p:txBody>
-          <a:bodyPr lIns="0" tIns="0" rIns="0" bIns="0">
+          <a:bodyPr lIns="0" rIns="0" tIns="0" bIns="0">
             <a:normAutofit/>
           </a:bodyPr>
-          <a:lstStyle/>
-          <a:p>
-            <a:endParaRPr lang="cs-CZ" sz="3200" b="0" strike="noStrike" spc="-1">
-              <a:latin typeface="Arial"/>
-            </a:endParaRPr>
-          </a:p>
-        </p:txBody>
-      </p:sp>
-      <p:sp>
-        <p:nvSpPr>
-          <p:cNvPr id="18" name="PlaceHolder 4"/>
+          <a:p>
+            <a:endParaRPr b="0" lang="cs-CZ" sz="2800" spc="-1" strike="noStrike">
+              <a:solidFill>
+                <a:srgbClr val="000000"/>
+              </a:solidFill>
+              <a:latin typeface="Arial"/>
+            </a:endParaRPr>
+          </a:p>
+        </p:txBody>
+      </p:sp>
+      <p:sp>
+        <p:nvSpPr>
+          <p:cNvPr id="94" name="PlaceHolder 4"/>
           <p:cNvSpPr>
             <a:spLocks noGrp="1"/>
           </p:cNvSpPr>
@@ -2758,12 +2886,14 @@
           </a:prstGeom>
         </p:spPr>
         <p:txBody>
-          <a:bodyPr lIns="0" tIns="0" rIns="0" bIns="0">
+          <a:bodyPr lIns="0" rIns="0" tIns="0" bIns="0">
             <a:normAutofit/>
           </a:bodyPr>
-          <a:lstStyle/>
-          <a:p>
-            <a:endParaRPr lang="cs-CZ" sz="3200" b="0" strike="noStrike" spc="-1">
+          <a:p>
+            <a:endParaRPr b="0" lang="cs-CZ" sz="2800" spc="-1" strike="noStrike">
+              <a:solidFill>
+                <a:srgbClr val="000000"/>
+              </a:solidFill>
               <a:latin typeface="Arial"/>
             </a:endParaRPr>
           </a:p>
@@ -2771,14 +2901,11 @@
       </p:sp>
     </p:spTree>
   </p:cSld>
-  <p:clrMapOvr>
-    <a:masterClrMapping/>
-  </p:clrMapOvr>
 </p:sldLayout>
 </file>
 
-<file path=ppt/slideLayouts/slideLayout9.xml><?xml version="1.0" encoding="utf-8"?>
-<p:sldLayout xmlns:a="http://schemas.openxmlformats.org/drawingml/2006/main" xmlns:r="http://schemas.openxmlformats.org/officeDocument/2006/relationships" xmlns:p="http://schemas.openxmlformats.org/presentationml/2006/main" type="twoObjOverTx" preserve="1">
+<file path=ppt/slideLayouts/slideLayout33.xml><?xml version="1.0" encoding="utf-8"?>
+<p:sldLayout xmlns:a="http://schemas.openxmlformats.org/drawingml/2006/main" xmlns:p="http://schemas.openxmlformats.org/presentationml/2006/main" xmlns:r="http://schemas.openxmlformats.org/officeDocument/2006/relationships" xmlns:p14="http://schemas.microsoft.com/office/powerpoint/2010/main" xmlns:p15="http://schemas.microsoft.com/office/powerpoint/2012/main" xmlns:mc="http://schemas.openxmlformats.org/markup-compatibility/2006" type="twoObjOverTx" preserve="1">
   <p:cSld name="Title, 2 Content over Content">
     <p:spTree>
       <p:nvGrpSpPr>
@@ -2796,7 +2923,7 @@
       </p:grpSpPr>
       <p:sp>
         <p:nvSpPr>
-          <p:cNvPr id="19" name="PlaceHolder 1"/>
+          <p:cNvPr id="95" name="PlaceHolder 1"/>
           <p:cNvSpPr>
             <a:spLocks noGrp="1"/>
           </p:cNvSpPr>
@@ -2814,19 +2941,20 @@
           </a:prstGeom>
         </p:spPr>
         <p:txBody>
-          <a:bodyPr lIns="0" tIns="0" rIns="0" bIns="0" anchor="ctr"/>
-          <a:lstStyle/>
-          <a:p>
-            <a:pPr algn="ctr"/>
-            <a:endParaRPr lang="cs-CZ" sz="4400" b="0" strike="noStrike" spc="-1">
-              <a:latin typeface="Arial"/>
-            </a:endParaRPr>
-          </a:p>
-        </p:txBody>
-      </p:sp>
-      <p:sp>
-        <p:nvSpPr>
-          <p:cNvPr id="20" name="PlaceHolder 2"/>
+          <a:bodyPr lIns="0" rIns="0" tIns="0" bIns="0" anchor="ctr"/>
+          <a:p>
+            <a:endParaRPr b="0" lang="cs-CZ" sz="1800" spc="-1" strike="noStrike">
+              <a:solidFill>
+                <a:srgbClr val="000000"/>
+              </a:solidFill>
+              <a:latin typeface="Arial"/>
+            </a:endParaRPr>
+          </a:p>
+        </p:txBody>
+      </p:sp>
+      <p:sp>
+        <p:nvSpPr>
+          <p:cNvPr id="96" name="PlaceHolder 2"/>
           <p:cNvSpPr>
             <a:spLocks noGrp="1"/>
           </p:cNvSpPr>
@@ -2844,20 +2972,22 @@
           </a:prstGeom>
         </p:spPr>
         <p:txBody>
-          <a:bodyPr lIns="0" tIns="0" rIns="0" bIns="0">
+          <a:bodyPr lIns="0" rIns="0" tIns="0" bIns="0">
             <a:normAutofit/>
           </a:bodyPr>
-          <a:lstStyle/>
-          <a:p>
-            <a:endParaRPr lang="cs-CZ" sz="3200" b="0" strike="noStrike" spc="-1">
-              <a:latin typeface="Arial"/>
-            </a:endParaRPr>
-          </a:p>
-        </p:txBody>
-      </p:sp>
-      <p:sp>
-        <p:nvSpPr>
-          <p:cNvPr id="21" name="PlaceHolder 3"/>
+          <a:p>
+            <a:endParaRPr b="0" lang="cs-CZ" sz="2800" spc="-1" strike="noStrike">
+              <a:solidFill>
+                <a:srgbClr val="000000"/>
+              </a:solidFill>
+              <a:latin typeface="Arial"/>
+            </a:endParaRPr>
+          </a:p>
+        </p:txBody>
+      </p:sp>
+      <p:sp>
+        <p:nvSpPr>
+          <p:cNvPr id="97" name="PlaceHolder 3"/>
           <p:cNvSpPr>
             <a:spLocks noGrp="1"/>
           </p:cNvSpPr>
@@ -2875,20 +3005,22 @@
           </a:prstGeom>
         </p:spPr>
         <p:txBody>
-          <a:bodyPr lIns="0" tIns="0" rIns="0" bIns="0">
+          <a:bodyPr lIns="0" rIns="0" tIns="0" bIns="0">
             <a:normAutofit/>
           </a:bodyPr>
-          <a:lstStyle/>
-          <a:p>
-            <a:endParaRPr lang="cs-CZ" sz="3200" b="0" strike="noStrike" spc="-1">
-              <a:latin typeface="Arial"/>
-            </a:endParaRPr>
-          </a:p>
-        </p:txBody>
-      </p:sp>
-      <p:sp>
-        <p:nvSpPr>
-          <p:cNvPr id="22" name="PlaceHolder 4"/>
+          <a:p>
+            <a:endParaRPr b="0" lang="cs-CZ" sz="2800" spc="-1" strike="noStrike">
+              <a:solidFill>
+                <a:srgbClr val="000000"/>
+              </a:solidFill>
+              <a:latin typeface="Arial"/>
+            </a:endParaRPr>
+          </a:p>
+        </p:txBody>
+      </p:sp>
+      <p:sp>
+        <p:nvSpPr>
+          <p:cNvPr id="98" name="PlaceHolder 4"/>
           <p:cNvSpPr>
             <a:spLocks noGrp="1"/>
           </p:cNvSpPr>
@@ -2906,12 +3038,14 @@
           </a:prstGeom>
         </p:spPr>
         <p:txBody>
-          <a:bodyPr lIns="0" tIns="0" rIns="0" bIns="0">
+          <a:bodyPr lIns="0" rIns="0" tIns="0" bIns="0">
             <a:normAutofit/>
           </a:bodyPr>
-          <a:lstStyle/>
-          <a:p>
-            <a:endParaRPr lang="cs-CZ" sz="3200" b="0" strike="noStrike" spc="-1">
+          <a:p>
+            <a:endParaRPr b="0" lang="cs-CZ" sz="2800" spc="-1" strike="noStrike">
+              <a:solidFill>
+                <a:srgbClr val="000000"/>
+              </a:solidFill>
               <a:latin typeface="Arial"/>
             </a:endParaRPr>
           </a:p>
@@ -2919,24 +3053,1254 @@
       </p:sp>
     </p:spTree>
   </p:cSld>
-  <p:clrMapOvr>
-    <a:masterClrMapping/>
-  </p:clrMapOvr>
+</p:sldLayout>
+</file>
+
+<file path=ppt/slideLayouts/slideLayout34.xml><?xml version="1.0" encoding="utf-8"?>
+<p:sldLayout xmlns:a="http://schemas.openxmlformats.org/drawingml/2006/main" xmlns:p="http://schemas.openxmlformats.org/presentationml/2006/main" xmlns:r="http://schemas.openxmlformats.org/officeDocument/2006/relationships" xmlns:p14="http://schemas.microsoft.com/office/powerpoint/2010/main" xmlns:p15="http://schemas.microsoft.com/office/powerpoint/2012/main" xmlns:mc="http://schemas.openxmlformats.org/markup-compatibility/2006" type="objOverTx" preserve="1">
+  <p:cSld name="Title, Content over Content">
+    <p:spTree>
+      <p:nvGrpSpPr>
+        <p:cNvPr id="1" name=""/>
+        <p:cNvGrpSpPr/>
+        <p:nvPr/>
+      </p:nvGrpSpPr>
+      <p:grpSpPr>
+        <a:xfrm>
+          <a:off x="0" y="0"/>
+          <a:ext cx="0" cy="0"/>
+          <a:chOff x="0" y="0"/>
+          <a:chExt cx="0" cy="0"/>
+        </a:xfrm>
+      </p:grpSpPr>
+      <p:sp>
+        <p:nvSpPr>
+          <p:cNvPr id="99" name="PlaceHolder 1"/>
+          <p:cNvSpPr>
+            <a:spLocks noGrp="1"/>
+          </p:cNvSpPr>
+          <p:nvPr>
+            <p:ph type="title"/>
+          </p:nvPr>
+        </p:nvSpPr>
+        <p:spPr>
+          <a:xfrm>
+            <a:off x="504000" y="301320"/>
+            <a:ext cx="9072000" cy="1261800"/>
+          </a:xfrm>
+          <a:prstGeom prst="rect">
+            <a:avLst/>
+          </a:prstGeom>
+        </p:spPr>
+        <p:txBody>
+          <a:bodyPr lIns="0" rIns="0" tIns="0" bIns="0" anchor="ctr"/>
+          <a:p>
+            <a:endParaRPr b="0" lang="cs-CZ" sz="1800" spc="-1" strike="noStrike">
+              <a:solidFill>
+                <a:srgbClr val="000000"/>
+              </a:solidFill>
+              <a:latin typeface="Arial"/>
+            </a:endParaRPr>
+          </a:p>
+        </p:txBody>
+      </p:sp>
+      <p:sp>
+        <p:nvSpPr>
+          <p:cNvPr id="100" name="PlaceHolder 2"/>
+          <p:cNvSpPr>
+            <a:spLocks noGrp="1"/>
+          </p:cNvSpPr>
+          <p:nvPr>
+            <p:ph type="body"/>
+          </p:nvPr>
+        </p:nvSpPr>
+        <p:spPr>
+          <a:xfrm>
+            <a:off x="504000" y="1768680"/>
+            <a:ext cx="9072000" cy="2090880"/>
+          </a:xfrm>
+          <a:prstGeom prst="rect">
+            <a:avLst/>
+          </a:prstGeom>
+        </p:spPr>
+        <p:txBody>
+          <a:bodyPr lIns="0" rIns="0" tIns="0" bIns="0">
+            <a:normAutofit/>
+          </a:bodyPr>
+          <a:p>
+            <a:endParaRPr b="0" lang="cs-CZ" sz="2800" spc="-1" strike="noStrike">
+              <a:solidFill>
+                <a:srgbClr val="000000"/>
+              </a:solidFill>
+              <a:latin typeface="Arial"/>
+            </a:endParaRPr>
+          </a:p>
+        </p:txBody>
+      </p:sp>
+      <p:sp>
+        <p:nvSpPr>
+          <p:cNvPr id="101" name="PlaceHolder 3"/>
+          <p:cNvSpPr>
+            <a:spLocks noGrp="1"/>
+          </p:cNvSpPr>
+          <p:nvPr>
+            <p:ph type="body"/>
+          </p:nvPr>
+        </p:nvSpPr>
+        <p:spPr>
+          <a:xfrm>
+            <a:off x="504000" y="4058640"/>
+            <a:ext cx="9072000" cy="2090880"/>
+          </a:xfrm>
+          <a:prstGeom prst="rect">
+            <a:avLst/>
+          </a:prstGeom>
+        </p:spPr>
+        <p:txBody>
+          <a:bodyPr lIns="0" rIns="0" tIns="0" bIns="0">
+            <a:normAutofit/>
+          </a:bodyPr>
+          <a:p>
+            <a:endParaRPr b="0" lang="cs-CZ" sz="2800" spc="-1" strike="noStrike">
+              <a:solidFill>
+                <a:srgbClr val="000000"/>
+              </a:solidFill>
+              <a:latin typeface="Arial"/>
+            </a:endParaRPr>
+          </a:p>
+        </p:txBody>
+      </p:sp>
+    </p:spTree>
+  </p:cSld>
+</p:sldLayout>
+</file>
+
+<file path=ppt/slideLayouts/slideLayout35.xml><?xml version="1.0" encoding="utf-8"?>
+<p:sldLayout xmlns:a="http://schemas.openxmlformats.org/drawingml/2006/main" xmlns:p="http://schemas.openxmlformats.org/presentationml/2006/main" xmlns:r="http://schemas.openxmlformats.org/officeDocument/2006/relationships" xmlns:p14="http://schemas.microsoft.com/office/powerpoint/2010/main" xmlns:p15="http://schemas.microsoft.com/office/powerpoint/2012/main" xmlns:mc="http://schemas.openxmlformats.org/markup-compatibility/2006" type="fourObj" preserve="1">
+  <p:cSld name="Title, 4 Content">
+    <p:spTree>
+      <p:nvGrpSpPr>
+        <p:cNvPr id="1" name=""/>
+        <p:cNvGrpSpPr/>
+        <p:nvPr/>
+      </p:nvGrpSpPr>
+      <p:grpSpPr>
+        <a:xfrm>
+          <a:off x="0" y="0"/>
+          <a:ext cx="0" cy="0"/>
+          <a:chOff x="0" y="0"/>
+          <a:chExt cx="0" cy="0"/>
+        </a:xfrm>
+      </p:grpSpPr>
+      <p:sp>
+        <p:nvSpPr>
+          <p:cNvPr id="102" name="PlaceHolder 1"/>
+          <p:cNvSpPr>
+            <a:spLocks noGrp="1"/>
+          </p:cNvSpPr>
+          <p:nvPr>
+            <p:ph type="title"/>
+          </p:nvPr>
+        </p:nvSpPr>
+        <p:spPr>
+          <a:xfrm>
+            <a:off x="504000" y="301320"/>
+            <a:ext cx="9072000" cy="1261800"/>
+          </a:xfrm>
+          <a:prstGeom prst="rect">
+            <a:avLst/>
+          </a:prstGeom>
+        </p:spPr>
+        <p:txBody>
+          <a:bodyPr lIns="0" rIns="0" tIns="0" bIns="0" anchor="ctr"/>
+          <a:p>
+            <a:endParaRPr b="0" lang="cs-CZ" sz="1800" spc="-1" strike="noStrike">
+              <a:solidFill>
+                <a:srgbClr val="000000"/>
+              </a:solidFill>
+              <a:latin typeface="Arial"/>
+            </a:endParaRPr>
+          </a:p>
+        </p:txBody>
+      </p:sp>
+      <p:sp>
+        <p:nvSpPr>
+          <p:cNvPr id="103" name="PlaceHolder 2"/>
+          <p:cNvSpPr>
+            <a:spLocks noGrp="1"/>
+          </p:cNvSpPr>
+          <p:nvPr>
+            <p:ph type="body"/>
+          </p:nvPr>
+        </p:nvSpPr>
+        <p:spPr>
+          <a:xfrm>
+            <a:off x="504000" y="1768680"/>
+            <a:ext cx="4426920" cy="2090880"/>
+          </a:xfrm>
+          <a:prstGeom prst="rect">
+            <a:avLst/>
+          </a:prstGeom>
+        </p:spPr>
+        <p:txBody>
+          <a:bodyPr lIns="0" rIns="0" tIns="0" bIns="0">
+            <a:normAutofit/>
+          </a:bodyPr>
+          <a:p>
+            <a:endParaRPr b="0" lang="cs-CZ" sz="2800" spc="-1" strike="noStrike">
+              <a:solidFill>
+                <a:srgbClr val="000000"/>
+              </a:solidFill>
+              <a:latin typeface="Arial"/>
+            </a:endParaRPr>
+          </a:p>
+        </p:txBody>
+      </p:sp>
+      <p:sp>
+        <p:nvSpPr>
+          <p:cNvPr id="104" name="PlaceHolder 3"/>
+          <p:cNvSpPr>
+            <a:spLocks noGrp="1"/>
+          </p:cNvSpPr>
+          <p:nvPr>
+            <p:ph type="body"/>
+          </p:nvPr>
+        </p:nvSpPr>
+        <p:spPr>
+          <a:xfrm>
+            <a:off x="5152680" y="1768680"/>
+            <a:ext cx="4426920" cy="2090880"/>
+          </a:xfrm>
+          <a:prstGeom prst="rect">
+            <a:avLst/>
+          </a:prstGeom>
+        </p:spPr>
+        <p:txBody>
+          <a:bodyPr lIns="0" rIns="0" tIns="0" bIns="0">
+            <a:normAutofit/>
+          </a:bodyPr>
+          <a:p>
+            <a:endParaRPr b="0" lang="cs-CZ" sz="2800" spc="-1" strike="noStrike">
+              <a:solidFill>
+                <a:srgbClr val="000000"/>
+              </a:solidFill>
+              <a:latin typeface="Arial"/>
+            </a:endParaRPr>
+          </a:p>
+        </p:txBody>
+      </p:sp>
+      <p:sp>
+        <p:nvSpPr>
+          <p:cNvPr id="105" name="PlaceHolder 4"/>
+          <p:cNvSpPr>
+            <a:spLocks noGrp="1"/>
+          </p:cNvSpPr>
+          <p:nvPr>
+            <p:ph type="body"/>
+          </p:nvPr>
+        </p:nvSpPr>
+        <p:spPr>
+          <a:xfrm>
+            <a:off x="504000" y="4058640"/>
+            <a:ext cx="4426920" cy="2090880"/>
+          </a:xfrm>
+          <a:prstGeom prst="rect">
+            <a:avLst/>
+          </a:prstGeom>
+        </p:spPr>
+        <p:txBody>
+          <a:bodyPr lIns="0" rIns="0" tIns="0" bIns="0">
+            <a:normAutofit/>
+          </a:bodyPr>
+          <a:p>
+            <a:endParaRPr b="0" lang="cs-CZ" sz="2800" spc="-1" strike="noStrike">
+              <a:solidFill>
+                <a:srgbClr val="000000"/>
+              </a:solidFill>
+              <a:latin typeface="Arial"/>
+            </a:endParaRPr>
+          </a:p>
+        </p:txBody>
+      </p:sp>
+      <p:sp>
+        <p:nvSpPr>
+          <p:cNvPr id="106" name="PlaceHolder 5"/>
+          <p:cNvSpPr>
+            <a:spLocks noGrp="1"/>
+          </p:cNvSpPr>
+          <p:nvPr>
+            <p:ph type="body"/>
+          </p:nvPr>
+        </p:nvSpPr>
+        <p:spPr>
+          <a:xfrm>
+            <a:off x="5152680" y="4058640"/>
+            <a:ext cx="4426920" cy="2090880"/>
+          </a:xfrm>
+          <a:prstGeom prst="rect">
+            <a:avLst/>
+          </a:prstGeom>
+        </p:spPr>
+        <p:txBody>
+          <a:bodyPr lIns="0" rIns="0" tIns="0" bIns="0">
+            <a:normAutofit/>
+          </a:bodyPr>
+          <a:p>
+            <a:endParaRPr b="0" lang="cs-CZ" sz="2800" spc="-1" strike="noStrike">
+              <a:solidFill>
+                <a:srgbClr val="000000"/>
+              </a:solidFill>
+              <a:latin typeface="Arial"/>
+            </a:endParaRPr>
+          </a:p>
+        </p:txBody>
+      </p:sp>
+    </p:spTree>
+  </p:cSld>
+</p:sldLayout>
+</file>
+
+<file path=ppt/slideLayouts/slideLayout36.xml><?xml version="1.0" encoding="utf-8"?>
+<p:sldLayout xmlns:a="http://schemas.openxmlformats.org/drawingml/2006/main" xmlns:p="http://schemas.openxmlformats.org/presentationml/2006/main" xmlns:r="http://schemas.openxmlformats.org/officeDocument/2006/relationships" xmlns:p14="http://schemas.microsoft.com/office/powerpoint/2010/main" xmlns:p15="http://schemas.microsoft.com/office/powerpoint/2012/main" xmlns:mc="http://schemas.openxmlformats.org/markup-compatibility/2006" type="blank" preserve="1">
+  <p:cSld name="Title, 6 Content">
+    <p:spTree>
+      <p:nvGrpSpPr>
+        <p:cNvPr id="1" name=""/>
+        <p:cNvGrpSpPr/>
+        <p:nvPr/>
+      </p:nvGrpSpPr>
+      <p:grpSpPr>
+        <a:xfrm>
+          <a:off x="0" y="0"/>
+          <a:ext cx="0" cy="0"/>
+          <a:chOff x="0" y="0"/>
+          <a:chExt cx="0" cy="0"/>
+        </a:xfrm>
+      </p:grpSpPr>
+      <p:sp>
+        <p:nvSpPr>
+          <p:cNvPr id="107" name="PlaceHolder 1"/>
+          <p:cNvSpPr>
+            <a:spLocks noGrp="1"/>
+          </p:cNvSpPr>
+          <p:nvPr>
+            <p:ph type="title"/>
+          </p:nvPr>
+        </p:nvSpPr>
+        <p:spPr>
+          <a:xfrm>
+            <a:off x="504000" y="301320"/>
+            <a:ext cx="9072000" cy="1261800"/>
+          </a:xfrm>
+          <a:prstGeom prst="rect">
+            <a:avLst/>
+          </a:prstGeom>
+        </p:spPr>
+        <p:txBody>
+          <a:bodyPr lIns="0" rIns="0" tIns="0" bIns="0" anchor="ctr"/>
+          <a:p>
+            <a:endParaRPr b="0" lang="cs-CZ" sz="1800" spc="-1" strike="noStrike">
+              <a:solidFill>
+                <a:srgbClr val="000000"/>
+              </a:solidFill>
+              <a:latin typeface="Arial"/>
+            </a:endParaRPr>
+          </a:p>
+        </p:txBody>
+      </p:sp>
+      <p:sp>
+        <p:nvSpPr>
+          <p:cNvPr id="108" name="PlaceHolder 2"/>
+          <p:cNvSpPr>
+            <a:spLocks noGrp="1"/>
+          </p:cNvSpPr>
+          <p:nvPr>
+            <p:ph type="body"/>
+          </p:nvPr>
+        </p:nvSpPr>
+        <p:spPr>
+          <a:xfrm>
+            <a:off x="504000" y="1768680"/>
+            <a:ext cx="2921040" cy="2090880"/>
+          </a:xfrm>
+          <a:prstGeom prst="rect">
+            <a:avLst/>
+          </a:prstGeom>
+        </p:spPr>
+        <p:txBody>
+          <a:bodyPr lIns="0" rIns="0" tIns="0" bIns="0">
+            <a:normAutofit/>
+          </a:bodyPr>
+          <a:p>
+            <a:endParaRPr b="0" lang="cs-CZ" sz="2800" spc="-1" strike="noStrike">
+              <a:solidFill>
+                <a:srgbClr val="000000"/>
+              </a:solidFill>
+              <a:latin typeface="Arial"/>
+            </a:endParaRPr>
+          </a:p>
+        </p:txBody>
+      </p:sp>
+      <p:sp>
+        <p:nvSpPr>
+          <p:cNvPr id="109" name="PlaceHolder 3"/>
+          <p:cNvSpPr>
+            <a:spLocks noGrp="1"/>
+          </p:cNvSpPr>
+          <p:nvPr>
+            <p:ph type="body"/>
+          </p:nvPr>
+        </p:nvSpPr>
+        <p:spPr>
+          <a:xfrm>
+            <a:off x="3571560" y="1768680"/>
+            <a:ext cx="2921040" cy="2090880"/>
+          </a:xfrm>
+          <a:prstGeom prst="rect">
+            <a:avLst/>
+          </a:prstGeom>
+        </p:spPr>
+        <p:txBody>
+          <a:bodyPr lIns="0" rIns="0" tIns="0" bIns="0">
+            <a:normAutofit/>
+          </a:bodyPr>
+          <a:p>
+            <a:endParaRPr b="0" lang="cs-CZ" sz="2800" spc="-1" strike="noStrike">
+              <a:solidFill>
+                <a:srgbClr val="000000"/>
+              </a:solidFill>
+              <a:latin typeface="Arial"/>
+            </a:endParaRPr>
+          </a:p>
+        </p:txBody>
+      </p:sp>
+      <p:sp>
+        <p:nvSpPr>
+          <p:cNvPr id="110" name="PlaceHolder 4"/>
+          <p:cNvSpPr>
+            <a:spLocks noGrp="1"/>
+          </p:cNvSpPr>
+          <p:nvPr>
+            <p:ph type="body"/>
+          </p:nvPr>
+        </p:nvSpPr>
+        <p:spPr>
+          <a:xfrm>
+            <a:off x="6639120" y="1768680"/>
+            <a:ext cx="2921040" cy="2090880"/>
+          </a:xfrm>
+          <a:prstGeom prst="rect">
+            <a:avLst/>
+          </a:prstGeom>
+        </p:spPr>
+        <p:txBody>
+          <a:bodyPr lIns="0" rIns="0" tIns="0" bIns="0">
+            <a:normAutofit/>
+          </a:bodyPr>
+          <a:p>
+            <a:endParaRPr b="0" lang="cs-CZ" sz="2800" spc="-1" strike="noStrike">
+              <a:solidFill>
+                <a:srgbClr val="000000"/>
+              </a:solidFill>
+              <a:latin typeface="Arial"/>
+            </a:endParaRPr>
+          </a:p>
+        </p:txBody>
+      </p:sp>
+      <p:sp>
+        <p:nvSpPr>
+          <p:cNvPr id="111" name="PlaceHolder 5"/>
+          <p:cNvSpPr>
+            <a:spLocks noGrp="1"/>
+          </p:cNvSpPr>
+          <p:nvPr>
+            <p:ph type="body"/>
+          </p:nvPr>
+        </p:nvSpPr>
+        <p:spPr>
+          <a:xfrm>
+            <a:off x="504000" y="4058640"/>
+            <a:ext cx="2921040" cy="2090880"/>
+          </a:xfrm>
+          <a:prstGeom prst="rect">
+            <a:avLst/>
+          </a:prstGeom>
+        </p:spPr>
+        <p:txBody>
+          <a:bodyPr lIns="0" rIns="0" tIns="0" bIns="0">
+            <a:normAutofit/>
+          </a:bodyPr>
+          <a:p>
+            <a:endParaRPr b="0" lang="cs-CZ" sz="2800" spc="-1" strike="noStrike">
+              <a:solidFill>
+                <a:srgbClr val="000000"/>
+              </a:solidFill>
+              <a:latin typeface="Arial"/>
+            </a:endParaRPr>
+          </a:p>
+        </p:txBody>
+      </p:sp>
+      <p:sp>
+        <p:nvSpPr>
+          <p:cNvPr id="112" name="PlaceHolder 6"/>
+          <p:cNvSpPr>
+            <a:spLocks noGrp="1"/>
+          </p:cNvSpPr>
+          <p:nvPr>
+            <p:ph type="body"/>
+          </p:nvPr>
+        </p:nvSpPr>
+        <p:spPr>
+          <a:xfrm>
+            <a:off x="3571560" y="4058640"/>
+            <a:ext cx="2921040" cy="2090880"/>
+          </a:xfrm>
+          <a:prstGeom prst="rect">
+            <a:avLst/>
+          </a:prstGeom>
+        </p:spPr>
+        <p:txBody>
+          <a:bodyPr lIns="0" rIns="0" tIns="0" bIns="0">
+            <a:normAutofit/>
+          </a:bodyPr>
+          <a:p>
+            <a:endParaRPr b="0" lang="cs-CZ" sz="2800" spc="-1" strike="noStrike">
+              <a:solidFill>
+                <a:srgbClr val="000000"/>
+              </a:solidFill>
+              <a:latin typeface="Arial"/>
+            </a:endParaRPr>
+          </a:p>
+        </p:txBody>
+      </p:sp>
+      <p:sp>
+        <p:nvSpPr>
+          <p:cNvPr id="113" name="PlaceHolder 7"/>
+          <p:cNvSpPr>
+            <a:spLocks noGrp="1"/>
+          </p:cNvSpPr>
+          <p:nvPr>
+            <p:ph type="body"/>
+          </p:nvPr>
+        </p:nvSpPr>
+        <p:spPr>
+          <a:xfrm>
+            <a:off x="6639120" y="4058640"/>
+            <a:ext cx="2921040" cy="2090880"/>
+          </a:xfrm>
+          <a:prstGeom prst="rect">
+            <a:avLst/>
+          </a:prstGeom>
+        </p:spPr>
+        <p:txBody>
+          <a:bodyPr lIns="0" rIns="0" tIns="0" bIns="0">
+            <a:normAutofit/>
+          </a:bodyPr>
+          <a:p>
+            <a:endParaRPr b="0" lang="cs-CZ" sz="2800" spc="-1" strike="noStrike">
+              <a:solidFill>
+                <a:srgbClr val="000000"/>
+              </a:solidFill>
+              <a:latin typeface="Arial"/>
+            </a:endParaRPr>
+          </a:p>
+        </p:txBody>
+      </p:sp>
+    </p:spTree>
+  </p:cSld>
+</p:sldLayout>
+</file>
+
+<file path=ppt/slideLayouts/slideLayout4.xml><?xml version="1.0" encoding="utf-8"?>
+<p:sldLayout xmlns:a="http://schemas.openxmlformats.org/drawingml/2006/main" xmlns:p="http://schemas.openxmlformats.org/presentationml/2006/main" xmlns:r="http://schemas.openxmlformats.org/officeDocument/2006/relationships" xmlns:p14="http://schemas.microsoft.com/office/powerpoint/2010/main" xmlns:p15="http://schemas.microsoft.com/office/powerpoint/2012/main" xmlns:mc="http://schemas.openxmlformats.org/markup-compatibility/2006" type="twoObj" preserve="1">
+  <p:cSld name="Title, 2 Content">
+    <p:spTree>
+      <p:nvGrpSpPr>
+        <p:cNvPr id="1" name=""/>
+        <p:cNvGrpSpPr/>
+        <p:nvPr/>
+      </p:nvGrpSpPr>
+      <p:grpSpPr>
+        <a:xfrm>
+          <a:off x="0" y="0"/>
+          <a:ext cx="0" cy="0"/>
+          <a:chOff x="0" y="0"/>
+          <a:chExt cx="0" cy="0"/>
+        </a:xfrm>
+      </p:grpSpPr>
+      <p:sp>
+        <p:nvSpPr>
+          <p:cNvPr id="6" name="PlaceHolder 1"/>
+          <p:cNvSpPr>
+            <a:spLocks noGrp="1"/>
+          </p:cNvSpPr>
+          <p:nvPr>
+            <p:ph type="title"/>
+          </p:nvPr>
+        </p:nvSpPr>
+        <p:spPr>
+          <a:xfrm>
+            <a:off x="504000" y="301320"/>
+            <a:ext cx="9072000" cy="1261800"/>
+          </a:xfrm>
+          <a:prstGeom prst="rect">
+            <a:avLst/>
+          </a:prstGeom>
+        </p:spPr>
+        <p:txBody>
+          <a:bodyPr lIns="0" rIns="0" tIns="0" bIns="0" anchor="ctr"/>
+          <a:p>
+            <a:endParaRPr b="0" lang="cs-CZ" sz="1800" spc="-1" strike="noStrike">
+              <a:solidFill>
+                <a:srgbClr val="000000"/>
+              </a:solidFill>
+              <a:latin typeface="Arial"/>
+            </a:endParaRPr>
+          </a:p>
+        </p:txBody>
+      </p:sp>
+      <p:sp>
+        <p:nvSpPr>
+          <p:cNvPr id="7" name="PlaceHolder 2"/>
+          <p:cNvSpPr>
+            <a:spLocks noGrp="1"/>
+          </p:cNvSpPr>
+          <p:nvPr>
+            <p:ph type="body"/>
+          </p:nvPr>
+        </p:nvSpPr>
+        <p:spPr>
+          <a:xfrm>
+            <a:off x="504000" y="1768680"/>
+            <a:ext cx="4426920" cy="4384080"/>
+          </a:xfrm>
+          <a:prstGeom prst="rect">
+            <a:avLst/>
+          </a:prstGeom>
+        </p:spPr>
+        <p:txBody>
+          <a:bodyPr lIns="0" rIns="0" tIns="0" bIns="0">
+            <a:normAutofit/>
+          </a:bodyPr>
+          <a:p>
+            <a:endParaRPr b="0" lang="cs-CZ" sz="2800" spc="-1" strike="noStrike">
+              <a:solidFill>
+                <a:srgbClr val="000000"/>
+              </a:solidFill>
+              <a:latin typeface="Arial"/>
+            </a:endParaRPr>
+          </a:p>
+        </p:txBody>
+      </p:sp>
+      <p:sp>
+        <p:nvSpPr>
+          <p:cNvPr id="8" name="PlaceHolder 3"/>
+          <p:cNvSpPr>
+            <a:spLocks noGrp="1"/>
+          </p:cNvSpPr>
+          <p:nvPr>
+            <p:ph type="body"/>
+          </p:nvPr>
+        </p:nvSpPr>
+        <p:spPr>
+          <a:xfrm>
+            <a:off x="5152680" y="1768680"/>
+            <a:ext cx="4426920" cy="4384080"/>
+          </a:xfrm>
+          <a:prstGeom prst="rect">
+            <a:avLst/>
+          </a:prstGeom>
+        </p:spPr>
+        <p:txBody>
+          <a:bodyPr lIns="0" rIns="0" tIns="0" bIns="0">
+            <a:normAutofit/>
+          </a:bodyPr>
+          <a:p>
+            <a:endParaRPr b="0" lang="cs-CZ" sz="2800" spc="-1" strike="noStrike">
+              <a:solidFill>
+                <a:srgbClr val="000000"/>
+              </a:solidFill>
+              <a:latin typeface="Arial"/>
+            </a:endParaRPr>
+          </a:p>
+        </p:txBody>
+      </p:sp>
+    </p:spTree>
+  </p:cSld>
+</p:sldLayout>
+</file>
+
+<file path=ppt/slideLayouts/slideLayout5.xml><?xml version="1.0" encoding="utf-8"?>
+<p:sldLayout xmlns:a="http://schemas.openxmlformats.org/drawingml/2006/main" xmlns:p="http://schemas.openxmlformats.org/presentationml/2006/main" xmlns:r="http://schemas.openxmlformats.org/officeDocument/2006/relationships" xmlns:p14="http://schemas.microsoft.com/office/powerpoint/2010/main" xmlns:p15="http://schemas.microsoft.com/office/powerpoint/2012/main" xmlns:mc="http://schemas.openxmlformats.org/markup-compatibility/2006" type="titleOnly" preserve="1">
+  <p:cSld name="Title Only">
+    <p:spTree>
+      <p:nvGrpSpPr>
+        <p:cNvPr id="1" name=""/>
+        <p:cNvGrpSpPr/>
+        <p:nvPr/>
+      </p:nvGrpSpPr>
+      <p:grpSpPr>
+        <a:xfrm>
+          <a:off x="0" y="0"/>
+          <a:ext cx="0" cy="0"/>
+          <a:chOff x="0" y="0"/>
+          <a:chExt cx="0" cy="0"/>
+        </a:xfrm>
+      </p:grpSpPr>
+      <p:sp>
+        <p:nvSpPr>
+          <p:cNvPr id="9" name="PlaceHolder 1"/>
+          <p:cNvSpPr>
+            <a:spLocks noGrp="1"/>
+          </p:cNvSpPr>
+          <p:nvPr>
+            <p:ph type="title"/>
+          </p:nvPr>
+        </p:nvSpPr>
+        <p:spPr>
+          <a:xfrm>
+            <a:off x="504000" y="301320"/>
+            <a:ext cx="9072000" cy="1261800"/>
+          </a:xfrm>
+          <a:prstGeom prst="rect">
+            <a:avLst/>
+          </a:prstGeom>
+        </p:spPr>
+        <p:txBody>
+          <a:bodyPr lIns="0" rIns="0" tIns="0" bIns="0" anchor="ctr"/>
+          <a:p>
+            <a:endParaRPr b="0" lang="cs-CZ" sz="1800" spc="-1" strike="noStrike">
+              <a:solidFill>
+                <a:srgbClr val="000000"/>
+              </a:solidFill>
+              <a:latin typeface="Arial"/>
+            </a:endParaRPr>
+          </a:p>
+        </p:txBody>
+      </p:sp>
+    </p:spTree>
+  </p:cSld>
+</p:sldLayout>
+</file>
+
+<file path=ppt/slideLayouts/slideLayout6.xml><?xml version="1.0" encoding="utf-8"?>
+<p:sldLayout xmlns:a="http://schemas.openxmlformats.org/drawingml/2006/main" xmlns:p="http://schemas.openxmlformats.org/presentationml/2006/main" xmlns:r="http://schemas.openxmlformats.org/officeDocument/2006/relationships" xmlns:p14="http://schemas.microsoft.com/office/powerpoint/2010/main" xmlns:p15="http://schemas.microsoft.com/office/powerpoint/2012/main" xmlns:mc="http://schemas.openxmlformats.org/markup-compatibility/2006" type="objOnly" preserve="1">
+  <p:cSld name="Centered Text">
+    <p:spTree>
+      <p:nvGrpSpPr>
+        <p:cNvPr id="1" name=""/>
+        <p:cNvGrpSpPr/>
+        <p:nvPr/>
+      </p:nvGrpSpPr>
+      <p:grpSpPr>
+        <a:xfrm>
+          <a:off x="0" y="0"/>
+          <a:ext cx="0" cy="0"/>
+          <a:chOff x="0" y="0"/>
+          <a:chExt cx="0" cy="0"/>
+        </a:xfrm>
+      </p:grpSpPr>
+      <p:sp>
+        <p:nvSpPr>
+          <p:cNvPr id="10" name="PlaceHolder 1"/>
+          <p:cNvSpPr>
+            <a:spLocks noGrp="1"/>
+          </p:cNvSpPr>
+          <p:nvPr>
+            <p:ph type="subTitle"/>
+          </p:nvPr>
+        </p:nvSpPr>
+        <p:spPr>
+          <a:xfrm>
+            <a:off x="504000" y="301320"/>
+            <a:ext cx="9072000" cy="5850360"/>
+          </a:xfrm>
+          <a:prstGeom prst="rect">
+            <a:avLst/>
+          </a:prstGeom>
+        </p:spPr>
+        <p:txBody>
+          <a:bodyPr lIns="0" rIns="0" tIns="0" bIns="0" anchor="ctr"/>
+          <a:p>
+            <a:pPr algn="ctr"/>
+            <a:endParaRPr b="0" lang="cs-CZ" sz="3200" spc="-1" strike="noStrike">
+              <a:latin typeface="Arial"/>
+            </a:endParaRPr>
+          </a:p>
+        </p:txBody>
+      </p:sp>
+    </p:spTree>
+  </p:cSld>
+</p:sldLayout>
+</file>
+
+<file path=ppt/slideLayouts/slideLayout7.xml><?xml version="1.0" encoding="utf-8"?>
+<p:sldLayout xmlns:a="http://schemas.openxmlformats.org/drawingml/2006/main" xmlns:p="http://schemas.openxmlformats.org/presentationml/2006/main" xmlns:r="http://schemas.openxmlformats.org/officeDocument/2006/relationships" xmlns:p14="http://schemas.microsoft.com/office/powerpoint/2010/main" xmlns:p15="http://schemas.microsoft.com/office/powerpoint/2012/main" xmlns:mc="http://schemas.openxmlformats.org/markup-compatibility/2006" type="twoObjAndObj" preserve="1">
+  <p:cSld name="Title, 2 Content and Content">
+    <p:spTree>
+      <p:nvGrpSpPr>
+        <p:cNvPr id="1" name=""/>
+        <p:cNvGrpSpPr/>
+        <p:nvPr/>
+      </p:nvGrpSpPr>
+      <p:grpSpPr>
+        <a:xfrm>
+          <a:off x="0" y="0"/>
+          <a:ext cx="0" cy="0"/>
+          <a:chOff x="0" y="0"/>
+          <a:chExt cx="0" cy="0"/>
+        </a:xfrm>
+      </p:grpSpPr>
+      <p:sp>
+        <p:nvSpPr>
+          <p:cNvPr id="11" name="PlaceHolder 1"/>
+          <p:cNvSpPr>
+            <a:spLocks noGrp="1"/>
+          </p:cNvSpPr>
+          <p:nvPr>
+            <p:ph type="title"/>
+          </p:nvPr>
+        </p:nvSpPr>
+        <p:spPr>
+          <a:xfrm>
+            <a:off x="504000" y="301320"/>
+            <a:ext cx="9072000" cy="1261800"/>
+          </a:xfrm>
+          <a:prstGeom prst="rect">
+            <a:avLst/>
+          </a:prstGeom>
+        </p:spPr>
+        <p:txBody>
+          <a:bodyPr lIns="0" rIns="0" tIns="0" bIns="0" anchor="ctr"/>
+          <a:p>
+            <a:endParaRPr b="0" lang="cs-CZ" sz="1800" spc="-1" strike="noStrike">
+              <a:solidFill>
+                <a:srgbClr val="000000"/>
+              </a:solidFill>
+              <a:latin typeface="Arial"/>
+            </a:endParaRPr>
+          </a:p>
+        </p:txBody>
+      </p:sp>
+      <p:sp>
+        <p:nvSpPr>
+          <p:cNvPr id="12" name="PlaceHolder 2"/>
+          <p:cNvSpPr>
+            <a:spLocks noGrp="1"/>
+          </p:cNvSpPr>
+          <p:nvPr>
+            <p:ph type="body"/>
+          </p:nvPr>
+        </p:nvSpPr>
+        <p:spPr>
+          <a:xfrm>
+            <a:off x="504000" y="1768680"/>
+            <a:ext cx="4426920" cy="2090880"/>
+          </a:xfrm>
+          <a:prstGeom prst="rect">
+            <a:avLst/>
+          </a:prstGeom>
+        </p:spPr>
+        <p:txBody>
+          <a:bodyPr lIns="0" rIns="0" tIns="0" bIns="0">
+            <a:normAutofit/>
+          </a:bodyPr>
+          <a:p>
+            <a:endParaRPr b="0" lang="cs-CZ" sz="2800" spc="-1" strike="noStrike">
+              <a:solidFill>
+                <a:srgbClr val="000000"/>
+              </a:solidFill>
+              <a:latin typeface="Arial"/>
+            </a:endParaRPr>
+          </a:p>
+        </p:txBody>
+      </p:sp>
+      <p:sp>
+        <p:nvSpPr>
+          <p:cNvPr id="13" name="PlaceHolder 3"/>
+          <p:cNvSpPr>
+            <a:spLocks noGrp="1"/>
+          </p:cNvSpPr>
+          <p:nvPr>
+            <p:ph type="body"/>
+          </p:nvPr>
+        </p:nvSpPr>
+        <p:spPr>
+          <a:xfrm>
+            <a:off x="5152680" y="1768680"/>
+            <a:ext cx="4426920" cy="4384080"/>
+          </a:xfrm>
+          <a:prstGeom prst="rect">
+            <a:avLst/>
+          </a:prstGeom>
+        </p:spPr>
+        <p:txBody>
+          <a:bodyPr lIns="0" rIns="0" tIns="0" bIns="0">
+            <a:normAutofit/>
+          </a:bodyPr>
+          <a:p>
+            <a:endParaRPr b="0" lang="cs-CZ" sz="2800" spc="-1" strike="noStrike">
+              <a:solidFill>
+                <a:srgbClr val="000000"/>
+              </a:solidFill>
+              <a:latin typeface="Arial"/>
+            </a:endParaRPr>
+          </a:p>
+        </p:txBody>
+      </p:sp>
+      <p:sp>
+        <p:nvSpPr>
+          <p:cNvPr id="14" name="PlaceHolder 4"/>
+          <p:cNvSpPr>
+            <a:spLocks noGrp="1"/>
+          </p:cNvSpPr>
+          <p:nvPr>
+            <p:ph type="body"/>
+          </p:nvPr>
+        </p:nvSpPr>
+        <p:spPr>
+          <a:xfrm>
+            <a:off x="504000" y="4058640"/>
+            <a:ext cx="4426920" cy="2090880"/>
+          </a:xfrm>
+          <a:prstGeom prst="rect">
+            <a:avLst/>
+          </a:prstGeom>
+        </p:spPr>
+        <p:txBody>
+          <a:bodyPr lIns="0" rIns="0" tIns="0" bIns="0">
+            <a:normAutofit/>
+          </a:bodyPr>
+          <a:p>
+            <a:endParaRPr b="0" lang="cs-CZ" sz="2800" spc="-1" strike="noStrike">
+              <a:solidFill>
+                <a:srgbClr val="000000"/>
+              </a:solidFill>
+              <a:latin typeface="Arial"/>
+            </a:endParaRPr>
+          </a:p>
+        </p:txBody>
+      </p:sp>
+    </p:spTree>
+  </p:cSld>
+</p:sldLayout>
+</file>
+
+<file path=ppt/slideLayouts/slideLayout8.xml><?xml version="1.0" encoding="utf-8"?>
+<p:sldLayout xmlns:a="http://schemas.openxmlformats.org/drawingml/2006/main" xmlns:p="http://schemas.openxmlformats.org/presentationml/2006/main" xmlns:r="http://schemas.openxmlformats.org/officeDocument/2006/relationships" xmlns:p14="http://schemas.microsoft.com/office/powerpoint/2010/main" xmlns:p15="http://schemas.microsoft.com/office/powerpoint/2012/main" xmlns:mc="http://schemas.openxmlformats.org/markup-compatibility/2006" type="objAndTwoObj" preserve="1">
+  <p:cSld name="Title Content and 2 Content">
+    <p:spTree>
+      <p:nvGrpSpPr>
+        <p:cNvPr id="1" name=""/>
+        <p:cNvGrpSpPr/>
+        <p:nvPr/>
+      </p:nvGrpSpPr>
+      <p:grpSpPr>
+        <a:xfrm>
+          <a:off x="0" y="0"/>
+          <a:ext cx="0" cy="0"/>
+          <a:chOff x="0" y="0"/>
+          <a:chExt cx="0" cy="0"/>
+        </a:xfrm>
+      </p:grpSpPr>
+      <p:sp>
+        <p:nvSpPr>
+          <p:cNvPr id="15" name="PlaceHolder 1"/>
+          <p:cNvSpPr>
+            <a:spLocks noGrp="1"/>
+          </p:cNvSpPr>
+          <p:nvPr>
+            <p:ph type="title"/>
+          </p:nvPr>
+        </p:nvSpPr>
+        <p:spPr>
+          <a:xfrm>
+            <a:off x="504000" y="301320"/>
+            <a:ext cx="9072000" cy="1261800"/>
+          </a:xfrm>
+          <a:prstGeom prst="rect">
+            <a:avLst/>
+          </a:prstGeom>
+        </p:spPr>
+        <p:txBody>
+          <a:bodyPr lIns="0" rIns="0" tIns="0" bIns="0" anchor="ctr"/>
+          <a:p>
+            <a:endParaRPr b="0" lang="cs-CZ" sz="1800" spc="-1" strike="noStrike">
+              <a:solidFill>
+                <a:srgbClr val="000000"/>
+              </a:solidFill>
+              <a:latin typeface="Arial"/>
+            </a:endParaRPr>
+          </a:p>
+        </p:txBody>
+      </p:sp>
+      <p:sp>
+        <p:nvSpPr>
+          <p:cNvPr id="16" name="PlaceHolder 2"/>
+          <p:cNvSpPr>
+            <a:spLocks noGrp="1"/>
+          </p:cNvSpPr>
+          <p:nvPr>
+            <p:ph type="body"/>
+          </p:nvPr>
+        </p:nvSpPr>
+        <p:spPr>
+          <a:xfrm>
+            <a:off x="504000" y="1768680"/>
+            <a:ext cx="4426920" cy="4384080"/>
+          </a:xfrm>
+          <a:prstGeom prst="rect">
+            <a:avLst/>
+          </a:prstGeom>
+        </p:spPr>
+        <p:txBody>
+          <a:bodyPr lIns="0" rIns="0" tIns="0" bIns="0">
+            <a:normAutofit/>
+          </a:bodyPr>
+          <a:p>
+            <a:endParaRPr b="0" lang="cs-CZ" sz="2800" spc="-1" strike="noStrike">
+              <a:solidFill>
+                <a:srgbClr val="000000"/>
+              </a:solidFill>
+              <a:latin typeface="Arial"/>
+            </a:endParaRPr>
+          </a:p>
+        </p:txBody>
+      </p:sp>
+      <p:sp>
+        <p:nvSpPr>
+          <p:cNvPr id="17" name="PlaceHolder 3"/>
+          <p:cNvSpPr>
+            <a:spLocks noGrp="1"/>
+          </p:cNvSpPr>
+          <p:nvPr>
+            <p:ph type="body"/>
+          </p:nvPr>
+        </p:nvSpPr>
+        <p:spPr>
+          <a:xfrm>
+            <a:off x="5152680" y="1768680"/>
+            <a:ext cx="4426920" cy="2090880"/>
+          </a:xfrm>
+          <a:prstGeom prst="rect">
+            <a:avLst/>
+          </a:prstGeom>
+        </p:spPr>
+        <p:txBody>
+          <a:bodyPr lIns="0" rIns="0" tIns="0" bIns="0">
+            <a:normAutofit/>
+          </a:bodyPr>
+          <a:p>
+            <a:endParaRPr b="0" lang="cs-CZ" sz="2800" spc="-1" strike="noStrike">
+              <a:solidFill>
+                <a:srgbClr val="000000"/>
+              </a:solidFill>
+              <a:latin typeface="Arial"/>
+            </a:endParaRPr>
+          </a:p>
+        </p:txBody>
+      </p:sp>
+      <p:sp>
+        <p:nvSpPr>
+          <p:cNvPr id="18" name="PlaceHolder 4"/>
+          <p:cNvSpPr>
+            <a:spLocks noGrp="1"/>
+          </p:cNvSpPr>
+          <p:nvPr>
+            <p:ph type="body"/>
+          </p:nvPr>
+        </p:nvSpPr>
+        <p:spPr>
+          <a:xfrm>
+            <a:off x="5152680" y="4058640"/>
+            <a:ext cx="4426920" cy="2090880"/>
+          </a:xfrm>
+          <a:prstGeom prst="rect">
+            <a:avLst/>
+          </a:prstGeom>
+        </p:spPr>
+        <p:txBody>
+          <a:bodyPr lIns="0" rIns="0" tIns="0" bIns="0">
+            <a:normAutofit/>
+          </a:bodyPr>
+          <a:p>
+            <a:endParaRPr b="0" lang="cs-CZ" sz="2800" spc="-1" strike="noStrike">
+              <a:solidFill>
+                <a:srgbClr val="000000"/>
+              </a:solidFill>
+              <a:latin typeface="Arial"/>
+            </a:endParaRPr>
+          </a:p>
+        </p:txBody>
+      </p:sp>
+    </p:spTree>
+  </p:cSld>
+</p:sldLayout>
+</file>
+
+<file path=ppt/slideLayouts/slideLayout9.xml><?xml version="1.0" encoding="utf-8"?>
+<p:sldLayout xmlns:a="http://schemas.openxmlformats.org/drawingml/2006/main" xmlns:p="http://schemas.openxmlformats.org/presentationml/2006/main" xmlns:r="http://schemas.openxmlformats.org/officeDocument/2006/relationships" xmlns:p14="http://schemas.microsoft.com/office/powerpoint/2010/main" xmlns:p15="http://schemas.microsoft.com/office/powerpoint/2012/main" xmlns:mc="http://schemas.openxmlformats.org/markup-compatibility/2006" type="twoObjOverTx" preserve="1">
+  <p:cSld name="Title, 2 Content over Content">
+    <p:spTree>
+      <p:nvGrpSpPr>
+        <p:cNvPr id="1" name=""/>
+        <p:cNvGrpSpPr/>
+        <p:nvPr/>
+      </p:nvGrpSpPr>
+      <p:grpSpPr>
+        <a:xfrm>
+          <a:off x="0" y="0"/>
+          <a:ext cx="0" cy="0"/>
+          <a:chOff x="0" y="0"/>
+          <a:chExt cx="0" cy="0"/>
+        </a:xfrm>
+      </p:grpSpPr>
+      <p:sp>
+        <p:nvSpPr>
+          <p:cNvPr id="19" name="PlaceHolder 1"/>
+          <p:cNvSpPr>
+            <a:spLocks noGrp="1"/>
+          </p:cNvSpPr>
+          <p:nvPr>
+            <p:ph type="title"/>
+          </p:nvPr>
+        </p:nvSpPr>
+        <p:spPr>
+          <a:xfrm>
+            <a:off x="504000" y="301320"/>
+            <a:ext cx="9072000" cy="1261800"/>
+          </a:xfrm>
+          <a:prstGeom prst="rect">
+            <a:avLst/>
+          </a:prstGeom>
+        </p:spPr>
+        <p:txBody>
+          <a:bodyPr lIns="0" rIns="0" tIns="0" bIns="0" anchor="ctr"/>
+          <a:p>
+            <a:endParaRPr b="0" lang="cs-CZ" sz="1800" spc="-1" strike="noStrike">
+              <a:solidFill>
+                <a:srgbClr val="000000"/>
+              </a:solidFill>
+              <a:latin typeface="Arial"/>
+            </a:endParaRPr>
+          </a:p>
+        </p:txBody>
+      </p:sp>
+      <p:sp>
+        <p:nvSpPr>
+          <p:cNvPr id="20" name="PlaceHolder 2"/>
+          <p:cNvSpPr>
+            <a:spLocks noGrp="1"/>
+          </p:cNvSpPr>
+          <p:nvPr>
+            <p:ph type="body"/>
+          </p:nvPr>
+        </p:nvSpPr>
+        <p:spPr>
+          <a:xfrm>
+            <a:off x="504000" y="1768680"/>
+            <a:ext cx="4426920" cy="2090880"/>
+          </a:xfrm>
+          <a:prstGeom prst="rect">
+            <a:avLst/>
+          </a:prstGeom>
+        </p:spPr>
+        <p:txBody>
+          <a:bodyPr lIns="0" rIns="0" tIns="0" bIns="0">
+            <a:normAutofit/>
+          </a:bodyPr>
+          <a:p>
+            <a:endParaRPr b="0" lang="cs-CZ" sz="2800" spc="-1" strike="noStrike">
+              <a:solidFill>
+                <a:srgbClr val="000000"/>
+              </a:solidFill>
+              <a:latin typeface="Arial"/>
+            </a:endParaRPr>
+          </a:p>
+        </p:txBody>
+      </p:sp>
+      <p:sp>
+        <p:nvSpPr>
+          <p:cNvPr id="21" name="PlaceHolder 3"/>
+          <p:cNvSpPr>
+            <a:spLocks noGrp="1"/>
+          </p:cNvSpPr>
+          <p:nvPr>
+            <p:ph type="body"/>
+          </p:nvPr>
+        </p:nvSpPr>
+        <p:spPr>
+          <a:xfrm>
+            <a:off x="5152680" y="1768680"/>
+            <a:ext cx="4426920" cy="2090880"/>
+          </a:xfrm>
+          <a:prstGeom prst="rect">
+            <a:avLst/>
+          </a:prstGeom>
+        </p:spPr>
+        <p:txBody>
+          <a:bodyPr lIns="0" rIns="0" tIns="0" bIns="0">
+            <a:normAutofit/>
+          </a:bodyPr>
+          <a:p>
+            <a:endParaRPr b="0" lang="cs-CZ" sz="2800" spc="-1" strike="noStrike">
+              <a:solidFill>
+                <a:srgbClr val="000000"/>
+              </a:solidFill>
+              <a:latin typeface="Arial"/>
+            </a:endParaRPr>
+          </a:p>
+        </p:txBody>
+      </p:sp>
+      <p:sp>
+        <p:nvSpPr>
+          <p:cNvPr id="22" name="PlaceHolder 4"/>
+          <p:cNvSpPr>
+            <a:spLocks noGrp="1"/>
+          </p:cNvSpPr>
+          <p:nvPr>
+            <p:ph type="body"/>
+          </p:nvPr>
+        </p:nvSpPr>
+        <p:spPr>
+          <a:xfrm>
+            <a:off x="504000" y="4058640"/>
+            <a:ext cx="9072000" cy="2090880"/>
+          </a:xfrm>
+          <a:prstGeom prst="rect">
+            <a:avLst/>
+          </a:prstGeom>
+        </p:spPr>
+        <p:txBody>
+          <a:bodyPr lIns="0" rIns="0" tIns="0" bIns="0">
+            <a:normAutofit/>
+          </a:bodyPr>
+          <a:p>
+            <a:endParaRPr b="0" lang="cs-CZ" sz="2800" spc="-1" strike="noStrike">
+              <a:solidFill>
+                <a:srgbClr val="000000"/>
+              </a:solidFill>
+              <a:latin typeface="Arial"/>
+            </a:endParaRPr>
+          </a:p>
+        </p:txBody>
+      </p:sp>
+    </p:spTree>
+  </p:cSld>
 </p:sldLayout>
 </file>
 
 <file path=ppt/slideMasters/slideMaster1.xml><?xml version="1.0" encoding="utf-8"?>
-<p:sldMaster xmlns:a="http://schemas.openxmlformats.org/drawingml/2006/main" xmlns:r="http://schemas.openxmlformats.org/officeDocument/2006/relationships" xmlns:p="http://schemas.openxmlformats.org/presentationml/2006/main">
+<p:sldMaster xmlns:a="http://schemas.openxmlformats.org/drawingml/2006/main" xmlns:p="http://schemas.openxmlformats.org/presentationml/2006/main" xmlns:r="http://schemas.openxmlformats.org/officeDocument/2006/relationships" xmlns:p14="http://schemas.microsoft.com/office/powerpoint/2010/main" xmlns:p15="http://schemas.microsoft.com/office/powerpoint/2012/main" xmlns:mc="http://schemas.openxmlformats.org/markup-compatibility/2006">
   <p:cSld>
     <p:bg>
       <p:bgPr>
         <a:blipFill rotWithShape="0">
-          <a:blip r:embed="rId14"/>
+          <a:blip r:embed="rId2"/>
           <a:stretch>
             <a:fillRect/>
           </a:stretch>
         </a:blipFill>
-        <a:effectLst/>
       </p:bgPr>
     </p:bg>
     <p:spTree>
@@ -2955,7 +4319,7 @@
       </p:grpSpPr>
       <p:sp>
         <p:nvSpPr>
-          <p:cNvPr id="2" name="PlaceHolder 1"/>
+          <p:cNvPr id="0" name="PlaceHolder 1"/>
           <p:cNvSpPr>
             <a:spLocks noGrp="1"/>
           </p:cNvSpPr>
@@ -2973,21 +4337,38 @@
           </a:prstGeom>
         </p:spPr>
         <p:txBody>
-          <a:bodyPr lIns="0" tIns="0" rIns="0" bIns="0" anchor="ctr"/>
-          <a:lstStyle/>
-          <a:p>
-            <a:r>
-              <a:rPr lang="cs-CZ" sz="1800" b="0" strike="noStrike" spc="-1">
+          <a:bodyPr lIns="0" rIns="0" tIns="0" bIns="0" anchor="ctr"/>
+          <a:p>
+            <a:r>
+              <a:rPr b="0" lang="cs-CZ" sz="4400" spc="-1" strike="noStrike">
+                <a:solidFill>
+                  <a:srgbClr val="000000"/>
+                </a:solidFill>
                 <a:latin typeface="Arial"/>
               </a:rPr>
-              <a:t>Klikněte pro úpravu formátu textu nadpisu</a:t>
-            </a:r>
-          </a:p>
-        </p:txBody>
-      </p:sp>
-      <p:sp>
-        <p:nvSpPr>
-          <p:cNvPr id="3" name="PlaceHolder 2"/>
+              <a:t>Klikněte pro úpravu formátu textu </a:t>
+            </a:r>
+            <a:r>
+              <a:rPr b="0" lang="cs-CZ" sz="4400" spc="-1" strike="noStrike">
+                <a:solidFill>
+                  <a:srgbClr val="000000"/>
+                </a:solidFill>
+                <a:latin typeface="Arial"/>
+              </a:rPr>
+              <a:t>nadpisu</a:t>
+            </a:r>
+            <a:endParaRPr b="0" lang="cs-CZ" sz="4400" spc="-1" strike="noStrike">
+              <a:solidFill>
+                <a:srgbClr val="000000"/>
+              </a:solidFill>
+              <a:latin typeface="Arial"/>
+            </a:endParaRPr>
+          </a:p>
+        </p:txBody>
+      </p:sp>
+      <p:sp>
+        <p:nvSpPr>
+          <p:cNvPr id="1" name="PlaceHolder 2"/>
           <p:cNvSpPr>
             <a:spLocks noGrp="1"/>
           </p:cNvSpPr>
@@ -3005,10 +4386,9 @@
           </a:prstGeom>
         </p:spPr>
         <p:txBody>
-          <a:bodyPr lIns="0" tIns="0" rIns="0" bIns="0">
+          <a:bodyPr lIns="0" rIns="0" tIns="0" bIns="0">
             <a:normAutofit/>
           </a:bodyPr>
-          <a:lstStyle/>
           <a:p>
             <a:pPr marL="432000" indent="-324000">
               <a:spcBef>
@@ -3022,14 +4402,23 @@
               <a:buChar char=""/>
             </a:pPr>
             <a:r>
-              <a:rPr lang="cs-CZ" sz="3200" b="0" strike="noStrike" spc="-1">
+              <a:rPr b="0" lang="cs-CZ" sz="2800" spc="-1" strike="noStrike">
+                <a:solidFill>
+                  <a:srgbClr val="000000"/>
+                </a:solidFill>
                 <a:latin typeface="Arial"/>
               </a:rPr>
               <a:t>Klikněte pro úpravu formátu textu osnovy</a:t>
             </a:r>
-          </a:p>
-          <a:p>
-            <a:pPr marL="864000" lvl="1" indent="-324000">
+            <a:endParaRPr b="0" lang="cs-CZ" sz="2800" spc="-1" strike="noStrike">
+              <a:solidFill>
+                <a:srgbClr val="000000"/>
+              </a:solidFill>
+              <a:latin typeface="Arial"/>
+            </a:endParaRPr>
+          </a:p>
+          <a:p>
+            <a:pPr lvl="1" marL="864000" indent="-324000">
               <a:spcBef>
                 <a:spcPts val="1134"/>
               </a:spcBef>
@@ -3041,14 +4430,23 @@
               <a:buChar char=""/>
             </a:pPr>
             <a:r>
-              <a:rPr lang="cs-CZ" sz="2800" b="0" strike="noStrike" spc="-1">
+              <a:rPr b="0" lang="cs-CZ" sz="2000" spc="-1" strike="noStrike">
+                <a:solidFill>
+                  <a:srgbClr val="000000"/>
+                </a:solidFill>
                 <a:latin typeface="Arial"/>
               </a:rPr>
               <a:t>Druhá úroveň</a:t>
             </a:r>
-          </a:p>
-          <a:p>
-            <a:pPr marL="1296000" lvl="2" indent="-288000">
+            <a:endParaRPr b="0" lang="cs-CZ" sz="2000" spc="-1" strike="noStrike">
+              <a:solidFill>
+                <a:srgbClr val="000000"/>
+              </a:solidFill>
+              <a:latin typeface="Arial"/>
+            </a:endParaRPr>
+          </a:p>
+          <a:p>
+            <a:pPr lvl="2" marL="1296000" indent="-288000">
               <a:spcBef>
                 <a:spcPts val="850"/>
               </a:spcBef>
@@ -3060,14 +4458,23 @@
               <a:buChar char=""/>
             </a:pPr>
             <a:r>
-              <a:rPr lang="cs-CZ" sz="2400" b="0" strike="noStrike" spc="-1">
+              <a:rPr b="0" lang="cs-CZ" sz="1800" spc="-1" strike="noStrike">
+                <a:solidFill>
+                  <a:srgbClr val="000000"/>
+                </a:solidFill>
                 <a:latin typeface="Arial"/>
               </a:rPr>
               <a:t>Třetí úroveň</a:t>
             </a:r>
-          </a:p>
-          <a:p>
-            <a:pPr marL="1728000" lvl="3" indent="-216000">
+            <a:endParaRPr b="0" lang="cs-CZ" sz="1800" spc="-1" strike="noStrike">
+              <a:solidFill>
+                <a:srgbClr val="000000"/>
+              </a:solidFill>
+              <a:latin typeface="Arial"/>
+            </a:endParaRPr>
+          </a:p>
+          <a:p>
+            <a:pPr lvl="3" marL="1728000" indent="-216000">
               <a:spcBef>
                 <a:spcPts val="567"/>
               </a:spcBef>
@@ -3079,14 +4486,23 @@
               <a:buChar char=""/>
             </a:pPr>
             <a:r>
-              <a:rPr lang="cs-CZ" sz="2000" b="0" strike="noStrike" spc="-1">
+              <a:rPr b="0" lang="cs-CZ" sz="1800" spc="-1" strike="noStrike">
+                <a:solidFill>
+                  <a:srgbClr val="000000"/>
+                </a:solidFill>
                 <a:latin typeface="Arial"/>
               </a:rPr>
               <a:t>Čtvrtá úroveň osnovy</a:t>
             </a:r>
-          </a:p>
-          <a:p>
-            <a:pPr marL="2160000" lvl="4" indent="-216000">
+            <a:endParaRPr b="0" lang="cs-CZ" sz="1800" spc="-1" strike="noStrike">
+              <a:solidFill>
+                <a:srgbClr val="000000"/>
+              </a:solidFill>
+              <a:latin typeface="Arial"/>
+            </a:endParaRPr>
+          </a:p>
+          <a:p>
+            <a:pPr lvl="4" marL="2160000" indent="-216000">
               <a:spcBef>
                 <a:spcPts val="283"/>
               </a:spcBef>
@@ -3098,14 +4514,23 @@
               <a:buChar char=""/>
             </a:pPr>
             <a:r>
-              <a:rPr lang="cs-CZ" sz="2000" b="0" strike="noStrike" spc="-1">
+              <a:rPr b="0" lang="cs-CZ" sz="2000" spc="-1" strike="noStrike">
+                <a:solidFill>
+                  <a:srgbClr val="000000"/>
+                </a:solidFill>
                 <a:latin typeface="Arial"/>
               </a:rPr>
               <a:t>Pátá úroveň osnovy</a:t>
             </a:r>
-          </a:p>
-          <a:p>
-            <a:pPr marL="2592000" lvl="5" indent="-216000">
+            <a:endParaRPr b="0" lang="cs-CZ" sz="2000" spc="-1" strike="noStrike">
+              <a:solidFill>
+                <a:srgbClr val="000000"/>
+              </a:solidFill>
+              <a:latin typeface="Arial"/>
+            </a:endParaRPr>
+          </a:p>
+          <a:p>
+            <a:pPr lvl="5" marL="2592000" indent="-216000">
               <a:spcBef>
                 <a:spcPts val="283"/>
               </a:spcBef>
@@ -3117,14 +4542,23 @@
               <a:buChar char=""/>
             </a:pPr>
             <a:r>
-              <a:rPr lang="cs-CZ" sz="2000" b="0" strike="noStrike" spc="-1">
+              <a:rPr b="0" lang="cs-CZ" sz="2000" spc="-1" strike="noStrike">
+                <a:solidFill>
+                  <a:srgbClr val="000000"/>
+                </a:solidFill>
                 <a:latin typeface="Arial"/>
               </a:rPr>
               <a:t>Šestá úroveň</a:t>
             </a:r>
-          </a:p>
-          <a:p>
-            <a:pPr marL="3024000" lvl="6" indent="-216000">
+            <a:endParaRPr b="0" lang="cs-CZ" sz="2000" spc="-1" strike="noStrike">
+              <a:solidFill>
+                <a:srgbClr val="000000"/>
+              </a:solidFill>
+              <a:latin typeface="Arial"/>
+            </a:endParaRPr>
+          </a:p>
+          <a:p>
+            <a:pPr lvl="6" marL="3024000" indent="-216000">
               <a:spcBef>
                 <a:spcPts val="283"/>
               </a:spcBef>
@@ -3136,326 +4570,54 @@
               <a:buChar char=""/>
             </a:pPr>
             <a:r>
-              <a:rPr lang="cs-CZ" sz="2000" b="0" strike="noStrike" spc="-1">
+              <a:rPr b="0" lang="cs-CZ" sz="2000" spc="-1" strike="noStrike">
+                <a:solidFill>
+                  <a:srgbClr val="000000"/>
+                </a:solidFill>
                 <a:latin typeface="Arial"/>
               </a:rPr>
               <a:t>Sedmá úroveň</a:t>
             </a:r>
+            <a:endParaRPr b="0" lang="cs-CZ" sz="2000" spc="-1" strike="noStrike">
+              <a:solidFill>
+                <a:srgbClr val="000000"/>
+              </a:solidFill>
+              <a:latin typeface="Arial"/>
+            </a:endParaRPr>
           </a:p>
         </p:txBody>
       </p:sp>
     </p:spTree>
   </p:cSld>
-  <p:clrMap bg1="lt1" tx1="dk1" bg2="lt2" tx2="dk2" accent1="accent1" accent2="accent2" accent3="accent3" accent4="accent4" accent5="accent5" accent6="accent6" hlink="hlink" folHlink="folHlink"/>
+  <p:clrMap bg1="lt1" bg2="lt2" tx1="dk1" tx2="dk2" accent1="accent1" accent2="accent2" accent3="accent3" accent4="accent4" accent5="accent5" accent6="accent6" hlink="hlink" folHlink="folHlink"/>
   <p:sldLayoutIdLst>
-    <p:sldLayoutId id="2147483649" r:id="rId1"/>
-    <p:sldLayoutId id="2147483650" r:id="rId2"/>
-    <p:sldLayoutId id="2147483651" r:id="rId3"/>
-    <p:sldLayoutId id="2147483652" r:id="rId4"/>
-    <p:sldLayoutId id="2147483653" r:id="rId5"/>
-    <p:sldLayoutId id="2147483654" r:id="rId6"/>
-    <p:sldLayoutId id="2147483655" r:id="rId7"/>
-    <p:sldLayoutId id="2147483656" r:id="rId8"/>
-    <p:sldLayoutId id="2147483657" r:id="rId9"/>
-    <p:sldLayoutId id="2147483658" r:id="rId10"/>
-    <p:sldLayoutId id="2147483659" r:id="rId11"/>
-    <p:sldLayoutId id="2147483660" r:id="rId12"/>
+    <p:sldLayoutId id="2147483649" r:id="rId3"/>
+    <p:sldLayoutId id="2147483650" r:id="rId4"/>
+    <p:sldLayoutId id="2147483651" r:id="rId5"/>
+    <p:sldLayoutId id="2147483652" r:id="rId6"/>
+    <p:sldLayoutId id="2147483653" r:id="rId7"/>
+    <p:sldLayoutId id="2147483654" r:id="rId8"/>
+    <p:sldLayoutId id="2147483655" r:id="rId9"/>
+    <p:sldLayoutId id="2147483656" r:id="rId10"/>
+    <p:sldLayoutId id="2147483657" r:id="rId11"/>
+    <p:sldLayoutId id="2147483658" r:id="rId12"/>
+    <p:sldLayoutId id="2147483659" r:id="rId13"/>
+    <p:sldLayoutId id="2147483660" r:id="rId14"/>
   </p:sldLayoutIdLst>
-  <p:txStyles>
-    <p:titleStyle>
-      <a:lvl1pPr algn="l" defTabSz="914400" rtl="0" eaLnBrk="1" latinLnBrk="0" hangingPunct="1">
-        <a:lnSpc>
-          <a:spcPct val="90000"/>
-        </a:lnSpc>
-        <a:spcBef>
-          <a:spcPct val="0"/>
-        </a:spcBef>
-        <a:buNone/>
-        <a:defRPr sz="4400" kern="1200">
-          <a:solidFill>
-            <a:schemeClr val="tx1"/>
-          </a:solidFill>
-          <a:latin typeface="+mj-lt"/>
-          <a:ea typeface="+mj-ea"/>
-          <a:cs typeface="+mj-cs"/>
-        </a:defRPr>
-      </a:lvl1pPr>
-    </p:titleStyle>
-    <p:bodyStyle>
-      <a:lvl1pPr marL="228600" indent="-228600" algn="l" defTabSz="914400" rtl="0" eaLnBrk="1" latinLnBrk="0" hangingPunct="1">
-        <a:lnSpc>
-          <a:spcPct val="90000"/>
-        </a:lnSpc>
-        <a:spcBef>
-          <a:spcPts val="1000"/>
-        </a:spcBef>
-        <a:buFont typeface="Arial" panose="020B0604020202020204" pitchFamily="34" charset="0"/>
-        <a:buChar char="•"/>
-        <a:defRPr sz="2800" kern="1200">
-          <a:solidFill>
-            <a:schemeClr val="tx1"/>
-          </a:solidFill>
-          <a:latin typeface="+mn-lt"/>
-          <a:ea typeface="+mn-ea"/>
-          <a:cs typeface="+mn-cs"/>
-        </a:defRPr>
-      </a:lvl1pPr>
-      <a:lvl2pPr marL="685800" indent="-228600" algn="l" defTabSz="914400" rtl="0" eaLnBrk="1" latinLnBrk="0" hangingPunct="1">
-        <a:lnSpc>
-          <a:spcPct val="90000"/>
-        </a:lnSpc>
-        <a:spcBef>
-          <a:spcPts val="500"/>
-        </a:spcBef>
-        <a:buFont typeface="Arial" panose="020B0604020202020204" pitchFamily="34" charset="0"/>
-        <a:buChar char="•"/>
-        <a:defRPr sz="2400" kern="1200">
-          <a:solidFill>
-            <a:schemeClr val="tx1"/>
-          </a:solidFill>
-          <a:latin typeface="+mn-lt"/>
-          <a:ea typeface="+mn-ea"/>
-          <a:cs typeface="+mn-cs"/>
-        </a:defRPr>
-      </a:lvl2pPr>
-      <a:lvl3pPr marL="1143000" indent="-228600" algn="l" defTabSz="914400" rtl="0" eaLnBrk="1" latinLnBrk="0" hangingPunct="1">
-        <a:lnSpc>
-          <a:spcPct val="90000"/>
-        </a:lnSpc>
-        <a:spcBef>
-          <a:spcPts val="500"/>
-        </a:spcBef>
-        <a:buFont typeface="Arial" panose="020B0604020202020204" pitchFamily="34" charset="0"/>
-        <a:buChar char="•"/>
-        <a:defRPr sz="2000" kern="1200">
-          <a:solidFill>
-            <a:schemeClr val="tx1"/>
-          </a:solidFill>
-          <a:latin typeface="+mn-lt"/>
-          <a:ea typeface="+mn-ea"/>
-          <a:cs typeface="+mn-cs"/>
-        </a:defRPr>
-      </a:lvl3pPr>
-      <a:lvl4pPr marL="1600200" indent="-228600" algn="l" defTabSz="914400" rtl="0" eaLnBrk="1" latinLnBrk="0" hangingPunct="1">
-        <a:lnSpc>
-          <a:spcPct val="90000"/>
-        </a:lnSpc>
-        <a:spcBef>
-          <a:spcPts val="500"/>
-        </a:spcBef>
-        <a:buFont typeface="Arial" panose="020B0604020202020204" pitchFamily="34" charset="0"/>
-        <a:buChar char="•"/>
-        <a:defRPr sz="1800" kern="1200">
-          <a:solidFill>
-            <a:schemeClr val="tx1"/>
-          </a:solidFill>
-          <a:latin typeface="+mn-lt"/>
-          <a:ea typeface="+mn-ea"/>
-          <a:cs typeface="+mn-cs"/>
-        </a:defRPr>
-      </a:lvl4pPr>
-      <a:lvl5pPr marL="2057400" indent="-228600" algn="l" defTabSz="914400" rtl="0" eaLnBrk="1" latinLnBrk="0" hangingPunct="1">
-        <a:lnSpc>
-          <a:spcPct val="90000"/>
-        </a:lnSpc>
-        <a:spcBef>
-          <a:spcPts val="500"/>
-        </a:spcBef>
-        <a:buFont typeface="Arial" panose="020B0604020202020204" pitchFamily="34" charset="0"/>
-        <a:buChar char="•"/>
-        <a:defRPr sz="1800" kern="1200">
-          <a:solidFill>
-            <a:schemeClr val="tx1"/>
-          </a:solidFill>
-          <a:latin typeface="+mn-lt"/>
-          <a:ea typeface="+mn-ea"/>
-          <a:cs typeface="+mn-cs"/>
-        </a:defRPr>
-      </a:lvl5pPr>
-      <a:lvl6pPr marL="2514600" indent="-228600" algn="l" defTabSz="914400" rtl="0" eaLnBrk="1" latinLnBrk="0" hangingPunct="1">
-        <a:lnSpc>
-          <a:spcPct val="90000"/>
-        </a:lnSpc>
-        <a:spcBef>
-          <a:spcPts val="500"/>
-        </a:spcBef>
-        <a:buFont typeface="Arial" panose="020B0604020202020204" pitchFamily="34" charset="0"/>
-        <a:buChar char="•"/>
-        <a:defRPr sz="1800" kern="1200">
-          <a:solidFill>
-            <a:schemeClr val="tx1"/>
-          </a:solidFill>
-          <a:latin typeface="+mn-lt"/>
-          <a:ea typeface="+mn-ea"/>
-          <a:cs typeface="+mn-cs"/>
-        </a:defRPr>
-      </a:lvl6pPr>
-      <a:lvl7pPr marL="2971800" indent="-228600" algn="l" defTabSz="914400" rtl="0" eaLnBrk="1" latinLnBrk="0" hangingPunct="1">
-        <a:lnSpc>
-          <a:spcPct val="90000"/>
-        </a:lnSpc>
-        <a:spcBef>
-          <a:spcPts val="500"/>
-        </a:spcBef>
-        <a:buFont typeface="Arial" panose="020B0604020202020204" pitchFamily="34" charset="0"/>
-        <a:buChar char="•"/>
-        <a:defRPr sz="1800" kern="1200">
-          <a:solidFill>
-            <a:schemeClr val="tx1"/>
-          </a:solidFill>
-          <a:latin typeface="+mn-lt"/>
-          <a:ea typeface="+mn-ea"/>
-          <a:cs typeface="+mn-cs"/>
-        </a:defRPr>
-      </a:lvl7pPr>
-      <a:lvl8pPr marL="3429000" indent="-228600" algn="l" defTabSz="914400" rtl="0" eaLnBrk="1" latinLnBrk="0" hangingPunct="1">
-        <a:lnSpc>
-          <a:spcPct val="90000"/>
-        </a:lnSpc>
-        <a:spcBef>
-          <a:spcPts val="500"/>
-        </a:spcBef>
-        <a:buFont typeface="Arial" panose="020B0604020202020204" pitchFamily="34" charset="0"/>
-        <a:buChar char="•"/>
-        <a:defRPr sz="1800" kern="1200">
-          <a:solidFill>
-            <a:schemeClr val="tx1"/>
-          </a:solidFill>
-          <a:latin typeface="+mn-lt"/>
-          <a:ea typeface="+mn-ea"/>
-          <a:cs typeface="+mn-cs"/>
-        </a:defRPr>
-      </a:lvl8pPr>
-      <a:lvl9pPr marL="3886200" indent="-228600" algn="l" defTabSz="914400" rtl="0" eaLnBrk="1" latinLnBrk="0" hangingPunct="1">
-        <a:lnSpc>
-          <a:spcPct val="90000"/>
-        </a:lnSpc>
-        <a:spcBef>
-          <a:spcPts val="500"/>
-        </a:spcBef>
-        <a:buFont typeface="Arial" panose="020B0604020202020204" pitchFamily="34" charset="0"/>
-        <a:buChar char="•"/>
-        <a:defRPr sz="1800" kern="1200">
-          <a:solidFill>
-            <a:schemeClr val="tx1"/>
-          </a:solidFill>
-          <a:latin typeface="+mn-lt"/>
-          <a:ea typeface="+mn-ea"/>
-          <a:cs typeface="+mn-cs"/>
-        </a:defRPr>
-      </a:lvl9pPr>
-    </p:bodyStyle>
-    <p:otherStyle>
-      <a:defPPr>
-        <a:defRPr lang="cs-CZ"/>
-      </a:defPPr>
-      <a:lvl1pPr marL="0" algn="l" defTabSz="914400" rtl="0" eaLnBrk="1" latinLnBrk="0" hangingPunct="1">
-        <a:defRPr sz="1800" kern="1200">
-          <a:solidFill>
-            <a:schemeClr val="tx1"/>
-          </a:solidFill>
-          <a:latin typeface="+mn-lt"/>
-          <a:ea typeface="+mn-ea"/>
-          <a:cs typeface="+mn-cs"/>
-        </a:defRPr>
-      </a:lvl1pPr>
-      <a:lvl2pPr marL="457200" algn="l" defTabSz="914400" rtl="0" eaLnBrk="1" latinLnBrk="0" hangingPunct="1">
-        <a:defRPr sz="1800" kern="1200">
-          <a:solidFill>
-            <a:schemeClr val="tx1"/>
-          </a:solidFill>
-          <a:latin typeface="+mn-lt"/>
-          <a:ea typeface="+mn-ea"/>
-          <a:cs typeface="+mn-cs"/>
-        </a:defRPr>
-      </a:lvl2pPr>
-      <a:lvl3pPr marL="914400" algn="l" defTabSz="914400" rtl="0" eaLnBrk="1" latinLnBrk="0" hangingPunct="1">
-        <a:defRPr sz="1800" kern="1200">
-          <a:solidFill>
-            <a:schemeClr val="tx1"/>
-          </a:solidFill>
-          <a:latin typeface="+mn-lt"/>
-          <a:ea typeface="+mn-ea"/>
-          <a:cs typeface="+mn-cs"/>
-        </a:defRPr>
-      </a:lvl3pPr>
-      <a:lvl4pPr marL="1371600" algn="l" defTabSz="914400" rtl="0" eaLnBrk="1" latinLnBrk="0" hangingPunct="1">
-        <a:defRPr sz="1800" kern="1200">
-          <a:solidFill>
-            <a:schemeClr val="tx1"/>
-          </a:solidFill>
-          <a:latin typeface="+mn-lt"/>
-          <a:ea typeface="+mn-ea"/>
-          <a:cs typeface="+mn-cs"/>
-        </a:defRPr>
-      </a:lvl4pPr>
-      <a:lvl5pPr marL="1828800" algn="l" defTabSz="914400" rtl="0" eaLnBrk="1" latinLnBrk="0" hangingPunct="1">
-        <a:defRPr sz="1800" kern="1200">
-          <a:solidFill>
-            <a:schemeClr val="tx1"/>
-          </a:solidFill>
-          <a:latin typeface="+mn-lt"/>
-          <a:ea typeface="+mn-ea"/>
-          <a:cs typeface="+mn-cs"/>
-        </a:defRPr>
-      </a:lvl5pPr>
-      <a:lvl6pPr marL="2286000" algn="l" defTabSz="914400" rtl="0" eaLnBrk="1" latinLnBrk="0" hangingPunct="1">
-        <a:defRPr sz="1800" kern="1200">
-          <a:solidFill>
-            <a:schemeClr val="tx1"/>
-          </a:solidFill>
-          <a:latin typeface="+mn-lt"/>
-          <a:ea typeface="+mn-ea"/>
-          <a:cs typeface="+mn-cs"/>
-        </a:defRPr>
-      </a:lvl6pPr>
-      <a:lvl7pPr marL="2743200" algn="l" defTabSz="914400" rtl="0" eaLnBrk="1" latinLnBrk="0" hangingPunct="1">
-        <a:defRPr sz="1800" kern="1200">
-          <a:solidFill>
-            <a:schemeClr val="tx1"/>
-          </a:solidFill>
-          <a:latin typeface="+mn-lt"/>
-          <a:ea typeface="+mn-ea"/>
-          <a:cs typeface="+mn-cs"/>
-        </a:defRPr>
-      </a:lvl7pPr>
-      <a:lvl8pPr marL="3200400" algn="l" defTabSz="914400" rtl="0" eaLnBrk="1" latinLnBrk="0" hangingPunct="1">
-        <a:defRPr sz="1800" kern="1200">
-          <a:solidFill>
-            <a:schemeClr val="tx1"/>
-          </a:solidFill>
-          <a:latin typeface="+mn-lt"/>
-          <a:ea typeface="+mn-ea"/>
-          <a:cs typeface="+mn-cs"/>
-        </a:defRPr>
-      </a:lvl8pPr>
-      <a:lvl9pPr marL="3657600" algn="l" defTabSz="914400" rtl="0" eaLnBrk="1" latinLnBrk="0" hangingPunct="1">
-        <a:defRPr sz="1800" kern="1200">
-          <a:solidFill>
-            <a:schemeClr val="tx1"/>
-          </a:solidFill>
-          <a:latin typeface="+mn-lt"/>
-          <a:ea typeface="+mn-ea"/>
-          <a:cs typeface="+mn-cs"/>
-        </a:defRPr>
-      </a:lvl9pPr>
-    </p:otherStyle>
-  </p:txStyles>
 </p:sldMaster>
 </file>
 
 <file path=ppt/slideMasters/slideMaster2.xml><?xml version="1.0" encoding="utf-8"?>
-<p:sldMaster xmlns:a="http://schemas.openxmlformats.org/drawingml/2006/main" xmlns:r="http://schemas.openxmlformats.org/officeDocument/2006/relationships" xmlns:p="http://schemas.openxmlformats.org/presentationml/2006/main">
+<p:sldMaster xmlns:a="http://schemas.openxmlformats.org/drawingml/2006/main" xmlns:p="http://schemas.openxmlformats.org/presentationml/2006/main" xmlns:r="http://schemas.openxmlformats.org/officeDocument/2006/relationships" xmlns:p14="http://schemas.microsoft.com/office/powerpoint/2010/main" xmlns:p15="http://schemas.microsoft.com/office/powerpoint/2012/main" xmlns:mc="http://schemas.openxmlformats.org/markup-compatibility/2006">
   <p:cSld>
     <p:bg>
       <p:bgPr>
         <a:blipFill rotWithShape="0">
-          <a:blip r:embed="rId14"/>
+          <a:blip r:embed="rId2"/>
           <a:stretch>
             <a:fillRect/>
           </a:stretch>
         </a:blipFill>
-        <a:effectLst/>
       </p:bgPr>
     </p:bg>
     <p:spTree>
@@ -3474,7 +4636,7 @@
       </p:grpSpPr>
       <p:sp>
         <p:nvSpPr>
-          <p:cNvPr id="76" name="PlaceHolder 1"/>
+          <p:cNvPr id="38" name="PlaceHolder 1"/>
           <p:cNvSpPr>
             <a:spLocks noGrp="1"/>
           </p:cNvSpPr>
@@ -3492,22 +4654,29 @@
           </a:prstGeom>
         </p:spPr>
         <p:txBody>
-          <a:bodyPr lIns="0" tIns="0" rIns="0" bIns="0" anchor="ctr"/>
-          <a:lstStyle/>
-          <a:p>
-            <a:pPr algn="ctr"/>
-            <a:r>
-              <a:rPr lang="cs-CZ" sz="4400" b="0" strike="noStrike" spc="-1">
+          <a:bodyPr lIns="0" rIns="0" tIns="0" bIns="0" anchor="ctr"/>
+          <a:p>
+            <a:r>
+              <a:rPr b="0" lang="cs-CZ" sz="1800" spc="-1" strike="noStrike">
+                <a:solidFill>
+                  <a:srgbClr val="000000"/>
+                </a:solidFill>
                 <a:latin typeface="Arial"/>
               </a:rPr>
               <a:t>Klikněte pro úpravu formátu textu nadpisu</a:t>
             </a:r>
-          </a:p>
-        </p:txBody>
-      </p:sp>
-      <p:sp>
-        <p:nvSpPr>
-          <p:cNvPr id="77" name="PlaceHolder 2"/>
+            <a:endParaRPr b="0" lang="cs-CZ" sz="1800" spc="-1" strike="noStrike">
+              <a:solidFill>
+                <a:srgbClr val="000000"/>
+              </a:solidFill>
+              <a:latin typeface="Arial"/>
+            </a:endParaRPr>
+          </a:p>
+        </p:txBody>
+      </p:sp>
+      <p:sp>
+        <p:nvSpPr>
+          <p:cNvPr id="39" name="PlaceHolder 2"/>
           <p:cNvSpPr>
             <a:spLocks noGrp="1"/>
           </p:cNvSpPr>
@@ -3525,10 +4694,9 @@
           </a:prstGeom>
         </p:spPr>
         <p:txBody>
-          <a:bodyPr lIns="0" tIns="0" rIns="0" bIns="0">
+          <a:bodyPr lIns="0" rIns="0" tIns="0" bIns="0">
             <a:normAutofit/>
           </a:bodyPr>
-          <a:lstStyle/>
           <a:p>
             <a:pPr marL="432000" indent="-324000">
               <a:spcBef>
@@ -3542,14 +4710,23 @@
               <a:buChar char=""/>
             </a:pPr>
             <a:r>
-              <a:rPr lang="cs-CZ" sz="3200" b="0" strike="noStrike" spc="-1">
+              <a:rPr b="0" lang="cs-CZ" sz="2800" spc="-1" strike="noStrike">
+                <a:solidFill>
+                  <a:srgbClr val="000000"/>
+                </a:solidFill>
                 <a:latin typeface="Arial"/>
               </a:rPr>
               <a:t>Klikněte pro úpravu formátu textu osnovy</a:t>
             </a:r>
-          </a:p>
-          <a:p>
-            <a:pPr marL="864000" lvl="1" indent="-324000">
+            <a:endParaRPr b="0" lang="cs-CZ" sz="2800" spc="-1" strike="noStrike">
+              <a:solidFill>
+                <a:srgbClr val="000000"/>
+              </a:solidFill>
+              <a:latin typeface="Arial"/>
+            </a:endParaRPr>
+          </a:p>
+          <a:p>
+            <a:pPr lvl="1" marL="864000" indent="-324000">
               <a:spcBef>
                 <a:spcPts val="1134"/>
               </a:spcBef>
@@ -3561,14 +4738,23 @@
               <a:buChar char=""/>
             </a:pPr>
             <a:r>
-              <a:rPr lang="cs-CZ" sz="2800" b="0" strike="noStrike" spc="-1">
+              <a:rPr b="0" lang="cs-CZ" sz="2000" spc="-1" strike="noStrike">
+                <a:solidFill>
+                  <a:srgbClr val="000000"/>
+                </a:solidFill>
                 <a:latin typeface="Arial"/>
               </a:rPr>
               <a:t>Druhá úroveň</a:t>
             </a:r>
-          </a:p>
-          <a:p>
-            <a:pPr marL="1296000" lvl="2" indent="-288000">
+            <a:endParaRPr b="0" lang="cs-CZ" sz="2000" spc="-1" strike="noStrike">
+              <a:solidFill>
+                <a:srgbClr val="000000"/>
+              </a:solidFill>
+              <a:latin typeface="Arial"/>
+            </a:endParaRPr>
+          </a:p>
+          <a:p>
+            <a:pPr lvl="2" marL="1296000" indent="-288000">
               <a:spcBef>
                 <a:spcPts val="850"/>
               </a:spcBef>
@@ -3580,14 +4766,23 @@
               <a:buChar char=""/>
             </a:pPr>
             <a:r>
-              <a:rPr lang="cs-CZ" sz="2400" b="0" strike="noStrike" spc="-1">
+              <a:rPr b="0" lang="cs-CZ" sz="1800" spc="-1" strike="noStrike">
+                <a:solidFill>
+                  <a:srgbClr val="000000"/>
+                </a:solidFill>
                 <a:latin typeface="Arial"/>
               </a:rPr>
               <a:t>Třetí úroveň</a:t>
             </a:r>
-          </a:p>
-          <a:p>
-            <a:pPr marL="1728000" lvl="3" indent="-216000">
+            <a:endParaRPr b="0" lang="cs-CZ" sz="1800" spc="-1" strike="noStrike">
+              <a:solidFill>
+                <a:srgbClr val="000000"/>
+              </a:solidFill>
+              <a:latin typeface="Arial"/>
+            </a:endParaRPr>
+          </a:p>
+          <a:p>
+            <a:pPr lvl="3" marL="1728000" indent="-216000">
               <a:spcBef>
                 <a:spcPts val="567"/>
               </a:spcBef>
@@ -3599,14 +4794,23 @@
               <a:buChar char=""/>
             </a:pPr>
             <a:r>
-              <a:rPr lang="cs-CZ" sz="2000" b="0" strike="noStrike" spc="-1">
+              <a:rPr b="0" lang="cs-CZ" sz="1800" spc="-1" strike="noStrike">
+                <a:solidFill>
+                  <a:srgbClr val="000000"/>
+                </a:solidFill>
                 <a:latin typeface="Arial"/>
               </a:rPr>
               <a:t>Čtvrtá úroveň osnovy</a:t>
             </a:r>
-          </a:p>
-          <a:p>
-            <a:pPr marL="2160000" lvl="4" indent="-216000">
+            <a:endParaRPr b="0" lang="cs-CZ" sz="1800" spc="-1" strike="noStrike">
+              <a:solidFill>
+                <a:srgbClr val="000000"/>
+              </a:solidFill>
+              <a:latin typeface="Arial"/>
+            </a:endParaRPr>
+          </a:p>
+          <a:p>
+            <a:pPr lvl="4" marL="2160000" indent="-216000">
               <a:spcBef>
                 <a:spcPts val="283"/>
               </a:spcBef>
@@ -3618,14 +4822,23 @@
               <a:buChar char=""/>
             </a:pPr>
             <a:r>
-              <a:rPr lang="cs-CZ" sz="2000" b="0" strike="noStrike" spc="-1">
+              <a:rPr b="0" lang="cs-CZ" sz="2000" spc="-1" strike="noStrike">
+                <a:solidFill>
+                  <a:srgbClr val="000000"/>
+                </a:solidFill>
                 <a:latin typeface="Arial"/>
               </a:rPr>
               <a:t>Pátá úroveň osnovy</a:t>
             </a:r>
-          </a:p>
-          <a:p>
-            <a:pPr marL="2592000" lvl="5" indent="-216000">
+            <a:endParaRPr b="0" lang="cs-CZ" sz="2000" spc="-1" strike="noStrike">
+              <a:solidFill>
+                <a:srgbClr val="000000"/>
+              </a:solidFill>
+              <a:latin typeface="Arial"/>
+            </a:endParaRPr>
+          </a:p>
+          <a:p>
+            <a:pPr lvl="5" marL="2592000" indent="-216000">
               <a:spcBef>
                 <a:spcPts val="283"/>
               </a:spcBef>
@@ -3637,14 +4850,23 @@
               <a:buChar char=""/>
             </a:pPr>
             <a:r>
-              <a:rPr lang="cs-CZ" sz="2000" b="0" strike="noStrike" spc="-1">
+              <a:rPr b="0" lang="cs-CZ" sz="2000" spc="-1" strike="noStrike">
+                <a:solidFill>
+                  <a:srgbClr val="000000"/>
+                </a:solidFill>
                 <a:latin typeface="Arial"/>
               </a:rPr>
               <a:t>Šestá úroveň</a:t>
             </a:r>
-          </a:p>
-          <a:p>
-            <a:pPr marL="3024000" lvl="6" indent="-216000">
+            <a:endParaRPr b="0" lang="cs-CZ" sz="2000" spc="-1" strike="noStrike">
+              <a:solidFill>
+                <a:srgbClr val="000000"/>
+              </a:solidFill>
+              <a:latin typeface="Arial"/>
+            </a:endParaRPr>
+          </a:p>
+          <a:p>
+            <a:pPr lvl="6" marL="3024000" indent="-216000">
               <a:spcBef>
                 <a:spcPts val="283"/>
               </a:spcBef>
@@ -3656,316 +4878,353 @@
               <a:buChar char=""/>
             </a:pPr>
             <a:r>
-              <a:rPr lang="cs-CZ" sz="2000" b="0" strike="noStrike" spc="-1">
+              <a:rPr b="0" lang="cs-CZ" sz="2000" spc="-1" strike="noStrike">
+                <a:solidFill>
+                  <a:srgbClr val="000000"/>
+                </a:solidFill>
                 <a:latin typeface="Arial"/>
               </a:rPr>
               <a:t>Sedmá úroveň</a:t>
             </a:r>
+            <a:endParaRPr b="0" lang="cs-CZ" sz="2000" spc="-1" strike="noStrike">
+              <a:solidFill>
+                <a:srgbClr val="000000"/>
+              </a:solidFill>
+              <a:latin typeface="Arial"/>
+            </a:endParaRPr>
           </a:p>
         </p:txBody>
       </p:sp>
     </p:spTree>
   </p:cSld>
-  <p:clrMap bg1="lt1" tx1="dk1" bg2="lt2" tx2="dk2" accent1="accent1" accent2="accent2" accent3="accent3" accent4="accent4" accent5="accent5" accent6="accent6" hlink="hlink" folHlink="folHlink"/>
+  <p:clrMap bg1="lt1" bg2="lt2" tx1="dk1" tx2="dk2" accent1="accent1" accent2="accent2" accent3="accent3" accent4="accent4" accent5="accent5" accent6="accent6" hlink="hlink" folHlink="folHlink"/>
   <p:sldLayoutIdLst>
-    <p:sldLayoutId id="2147483675" r:id="rId1"/>
-    <p:sldLayoutId id="2147483676" r:id="rId2"/>
-    <p:sldLayoutId id="2147483677" r:id="rId3"/>
-    <p:sldLayoutId id="2147483678" r:id="rId4"/>
-    <p:sldLayoutId id="2147483679" r:id="rId5"/>
-    <p:sldLayoutId id="2147483680" r:id="rId6"/>
-    <p:sldLayoutId id="2147483681" r:id="rId7"/>
-    <p:sldLayoutId id="2147483682" r:id="rId8"/>
-    <p:sldLayoutId id="2147483683" r:id="rId9"/>
-    <p:sldLayoutId id="2147483684" r:id="rId10"/>
-    <p:sldLayoutId id="2147483685" r:id="rId11"/>
-    <p:sldLayoutId id="2147483686" r:id="rId12"/>
+    <p:sldLayoutId id="2147483662" r:id="rId3"/>
+    <p:sldLayoutId id="2147483663" r:id="rId4"/>
+    <p:sldLayoutId id="2147483664" r:id="rId5"/>
+    <p:sldLayoutId id="2147483665" r:id="rId6"/>
+    <p:sldLayoutId id="2147483666" r:id="rId7"/>
+    <p:sldLayoutId id="2147483667" r:id="rId8"/>
+    <p:sldLayoutId id="2147483668" r:id="rId9"/>
+    <p:sldLayoutId id="2147483669" r:id="rId10"/>
+    <p:sldLayoutId id="2147483670" r:id="rId11"/>
+    <p:sldLayoutId id="2147483671" r:id="rId12"/>
+    <p:sldLayoutId id="2147483672" r:id="rId13"/>
+    <p:sldLayoutId id="2147483673" r:id="rId14"/>
   </p:sldLayoutIdLst>
-  <p:txStyles>
-    <p:titleStyle>
-      <a:lvl1pPr algn="l" defTabSz="914400" rtl="0" eaLnBrk="1" latinLnBrk="0" hangingPunct="1">
-        <a:lnSpc>
-          <a:spcPct val="90000"/>
-        </a:lnSpc>
-        <a:spcBef>
-          <a:spcPct val="0"/>
-        </a:spcBef>
-        <a:buNone/>
-        <a:defRPr sz="4400" kern="1200">
-          <a:solidFill>
-            <a:schemeClr val="tx1"/>
-          </a:solidFill>
-          <a:latin typeface="+mj-lt"/>
-          <a:ea typeface="+mj-ea"/>
-          <a:cs typeface="+mj-cs"/>
-        </a:defRPr>
-      </a:lvl1pPr>
-    </p:titleStyle>
-    <p:bodyStyle>
-      <a:lvl1pPr marL="228600" indent="-228600" algn="l" defTabSz="914400" rtl="0" eaLnBrk="1" latinLnBrk="0" hangingPunct="1">
-        <a:lnSpc>
-          <a:spcPct val="90000"/>
-        </a:lnSpc>
-        <a:spcBef>
-          <a:spcPts val="1000"/>
-        </a:spcBef>
-        <a:buFont typeface="Arial" panose="020B0604020202020204" pitchFamily="34" charset="0"/>
-        <a:buChar char="•"/>
-        <a:defRPr sz="2800" kern="1200">
-          <a:solidFill>
-            <a:schemeClr val="tx1"/>
-          </a:solidFill>
-          <a:latin typeface="+mn-lt"/>
-          <a:ea typeface="+mn-ea"/>
-          <a:cs typeface="+mn-cs"/>
-        </a:defRPr>
-      </a:lvl1pPr>
-      <a:lvl2pPr marL="685800" indent="-228600" algn="l" defTabSz="914400" rtl="0" eaLnBrk="1" latinLnBrk="0" hangingPunct="1">
-        <a:lnSpc>
-          <a:spcPct val="90000"/>
-        </a:lnSpc>
-        <a:spcBef>
-          <a:spcPts val="500"/>
-        </a:spcBef>
-        <a:buFont typeface="Arial" panose="020B0604020202020204" pitchFamily="34" charset="0"/>
-        <a:buChar char="•"/>
-        <a:defRPr sz="2400" kern="1200">
-          <a:solidFill>
-            <a:schemeClr val="tx1"/>
-          </a:solidFill>
-          <a:latin typeface="+mn-lt"/>
-          <a:ea typeface="+mn-ea"/>
-          <a:cs typeface="+mn-cs"/>
-        </a:defRPr>
-      </a:lvl2pPr>
-      <a:lvl3pPr marL="1143000" indent="-228600" algn="l" defTabSz="914400" rtl="0" eaLnBrk="1" latinLnBrk="0" hangingPunct="1">
-        <a:lnSpc>
-          <a:spcPct val="90000"/>
-        </a:lnSpc>
-        <a:spcBef>
-          <a:spcPts val="500"/>
-        </a:spcBef>
-        <a:buFont typeface="Arial" panose="020B0604020202020204" pitchFamily="34" charset="0"/>
-        <a:buChar char="•"/>
-        <a:defRPr sz="2000" kern="1200">
-          <a:solidFill>
-            <a:schemeClr val="tx1"/>
-          </a:solidFill>
-          <a:latin typeface="+mn-lt"/>
-          <a:ea typeface="+mn-ea"/>
-          <a:cs typeface="+mn-cs"/>
-        </a:defRPr>
-      </a:lvl3pPr>
-      <a:lvl4pPr marL="1600200" indent="-228600" algn="l" defTabSz="914400" rtl="0" eaLnBrk="1" latinLnBrk="0" hangingPunct="1">
-        <a:lnSpc>
-          <a:spcPct val="90000"/>
-        </a:lnSpc>
-        <a:spcBef>
-          <a:spcPts val="500"/>
-        </a:spcBef>
-        <a:buFont typeface="Arial" panose="020B0604020202020204" pitchFamily="34" charset="0"/>
-        <a:buChar char="•"/>
-        <a:defRPr sz="1800" kern="1200">
-          <a:solidFill>
-            <a:schemeClr val="tx1"/>
-          </a:solidFill>
-          <a:latin typeface="+mn-lt"/>
-          <a:ea typeface="+mn-ea"/>
-          <a:cs typeface="+mn-cs"/>
-        </a:defRPr>
-      </a:lvl4pPr>
-      <a:lvl5pPr marL="2057400" indent="-228600" algn="l" defTabSz="914400" rtl="0" eaLnBrk="1" latinLnBrk="0" hangingPunct="1">
-        <a:lnSpc>
-          <a:spcPct val="90000"/>
-        </a:lnSpc>
-        <a:spcBef>
-          <a:spcPts val="500"/>
-        </a:spcBef>
-        <a:buFont typeface="Arial" panose="020B0604020202020204" pitchFamily="34" charset="0"/>
-        <a:buChar char="•"/>
-        <a:defRPr sz="1800" kern="1200">
-          <a:solidFill>
-            <a:schemeClr val="tx1"/>
-          </a:solidFill>
-          <a:latin typeface="+mn-lt"/>
-          <a:ea typeface="+mn-ea"/>
-          <a:cs typeface="+mn-cs"/>
-        </a:defRPr>
-      </a:lvl5pPr>
-      <a:lvl6pPr marL="2514600" indent="-228600" algn="l" defTabSz="914400" rtl="0" eaLnBrk="1" latinLnBrk="0" hangingPunct="1">
-        <a:lnSpc>
-          <a:spcPct val="90000"/>
-        </a:lnSpc>
-        <a:spcBef>
-          <a:spcPts val="500"/>
-        </a:spcBef>
-        <a:buFont typeface="Arial" panose="020B0604020202020204" pitchFamily="34" charset="0"/>
-        <a:buChar char="•"/>
-        <a:defRPr sz="1800" kern="1200">
-          <a:solidFill>
-            <a:schemeClr val="tx1"/>
-          </a:solidFill>
-          <a:latin typeface="+mn-lt"/>
-          <a:ea typeface="+mn-ea"/>
-          <a:cs typeface="+mn-cs"/>
-        </a:defRPr>
-      </a:lvl6pPr>
-      <a:lvl7pPr marL="2971800" indent="-228600" algn="l" defTabSz="914400" rtl="0" eaLnBrk="1" latinLnBrk="0" hangingPunct="1">
-        <a:lnSpc>
-          <a:spcPct val="90000"/>
-        </a:lnSpc>
-        <a:spcBef>
-          <a:spcPts val="500"/>
-        </a:spcBef>
-        <a:buFont typeface="Arial" panose="020B0604020202020204" pitchFamily="34" charset="0"/>
-        <a:buChar char="•"/>
-        <a:defRPr sz="1800" kern="1200">
-          <a:solidFill>
-            <a:schemeClr val="tx1"/>
-          </a:solidFill>
-          <a:latin typeface="+mn-lt"/>
-          <a:ea typeface="+mn-ea"/>
-          <a:cs typeface="+mn-cs"/>
-        </a:defRPr>
-      </a:lvl7pPr>
-      <a:lvl8pPr marL="3429000" indent="-228600" algn="l" defTabSz="914400" rtl="0" eaLnBrk="1" latinLnBrk="0" hangingPunct="1">
-        <a:lnSpc>
-          <a:spcPct val="90000"/>
-        </a:lnSpc>
-        <a:spcBef>
-          <a:spcPts val="500"/>
-        </a:spcBef>
-        <a:buFont typeface="Arial" panose="020B0604020202020204" pitchFamily="34" charset="0"/>
-        <a:buChar char="•"/>
-        <a:defRPr sz="1800" kern="1200">
-          <a:solidFill>
-            <a:schemeClr val="tx1"/>
-          </a:solidFill>
-          <a:latin typeface="+mn-lt"/>
-          <a:ea typeface="+mn-ea"/>
-          <a:cs typeface="+mn-cs"/>
-        </a:defRPr>
-      </a:lvl8pPr>
-      <a:lvl9pPr marL="3886200" indent="-228600" algn="l" defTabSz="914400" rtl="0" eaLnBrk="1" latinLnBrk="0" hangingPunct="1">
-        <a:lnSpc>
-          <a:spcPct val="90000"/>
-        </a:lnSpc>
-        <a:spcBef>
-          <a:spcPts val="500"/>
-        </a:spcBef>
-        <a:buFont typeface="Arial" panose="020B0604020202020204" pitchFamily="34" charset="0"/>
-        <a:buChar char="•"/>
-        <a:defRPr sz="1800" kern="1200">
-          <a:solidFill>
-            <a:schemeClr val="tx1"/>
-          </a:solidFill>
-          <a:latin typeface="+mn-lt"/>
-          <a:ea typeface="+mn-ea"/>
-          <a:cs typeface="+mn-cs"/>
-        </a:defRPr>
-      </a:lvl9pPr>
-    </p:bodyStyle>
-    <p:otherStyle>
-      <a:defPPr>
-        <a:defRPr lang="cs-CZ"/>
-      </a:defPPr>
-      <a:lvl1pPr marL="0" algn="l" defTabSz="914400" rtl="0" eaLnBrk="1" latinLnBrk="0" hangingPunct="1">
-        <a:defRPr sz="1800" kern="1200">
-          <a:solidFill>
-            <a:schemeClr val="tx1"/>
-          </a:solidFill>
-          <a:latin typeface="+mn-lt"/>
-          <a:ea typeface="+mn-ea"/>
-          <a:cs typeface="+mn-cs"/>
-        </a:defRPr>
-      </a:lvl1pPr>
-      <a:lvl2pPr marL="457200" algn="l" defTabSz="914400" rtl="0" eaLnBrk="1" latinLnBrk="0" hangingPunct="1">
-        <a:defRPr sz="1800" kern="1200">
-          <a:solidFill>
-            <a:schemeClr val="tx1"/>
-          </a:solidFill>
-          <a:latin typeface="+mn-lt"/>
-          <a:ea typeface="+mn-ea"/>
-          <a:cs typeface="+mn-cs"/>
-        </a:defRPr>
-      </a:lvl2pPr>
-      <a:lvl3pPr marL="914400" algn="l" defTabSz="914400" rtl="0" eaLnBrk="1" latinLnBrk="0" hangingPunct="1">
-        <a:defRPr sz="1800" kern="1200">
-          <a:solidFill>
-            <a:schemeClr val="tx1"/>
-          </a:solidFill>
-          <a:latin typeface="+mn-lt"/>
-          <a:ea typeface="+mn-ea"/>
-          <a:cs typeface="+mn-cs"/>
-        </a:defRPr>
-      </a:lvl3pPr>
-      <a:lvl4pPr marL="1371600" algn="l" defTabSz="914400" rtl="0" eaLnBrk="1" latinLnBrk="0" hangingPunct="1">
-        <a:defRPr sz="1800" kern="1200">
-          <a:solidFill>
-            <a:schemeClr val="tx1"/>
-          </a:solidFill>
-          <a:latin typeface="+mn-lt"/>
-          <a:ea typeface="+mn-ea"/>
-          <a:cs typeface="+mn-cs"/>
-        </a:defRPr>
-      </a:lvl4pPr>
-      <a:lvl5pPr marL="1828800" algn="l" defTabSz="914400" rtl="0" eaLnBrk="1" latinLnBrk="0" hangingPunct="1">
-        <a:defRPr sz="1800" kern="1200">
-          <a:solidFill>
-            <a:schemeClr val="tx1"/>
-          </a:solidFill>
-          <a:latin typeface="+mn-lt"/>
-          <a:ea typeface="+mn-ea"/>
-          <a:cs typeface="+mn-cs"/>
-        </a:defRPr>
-      </a:lvl5pPr>
-      <a:lvl6pPr marL="2286000" algn="l" defTabSz="914400" rtl="0" eaLnBrk="1" latinLnBrk="0" hangingPunct="1">
-        <a:defRPr sz="1800" kern="1200">
-          <a:solidFill>
-            <a:schemeClr val="tx1"/>
-          </a:solidFill>
-          <a:latin typeface="+mn-lt"/>
-          <a:ea typeface="+mn-ea"/>
-          <a:cs typeface="+mn-cs"/>
-        </a:defRPr>
-      </a:lvl6pPr>
-      <a:lvl7pPr marL="2743200" algn="l" defTabSz="914400" rtl="0" eaLnBrk="1" latinLnBrk="0" hangingPunct="1">
-        <a:defRPr sz="1800" kern="1200">
-          <a:solidFill>
-            <a:schemeClr val="tx1"/>
-          </a:solidFill>
-          <a:latin typeface="+mn-lt"/>
-          <a:ea typeface="+mn-ea"/>
-          <a:cs typeface="+mn-cs"/>
-        </a:defRPr>
-      </a:lvl7pPr>
-      <a:lvl8pPr marL="3200400" algn="l" defTabSz="914400" rtl="0" eaLnBrk="1" latinLnBrk="0" hangingPunct="1">
-        <a:defRPr sz="1800" kern="1200">
-          <a:solidFill>
-            <a:schemeClr val="tx1"/>
-          </a:solidFill>
-          <a:latin typeface="+mn-lt"/>
-          <a:ea typeface="+mn-ea"/>
-          <a:cs typeface="+mn-cs"/>
-        </a:defRPr>
-      </a:lvl8pPr>
-      <a:lvl9pPr marL="3657600" algn="l" defTabSz="914400" rtl="0" eaLnBrk="1" latinLnBrk="0" hangingPunct="1">
-        <a:defRPr sz="1800" kern="1200">
-          <a:solidFill>
-            <a:schemeClr val="tx1"/>
-          </a:solidFill>
-          <a:latin typeface="+mn-lt"/>
-          <a:ea typeface="+mn-ea"/>
-          <a:cs typeface="+mn-cs"/>
-        </a:defRPr>
-      </a:lvl9pPr>
-    </p:otherStyle>
-  </p:txStyles>
+</p:sldMaster>
+</file>
+
+<file path=ppt/slideMasters/slideMaster3.xml><?xml version="1.0" encoding="utf-8"?>
+<p:sldMaster xmlns:a="http://schemas.openxmlformats.org/drawingml/2006/main" xmlns:p="http://schemas.openxmlformats.org/presentationml/2006/main" xmlns:r="http://schemas.openxmlformats.org/officeDocument/2006/relationships" xmlns:p14="http://schemas.microsoft.com/office/powerpoint/2010/main" xmlns:p15="http://schemas.microsoft.com/office/powerpoint/2012/main" xmlns:mc="http://schemas.openxmlformats.org/markup-compatibility/2006">
+  <p:cSld>
+    <p:bg>
+      <p:bgPr>
+        <a:blipFill rotWithShape="0">
+          <a:blip r:embed="rId2"/>
+          <a:stretch>
+            <a:fillRect/>
+          </a:stretch>
+        </a:blipFill>
+      </p:bgPr>
+    </p:bg>
+    <p:spTree>
+      <p:nvGrpSpPr>
+        <p:cNvPr id="1" name=""/>
+        <p:cNvGrpSpPr/>
+        <p:nvPr/>
+      </p:nvGrpSpPr>
+      <p:grpSpPr>
+        <a:xfrm>
+          <a:off x="0" y="0"/>
+          <a:ext cx="0" cy="0"/>
+          <a:chOff x="0" y="0"/>
+          <a:chExt cx="0" cy="0"/>
+        </a:xfrm>
+      </p:grpSpPr>
+      <p:sp>
+        <p:nvSpPr>
+          <p:cNvPr id="76" name="PlaceHolder 1"/>
+          <p:cNvSpPr>
+            <a:spLocks noGrp="1"/>
+          </p:cNvSpPr>
+          <p:nvPr>
+            <p:ph type="title"/>
+          </p:nvPr>
+        </p:nvSpPr>
+        <p:spPr>
+          <a:xfrm>
+            <a:off x="504000" y="301320"/>
+            <a:ext cx="9071640" cy="1261440"/>
+          </a:xfrm>
+          <a:prstGeom prst="rect">
+            <a:avLst/>
+          </a:prstGeom>
+        </p:spPr>
+        <p:txBody>
+          <a:bodyPr lIns="0" rIns="0" tIns="0" bIns="0" anchor="ctr"/>
+          <a:p>
+            <a:r>
+              <a:rPr b="0" lang="cs-CZ" sz="4400" spc="-1" strike="noStrike">
+                <a:solidFill>
+                  <a:srgbClr val="000000"/>
+                </a:solidFill>
+                <a:latin typeface="Arial"/>
+              </a:rPr>
+              <a:t>Klikněte pro úpravu formátu textu nadpisu</a:t>
+            </a:r>
+            <a:endParaRPr b="0" lang="cs-CZ" sz="4400" spc="-1" strike="noStrike">
+              <a:solidFill>
+                <a:srgbClr val="000000"/>
+              </a:solidFill>
+              <a:latin typeface="Arial"/>
+            </a:endParaRPr>
+          </a:p>
+        </p:txBody>
+      </p:sp>
+      <p:sp>
+        <p:nvSpPr>
+          <p:cNvPr id="77" name="PlaceHolder 2"/>
+          <p:cNvSpPr>
+            <a:spLocks noGrp="1"/>
+          </p:cNvSpPr>
+          <p:nvPr>
+            <p:ph type="body"/>
+          </p:nvPr>
+        </p:nvSpPr>
+        <p:spPr>
+          <a:xfrm>
+            <a:off x="504000" y="1768680"/>
+            <a:ext cx="9072000" cy="4384080"/>
+          </a:xfrm>
+          <a:prstGeom prst="rect">
+            <a:avLst/>
+          </a:prstGeom>
+        </p:spPr>
+        <p:txBody>
+          <a:bodyPr lIns="0" rIns="0" tIns="0" bIns="0">
+            <a:normAutofit/>
+          </a:bodyPr>
+          <a:p>
+            <a:pPr marL="432000" indent="-324000">
+              <a:spcBef>
+                <a:spcPts val="1417"/>
+              </a:spcBef>
+              <a:buClr>
+                <a:srgbClr val="000000"/>
+              </a:buClr>
+              <a:buSzPct val="45000"/>
+              <a:buFont typeface="Wingdings" charset="2"/>
+              <a:buChar char=""/>
+            </a:pPr>
+            <a:r>
+              <a:rPr b="0" lang="cs-CZ" sz="2800" spc="-1" strike="noStrike">
+                <a:solidFill>
+                  <a:srgbClr val="000000"/>
+                </a:solidFill>
+                <a:latin typeface="Arial"/>
+              </a:rPr>
+              <a:t>Klikněte pro úpravu formátu textu osnovy</a:t>
+            </a:r>
+            <a:endParaRPr b="0" lang="cs-CZ" sz="2800" spc="-1" strike="noStrike">
+              <a:solidFill>
+                <a:srgbClr val="000000"/>
+              </a:solidFill>
+              <a:latin typeface="Arial"/>
+            </a:endParaRPr>
+          </a:p>
+          <a:p>
+            <a:pPr lvl="1" marL="864000" indent="-324000">
+              <a:spcBef>
+                <a:spcPts val="1134"/>
+              </a:spcBef>
+              <a:buClr>
+                <a:srgbClr val="000000"/>
+              </a:buClr>
+              <a:buSzPct val="75000"/>
+              <a:buFont typeface="Symbol" charset="2"/>
+              <a:buChar char=""/>
+            </a:pPr>
+            <a:r>
+              <a:rPr b="0" lang="cs-CZ" sz="2000" spc="-1" strike="noStrike">
+                <a:solidFill>
+                  <a:srgbClr val="000000"/>
+                </a:solidFill>
+                <a:latin typeface="Arial"/>
+              </a:rPr>
+              <a:t>Druhá úroveň</a:t>
+            </a:r>
+            <a:endParaRPr b="0" lang="cs-CZ" sz="2000" spc="-1" strike="noStrike">
+              <a:solidFill>
+                <a:srgbClr val="000000"/>
+              </a:solidFill>
+              <a:latin typeface="Arial"/>
+            </a:endParaRPr>
+          </a:p>
+          <a:p>
+            <a:pPr lvl="2" marL="1296000" indent="-288000">
+              <a:spcBef>
+                <a:spcPts val="850"/>
+              </a:spcBef>
+              <a:buClr>
+                <a:srgbClr val="000000"/>
+              </a:buClr>
+              <a:buSzPct val="45000"/>
+              <a:buFont typeface="Wingdings" charset="2"/>
+              <a:buChar char=""/>
+            </a:pPr>
+            <a:r>
+              <a:rPr b="0" lang="cs-CZ" sz="1800" spc="-1" strike="noStrike">
+                <a:solidFill>
+                  <a:srgbClr val="000000"/>
+                </a:solidFill>
+                <a:latin typeface="Arial"/>
+              </a:rPr>
+              <a:t>Třetí úroveň</a:t>
+            </a:r>
+            <a:endParaRPr b="0" lang="cs-CZ" sz="1800" spc="-1" strike="noStrike">
+              <a:solidFill>
+                <a:srgbClr val="000000"/>
+              </a:solidFill>
+              <a:latin typeface="Arial"/>
+            </a:endParaRPr>
+          </a:p>
+          <a:p>
+            <a:pPr lvl="3" marL="1728000" indent="-216000">
+              <a:spcBef>
+                <a:spcPts val="567"/>
+              </a:spcBef>
+              <a:buClr>
+                <a:srgbClr val="000000"/>
+              </a:buClr>
+              <a:buSzPct val="75000"/>
+              <a:buFont typeface="Symbol" charset="2"/>
+              <a:buChar char=""/>
+            </a:pPr>
+            <a:r>
+              <a:rPr b="0" lang="cs-CZ" sz="1800" spc="-1" strike="noStrike">
+                <a:solidFill>
+                  <a:srgbClr val="000000"/>
+                </a:solidFill>
+                <a:latin typeface="Arial"/>
+              </a:rPr>
+              <a:t>Čtvrtá úroveň osnovy</a:t>
+            </a:r>
+            <a:endParaRPr b="0" lang="cs-CZ" sz="1800" spc="-1" strike="noStrike">
+              <a:solidFill>
+                <a:srgbClr val="000000"/>
+              </a:solidFill>
+              <a:latin typeface="Arial"/>
+            </a:endParaRPr>
+          </a:p>
+          <a:p>
+            <a:pPr lvl="4" marL="2160000" indent="-216000">
+              <a:spcBef>
+                <a:spcPts val="283"/>
+              </a:spcBef>
+              <a:buClr>
+                <a:srgbClr val="000000"/>
+              </a:buClr>
+              <a:buSzPct val="45000"/>
+              <a:buFont typeface="Wingdings" charset="2"/>
+              <a:buChar char=""/>
+            </a:pPr>
+            <a:r>
+              <a:rPr b="0" lang="cs-CZ" sz="2000" spc="-1" strike="noStrike">
+                <a:solidFill>
+                  <a:srgbClr val="000000"/>
+                </a:solidFill>
+                <a:latin typeface="Arial"/>
+              </a:rPr>
+              <a:t>Pátá úroveň osnovy</a:t>
+            </a:r>
+            <a:endParaRPr b="0" lang="cs-CZ" sz="2000" spc="-1" strike="noStrike">
+              <a:solidFill>
+                <a:srgbClr val="000000"/>
+              </a:solidFill>
+              <a:latin typeface="Arial"/>
+            </a:endParaRPr>
+          </a:p>
+          <a:p>
+            <a:pPr lvl="5" marL="2592000" indent="-216000">
+              <a:spcBef>
+                <a:spcPts val="283"/>
+              </a:spcBef>
+              <a:buClr>
+                <a:srgbClr val="000000"/>
+              </a:buClr>
+              <a:buSzPct val="45000"/>
+              <a:buFont typeface="Wingdings" charset="2"/>
+              <a:buChar char=""/>
+            </a:pPr>
+            <a:r>
+              <a:rPr b="0" lang="cs-CZ" sz="2000" spc="-1" strike="noStrike">
+                <a:solidFill>
+                  <a:srgbClr val="000000"/>
+                </a:solidFill>
+                <a:latin typeface="Arial"/>
+              </a:rPr>
+              <a:t>Šestá úroveň</a:t>
+            </a:r>
+            <a:endParaRPr b="0" lang="cs-CZ" sz="2000" spc="-1" strike="noStrike">
+              <a:solidFill>
+                <a:srgbClr val="000000"/>
+              </a:solidFill>
+              <a:latin typeface="Arial"/>
+            </a:endParaRPr>
+          </a:p>
+          <a:p>
+            <a:pPr lvl="6" marL="3024000" indent="-216000">
+              <a:spcBef>
+                <a:spcPts val="283"/>
+              </a:spcBef>
+              <a:buClr>
+                <a:srgbClr val="000000"/>
+              </a:buClr>
+              <a:buSzPct val="45000"/>
+              <a:buFont typeface="Wingdings" charset="2"/>
+              <a:buChar char=""/>
+            </a:pPr>
+            <a:r>
+              <a:rPr b="0" lang="cs-CZ" sz="2000" spc="-1" strike="noStrike">
+                <a:solidFill>
+                  <a:srgbClr val="000000"/>
+                </a:solidFill>
+                <a:latin typeface="Arial"/>
+              </a:rPr>
+              <a:t>Sedmá úroveň</a:t>
+            </a:r>
+            <a:endParaRPr b="0" lang="cs-CZ" sz="2000" spc="-1" strike="noStrike">
+              <a:solidFill>
+                <a:srgbClr val="000000"/>
+              </a:solidFill>
+              <a:latin typeface="Arial"/>
+            </a:endParaRPr>
+          </a:p>
+        </p:txBody>
+      </p:sp>
+    </p:spTree>
+  </p:cSld>
+  <p:clrMap bg1="lt1" bg2="lt2" tx1="dk1" tx2="dk2" accent1="accent1" accent2="accent2" accent3="accent3" accent4="accent4" accent5="accent5" accent6="accent6" hlink="hlink" folHlink="folHlink"/>
+  <p:sldLayoutIdLst>
+    <p:sldLayoutId id="2147483675" r:id="rId3"/>
+    <p:sldLayoutId id="2147483676" r:id="rId4"/>
+    <p:sldLayoutId id="2147483677" r:id="rId5"/>
+    <p:sldLayoutId id="2147483678" r:id="rId6"/>
+    <p:sldLayoutId id="2147483679" r:id="rId7"/>
+    <p:sldLayoutId id="2147483680" r:id="rId8"/>
+    <p:sldLayoutId id="2147483681" r:id="rId9"/>
+    <p:sldLayoutId id="2147483682" r:id="rId10"/>
+    <p:sldLayoutId id="2147483683" r:id="rId11"/>
+    <p:sldLayoutId id="2147483684" r:id="rId12"/>
+    <p:sldLayoutId id="2147483685" r:id="rId13"/>
+    <p:sldLayoutId id="2147483686" r:id="rId14"/>
+  </p:sldLayoutIdLst>
 </p:sldMaster>
 </file>
 
 <file path=ppt/slides/slide1.xml><?xml version="1.0" encoding="utf-8"?>
-<p:sld xmlns:a="http://schemas.openxmlformats.org/drawingml/2006/main" xmlns:r="http://schemas.openxmlformats.org/officeDocument/2006/relationships" xmlns:p="http://schemas.openxmlformats.org/presentationml/2006/main">
+<p:sld xmlns:a="http://schemas.openxmlformats.org/drawingml/2006/main" xmlns:p="http://schemas.openxmlformats.org/presentationml/2006/main" xmlns:r="http://schemas.openxmlformats.org/officeDocument/2006/relationships" xmlns:p14="http://schemas.microsoft.com/office/powerpoint/2010/main" xmlns:p15="http://schemas.microsoft.com/office/powerpoint/2012/main" xmlns:mc="http://schemas.openxmlformats.org/markup-compatibility/2006">
   <p:cSld>
     <p:spTree>
       <p:nvGrpSpPr>
@@ -3990,7 +5249,7 @@
         <p:spPr>
           <a:xfrm>
             <a:off x="504360" y="3528000"/>
-            <a:ext cx="9069120" cy="827640"/>
+            <a:ext cx="9068760" cy="827280"/>
           </a:xfrm>
           <a:prstGeom prst="rect">
             <a:avLst/>
@@ -4001,22 +5260,15 @@
           </a:ln>
         </p:spPr>
         <p:style>
-          <a:lnRef idx="0">
-            <a:scrgbClr r="0" g="0" b="0"/>
-          </a:lnRef>
-          <a:fillRef idx="0">
-            <a:scrgbClr r="0" g="0" b="0"/>
-          </a:fillRef>
-          <a:effectRef idx="0">
-            <a:scrgbClr r="0" g="0" b="0"/>
-          </a:effectRef>
+          <a:lnRef idx="0"/>
+          <a:fillRef idx="0"/>
+          <a:effectRef idx="0"/>
           <a:fontRef idx="minor"/>
         </p:style>
         <p:txBody>
-          <a:bodyPr lIns="0" tIns="0" rIns="0" bIns="0" anchor="ctr">
+          <a:bodyPr lIns="0" rIns="0" tIns="0" bIns="0" anchor="ctr">
             <a:normAutofit/>
           </a:bodyPr>
-          <a:lstStyle/>
           <a:p>
             <a:pPr algn="ctr">
               <a:lnSpc>
@@ -4024,26 +5276,16 @@
               </a:lnSpc>
             </a:pPr>
             <a:r>
-              <a:rPr lang="cs-CZ" sz="4400" spc="-1" dirty="0">
-                <a:solidFill>
-                  <a:srgbClr val="FFFFFF"/>
+              <a:rPr b="0" lang="cs-CZ" sz="4400" spc="-1" strike="noStrike">
+                <a:solidFill>
+                  <a:srgbClr val="ffffff"/>
                 </a:solidFill>
                 <a:latin typeface="Ubuntu"/>
                 <a:ea typeface="DejaVu Sans"/>
               </a:rPr>
-              <a:t>4-3 </a:t>
-            </a:r>
-            <a:r>
-              <a:rPr lang="cs-CZ" sz="4400" spc="-1" dirty="0" err="1">
-                <a:solidFill>
-                  <a:srgbClr val="FFFFFF"/>
-                </a:solidFill>
-                <a:latin typeface="Ubuntu"/>
-                <a:ea typeface="DejaVu Sans"/>
-              </a:rPr>
-              <a:t>Kompass</a:t>
-            </a:r>
-            <a:endParaRPr lang="cs-CZ" sz="4400" b="0" strike="noStrike" spc="-1" dirty="0">
+              <a:t>4-3 Kompass</a:t>
+            </a:r>
+            <a:endParaRPr b="0" lang="cs-CZ" sz="4400" spc="-1" strike="noStrike">
               <a:latin typeface="Arial"/>
             </a:endParaRPr>
           </a:p>
@@ -4058,7 +5300,7 @@
         <p:spPr>
           <a:xfrm>
             <a:off x="1728000" y="1080000"/>
-            <a:ext cx="6117480" cy="939960"/>
+            <a:ext cx="6117120" cy="939600"/>
           </a:xfrm>
           <a:prstGeom prst="rect">
             <a:avLst/>
@@ -4069,20 +5311,13 @@
           </a:ln>
         </p:spPr>
         <p:style>
-          <a:lnRef idx="0">
-            <a:scrgbClr r="0" g="0" b="0"/>
-          </a:lnRef>
-          <a:fillRef idx="0">
-            <a:scrgbClr r="0" g="0" b="0"/>
-          </a:fillRef>
-          <a:effectRef idx="0">
-            <a:scrgbClr r="0" g="0" b="0"/>
-          </a:effectRef>
+          <a:lnRef idx="0"/>
+          <a:fillRef idx="0"/>
+          <a:effectRef idx="0"/>
           <a:fontRef idx="minor"/>
         </p:style>
         <p:txBody>
-          <a:bodyPr lIns="90000" tIns="45000" rIns="90000" bIns="45000"/>
-          <a:lstStyle/>
+          <a:bodyPr lIns="90000" rIns="90000" tIns="45000" bIns="45000"/>
           <a:p>
             <a:pPr>
               <a:lnSpc>
@@ -4090,7 +5325,7 @@
               </a:lnSpc>
             </a:pPr>
             <a:r>
-              <a:rPr lang="cs-CZ" sz="6000" b="0" strike="noStrike" spc="-1">
+              <a:rPr b="0" lang="cs-CZ" sz="6000" spc="-1" strike="noStrike">
                 <a:solidFill>
                   <a:srgbClr val="000000"/>
                 </a:solidFill>
@@ -4099,7 +5334,7 @@
               </a:rPr>
               <a:t>PRIM – Micro:bit</a:t>
             </a:r>
-            <a:endParaRPr lang="cs-CZ" sz="6000" b="0" strike="noStrike" spc="-1">
+            <a:endParaRPr b="0" lang="cs-CZ" sz="6000" spc="-1" strike="noStrike">
               <a:latin typeface="Arial"/>
             </a:endParaRPr>
           </a:p>
@@ -4107,9 +5342,6 @@
       </p:sp>
     </p:spTree>
   </p:cSld>
-  <p:clrMapOvr>
-    <a:masterClrMapping/>
-  </p:clrMapOvr>
   <p:timing>
     <p:tnLst>
       <p:par>
@@ -4118,14 +5350,14 @@
             <p:seq>
               <p:cTn id="2" dur="indefinite" nodeType="mainSeq"/>
               <p:prevCondLst>
-                <p:cond evt="onPrev" delay="0">
+                <p:cond delay="0" evt="onPrev">
                   <p:tgtEl>
                     <p:sldTgt/>
                   </p:tgtEl>
                 </p:cond>
               </p:prevCondLst>
               <p:nextCondLst>
-                <p:cond evt="onNext" delay="0">
+                <p:cond delay="0" evt="onNext">
                   <p:tgtEl>
                     <p:sldTgt/>
                   </p:tgtEl>
@@ -4141,7 +5373,7 @@
 </file>
 
 <file path=ppt/slides/slide2.xml><?xml version="1.0" encoding="utf-8"?>
-<p:sld xmlns:a="http://schemas.openxmlformats.org/drawingml/2006/main" xmlns:r="http://schemas.openxmlformats.org/officeDocument/2006/relationships" xmlns:p="http://schemas.openxmlformats.org/presentationml/2006/main">
+<p:sld xmlns:a="http://schemas.openxmlformats.org/drawingml/2006/main" xmlns:p="http://schemas.openxmlformats.org/presentationml/2006/main" xmlns:r="http://schemas.openxmlformats.org/officeDocument/2006/relationships" xmlns:p14="http://schemas.microsoft.com/office/powerpoint/2010/main" xmlns:p15="http://schemas.microsoft.com/office/powerpoint/2012/main" xmlns:mc="http://schemas.openxmlformats.org/markup-compatibility/2006">
   <p:cSld>
     <p:spTree>
       <p:nvGrpSpPr>
@@ -4159,14 +5391,14 @@
       </p:grpSpPr>
       <p:sp>
         <p:nvSpPr>
-          <p:cNvPr id="120" name="CustomShape 1"/>
+          <p:cNvPr id="116" name="CustomShape 1"/>
           <p:cNvSpPr/>
           <p:nvPr/>
         </p:nvSpPr>
         <p:spPr>
           <a:xfrm>
             <a:off x="504000" y="72000"/>
-            <a:ext cx="9069120" cy="861480"/>
+            <a:ext cx="9068760" cy="861120"/>
           </a:xfrm>
           <a:prstGeom prst="rect">
             <a:avLst/>
@@ -4177,20 +5409,13 @@
           </a:ln>
         </p:spPr>
         <p:style>
-          <a:lnRef idx="0">
-            <a:scrgbClr r="0" g="0" b="0"/>
-          </a:lnRef>
-          <a:fillRef idx="0">
-            <a:scrgbClr r="0" g="0" b="0"/>
-          </a:fillRef>
-          <a:effectRef idx="0">
-            <a:scrgbClr r="0" g="0" b="0"/>
-          </a:effectRef>
+          <a:lnRef idx="0"/>
+          <a:fillRef idx="0"/>
+          <a:effectRef idx="0"/>
           <a:fontRef idx="minor"/>
         </p:style>
         <p:txBody>
-          <a:bodyPr lIns="0" tIns="0" rIns="0" bIns="0" anchor="ctr"/>
-          <a:lstStyle/>
+          <a:bodyPr lIns="0" rIns="0" tIns="0" bIns="0" anchor="ctr"/>
           <a:p>
             <a:pPr algn="ctr">
               <a:lnSpc>
@@ -4198,30 +5423,31 @@
               </a:lnSpc>
             </a:pPr>
             <a:r>
-              <a:rPr lang="cs-CZ" sz="4400" spc="-1" dirty="0">
+              <a:rPr b="0" lang="cs-CZ" sz="4400" spc="-1" strike="noStrike">
                 <a:solidFill>
                   <a:srgbClr val="000000"/>
                 </a:solidFill>
                 <a:latin typeface="Arial"/>
+                <a:ea typeface="DejaVu Sans"/>
               </a:rPr>
               <a:t>Azimut</a:t>
             </a:r>
-            <a:endParaRPr lang="cs-CZ" sz="4400" b="0" strike="noStrike" spc="-1" dirty="0">
-              <a:latin typeface="Arial"/>
-            </a:endParaRPr>
-          </a:p>
-        </p:txBody>
-      </p:sp>
-      <p:sp>
-        <p:nvSpPr>
-          <p:cNvPr id="121" name="CustomShape 2"/>
+            <a:endParaRPr b="0" lang="cs-CZ" sz="4400" spc="-1" strike="noStrike">
+              <a:latin typeface="Arial"/>
+            </a:endParaRPr>
+          </a:p>
+        </p:txBody>
+      </p:sp>
+      <p:sp>
+        <p:nvSpPr>
+          <p:cNvPr id="117" name="CustomShape 2"/>
           <p:cNvSpPr/>
           <p:nvPr/>
         </p:nvSpPr>
         <p:spPr>
           <a:xfrm>
-            <a:off x="504000" y="1347537"/>
-            <a:ext cx="9069120" cy="4803783"/>
+            <a:off x="504000" y="1347480"/>
+            <a:ext cx="9068760" cy="1244520"/>
           </a:xfrm>
           <a:prstGeom prst="rect">
             <a:avLst/>
@@ -4232,226 +5458,437 @@
           </a:ln>
         </p:spPr>
         <p:style>
-          <a:lnRef idx="0">
-            <a:scrgbClr r="0" g="0" b="0"/>
-          </a:lnRef>
-          <a:fillRef idx="0">
-            <a:scrgbClr r="0" g="0" b="0"/>
-          </a:fillRef>
-          <a:effectRef idx="0">
-            <a:scrgbClr r="0" g="0" b="0"/>
-          </a:effectRef>
+          <a:lnRef idx="0"/>
+          <a:fillRef idx="0"/>
+          <a:effectRef idx="0"/>
           <a:fontRef idx="minor"/>
         </p:style>
         <p:txBody>
-          <a:bodyPr lIns="0" tIns="0" rIns="0" bIns="0">
+          <a:bodyPr lIns="0" rIns="0" tIns="0" bIns="0">
             <a:normAutofit/>
           </a:bodyPr>
-          <a:lstStyle/>
-          <a:p>
-            <a:pPr marL="457200" indent="-457200">
-              <a:buFont typeface="Arial" panose="020B0604020202020204" pitchFamily="34" charset="0"/>
+          <a:p>
+            <a:pPr marL="457200" indent="-456840">
+              <a:lnSpc>
+                <a:spcPct val="100000"/>
+              </a:lnSpc>
+              <a:buClr>
+                <a:srgbClr val="000000"/>
+              </a:buClr>
+              <a:buFont typeface="Arial"/>
               <a:buChar char="•"/>
             </a:pPr>
             <a:r>
-              <a:rPr lang="cs-CZ" sz="3200" b="0" strike="noStrike" spc="-1" dirty="0">
-                <a:solidFill>
-                  <a:srgbClr val="000000"/>
-                </a:solidFill>
+              <a:rPr b="0" lang="cs-CZ" sz="3200" spc="-1" strike="noStrike">
+                <a:solidFill>
+                  <a:srgbClr val="000000"/>
+                </a:solidFill>
+                <a:latin typeface="Arial"/>
                 <a:ea typeface="DejaVu Sans"/>
               </a:rPr>
               <a:t>Co je to kompas, azimut</a:t>
             </a:r>
-          </a:p>
-          <a:p>
-            <a:pPr marL="457200" indent="-457200">
-              <a:buFont typeface="Arial" panose="020B0604020202020204" pitchFamily="34" charset="0"/>
+            <a:endParaRPr b="0" lang="cs-CZ" sz="3200" spc="-1" strike="noStrike">
+              <a:latin typeface="Arial"/>
+            </a:endParaRPr>
+          </a:p>
+          <a:p>
+            <a:pPr marL="457200" indent="-456840">
+              <a:lnSpc>
+                <a:spcPct val="100000"/>
+              </a:lnSpc>
+              <a:buClr>
+                <a:srgbClr val="000000"/>
+              </a:buClr>
+              <a:buFont typeface="Arial"/>
               <a:buChar char="•"/>
             </a:pPr>
             <a:r>
-              <a:rPr lang="cs-CZ" sz="3200" spc="-1" dirty="0">
-                <a:solidFill>
-                  <a:srgbClr val="000000"/>
-                </a:solidFill>
+              <a:rPr b="0" lang="cs-CZ" sz="3200" spc="-1" strike="noStrike">
+                <a:solidFill>
+                  <a:srgbClr val="000000"/>
+                </a:solidFill>
+                <a:latin typeface="Arial"/>
+                <a:ea typeface="DejaVu Sans"/>
               </a:rPr>
               <a:t>Kalibrace</a:t>
             </a:r>
-          </a:p>
-          <a:p>
-            <a:endParaRPr lang="cs-CZ" sz="3200" dirty="0">
-              <a:latin typeface="Courier New" panose="02070309020205020404" pitchFamily="49" charset="0"/>
-              <a:cs typeface="Courier New" panose="02070309020205020404" pitchFamily="49" charset="0"/>
-            </a:endParaRPr>
-          </a:p>
-          <a:p>
-            <a:r>
-              <a:rPr lang="cs-CZ" sz="3200" dirty="0" err="1">
-                <a:latin typeface="Courier New" panose="02070309020205020404" pitchFamily="49" charset="0"/>
-                <a:cs typeface="Courier New" panose="02070309020205020404" pitchFamily="49" charset="0"/>
+            <a:endParaRPr b="0" lang="cs-CZ" sz="3200" spc="-1" strike="noStrike">
+              <a:latin typeface="Arial"/>
+            </a:endParaRPr>
+          </a:p>
+          <a:p>
+            <a:pPr>
+              <a:lnSpc>
+                <a:spcPct val="100000"/>
+              </a:lnSpc>
+            </a:pPr>
+            <a:endParaRPr b="0" lang="cs-CZ" sz="3200" spc="-1" strike="noStrike">
+              <a:latin typeface="Arial"/>
+            </a:endParaRPr>
+          </a:p>
+          <a:p>
+            <a:pPr>
+              <a:lnSpc>
+                <a:spcPct val="100000"/>
+              </a:lnSpc>
+            </a:pPr>
+            <a:endParaRPr b="0" lang="cs-CZ" sz="3200" spc="-1" strike="noStrike">
+              <a:latin typeface="Arial"/>
+            </a:endParaRPr>
+          </a:p>
+          <a:p>
+            <a:pPr>
+              <a:lnSpc>
+                <a:spcPct val="100000"/>
+              </a:lnSpc>
+            </a:pPr>
+            <a:endParaRPr b="0" lang="cs-CZ" sz="3200" spc="-1" strike="noStrike">
+              <a:latin typeface="Arial"/>
+            </a:endParaRPr>
+          </a:p>
+        </p:txBody>
+      </p:sp>
+      <p:sp>
+        <p:nvSpPr>
+          <p:cNvPr id="118" name="TextShape 3"/>
+          <p:cNvSpPr txBox="1"/>
+          <p:nvPr/>
+        </p:nvSpPr>
+        <p:spPr>
+          <a:xfrm>
+            <a:off x="792000" y="2736000"/>
+            <a:ext cx="8280000" cy="2376000"/>
+          </a:xfrm>
+          <a:prstGeom prst="rect">
+            <a:avLst/>
+          </a:prstGeom>
+          <a:solidFill>
+            <a:srgbClr val="dddddd"/>
+          </a:solidFill>
+          <a:ln>
+            <a:solidFill>
+              <a:srgbClr val="000000"/>
+            </a:solidFill>
+          </a:ln>
+        </p:spPr>
+        <p:txBody>
+          <a:bodyPr lIns="90000" rIns="90000" tIns="45000" bIns="45000"/>
+          <a:p>
+            <a:pPr>
+              <a:lnSpc>
+                <a:spcPct val="100000"/>
+              </a:lnSpc>
+            </a:pPr>
+            <a:r>
+              <a:rPr b="0" lang="cs-CZ" sz="2800" spc="-1" strike="noStrike">
+                <a:solidFill>
+                  <a:srgbClr val="008000"/>
+                </a:solidFill>
+                <a:latin typeface="Courier New"/>
+                <a:ea typeface="DejaVu Sans"/>
               </a:rPr>
               <a:t>from</a:t>
             </a:r>
             <a:r>
-              <a:rPr lang="cs-CZ" sz="3200" dirty="0">
-                <a:latin typeface="Courier New" panose="02070309020205020404" pitchFamily="49" charset="0"/>
-                <a:cs typeface="Courier New" panose="02070309020205020404" pitchFamily="49" charset="0"/>
+              <a:rPr b="0" lang="cs-CZ" sz="2800" spc="-1" strike="noStrike">
+                <a:solidFill>
+                  <a:srgbClr val="000000"/>
+                </a:solidFill>
+                <a:latin typeface="Courier New"/>
+                <a:ea typeface="DejaVu Sans"/>
               </a:rPr>
               <a:t> </a:t>
             </a:r>
             <a:r>
-              <a:rPr lang="cs-CZ" sz="3200" dirty="0" err="1">
-                <a:latin typeface="Courier New" panose="02070309020205020404" pitchFamily="49" charset="0"/>
-                <a:cs typeface="Courier New" panose="02070309020205020404" pitchFamily="49" charset="0"/>
+              <a:rPr b="0" lang="cs-CZ" sz="2800" spc="-1" strike="noStrike">
+                <a:solidFill>
+                  <a:srgbClr val="0000ff"/>
+                </a:solidFill>
+                <a:latin typeface="Courier New"/>
+                <a:ea typeface="DejaVu Sans"/>
               </a:rPr>
               <a:t>microbit</a:t>
             </a:r>
             <a:r>
-              <a:rPr lang="cs-CZ" sz="3200" dirty="0">
-                <a:latin typeface="Courier New" panose="02070309020205020404" pitchFamily="49" charset="0"/>
-                <a:cs typeface="Courier New" panose="02070309020205020404" pitchFamily="49" charset="0"/>
-              </a:rPr>
-              <a:t> import *</a:t>
-            </a:r>
-          </a:p>
-          <a:p>
-            <a:r>
-              <a:rPr lang="cs-CZ" sz="3200" dirty="0" err="1">
-                <a:latin typeface="Courier New" panose="02070309020205020404" pitchFamily="49" charset="0"/>
-                <a:cs typeface="Courier New" panose="02070309020205020404" pitchFamily="49" charset="0"/>
-              </a:rPr>
-              <a:t>compass.calibrate</a:t>
-            </a:r>
-            <a:r>
-              <a:rPr lang="cs-CZ" sz="3200" dirty="0">
-                <a:latin typeface="Courier New" panose="02070309020205020404" pitchFamily="49" charset="0"/>
-                <a:cs typeface="Courier New" panose="02070309020205020404" pitchFamily="49" charset="0"/>
-              </a:rPr>
-              <a:t>()</a:t>
-            </a:r>
-          </a:p>
-          <a:p>
-            <a:r>
-              <a:rPr lang="cs-CZ" sz="3200" dirty="0" err="1">
-                <a:latin typeface="Courier New" panose="02070309020205020404" pitchFamily="49" charset="0"/>
-                <a:cs typeface="Courier New" panose="02070309020205020404" pitchFamily="49" charset="0"/>
+              <a:rPr b="0" lang="cs-CZ" sz="2800" spc="-1" strike="noStrike">
+                <a:solidFill>
+                  <a:srgbClr val="000000"/>
+                </a:solidFill>
+                <a:latin typeface="Courier New"/>
+                <a:ea typeface="DejaVu Sans"/>
+              </a:rPr>
+              <a:t> </a:t>
+            </a:r>
+            <a:r>
+              <a:rPr b="0" lang="cs-CZ" sz="2800" spc="-1" strike="noStrike">
+                <a:solidFill>
+                  <a:srgbClr val="008000"/>
+                </a:solidFill>
+                <a:latin typeface="Courier New"/>
+                <a:ea typeface="DejaVu Sans"/>
+              </a:rPr>
+              <a:t>import</a:t>
+            </a:r>
+            <a:r>
+              <a:rPr b="0" lang="cs-CZ" sz="2800" spc="-1" strike="noStrike">
+                <a:solidFill>
+                  <a:srgbClr val="000000"/>
+                </a:solidFill>
+                <a:latin typeface="Courier New"/>
+                <a:ea typeface="DejaVu Sans"/>
+              </a:rPr>
+              <a:t> </a:t>
+            </a:r>
+            <a:r>
+              <a:rPr b="0" lang="cs-CZ" sz="2800" spc="-1" strike="noStrike">
+                <a:solidFill>
+                  <a:srgbClr val="666666"/>
+                </a:solidFill>
+                <a:latin typeface="Courier New"/>
+                <a:ea typeface="DejaVu Sans"/>
+              </a:rPr>
+              <a:t>*</a:t>
+            </a:r>
+            <a:endParaRPr b="0" lang="cs-CZ" sz="2800" spc="-1" strike="noStrike">
+              <a:latin typeface="Arial"/>
+            </a:endParaRPr>
+          </a:p>
+          <a:p>
+            <a:pPr>
+              <a:lnSpc>
+                <a:spcPct val="100000"/>
+              </a:lnSpc>
+            </a:pPr>
+            <a:r>
+              <a:rPr b="0" lang="cs-CZ" sz="2800" spc="-1" strike="noStrike">
+                <a:solidFill>
+                  <a:srgbClr val="000000"/>
+                </a:solidFill>
+                <a:latin typeface="Courier New"/>
+                <a:ea typeface="DejaVu Sans"/>
+              </a:rPr>
+              <a:t>compass</a:t>
+            </a:r>
+            <a:r>
+              <a:rPr b="0" lang="cs-CZ" sz="2800" spc="-1" strike="noStrike">
+                <a:solidFill>
+                  <a:srgbClr val="666666"/>
+                </a:solidFill>
+                <a:latin typeface="Courier New"/>
+                <a:ea typeface="DejaVu Sans"/>
+              </a:rPr>
+              <a:t>.</a:t>
+            </a:r>
+            <a:r>
+              <a:rPr b="0" lang="cs-CZ" sz="2800" spc="-1" strike="noStrike">
+                <a:solidFill>
+                  <a:srgbClr val="000000"/>
+                </a:solidFill>
+                <a:latin typeface="Courier New"/>
+                <a:ea typeface="DejaVu Sans"/>
+              </a:rPr>
+              <a:t>calibrate()</a:t>
+            </a:r>
+            <a:endParaRPr b="0" lang="cs-CZ" sz="2800" spc="-1" strike="noStrike">
+              <a:latin typeface="Arial"/>
+            </a:endParaRPr>
+          </a:p>
+          <a:p>
+            <a:pPr>
+              <a:lnSpc>
+                <a:spcPct val="100000"/>
+              </a:lnSpc>
+            </a:pPr>
+            <a:r>
+              <a:rPr b="0" lang="cs-CZ" sz="2800" spc="-1" strike="noStrike">
+                <a:solidFill>
+                  <a:srgbClr val="008000"/>
+                </a:solidFill>
+                <a:latin typeface="Courier New"/>
+                <a:ea typeface="DejaVu Sans"/>
               </a:rPr>
               <a:t>while</a:t>
             </a:r>
             <a:r>
-              <a:rPr lang="cs-CZ" sz="3200" dirty="0">
-                <a:latin typeface="Courier New" panose="02070309020205020404" pitchFamily="49" charset="0"/>
-                <a:cs typeface="Courier New" panose="02070309020205020404" pitchFamily="49" charset="0"/>
+              <a:rPr b="0" lang="cs-CZ" sz="2800" spc="-1" strike="noStrike">
+                <a:solidFill>
+                  <a:srgbClr val="000000"/>
+                </a:solidFill>
+                <a:latin typeface="Courier New"/>
+                <a:ea typeface="DejaVu Sans"/>
               </a:rPr>
               <a:t> </a:t>
             </a:r>
             <a:r>
-              <a:rPr lang="cs-CZ" sz="3200" dirty="0" err="1">
-                <a:latin typeface="Courier New" panose="02070309020205020404" pitchFamily="49" charset="0"/>
-                <a:cs typeface="Courier New" panose="02070309020205020404" pitchFamily="49" charset="0"/>
+              <a:rPr b="0" lang="cs-CZ" sz="2800" spc="-1" strike="noStrike">
+                <a:solidFill>
+                  <a:srgbClr val="008000"/>
+                </a:solidFill>
+                <a:latin typeface="Courier New"/>
+                <a:ea typeface="DejaVu Sans"/>
               </a:rPr>
               <a:t>True</a:t>
             </a:r>
             <a:r>
-              <a:rPr lang="cs-CZ" sz="3200" dirty="0">
-                <a:latin typeface="Courier New" panose="02070309020205020404" pitchFamily="49" charset="0"/>
-                <a:cs typeface="Courier New" panose="02070309020205020404" pitchFamily="49" charset="0"/>
+              <a:rPr b="0" lang="cs-CZ" sz="2800" spc="-1" strike="noStrike">
+                <a:solidFill>
+                  <a:srgbClr val="000000"/>
+                </a:solidFill>
+                <a:latin typeface="Courier New"/>
+                <a:ea typeface="DejaVu Sans"/>
               </a:rPr>
               <a:t>:</a:t>
             </a:r>
-          </a:p>
-          <a:p>
-            <a:r>
-              <a:rPr lang="cs-CZ" sz="3200" dirty="0">
-                <a:latin typeface="Courier New" panose="02070309020205020404" pitchFamily="49" charset="0"/>
-                <a:cs typeface="Courier New" panose="02070309020205020404" pitchFamily="49" charset="0"/>
+            <a:endParaRPr b="0" lang="cs-CZ" sz="2800" spc="-1" strike="noStrike">
+              <a:latin typeface="Arial"/>
+            </a:endParaRPr>
+          </a:p>
+          <a:p>
+            <a:pPr>
+              <a:lnSpc>
+                <a:spcPct val="100000"/>
+              </a:lnSpc>
+            </a:pPr>
+            <a:r>
+              <a:rPr b="0" lang="cs-CZ" sz="2800" spc="-1" strike="noStrike">
+                <a:solidFill>
+                  <a:srgbClr val="000000"/>
+                </a:solidFill>
+                <a:latin typeface="Courier New"/>
+                <a:ea typeface="DejaVu Sans"/>
               </a:rPr>
               <a:t>    </a:t>
             </a:r>
             <a:r>
-              <a:rPr lang="cs-CZ" sz="3200" dirty="0" err="1">
-                <a:latin typeface="Courier New" panose="02070309020205020404" pitchFamily="49" charset="0"/>
-                <a:cs typeface="Courier New" panose="02070309020205020404" pitchFamily="49" charset="0"/>
-              </a:rPr>
-              <a:t>display.show</a:t>
-            </a:r>
-            <a:r>
-              <a:rPr lang="cs-CZ" sz="3200" dirty="0">
-                <a:latin typeface="Courier New" panose="02070309020205020404" pitchFamily="49" charset="0"/>
-                <a:cs typeface="Courier New" panose="02070309020205020404" pitchFamily="49" charset="0"/>
-              </a:rPr>
-              <a:t>(</a:t>
-            </a:r>
-            <a:r>
-              <a:rPr lang="cs-CZ" sz="3200" dirty="0" err="1">
-                <a:latin typeface="Courier New" panose="02070309020205020404" pitchFamily="49" charset="0"/>
-                <a:cs typeface="Courier New" panose="02070309020205020404" pitchFamily="49" charset="0"/>
-              </a:rPr>
-              <a:t>compass.heading</a:t>
-            </a:r>
-            <a:r>
-              <a:rPr lang="cs-CZ" sz="3200" dirty="0">
-                <a:latin typeface="Courier New" panose="02070309020205020404" pitchFamily="49" charset="0"/>
-                <a:cs typeface="Courier New" panose="02070309020205020404" pitchFamily="49" charset="0"/>
-              </a:rPr>
-              <a:t>())</a:t>
-            </a:r>
-          </a:p>
-          <a:p>
-            <a:r>
-              <a:rPr lang="cs-CZ" sz="3200" dirty="0">
-                <a:latin typeface="Courier New" panose="02070309020205020404" pitchFamily="49" charset="0"/>
-                <a:cs typeface="Courier New" panose="02070309020205020404" pitchFamily="49" charset="0"/>
+              <a:rPr b="0" lang="cs-CZ" sz="2800" spc="-1" strike="noStrike">
+                <a:solidFill>
+                  <a:srgbClr val="000000"/>
+                </a:solidFill>
+                <a:latin typeface="Courier New"/>
+                <a:ea typeface="DejaVu Sans"/>
+              </a:rPr>
+              <a:t>display</a:t>
+            </a:r>
+            <a:r>
+              <a:rPr b="0" lang="cs-CZ" sz="2800" spc="-1" strike="noStrike">
+                <a:solidFill>
+                  <a:srgbClr val="666666"/>
+                </a:solidFill>
+                <a:latin typeface="Courier New"/>
+                <a:ea typeface="DejaVu Sans"/>
+              </a:rPr>
+              <a:t>.</a:t>
+            </a:r>
+            <a:r>
+              <a:rPr b="0" lang="cs-CZ" sz="2800" spc="-1" strike="noStrike">
+                <a:solidFill>
+                  <a:srgbClr val="000000"/>
+                </a:solidFill>
+                <a:latin typeface="Courier New"/>
+                <a:ea typeface="DejaVu Sans"/>
+              </a:rPr>
+              <a:t>scroll(compass</a:t>
+            </a:r>
+            <a:r>
+              <a:rPr b="0" lang="cs-CZ" sz="2800" spc="-1" strike="noStrike">
+                <a:solidFill>
+                  <a:srgbClr val="666666"/>
+                </a:solidFill>
+                <a:latin typeface="Courier New"/>
+                <a:ea typeface="DejaVu Sans"/>
+              </a:rPr>
+              <a:t>.</a:t>
+            </a:r>
+            <a:r>
+              <a:rPr b="0" lang="cs-CZ" sz="2800" spc="-1" strike="noStrike">
+                <a:solidFill>
+                  <a:srgbClr val="000000"/>
+                </a:solidFill>
+                <a:latin typeface="Courier New"/>
+                <a:ea typeface="DejaVu Sans"/>
+              </a:rPr>
+              <a:t>heading())</a:t>
+            </a:r>
+            <a:endParaRPr b="0" lang="cs-CZ" sz="2800" spc="-1" strike="noStrike">
+              <a:latin typeface="Arial"/>
+            </a:endParaRPr>
+          </a:p>
+          <a:p>
+            <a:r>
+              <a:rPr b="0" lang="cs-CZ" sz="2800" spc="-1" strike="noStrike">
+                <a:solidFill>
+                  <a:srgbClr val="000000"/>
+                </a:solidFill>
+                <a:latin typeface="Courier New"/>
+                <a:ea typeface="DejaVu Sans"/>
               </a:rPr>
               <a:t>    </a:t>
             </a:r>
             <a:r>
-              <a:rPr lang="cs-CZ" sz="3200" dirty="0" err="1">
-                <a:latin typeface="Courier New" panose="02070309020205020404" pitchFamily="49" charset="0"/>
-                <a:cs typeface="Courier New" panose="02070309020205020404" pitchFamily="49" charset="0"/>
-              </a:rPr>
-              <a:t>sleep</a:t>
-            </a:r>
-            <a:r>
-              <a:rPr lang="cs-CZ" sz="3200" dirty="0">
-                <a:latin typeface="Courier New" panose="02070309020205020404" pitchFamily="49" charset="0"/>
-                <a:cs typeface="Courier New" panose="02070309020205020404" pitchFamily="49" charset="0"/>
-              </a:rPr>
-              <a:t>(1000) </a:t>
-            </a:r>
-            <a:endParaRPr lang="cs-CZ" sz="3200" b="0" strike="noStrike" spc="-1" dirty="0">
-              <a:solidFill>
-                <a:srgbClr val="000000"/>
-              </a:solidFill>
-              <a:latin typeface="Courier New" panose="02070309020205020404" pitchFamily="49" charset="0"/>
-              <a:cs typeface="Courier New" panose="02070309020205020404" pitchFamily="49" charset="0"/>
-            </a:endParaRPr>
-          </a:p>
-          <a:p>
-            <a:endParaRPr lang="cs-CZ" sz="3200" b="0" strike="noStrike" spc="-1" dirty="0"/>
+              <a:rPr b="0" lang="cs-CZ" sz="2800" spc="-1" strike="noStrike">
+                <a:solidFill>
+                  <a:srgbClr val="000000"/>
+                </a:solidFill>
+                <a:latin typeface="Courier New"/>
+                <a:ea typeface="DejaVu Sans"/>
+              </a:rPr>
+              <a:t>sleep(</a:t>
+            </a:r>
+            <a:r>
+              <a:rPr b="0" lang="cs-CZ" sz="2800" spc="-1" strike="noStrike">
+                <a:solidFill>
+                  <a:srgbClr val="666666"/>
+                </a:solidFill>
+                <a:latin typeface="Courier New"/>
+                <a:ea typeface="DejaVu Sans"/>
+              </a:rPr>
+              <a:t>1000</a:t>
+            </a:r>
+            <a:r>
+              <a:rPr b="0" lang="cs-CZ" sz="2800" spc="-1" strike="noStrike">
+                <a:solidFill>
+                  <a:srgbClr val="000000"/>
+                </a:solidFill>
+                <a:latin typeface="Courier New"/>
+                <a:ea typeface="DejaVu Sans"/>
+              </a:rPr>
+              <a:t>)</a:t>
+            </a:r>
+            <a:r>
+              <a:rPr b="0" lang="cs-CZ" sz="3200" spc="-1" strike="noStrike">
+                <a:solidFill>
+                  <a:srgbClr val="000000"/>
+                </a:solidFill>
+                <a:latin typeface="Courier New"/>
+                <a:ea typeface="DejaVu Sans"/>
+              </a:rPr>
+              <a:t> </a:t>
+            </a:r>
+            <a:endParaRPr b="0" lang="cs-CZ" sz="3200" spc="-1" strike="noStrike">
+              <a:latin typeface="Arial"/>
+            </a:endParaRPr>
           </a:p>
         </p:txBody>
       </p:sp>
     </p:spTree>
   </p:cSld>
-  <p:clrMapOvr>
-    <a:masterClrMapping/>
-  </p:clrMapOvr>
   <p:timing>
     <p:tnLst>
       <p:par>
-        <p:cTn id="1" dur="indefinite" restart="never" nodeType="tmRoot">
+        <p:cTn id="3" dur="indefinite" restart="never" nodeType="tmRoot">
           <p:childTnLst>
             <p:seq>
-              <p:cTn id="2" dur="indefinite" nodeType="mainSeq"/>
+              <p:cTn id="4" dur="indefinite" nodeType="mainSeq"/>
               <p:prevCondLst>
-                <p:cond evt="onPrev" delay="0">
+                <p:cond delay="0" evt="onPrev">
                   <p:tgtEl>
                     <p:sldTgt/>
                   </p:tgtEl>
                 </p:cond>
               </p:prevCondLst>
               <p:nextCondLst>
-                <p:cond evt="onNext" delay="0">
+                <p:cond delay="0" evt="onNext">
                   <p:tgtEl>
                     <p:sldTgt/>
                   </p:tgtEl>
@@ -4467,7 +5904,7 @@
 </file>
 
 <file path=ppt/slides/slide3.xml><?xml version="1.0" encoding="utf-8"?>
-<p:sld xmlns:a="http://schemas.openxmlformats.org/drawingml/2006/main" xmlns:r="http://schemas.openxmlformats.org/officeDocument/2006/relationships" xmlns:p="http://schemas.openxmlformats.org/presentationml/2006/main">
+<p:sld xmlns:a="http://schemas.openxmlformats.org/drawingml/2006/main" xmlns:p="http://schemas.openxmlformats.org/presentationml/2006/main" xmlns:r="http://schemas.openxmlformats.org/officeDocument/2006/relationships" xmlns:p14="http://schemas.microsoft.com/office/powerpoint/2010/main" xmlns:p15="http://schemas.microsoft.com/office/powerpoint/2012/main" xmlns:mc="http://schemas.openxmlformats.org/markup-compatibility/2006">
   <p:cSld>
     <p:spTree>
       <p:nvGrpSpPr>
@@ -4485,14 +5922,14 @@
       </p:grpSpPr>
       <p:sp>
         <p:nvSpPr>
-          <p:cNvPr id="122" name="CustomShape 1"/>
+          <p:cNvPr id="119" name="CustomShape 1"/>
           <p:cNvSpPr/>
           <p:nvPr/>
         </p:nvSpPr>
         <p:spPr>
           <a:xfrm>
             <a:off x="576000" y="72000"/>
-            <a:ext cx="9069120" cy="861480"/>
+            <a:ext cx="9068760" cy="861120"/>
           </a:xfrm>
           <a:prstGeom prst="rect">
             <a:avLst/>
@@ -4503,20 +5940,13 @@
           </a:ln>
         </p:spPr>
         <p:style>
-          <a:lnRef idx="0">
-            <a:scrgbClr r="0" g="0" b="0"/>
-          </a:lnRef>
-          <a:fillRef idx="0">
-            <a:scrgbClr r="0" g="0" b="0"/>
-          </a:fillRef>
-          <a:effectRef idx="0">
-            <a:scrgbClr r="0" g="0" b="0"/>
-          </a:effectRef>
+          <a:lnRef idx="0"/>
+          <a:fillRef idx="0"/>
+          <a:effectRef idx="0"/>
           <a:fontRef idx="minor"/>
         </p:style>
         <p:txBody>
-          <a:bodyPr lIns="0" tIns="0" rIns="0" bIns="0" anchor="ctr"/>
-          <a:lstStyle/>
+          <a:bodyPr lIns="0" rIns="0" tIns="0" bIns="0" anchor="ctr"/>
           <a:p>
             <a:pPr algn="ctr">
               <a:lnSpc>
@@ -4524,7 +5954,7 @@
               </a:lnSpc>
             </a:pPr>
             <a:r>
-              <a:rPr lang="cs-CZ" sz="4400" b="0" strike="noStrike" spc="-1" dirty="0">
+              <a:rPr b="0" lang="cs-CZ" sz="4400" spc="-1" strike="noStrike">
                 <a:solidFill>
                   <a:srgbClr val="000000"/>
                 </a:solidFill>
@@ -4533,423 +5963,1063 @@
               </a:rPr>
               <a:t>Světová strana</a:t>
             </a:r>
-            <a:endParaRPr lang="cs-CZ" sz="4400" b="0" strike="noStrike" spc="-1" dirty="0">
-              <a:latin typeface="Arial"/>
-            </a:endParaRPr>
-          </a:p>
-        </p:txBody>
-      </p:sp>
-      <p:sp>
-        <p:nvSpPr>
-          <p:cNvPr id="123" name="CustomShape 2"/>
+            <a:endParaRPr b="0" lang="cs-CZ" sz="4400" spc="-1" strike="noStrike">
+              <a:latin typeface="Arial"/>
+            </a:endParaRPr>
+          </a:p>
+        </p:txBody>
+      </p:sp>
+      <p:sp>
+        <p:nvSpPr>
+          <p:cNvPr id="120" name="CustomShape 2"/>
           <p:cNvSpPr/>
           <p:nvPr/>
         </p:nvSpPr>
         <p:spPr>
           <a:xfrm>
-            <a:off x="504000" y="1315453"/>
-            <a:ext cx="9069120" cy="5983705"/>
-          </a:xfrm>
-          <a:prstGeom prst="rect">
-            <a:avLst/>
-          </a:prstGeom>
-          <a:noFill/>
+            <a:off x="1872000" y="1315440"/>
+            <a:ext cx="6264000" cy="5983200"/>
+          </a:xfrm>
+          <a:prstGeom prst="rect">
+            <a:avLst/>
+          </a:prstGeom>
+          <a:solidFill>
+            <a:srgbClr val="dddddd"/>
+          </a:solidFill>
           <a:ln>
-            <a:noFill/>
+            <a:solidFill>
+              <a:srgbClr val="3465a4"/>
+            </a:solidFill>
           </a:ln>
         </p:spPr>
         <p:style>
-          <a:lnRef idx="0">
-            <a:scrgbClr r="0" g="0" b="0"/>
-          </a:lnRef>
-          <a:fillRef idx="0">
-            <a:scrgbClr r="0" g="0" b="0"/>
-          </a:fillRef>
-          <a:effectRef idx="0">
-            <a:scrgbClr r="0" g="0" b="0"/>
-          </a:effectRef>
+          <a:lnRef idx="0"/>
+          <a:fillRef idx="0"/>
+          <a:effectRef idx="0"/>
           <a:fontRef idx="minor"/>
         </p:style>
         <p:txBody>
-          <a:bodyPr lIns="0" tIns="0" rIns="0" bIns="0">
-            <a:noAutofit/>
-          </a:bodyPr>
-          <a:lstStyle/>
-          <a:p>
-            <a:r>
-              <a:rPr lang="cs-CZ" sz="2800" dirty="0" err="1">
-                <a:latin typeface="Courier New" panose="02070309020205020404" pitchFamily="49" charset="0"/>
-                <a:cs typeface="Courier New" panose="02070309020205020404" pitchFamily="49" charset="0"/>
+          <a:bodyPr lIns="0" rIns="0" tIns="0" bIns="0"/>
+          <a:p>
+            <a:pPr>
+              <a:lnSpc>
+                <a:spcPct val="100000"/>
+              </a:lnSpc>
+            </a:pPr>
+            <a:r>
+              <a:rPr b="0" lang="cs-CZ" sz="2400" spc="-1" strike="noStrike">
+                <a:solidFill>
+                  <a:srgbClr val="008000"/>
+                </a:solidFill>
+                <a:latin typeface="Courier New"/>
+                <a:ea typeface="DejaVu Sans"/>
               </a:rPr>
               <a:t>from</a:t>
             </a:r>
             <a:r>
-              <a:rPr lang="cs-CZ" sz="2800" dirty="0">
-                <a:latin typeface="Courier New" panose="02070309020205020404" pitchFamily="49" charset="0"/>
-                <a:cs typeface="Courier New" panose="02070309020205020404" pitchFamily="49" charset="0"/>
+              <a:rPr b="0" lang="cs-CZ" sz="2400" spc="-1" strike="noStrike">
+                <a:solidFill>
+                  <a:srgbClr val="000000"/>
+                </a:solidFill>
+                <a:latin typeface="Courier New"/>
+                <a:ea typeface="DejaVu Sans"/>
               </a:rPr>
               <a:t> </a:t>
             </a:r>
             <a:r>
-              <a:rPr lang="cs-CZ" sz="2800" dirty="0" err="1">
-                <a:latin typeface="Courier New" panose="02070309020205020404" pitchFamily="49" charset="0"/>
-                <a:cs typeface="Courier New" panose="02070309020205020404" pitchFamily="49" charset="0"/>
+              <a:rPr b="0" lang="cs-CZ" sz="2400" spc="-1" strike="noStrike">
+                <a:solidFill>
+                  <a:srgbClr val="0000ff"/>
+                </a:solidFill>
+                <a:latin typeface="Courier New"/>
+                <a:ea typeface="DejaVu Sans"/>
               </a:rPr>
               <a:t>microbit</a:t>
             </a:r>
             <a:r>
-              <a:rPr lang="cs-CZ" sz="2800" dirty="0">
-                <a:latin typeface="Courier New" panose="02070309020205020404" pitchFamily="49" charset="0"/>
-                <a:cs typeface="Courier New" panose="02070309020205020404" pitchFamily="49" charset="0"/>
-              </a:rPr>
-              <a:t> import *</a:t>
-            </a:r>
-          </a:p>
-          <a:p>
-            <a:r>
-              <a:rPr lang="cs-CZ" sz="2800" dirty="0" err="1">
-                <a:latin typeface="Courier New" panose="02070309020205020404" pitchFamily="49" charset="0"/>
-                <a:cs typeface="Courier New" panose="02070309020205020404" pitchFamily="49" charset="0"/>
-              </a:rPr>
-              <a:t>compass.calibrate</a:t>
-            </a:r>
-            <a:r>
-              <a:rPr lang="cs-CZ" sz="2800" dirty="0">
-                <a:latin typeface="Courier New" panose="02070309020205020404" pitchFamily="49" charset="0"/>
-                <a:cs typeface="Courier New" panose="02070309020205020404" pitchFamily="49" charset="0"/>
-              </a:rPr>
-              <a:t>()</a:t>
-            </a:r>
-          </a:p>
-          <a:p>
-            <a:r>
-              <a:rPr lang="cs-CZ" sz="2800" dirty="0" err="1">
-                <a:latin typeface="Courier New" panose="02070309020205020404" pitchFamily="49" charset="0"/>
-                <a:cs typeface="Courier New" panose="02070309020205020404" pitchFamily="49" charset="0"/>
+              <a:rPr b="0" lang="cs-CZ" sz="2400" spc="-1" strike="noStrike">
+                <a:solidFill>
+                  <a:srgbClr val="000000"/>
+                </a:solidFill>
+                <a:latin typeface="Courier New"/>
+                <a:ea typeface="DejaVu Sans"/>
+              </a:rPr>
+              <a:t> </a:t>
+            </a:r>
+            <a:r>
+              <a:rPr b="0" lang="cs-CZ" sz="2400" spc="-1" strike="noStrike">
+                <a:solidFill>
+                  <a:srgbClr val="008000"/>
+                </a:solidFill>
+                <a:latin typeface="Courier New"/>
+                <a:ea typeface="DejaVu Sans"/>
+              </a:rPr>
+              <a:t>import</a:t>
+            </a:r>
+            <a:r>
+              <a:rPr b="0" lang="cs-CZ" sz="2400" spc="-1" strike="noStrike">
+                <a:solidFill>
+                  <a:srgbClr val="000000"/>
+                </a:solidFill>
+                <a:latin typeface="Courier New"/>
+                <a:ea typeface="DejaVu Sans"/>
+              </a:rPr>
+              <a:t> </a:t>
+            </a:r>
+            <a:r>
+              <a:rPr b="0" lang="cs-CZ" sz="2400" spc="-1" strike="noStrike">
+                <a:solidFill>
+                  <a:srgbClr val="666666"/>
+                </a:solidFill>
+                <a:latin typeface="Courier New"/>
+                <a:ea typeface="DejaVu Sans"/>
+              </a:rPr>
+              <a:t>*</a:t>
+            </a:r>
+            <a:endParaRPr b="0" lang="cs-CZ" sz="2400" spc="-1" strike="noStrike">
+              <a:latin typeface="Arial"/>
+            </a:endParaRPr>
+          </a:p>
+          <a:p>
+            <a:pPr>
+              <a:lnSpc>
+                <a:spcPct val="100000"/>
+              </a:lnSpc>
+            </a:pPr>
+            <a:r>
+              <a:rPr b="0" lang="cs-CZ" sz="2400" spc="-1" strike="noStrike">
+                <a:solidFill>
+                  <a:srgbClr val="000000"/>
+                </a:solidFill>
+                <a:latin typeface="Courier New"/>
+                <a:ea typeface="DejaVu Sans"/>
+              </a:rPr>
+              <a:t>compass</a:t>
+            </a:r>
+            <a:r>
+              <a:rPr b="0" lang="cs-CZ" sz="2400" spc="-1" strike="noStrike">
+                <a:solidFill>
+                  <a:srgbClr val="666666"/>
+                </a:solidFill>
+                <a:latin typeface="Courier New"/>
+                <a:ea typeface="DejaVu Sans"/>
+              </a:rPr>
+              <a:t>.</a:t>
+            </a:r>
+            <a:r>
+              <a:rPr b="0" lang="cs-CZ" sz="2400" spc="-1" strike="noStrike">
+                <a:solidFill>
+                  <a:srgbClr val="000000"/>
+                </a:solidFill>
+                <a:latin typeface="Courier New"/>
+                <a:ea typeface="DejaVu Sans"/>
+              </a:rPr>
+              <a:t>calibrate()</a:t>
+            </a:r>
+            <a:endParaRPr b="0" lang="cs-CZ" sz="2400" spc="-1" strike="noStrike">
+              <a:latin typeface="Arial"/>
+            </a:endParaRPr>
+          </a:p>
+          <a:p>
+            <a:pPr>
+              <a:lnSpc>
+                <a:spcPct val="100000"/>
+              </a:lnSpc>
+            </a:pPr>
+            <a:r>
+              <a:rPr b="0" lang="cs-CZ" sz="2400" spc="-1" strike="noStrike">
+                <a:solidFill>
+                  <a:srgbClr val="008000"/>
+                </a:solidFill>
+                <a:latin typeface="Courier New"/>
+                <a:ea typeface="DejaVu Sans"/>
               </a:rPr>
               <a:t>while</a:t>
             </a:r>
             <a:r>
-              <a:rPr lang="cs-CZ" sz="2800" dirty="0">
-                <a:latin typeface="Courier New" panose="02070309020205020404" pitchFamily="49" charset="0"/>
-                <a:cs typeface="Courier New" panose="02070309020205020404" pitchFamily="49" charset="0"/>
+              <a:rPr b="0" lang="cs-CZ" sz="2400" spc="-1" strike="noStrike">
+                <a:solidFill>
+                  <a:srgbClr val="000000"/>
+                </a:solidFill>
+                <a:latin typeface="Courier New"/>
+                <a:ea typeface="DejaVu Sans"/>
               </a:rPr>
               <a:t> </a:t>
             </a:r>
             <a:r>
-              <a:rPr lang="cs-CZ" sz="2800" dirty="0" err="1">
-                <a:latin typeface="Courier New" panose="02070309020205020404" pitchFamily="49" charset="0"/>
-                <a:cs typeface="Courier New" panose="02070309020205020404" pitchFamily="49" charset="0"/>
+              <a:rPr b="0" lang="cs-CZ" sz="2400" spc="-1" strike="noStrike">
+                <a:solidFill>
+                  <a:srgbClr val="008000"/>
+                </a:solidFill>
+                <a:latin typeface="Courier New"/>
+                <a:ea typeface="DejaVu Sans"/>
               </a:rPr>
               <a:t>True</a:t>
             </a:r>
             <a:r>
-              <a:rPr lang="cs-CZ" sz="2800" dirty="0">
-                <a:latin typeface="Courier New" panose="02070309020205020404" pitchFamily="49" charset="0"/>
-                <a:cs typeface="Courier New" panose="02070309020205020404" pitchFamily="49" charset="0"/>
+              <a:rPr b="0" lang="cs-CZ" sz="2400" spc="-1" strike="noStrike">
+                <a:solidFill>
+                  <a:srgbClr val="000000"/>
+                </a:solidFill>
+                <a:latin typeface="Courier New"/>
+                <a:ea typeface="DejaVu Sans"/>
               </a:rPr>
               <a:t>:</a:t>
             </a:r>
-          </a:p>
-          <a:p>
-            <a:r>
-              <a:rPr lang="cs-CZ" sz="2800" dirty="0">
-                <a:latin typeface="Courier New" panose="02070309020205020404" pitchFamily="49" charset="0"/>
-                <a:cs typeface="Courier New" panose="02070309020205020404" pitchFamily="49" charset="0"/>
-              </a:rPr>
-              <a:t>    uhel = </a:t>
-            </a:r>
-            <a:r>
-              <a:rPr lang="cs-CZ" sz="2800" dirty="0" err="1">
-                <a:latin typeface="Courier New" panose="02070309020205020404" pitchFamily="49" charset="0"/>
-                <a:cs typeface="Courier New" panose="02070309020205020404" pitchFamily="49" charset="0"/>
-              </a:rPr>
-              <a:t>compass.heading</a:t>
-            </a:r>
-            <a:r>
-              <a:rPr lang="cs-CZ" sz="2800" dirty="0">
-                <a:latin typeface="Courier New" panose="02070309020205020404" pitchFamily="49" charset="0"/>
-                <a:cs typeface="Courier New" panose="02070309020205020404" pitchFamily="49" charset="0"/>
-              </a:rPr>
-              <a:t>()</a:t>
-            </a:r>
-          </a:p>
-          <a:p>
-            <a:r>
-              <a:rPr lang="cs-CZ" sz="2800" dirty="0">
-                <a:latin typeface="Courier New" panose="02070309020205020404" pitchFamily="49" charset="0"/>
-                <a:cs typeface="Courier New" panose="02070309020205020404" pitchFamily="49" charset="0"/>
+            <a:endParaRPr b="0" lang="cs-CZ" sz="2400" spc="-1" strike="noStrike">
+              <a:latin typeface="Arial"/>
+            </a:endParaRPr>
+          </a:p>
+          <a:p>
+            <a:pPr>
+              <a:lnSpc>
+                <a:spcPct val="100000"/>
+              </a:lnSpc>
+            </a:pPr>
+            <a:r>
+              <a:rPr b="0" lang="cs-CZ" sz="2400" spc="-1" strike="noStrike">
+                <a:solidFill>
+                  <a:srgbClr val="000000"/>
+                </a:solidFill>
+                <a:latin typeface="Courier New"/>
+                <a:ea typeface="DejaVu Sans"/>
               </a:rPr>
               <a:t>    </a:t>
             </a:r>
             <a:r>
-              <a:rPr lang="cs-CZ" sz="2800" dirty="0" err="1">
-                <a:latin typeface="Courier New" panose="02070309020205020404" pitchFamily="49" charset="0"/>
-                <a:cs typeface="Courier New" panose="02070309020205020404" pitchFamily="49" charset="0"/>
+              <a:rPr b="0" lang="cs-CZ" sz="2400" spc="-1" strike="noStrike">
+                <a:solidFill>
+                  <a:srgbClr val="000000"/>
+                </a:solidFill>
+                <a:latin typeface="Courier New"/>
+                <a:ea typeface="DejaVu Sans"/>
+              </a:rPr>
+              <a:t>uhel </a:t>
+            </a:r>
+            <a:r>
+              <a:rPr b="0" lang="cs-CZ" sz="2400" spc="-1" strike="noStrike">
+                <a:solidFill>
+                  <a:srgbClr val="666666"/>
+                </a:solidFill>
+                <a:latin typeface="Courier New"/>
+                <a:ea typeface="DejaVu Sans"/>
+              </a:rPr>
+              <a:t>=</a:t>
+            </a:r>
+            <a:r>
+              <a:rPr b="0" lang="cs-CZ" sz="2400" spc="-1" strike="noStrike">
+                <a:solidFill>
+                  <a:srgbClr val="000000"/>
+                </a:solidFill>
+                <a:latin typeface="Courier New"/>
+                <a:ea typeface="DejaVu Sans"/>
+              </a:rPr>
+              <a:t> compass</a:t>
+            </a:r>
+            <a:r>
+              <a:rPr b="0" lang="cs-CZ" sz="2400" spc="-1" strike="noStrike">
+                <a:solidFill>
+                  <a:srgbClr val="666666"/>
+                </a:solidFill>
+                <a:latin typeface="Courier New"/>
+                <a:ea typeface="DejaVu Sans"/>
+              </a:rPr>
+              <a:t>.</a:t>
+            </a:r>
+            <a:r>
+              <a:rPr b="0" lang="cs-CZ" sz="2400" spc="-1" strike="noStrike">
+                <a:solidFill>
+                  <a:srgbClr val="000000"/>
+                </a:solidFill>
+                <a:latin typeface="Courier New"/>
+                <a:ea typeface="DejaVu Sans"/>
+              </a:rPr>
+              <a:t>heading()</a:t>
+            </a:r>
+            <a:endParaRPr b="0" lang="cs-CZ" sz="2400" spc="-1" strike="noStrike">
+              <a:latin typeface="Arial"/>
+            </a:endParaRPr>
+          </a:p>
+          <a:p>
+            <a:pPr>
+              <a:lnSpc>
+                <a:spcPct val="100000"/>
+              </a:lnSpc>
+            </a:pPr>
+            <a:r>
+              <a:rPr b="0" lang="cs-CZ" sz="2400" spc="-1" strike="noStrike">
+                <a:solidFill>
+                  <a:srgbClr val="000000"/>
+                </a:solidFill>
+                <a:latin typeface="Courier New"/>
+                <a:ea typeface="DejaVu Sans"/>
+              </a:rPr>
+              <a:t>    </a:t>
+            </a:r>
+            <a:r>
+              <a:rPr b="0" lang="cs-CZ" sz="2400" spc="-1" strike="noStrike">
+                <a:solidFill>
+                  <a:srgbClr val="008000"/>
+                </a:solidFill>
+                <a:latin typeface="Courier New"/>
+                <a:ea typeface="DejaVu Sans"/>
               </a:rPr>
               <a:t>if</a:t>
             </a:r>
             <a:r>
-              <a:rPr lang="cs-CZ" sz="2800" dirty="0">
-                <a:latin typeface="Courier New" panose="02070309020205020404" pitchFamily="49" charset="0"/>
-                <a:cs typeface="Courier New" panose="02070309020205020404" pitchFamily="49" charset="0"/>
-              </a:rPr>
-              <a:t> (uhel &lt; 46):</a:t>
-            </a:r>
-          </a:p>
-          <a:p>
-            <a:r>
-              <a:rPr lang="cs-CZ" sz="2800" dirty="0">
-                <a:latin typeface="Courier New" panose="02070309020205020404" pitchFamily="49" charset="0"/>
-                <a:cs typeface="Courier New" panose="02070309020205020404" pitchFamily="49" charset="0"/>
+              <a:rPr b="0" lang="cs-CZ" sz="2400" spc="-1" strike="noStrike">
+                <a:solidFill>
+                  <a:srgbClr val="000000"/>
+                </a:solidFill>
+                <a:latin typeface="Courier New"/>
+                <a:ea typeface="DejaVu Sans"/>
+              </a:rPr>
+              <a:t> (uhel </a:t>
+            </a:r>
+            <a:r>
+              <a:rPr b="0" lang="cs-CZ" sz="2400" spc="-1" strike="noStrike">
+                <a:solidFill>
+                  <a:srgbClr val="666666"/>
+                </a:solidFill>
+                <a:latin typeface="Courier New"/>
+                <a:ea typeface="DejaVu Sans"/>
+              </a:rPr>
+              <a:t>&lt;</a:t>
+            </a:r>
+            <a:r>
+              <a:rPr b="0" lang="cs-CZ" sz="2400" spc="-1" strike="noStrike">
+                <a:solidFill>
+                  <a:srgbClr val="000000"/>
+                </a:solidFill>
+                <a:latin typeface="Courier New"/>
+                <a:ea typeface="DejaVu Sans"/>
+              </a:rPr>
+              <a:t> </a:t>
+            </a:r>
+            <a:r>
+              <a:rPr b="0" lang="cs-CZ" sz="2400" spc="-1" strike="noStrike">
+                <a:solidFill>
+                  <a:srgbClr val="666666"/>
+                </a:solidFill>
+                <a:latin typeface="Courier New"/>
+                <a:ea typeface="DejaVu Sans"/>
+              </a:rPr>
+              <a:t>46</a:t>
+            </a:r>
+            <a:r>
+              <a:rPr b="0" lang="cs-CZ" sz="2400" spc="-1" strike="noStrike">
+                <a:solidFill>
+                  <a:srgbClr val="000000"/>
+                </a:solidFill>
+                <a:latin typeface="Courier New"/>
+                <a:ea typeface="DejaVu Sans"/>
+              </a:rPr>
+              <a:t>):</a:t>
+            </a:r>
+            <a:endParaRPr b="0" lang="cs-CZ" sz="2400" spc="-1" strike="noStrike">
+              <a:latin typeface="Arial"/>
+            </a:endParaRPr>
+          </a:p>
+          <a:p>
+            <a:pPr>
+              <a:lnSpc>
+                <a:spcPct val="100000"/>
+              </a:lnSpc>
+            </a:pPr>
+            <a:r>
+              <a:rPr b="0" lang="cs-CZ" sz="2400" spc="-1" strike="noStrike">
+                <a:solidFill>
+                  <a:srgbClr val="000000"/>
+                </a:solidFill>
+                <a:latin typeface="Courier New"/>
+                <a:ea typeface="DejaVu Sans"/>
               </a:rPr>
               <a:t>        </a:t>
             </a:r>
             <a:r>
-              <a:rPr lang="cs-CZ" sz="2800" dirty="0" err="1">
-                <a:latin typeface="Courier New" panose="02070309020205020404" pitchFamily="49" charset="0"/>
-                <a:cs typeface="Courier New" panose="02070309020205020404" pitchFamily="49" charset="0"/>
-              </a:rPr>
-              <a:t>display.show</a:t>
-            </a:r>
-            <a:r>
-              <a:rPr lang="cs-CZ" sz="2800" dirty="0">
-                <a:latin typeface="Courier New" panose="02070309020205020404" pitchFamily="49" charset="0"/>
-                <a:cs typeface="Courier New" panose="02070309020205020404" pitchFamily="49" charset="0"/>
-              </a:rPr>
-              <a:t>("S")</a:t>
-            </a:r>
-          </a:p>
-          <a:p>
-            <a:r>
-              <a:rPr lang="cs-CZ" sz="2800" dirty="0">
-                <a:latin typeface="Courier New" panose="02070309020205020404" pitchFamily="49" charset="0"/>
-                <a:cs typeface="Courier New" panose="02070309020205020404" pitchFamily="49" charset="0"/>
+              <a:rPr b="0" lang="cs-CZ" sz="2400" spc="-1" strike="noStrike">
+                <a:solidFill>
+                  <a:srgbClr val="000000"/>
+                </a:solidFill>
+                <a:latin typeface="Courier New"/>
+                <a:ea typeface="DejaVu Sans"/>
+              </a:rPr>
+              <a:t>display</a:t>
+            </a:r>
+            <a:r>
+              <a:rPr b="0" lang="cs-CZ" sz="2400" spc="-1" strike="noStrike">
+                <a:solidFill>
+                  <a:srgbClr val="666666"/>
+                </a:solidFill>
+                <a:latin typeface="Courier New"/>
+                <a:ea typeface="DejaVu Sans"/>
+              </a:rPr>
+              <a:t>.</a:t>
+            </a:r>
+            <a:r>
+              <a:rPr b="0" lang="cs-CZ" sz="2400" spc="-1" strike="noStrike">
+                <a:solidFill>
+                  <a:srgbClr val="000000"/>
+                </a:solidFill>
+                <a:latin typeface="Courier New"/>
+                <a:ea typeface="DejaVu Sans"/>
+              </a:rPr>
+              <a:t>show(</a:t>
+            </a:r>
+            <a:r>
+              <a:rPr b="0" lang="cs-CZ" sz="2400" spc="-1" strike="noStrike">
+                <a:solidFill>
+                  <a:srgbClr val="ba2121"/>
+                </a:solidFill>
+                <a:latin typeface="Courier New"/>
+                <a:ea typeface="DejaVu Sans"/>
+              </a:rPr>
+              <a:t>"S"</a:t>
+            </a:r>
+            <a:r>
+              <a:rPr b="0" lang="cs-CZ" sz="2400" spc="-1" strike="noStrike">
+                <a:solidFill>
+                  <a:srgbClr val="000000"/>
+                </a:solidFill>
+                <a:latin typeface="Courier New"/>
+                <a:ea typeface="DejaVu Sans"/>
+              </a:rPr>
+              <a:t>)</a:t>
+            </a:r>
+            <a:endParaRPr b="0" lang="cs-CZ" sz="2400" spc="-1" strike="noStrike">
+              <a:latin typeface="Arial"/>
+            </a:endParaRPr>
+          </a:p>
+          <a:p>
+            <a:pPr>
+              <a:lnSpc>
+                <a:spcPct val="100000"/>
+              </a:lnSpc>
+            </a:pPr>
+            <a:r>
+              <a:rPr b="0" lang="cs-CZ" sz="2400" spc="-1" strike="noStrike">
+                <a:solidFill>
+                  <a:srgbClr val="000000"/>
+                </a:solidFill>
+                <a:latin typeface="Courier New"/>
+                <a:ea typeface="DejaVu Sans"/>
               </a:rPr>
               <a:t>    </a:t>
             </a:r>
             <a:r>
-              <a:rPr lang="cs-CZ" sz="2800" dirty="0" err="1">
-                <a:latin typeface="Courier New" panose="02070309020205020404" pitchFamily="49" charset="0"/>
-                <a:cs typeface="Courier New" panose="02070309020205020404" pitchFamily="49" charset="0"/>
+              <a:rPr b="0" lang="cs-CZ" sz="2400" spc="-1" strike="noStrike">
+                <a:solidFill>
+                  <a:srgbClr val="008000"/>
+                </a:solidFill>
+                <a:latin typeface="Courier New"/>
+                <a:ea typeface="DejaVu Sans"/>
               </a:rPr>
               <a:t>elif</a:t>
             </a:r>
             <a:r>
-              <a:rPr lang="cs-CZ" sz="2800" dirty="0">
-                <a:latin typeface="Courier New" panose="02070309020205020404" pitchFamily="49" charset="0"/>
-                <a:cs typeface="Courier New" panose="02070309020205020404" pitchFamily="49" charset="0"/>
-              </a:rPr>
-              <a:t> (uhel &lt; 136):</a:t>
-            </a:r>
-          </a:p>
-          <a:p>
-            <a:r>
-              <a:rPr lang="cs-CZ" sz="2800" dirty="0">
-                <a:latin typeface="Courier New" panose="02070309020205020404" pitchFamily="49" charset="0"/>
-                <a:cs typeface="Courier New" panose="02070309020205020404" pitchFamily="49" charset="0"/>
+              <a:rPr b="0" lang="cs-CZ" sz="2400" spc="-1" strike="noStrike">
+                <a:solidFill>
+                  <a:srgbClr val="000000"/>
+                </a:solidFill>
+                <a:latin typeface="Courier New"/>
+                <a:ea typeface="DejaVu Sans"/>
+              </a:rPr>
+              <a:t> (uhel </a:t>
+            </a:r>
+            <a:r>
+              <a:rPr b="0" lang="cs-CZ" sz="2400" spc="-1" strike="noStrike">
+                <a:solidFill>
+                  <a:srgbClr val="666666"/>
+                </a:solidFill>
+                <a:latin typeface="Courier New"/>
+                <a:ea typeface="DejaVu Sans"/>
+              </a:rPr>
+              <a:t>&lt;</a:t>
+            </a:r>
+            <a:r>
+              <a:rPr b="0" lang="cs-CZ" sz="2400" spc="-1" strike="noStrike">
+                <a:solidFill>
+                  <a:srgbClr val="000000"/>
+                </a:solidFill>
+                <a:latin typeface="Courier New"/>
+                <a:ea typeface="DejaVu Sans"/>
+              </a:rPr>
+              <a:t> </a:t>
+            </a:r>
+            <a:r>
+              <a:rPr b="0" lang="cs-CZ" sz="2400" spc="-1" strike="noStrike">
+                <a:solidFill>
+                  <a:srgbClr val="666666"/>
+                </a:solidFill>
+                <a:latin typeface="Courier New"/>
+                <a:ea typeface="DejaVu Sans"/>
+              </a:rPr>
+              <a:t>136</a:t>
+            </a:r>
+            <a:r>
+              <a:rPr b="0" lang="cs-CZ" sz="2400" spc="-1" strike="noStrike">
+                <a:solidFill>
+                  <a:srgbClr val="000000"/>
+                </a:solidFill>
+                <a:latin typeface="Courier New"/>
+                <a:ea typeface="DejaVu Sans"/>
+              </a:rPr>
+              <a:t>):</a:t>
+            </a:r>
+            <a:endParaRPr b="0" lang="cs-CZ" sz="2400" spc="-1" strike="noStrike">
+              <a:latin typeface="Arial"/>
+            </a:endParaRPr>
+          </a:p>
+          <a:p>
+            <a:pPr>
+              <a:lnSpc>
+                <a:spcPct val="100000"/>
+              </a:lnSpc>
+            </a:pPr>
+            <a:r>
+              <a:rPr b="0" lang="cs-CZ" sz="2400" spc="-1" strike="noStrike">
+                <a:solidFill>
+                  <a:srgbClr val="000000"/>
+                </a:solidFill>
+                <a:latin typeface="Courier New"/>
+                <a:ea typeface="DejaVu Sans"/>
               </a:rPr>
               <a:t>        </a:t>
             </a:r>
             <a:r>
-              <a:rPr lang="cs-CZ" sz="2800" dirty="0" err="1">
-                <a:latin typeface="Courier New" panose="02070309020205020404" pitchFamily="49" charset="0"/>
-                <a:cs typeface="Courier New" panose="02070309020205020404" pitchFamily="49" charset="0"/>
-              </a:rPr>
-              <a:t>display.show</a:t>
-            </a:r>
-            <a:r>
-              <a:rPr lang="cs-CZ" sz="2800" dirty="0">
-                <a:latin typeface="Courier New" panose="02070309020205020404" pitchFamily="49" charset="0"/>
-                <a:cs typeface="Courier New" panose="02070309020205020404" pitchFamily="49" charset="0"/>
-              </a:rPr>
-              <a:t>("V")</a:t>
-            </a:r>
-          </a:p>
-          <a:p>
-            <a:r>
-              <a:rPr lang="cs-CZ" sz="2800" dirty="0">
-                <a:latin typeface="Courier New" panose="02070309020205020404" pitchFamily="49" charset="0"/>
-                <a:cs typeface="Courier New" panose="02070309020205020404" pitchFamily="49" charset="0"/>
+              <a:rPr b="0" lang="cs-CZ" sz="2400" spc="-1" strike="noStrike">
+                <a:solidFill>
+                  <a:srgbClr val="000000"/>
+                </a:solidFill>
+                <a:latin typeface="Courier New"/>
+                <a:ea typeface="DejaVu Sans"/>
+              </a:rPr>
+              <a:t>display</a:t>
+            </a:r>
+            <a:r>
+              <a:rPr b="0" lang="cs-CZ" sz="2400" spc="-1" strike="noStrike">
+                <a:solidFill>
+                  <a:srgbClr val="666666"/>
+                </a:solidFill>
+                <a:latin typeface="Courier New"/>
+                <a:ea typeface="DejaVu Sans"/>
+              </a:rPr>
+              <a:t>.</a:t>
+            </a:r>
+            <a:r>
+              <a:rPr b="0" lang="cs-CZ" sz="2400" spc="-1" strike="noStrike">
+                <a:solidFill>
+                  <a:srgbClr val="000000"/>
+                </a:solidFill>
+                <a:latin typeface="Courier New"/>
+                <a:ea typeface="DejaVu Sans"/>
+              </a:rPr>
+              <a:t>show(</a:t>
+            </a:r>
+            <a:r>
+              <a:rPr b="0" lang="cs-CZ" sz="2400" spc="-1" strike="noStrike">
+                <a:solidFill>
+                  <a:srgbClr val="ba2121"/>
+                </a:solidFill>
+                <a:latin typeface="Courier New"/>
+                <a:ea typeface="DejaVu Sans"/>
+              </a:rPr>
+              <a:t>"V"</a:t>
+            </a:r>
+            <a:r>
+              <a:rPr b="0" lang="cs-CZ" sz="2400" spc="-1" strike="noStrike">
+                <a:solidFill>
+                  <a:srgbClr val="000000"/>
+                </a:solidFill>
+                <a:latin typeface="Courier New"/>
+                <a:ea typeface="DejaVu Sans"/>
+              </a:rPr>
+              <a:t>)</a:t>
+            </a:r>
+            <a:endParaRPr b="0" lang="cs-CZ" sz="2400" spc="-1" strike="noStrike">
+              <a:latin typeface="Arial"/>
+            </a:endParaRPr>
+          </a:p>
+          <a:p>
+            <a:pPr>
+              <a:lnSpc>
+                <a:spcPct val="100000"/>
+              </a:lnSpc>
+            </a:pPr>
+            <a:r>
+              <a:rPr b="0" lang="cs-CZ" sz="2400" spc="-1" strike="noStrike">
+                <a:solidFill>
+                  <a:srgbClr val="000000"/>
+                </a:solidFill>
+                <a:latin typeface="Courier New"/>
+                <a:ea typeface="DejaVu Sans"/>
               </a:rPr>
               <a:t>    </a:t>
             </a:r>
             <a:r>
-              <a:rPr lang="cs-CZ" sz="2800" dirty="0" err="1">
-                <a:latin typeface="Courier New" panose="02070309020205020404" pitchFamily="49" charset="0"/>
-                <a:cs typeface="Courier New" panose="02070309020205020404" pitchFamily="49" charset="0"/>
+              <a:rPr b="0" lang="cs-CZ" sz="2400" spc="-1" strike="noStrike">
+                <a:solidFill>
+                  <a:srgbClr val="008000"/>
+                </a:solidFill>
+                <a:latin typeface="Courier New"/>
+                <a:ea typeface="DejaVu Sans"/>
               </a:rPr>
               <a:t>elif</a:t>
             </a:r>
             <a:r>
-              <a:rPr lang="cs-CZ" sz="2800" dirty="0">
-                <a:latin typeface="Courier New" panose="02070309020205020404" pitchFamily="49" charset="0"/>
-                <a:cs typeface="Courier New" panose="02070309020205020404" pitchFamily="49" charset="0"/>
-              </a:rPr>
-              <a:t> (uhel &lt; 226):</a:t>
-            </a:r>
-          </a:p>
-          <a:p>
-            <a:r>
-              <a:rPr lang="cs-CZ" sz="2800" dirty="0">
-                <a:latin typeface="Courier New" panose="02070309020205020404" pitchFamily="49" charset="0"/>
-                <a:cs typeface="Courier New" panose="02070309020205020404" pitchFamily="49" charset="0"/>
+              <a:rPr b="0" lang="cs-CZ" sz="2400" spc="-1" strike="noStrike">
+                <a:solidFill>
+                  <a:srgbClr val="000000"/>
+                </a:solidFill>
+                <a:latin typeface="Courier New"/>
+                <a:ea typeface="DejaVu Sans"/>
+              </a:rPr>
+              <a:t> (uhel </a:t>
+            </a:r>
+            <a:r>
+              <a:rPr b="0" lang="cs-CZ" sz="2400" spc="-1" strike="noStrike">
+                <a:solidFill>
+                  <a:srgbClr val="666666"/>
+                </a:solidFill>
+                <a:latin typeface="Courier New"/>
+                <a:ea typeface="DejaVu Sans"/>
+              </a:rPr>
+              <a:t>&lt;</a:t>
+            </a:r>
+            <a:r>
+              <a:rPr b="0" lang="cs-CZ" sz="2400" spc="-1" strike="noStrike">
+                <a:solidFill>
+                  <a:srgbClr val="000000"/>
+                </a:solidFill>
+                <a:latin typeface="Courier New"/>
+                <a:ea typeface="DejaVu Sans"/>
+              </a:rPr>
+              <a:t> </a:t>
+            </a:r>
+            <a:r>
+              <a:rPr b="0" lang="cs-CZ" sz="2400" spc="-1" strike="noStrike">
+                <a:solidFill>
+                  <a:srgbClr val="666666"/>
+                </a:solidFill>
+                <a:latin typeface="Courier New"/>
+                <a:ea typeface="DejaVu Sans"/>
+              </a:rPr>
+              <a:t>226</a:t>
+            </a:r>
+            <a:r>
+              <a:rPr b="0" lang="cs-CZ" sz="2400" spc="-1" strike="noStrike">
+                <a:solidFill>
+                  <a:srgbClr val="000000"/>
+                </a:solidFill>
+                <a:latin typeface="Courier New"/>
+                <a:ea typeface="DejaVu Sans"/>
+              </a:rPr>
+              <a:t>):</a:t>
+            </a:r>
+            <a:endParaRPr b="0" lang="cs-CZ" sz="2400" spc="-1" strike="noStrike">
+              <a:latin typeface="Arial"/>
+            </a:endParaRPr>
+          </a:p>
+          <a:p>
+            <a:pPr>
+              <a:lnSpc>
+                <a:spcPct val="100000"/>
+              </a:lnSpc>
+            </a:pPr>
+            <a:r>
+              <a:rPr b="0" lang="cs-CZ" sz="2400" spc="-1" strike="noStrike">
+                <a:solidFill>
+                  <a:srgbClr val="000000"/>
+                </a:solidFill>
+                <a:latin typeface="Courier New"/>
+                <a:ea typeface="DejaVu Sans"/>
               </a:rPr>
               <a:t>        </a:t>
             </a:r>
             <a:r>
-              <a:rPr lang="cs-CZ" sz="2800" dirty="0" err="1">
-                <a:latin typeface="Courier New" panose="02070309020205020404" pitchFamily="49" charset="0"/>
-                <a:cs typeface="Courier New" panose="02070309020205020404" pitchFamily="49" charset="0"/>
-              </a:rPr>
-              <a:t>display.show</a:t>
-            </a:r>
-            <a:r>
-              <a:rPr lang="cs-CZ" sz="2800" dirty="0">
-                <a:latin typeface="Courier New" panose="02070309020205020404" pitchFamily="49" charset="0"/>
-                <a:cs typeface="Courier New" panose="02070309020205020404" pitchFamily="49" charset="0"/>
-              </a:rPr>
-              <a:t>("J")</a:t>
-            </a:r>
-          </a:p>
-          <a:p>
-            <a:r>
-              <a:rPr lang="cs-CZ" sz="2800" dirty="0">
-                <a:latin typeface="Courier New" panose="02070309020205020404" pitchFamily="49" charset="0"/>
-                <a:cs typeface="Courier New" panose="02070309020205020404" pitchFamily="49" charset="0"/>
+              <a:rPr b="0" lang="cs-CZ" sz="2400" spc="-1" strike="noStrike">
+                <a:solidFill>
+                  <a:srgbClr val="000000"/>
+                </a:solidFill>
+                <a:latin typeface="Courier New"/>
+                <a:ea typeface="DejaVu Sans"/>
+              </a:rPr>
+              <a:t>display</a:t>
+            </a:r>
+            <a:r>
+              <a:rPr b="0" lang="cs-CZ" sz="2400" spc="-1" strike="noStrike">
+                <a:solidFill>
+                  <a:srgbClr val="666666"/>
+                </a:solidFill>
+                <a:latin typeface="Courier New"/>
+                <a:ea typeface="DejaVu Sans"/>
+              </a:rPr>
+              <a:t>.</a:t>
+            </a:r>
+            <a:r>
+              <a:rPr b="0" lang="cs-CZ" sz="2400" spc="-1" strike="noStrike">
+                <a:solidFill>
+                  <a:srgbClr val="000000"/>
+                </a:solidFill>
+                <a:latin typeface="Courier New"/>
+                <a:ea typeface="DejaVu Sans"/>
+              </a:rPr>
+              <a:t>show(</a:t>
+            </a:r>
+            <a:r>
+              <a:rPr b="0" lang="cs-CZ" sz="2400" spc="-1" strike="noStrike">
+                <a:solidFill>
+                  <a:srgbClr val="ba2121"/>
+                </a:solidFill>
+                <a:latin typeface="Courier New"/>
+                <a:ea typeface="DejaVu Sans"/>
+              </a:rPr>
+              <a:t>"J"</a:t>
+            </a:r>
+            <a:r>
+              <a:rPr b="0" lang="cs-CZ" sz="2400" spc="-1" strike="noStrike">
+                <a:solidFill>
+                  <a:srgbClr val="000000"/>
+                </a:solidFill>
+                <a:latin typeface="Courier New"/>
+                <a:ea typeface="DejaVu Sans"/>
+              </a:rPr>
+              <a:t>)</a:t>
+            </a:r>
+            <a:endParaRPr b="0" lang="cs-CZ" sz="2400" spc="-1" strike="noStrike">
+              <a:latin typeface="Arial"/>
+            </a:endParaRPr>
+          </a:p>
+          <a:p>
+            <a:pPr>
+              <a:lnSpc>
+                <a:spcPct val="100000"/>
+              </a:lnSpc>
+            </a:pPr>
+            <a:r>
+              <a:rPr b="0" lang="cs-CZ" sz="2400" spc="-1" strike="noStrike">
+                <a:solidFill>
+                  <a:srgbClr val="000000"/>
+                </a:solidFill>
+                <a:latin typeface="Courier New"/>
+                <a:ea typeface="DejaVu Sans"/>
               </a:rPr>
               <a:t>    </a:t>
             </a:r>
             <a:r>
-              <a:rPr lang="cs-CZ" sz="2800" dirty="0" err="1">
-                <a:latin typeface="Courier New" panose="02070309020205020404" pitchFamily="49" charset="0"/>
-                <a:cs typeface="Courier New" panose="02070309020205020404" pitchFamily="49" charset="0"/>
+              <a:rPr b="0" lang="cs-CZ" sz="2400" spc="-1" strike="noStrike">
+                <a:solidFill>
+                  <a:srgbClr val="008000"/>
+                </a:solidFill>
+                <a:latin typeface="Courier New"/>
+                <a:ea typeface="DejaVu Sans"/>
               </a:rPr>
               <a:t>elif</a:t>
             </a:r>
             <a:r>
-              <a:rPr lang="cs-CZ" sz="2800" dirty="0">
-                <a:latin typeface="Courier New" panose="02070309020205020404" pitchFamily="49" charset="0"/>
-                <a:cs typeface="Courier New" panose="02070309020205020404" pitchFamily="49" charset="0"/>
-              </a:rPr>
-              <a:t> (uhel &lt; 316):</a:t>
-            </a:r>
-          </a:p>
-          <a:p>
-            <a:r>
-              <a:rPr lang="cs-CZ" sz="2800" dirty="0">
-                <a:latin typeface="Courier New" panose="02070309020205020404" pitchFamily="49" charset="0"/>
-                <a:cs typeface="Courier New" panose="02070309020205020404" pitchFamily="49" charset="0"/>
+              <a:rPr b="0" lang="cs-CZ" sz="2400" spc="-1" strike="noStrike">
+                <a:solidFill>
+                  <a:srgbClr val="000000"/>
+                </a:solidFill>
+                <a:latin typeface="Courier New"/>
+                <a:ea typeface="DejaVu Sans"/>
+              </a:rPr>
+              <a:t> (uhel </a:t>
+            </a:r>
+            <a:r>
+              <a:rPr b="0" lang="cs-CZ" sz="2400" spc="-1" strike="noStrike">
+                <a:solidFill>
+                  <a:srgbClr val="666666"/>
+                </a:solidFill>
+                <a:latin typeface="Courier New"/>
+                <a:ea typeface="DejaVu Sans"/>
+              </a:rPr>
+              <a:t>&lt;</a:t>
+            </a:r>
+            <a:r>
+              <a:rPr b="0" lang="cs-CZ" sz="2400" spc="-1" strike="noStrike">
+                <a:solidFill>
+                  <a:srgbClr val="000000"/>
+                </a:solidFill>
+                <a:latin typeface="Courier New"/>
+                <a:ea typeface="DejaVu Sans"/>
+              </a:rPr>
+              <a:t> </a:t>
+            </a:r>
+            <a:r>
+              <a:rPr b="0" lang="cs-CZ" sz="2400" spc="-1" strike="noStrike">
+                <a:solidFill>
+                  <a:srgbClr val="666666"/>
+                </a:solidFill>
+                <a:latin typeface="Courier New"/>
+                <a:ea typeface="DejaVu Sans"/>
+              </a:rPr>
+              <a:t>316</a:t>
+            </a:r>
+            <a:r>
+              <a:rPr b="0" lang="cs-CZ" sz="2400" spc="-1" strike="noStrike">
+                <a:solidFill>
+                  <a:srgbClr val="000000"/>
+                </a:solidFill>
+                <a:latin typeface="Courier New"/>
+                <a:ea typeface="DejaVu Sans"/>
+              </a:rPr>
+              <a:t>):</a:t>
+            </a:r>
+            <a:endParaRPr b="0" lang="cs-CZ" sz="2400" spc="-1" strike="noStrike">
+              <a:latin typeface="Arial"/>
+            </a:endParaRPr>
+          </a:p>
+          <a:p>
+            <a:pPr>
+              <a:lnSpc>
+                <a:spcPct val="100000"/>
+              </a:lnSpc>
+            </a:pPr>
+            <a:r>
+              <a:rPr b="0" lang="cs-CZ" sz="2400" spc="-1" strike="noStrike">
+                <a:solidFill>
+                  <a:srgbClr val="000000"/>
+                </a:solidFill>
+                <a:latin typeface="Courier New"/>
+                <a:ea typeface="DejaVu Sans"/>
               </a:rPr>
               <a:t>        </a:t>
             </a:r>
             <a:r>
-              <a:rPr lang="cs-CZ" sz="2800" dirty="0" err="1">
-                <a:latin typeface="Courier New" panose="02070309020205020404" pitchFamily="49" charset="0"/>
-                <a:cs typeface="Courier New" panose="02070309020205020404" pitchFamily="49" charset="0"/>
-              </a:rPr>
-              <a:t>display.show</a:t>
-            </a:r>
-            <a:r>
-              <a:rPr lang="cs-CZ" sz="2800" dirty="0">
-                <a:latin typeface="Courier New" panose="02070309020205020404" pitchFamily="49" charset="0"/>
-                <a:cs typeface="Courier New" panose="02070309020205020404" pitchFamily="49" charset="0"/>
-              </a:rPr>
-              <a:t>("Z")</a:t>
-            </a:r>
-          </a:p>
-          <a:p>
-            <a:r>
-              <a:rPr lang="cs-CZ" sz="2800" dirty="0">
-                <a:latin typeface="Courier New" panose="02070309020205020404" pitchFamily="49" charset="0"/>
-                <a:cs typeface="Courier New" panose="02070309020205020404" pitchFamily="49" charset="0"/>
+              <a:rPr b="0" lang="cs-CZ" sz="2400" spc="-1" strike="noStrike">
+                <a:solidFill>
+                  <a:srgbClr val="000000"/>
+                </a:solidFill>
+                <a:latin typeface="Courier New"/>
+                <a:ea typeface="DejaVu Sans"/>
+              </a:rPr>
+              <a:t>display</a:t>
+            </a:r>
+            <a:r>
+              <a:rPr b="0" lang="cs-CZ" sz="2400" spc="-1" strike="noStrike">
+                <a:solidFill>
+                  <a:srgbClr val="666666"/>
+                </a:solidFill>
+                <a:latin typeface="Courier New"/>
+                <a:ea typeface="DejaVu Sans"/>
+              </a:rPr>
+              <a:t>.</a:t>
+            </a:r>
+            <a:r>
+              <a:rPr b="0" lang="cs-CZ" sz="2400" spc="-1" strike="noStrike">
+                <a:solidFill>
+                  <a:srgbClr val="000000"/>
+                </a:solidFill>
+                <a:latin typeface="Courier New"/>
+                <a:ea typeface="DejaVu Sans"/>
+              </a:rPr>
+              <a:t>show(</a:t>
+            </a:r>
+            <a:r>
+              <a:rPr b="0" lang="cs-CZ" sz="2400" spc="-1" strike="noStrike">
+                <a:solidFill>
+                  <a:srgbClr val="ba2121"/>
+                </a:solidFill>
+                <a:latin typeface="Courier New"/>
+                <a:ea typeface="DejaVu Sans"/>
+              </a:rPr>
+              <a:t>"Z"</a:t>
+            </a:r>
+            <a:r>
+              <a:rPr b="0" lang="cs-CZ" sz="2400" spc="-1" strike="noStrike">
+                <a:solidFill>
+                  <a:srgbClr val="000000"/>
+                </a:solidFill>
+                <a:latin typeface="Courier New"/>
+                <a:ea typeface="DejaVu Sans"/>
+              </a:rPr>
+              <a:t>)</a:t>
+            </a:r>
+            <a:endParaRPr b="0" lang="cs-CZ" sz="2400" spc="-1" strike="noStrike">
+              <a:latin typeface="Arial"/>
+            </a:endParaRPr>
+          </a:p>
+          <a:p>
+            <a:pPr>
+              <a:lnSpc>
+                <a:spcPct val="100000"/>
+              </a:lnSpc>
+            </a:pPr>
+            <a:r>
+              <a:rPr b="0" lang="cs-CZ" sz="2400" spc="-1" strike="noStrike">
+                <a:solidFill>
+                  <a:srgbClr val="000000"/>
+                </a:solidFill>
+                <a:latin typeface="Courier New"/>
+                <a:ea typeface="DejaVu Sans"/>
               </a:rPr>
               <a:t>    </a:t>
             </a:r>
             <a:r>
-              <a:rPr lang="cs-CZ" sz="2800" dirty="0" err="1">
-                <a:latin typeface="Courier New" panose="02070309020205020404" pitchFamily="49" charset="0"/>
-                <a:cs typeface="Courier New" panose="02070309020205020404" pitchFamily="49" charset="0"/>
+              <a:rPr b="0" lang="cs-CZ" sz="2400" spc="-1" strike="noStrike">
+                <a:solidFill>
+                  <a:srgbClr val="008000"/>
+                </a:solidFill>
+                <a:latin typeface="Courier New"/>
+                <a:ea typeface="DejaVu Sans"/>
               </a:rPr>
               <a:t>else</a:t>
             </a:r>
             <a:r>
-              <a:rPr lang="cs-CZ" sz="2800" dirty="0">
-                <a:latin typeface="Courier New" panose="02070309020205020404" pitchFamily="49" charset="0"/>
-                <a:cs typeface="Courier New" panose="02070309020205020404" pitchFamily="49" charset="0"/>
+              <a:rPr b="0" lang="cs-CZ" sz="2400" spc="-1" strike="noStrike">
+                <a:solidFill>
+                  <a:srgbClr val="000000"/>
+                </a:solidFill>
+                <a:latin typeface="Courier New"/>
+                <a:ea typeface="DejaVu Sans"/>
               </a:rPr>
               <a:t>:</a:t>
             </a:r>
-          </a:p>
-          <a:p>
-            <a:r>
-              <a:rPr lang="cs-CZ" sz="2800" dirty="0">
-                <a:latin typeface="Courier New" panose="02070309020205020404" pitchFamily="49" charset="0"/>
-                <a:cs typeface="Courier New" panose="02070309020205020404" pitchFamily="49" charset="0"/>
+            <a:endParaRPr b="0" lang="cs-CZ" sz="2400" spc="-1" strike="noStrike">
+              <a:latin typeface="Arial"/>
+            </a:endParaRPr>
+          </a:p>
+          <a:p>
+            <a:pPr>
+              <a:lnSpc>
+                <a:spcPct val="100000"/>
+              </a:lnSpc>
+            </a:pPr>
+            <a:r>
+              <a:rPr b="0" lang="cs-CZ" sz="2400" spc="-1" strike="noStrike">
+                <a:solidFill>
+                  <a:srgbClr val="000000"/>
+                </a:solidFill>
+                <a:latin typeface="Courier New"/>
+                <a:ea typeface="DejaVu Sans"/>
               </a:rPr>
               <a:t>        </a:t>
             </a:r>
             <a:r>
-              <a:rPr lang="cs-CZ" sz="2800" dirty="0" err="1">
-                <a:latin typeface="Courier New" panose="02070309020205020404" pitchFamily="49" charset="0"/>
-                <a:cs typeface="Courier New" panose="02070309020205020404" pitchFamily="49" charset="0"/>
-              </a:rPr>
-              <a:t>display.show</a:t>
-            </a:r>
-            <a:r>
-              <a:rPr lang="cs-CZ" sz="2800" dirty="0">
-                <a:latin typeface="Courier New" panose="02070309020205020404" pitchFamily="49" charset="0"/>
-                <a:cs typeface="Courier New" panose="02070309020205020404" pitchFamily="49" charset="0"/>
-              </a:rPr>
-              <a:t>("S")</a:t>
-            </a:r>
-          </a:p>
-          <a:p>
-            <a:r>
-              <a:rPr lang="cs-CZ" sz="2800" dirty="0">
-                <a:latin typeface="Courier New" panose="02070309020205020404" pitchFamily="49" charset="0"/>
-                <a:cs typeface="Courier New" panose="02070309020205020404" pitchFamily="49" charset="0"/>
+              <a:rPr b="0" lang="cs-CZ" sz="2400" spc="-1" strike="noStrike">
+                <a:solidFill>
+                  <a:srgbClr val="000000"/>
+                </a:solidFill>
+                <a:latin typeface="Courier New"/>
+                <a:ea typeface="DejaVu Sans"/>
+              </a:rPr>
+              <a:t>display</a:t>
+            </a:r>
+            <a:r>
+              <a:rPr b="0" lang="cs-CZ" sz="2400" spc="-1" strike="noStrike">
+                <a:solidFill>
+                  <a:srgbClr val="666666"/>
+                </a:solidFill>
+                <a:latin typeface="Courier New"/>
+                <a:ea typeface="DejaVu Sans"/>
+              </a:rPr>
+              <a:t>.</a:t>
+            </a:r>
+            <a:r>
+              <a:rPr b="0" lang="cs-CZ" sz="2400" spc="-1" strike="noStrike">
+                <a:solidFill>
+                  <a:srgbClr val="000000"/>
+                </a:solidFill>
+                <a:latin typeface="Courier New"/>
+                <a:ea typeface="DejaVu Sans"/>
+              </a:rPr>
+              <a:t>show(</a:t>
+            </a:r>
+            <a:r>
+              <a:rPr b="0" lang="cs-CZ" sz="2400" spc="-1" strike="noStrike">
+                <a:solidFill>
+                  <a:srgbClr val="ba2121"/>
+                </a:solidFill>
+                <a:latin typeface="Courier New"/>
+                <a:ea typeface="DejaVu Sans"/>
+              </a:rPr>
+              <a:t>"S"</a:t>
+            </a:r>
+            <a:r>
+              <a:rPr b="0" lang="cs-CZ" sz="2400" spc="-1" strike="noStrike">
+                <a:solidFill>
+                  <a:srgbClr val="000000"/>
+                </a:solidFill>
+                <a:latin typeface="Courier New"/>
+                <a:ea typeface="DejaVu Sans"/>
+              </a:rPr>
+              <a:t>)</a:t>
+            </a:r>
+            <a:endParaRPr b="0" lang="cs-CZ" sz="2400" spc="-1" strike="noStrike">
+              <a:latin typeface="Arial"/>
+            </a:endParaRPr>
+          </a:p>
+          <a:p>
+            <a:pPr>
+              <a:lnSpc>
+                <a:spcPct val="100000"/>
+              </a:lnSpc>
+            </a:pPr>
+            <a:r>
+              <a:rPr b="0" lang="cs-CZ" sz="2400" spc="-1" strike="noStrike">
+                <a:solidFill>
+                  <a:srgbClr val="000000"/>
+                </a:solidFill>
+                <a:latin typeface="Courier New"/>
+                <a:ea typeface="DejaVu Sans"/>
               </a:rPr>
               <a:t>    </a:t>
             </a:r>
             <a:r>
-              <a:rPr lang="cs-CZ" sz="2800" dirty="0" err="1">
-                <a:latin typeface="Courier New" panose="02070309020205020404" pitchFamily="49" charset="0"/>
-                <a:cs typeface="Courier New" panose="02070309020205020404" pitchFamily="49" charset="0"/>
-              </a:rPr>
-              <a:t>sleep</a:t>
-            </a:r>
-            <a:r>
-              <a:rPr lang="cs-CZ" sz="2800" dirty="0">
-                <a:latin typeface="Courier New" panose="02070309020205020404" pitchFamily="49" charset="0"/>
-                <a:cs typeface="Courier New" panose="02070309020205020404" pitchFamily="49" charset="0"/>
-              </a:rPr>
-              <a:t>(1000)  </a:t>
-            </a:r>
+              <a:rPr b="0" lang="cs-CZ" sz="2400" spc="-1" strike="noStrike">
+                <a:solidFill>
+                  <a:srgbClr val="000000"/>
+                </a:solidFill>
+                <a:latin typeface="Courier New"/>
+                <a:ea typeface="DejaVu Sans"/>
+              </a:rPr>
+              <a:t>sleep(</a:t>
+            </a:r>
+            <a:r>
+              <a:rPr b="0" lang="cs-CZ" sz="2400" spc="-1" strike="noStrike">
+                <a:solidFill>
+                  <a:srgbClr val="666666"/>
+                </a:solidFill>
+                <a:latin typeface="Courier New"/>
+                <a:ea typeface="DejaVu Sans"/>
+              </a:rPr>
+              <a:t>1000</a:t>
+            </a:r>
+            <a:r>
+              <a:rPr b="0" lang="cs-CZ" sz="2400" spc="-1" strike="noStrike">
+                <a:solidFill>
+                  <a:srgbClr val="000000"/>
+                </a:solidFill>
+                <a:latin typeface="Courier New"/>
+                <a:ea typeface="DejaVu Sans"/>
+              </a:rPr>
+              <a:t>)  </a:t>
+            </a:r>
+            <a:endParaRPr b="0" lang="cs-CZ" sz="2400" spc="-1" strike="noStrike">
+              <a:latin typeface="Arial"/>
+            </a:endParaRPr>
           </a:p>
         </p:txBody>
       </p:sp>
     </p:spTree>
   </p:cSld>
-  <p:clrMapOvr>
-    <a:masterClrMapping/>
-  </p:clrMapOvr>
   <p:timing>
     <p:tnLst>
       <p:par>
-        <p:cTn id="1" dur="indefinite" restart="never" nodeType="tmRoot">
+        <p:cTn id="5" dur="indefinite" restart="never" nodeType="tmRoot">
           <p:childTnLst>
             <p:seq>
-              <p:cTn id="2" dur="indefinite" nodeType="mainSeq"/>
+              <p:cTn id="6" dur="indefinite" nodeType="mainSeq"/>
               <p:prevCondLst>
-                <p:cond evt="onPrev" delay="0">
+                <p:cond delay="0" evt="onPrev">
                   <p:tgtEl>
                     <p:sldTgt/>
                   </p:tgtEl>
                 </p:cond>
               </p:prevCondLst>
               <p:nextCondLst>
-                <p:cond evt="onNext" delay="0">
+                <p:cond delay="0" evt="onNext">
                   <p:tgtEl>
                     <p:sldTgt/>
                   </p:tgtEl>
@@ -4965,7 +7035,7 @@
 </file>
 
 <file path=ppt/slides/slide4.xml><?xml version="1.0" encoding="utf-8"?>
-<p:sld xmlns:a="http://schemas.openxmlformats.org/drawingml/2006/main" xmlns:r="http://schemas.openxmlformats.org/officeDocument/2006/relationships" xmlns:p="http://schemas.openxmlformats.org/presentationml/2006/main">
+<p:sld xmlns:a="http://schemas.openxmlformats.org/drawingml/2006/main" xmlns:p="http://schemas.openxmlformats.org/presentationml/2006/main" xmlns:r="http://schemas.openxmlformats.org/officeDocument/2006/relationships" xmlns:p14="http://schemas.microsoft.com/office/powerpoint/2010/main" xmlns:p15="http://schemas.microsoft.com/office/powerpoint/2012/main" xmlns:mc="http://schemas.openxmlformats.org/markup-compatibility/2006">
   <p:cSld>
     <p:spTree>
       <p:nvGrpSpPr>
@@ -4983,228 +7053,487 @@
       </p:grpSpPr>
       <p:sp>
         <p:nvSpPr>
-          <p:cNvPr id="2" name="Nadpis 1">
-            <a:extLst>
-              <a:ext uri="{FF2B5EF4-FFF2-40B4-BE49-F238E27FC236}">
-                <a16:creationId xmlns:a16="http://schemas.microsoft.com/office/drawing/2014/main" id="{3A8F0E52-705B-1743-BF50-A8512992D65A}"/>
-              </a:ext>
-            </a:extLst>
-          </p:cNvPr>
-          <p:cNvSpPr>
-            <a:spLocks noGrp="1"/>
-          </p:cNvSpPr>
-          <p:nvPr>
-            <p:ph type="title"/>
-          </p:nvPr>
-        </p:nvSpPr>
-        <p:spPr>
-          <a:xfrm>
-            <a:off x="504312" y="136315"/>
-            <a:ext cx="9072000" cy="1261800"/>
-          </a:xfrm>
-        </p:spPr>
-        <p:txBody>
-          <a:bodyPr/>
-          <a:lstStyle/>
-          <a:p>
-            <a:pPr algn="ctr"/>
-            <a:r>
-              <a:rPr lang="cs-CZ" dirty="0"/>
-              <a:t>Práce s hodinovými ručičkami</a:t>
-            </a:r>
-          </a:p>
-        </p:txBody>
-      </p:sp>
-      <p:sp>
-        <p:nvSpPr>
-          <p:cNvPr id="3" name="TextovéPole 2">
-            <a:extLst>
-              <a:ext uri="{FF2B5EF4-FFF2-40B4-BE49-F238E27FC236}">
-                <a16:creationId xmlns:a16="http://schemas.microsoft.com/office/drawing/2014/main" id="{54126C8C-F57E-8D42-B430-7AA1646AE852}"/>
-              </a:ext>
-            </a:extLst>
-          </p:cNvPr>
+          <p:cNvPr id="121" name="TextShape 1"/>
           <p:cNvSpPr txBox="1"/>
           <p:nvPr/>
         </p:nvSpPr>
         <p:spPr>
           <a:xfrm>
-            <a:off x="1" y="1398115"/>
-            <a:ext cx="10266946" cy="3693319"/>
+            <a:off x="504360" y="136440"/>
+            <a:ext cx="9071640" cy="1261440"/>
           </a:xfrm>
           <a:prstGeom prst="rect">
             <a:avLst/>
           </a:prstGeom>
           <a:noFill/>
-        </p:spPr>
-        <p:txBody>
-          <a:bodyPr wrap="square" rtlCol="0">
-            <a:spAutoFit/>
-          </a:bodyPr>
-          <a:lstStyle/>
-          <a:p>
-            <a:r>
-              <a:rPr lang="cs-CZ" sz="3600" dirty="0" err="1">
-                <a:latin typeface="Courier New" panose="02070309020205020404" pitchFamily="49" charset="0"/>
-                <a:cs typeface="Courier New" panose="02070309020205020404" pitchFamily="49" charset="0"/>
+          <a:ln>
+            <a:noFill/>
+          </a:ln>
+        </p:spPr>
+        <p:txBody>
+          <a:bodyPr lIns="0" rIns="0" tIns="0" bIns="0" anchor="ctr"/>
+          <a:p>
+            <a:pPr algn="ctr">
+              <a:lnSpc>
+                <a:spcPct val="90000"/>
+              </a:lnSpc>
+            </a:pPr>
+            <a:r>
+              <a:rPr b="0" lang="cs-CZ" sz="4400" spc="-1" strike="noStrike">
+                <a:solidFill>
+                  <a:srgbClr val="000000"/>
+                </a:solidFill>
+                <a:latin typeface="Arial"/>
+                <a:ea typeface="DejaVu Sans"/>
+              </a:rPr>
+              <a:t>Práce s hodinovými ručičkami</a:t>
+            </a:r>
+            <a:endParaRPr b="0" lang="cs-CZ" sz="4400" spc="-1" strike="noStrike">
+              <a:solidFill>
+                <a:srgbClr val="000000"/>
+              </a:solidFill>
+              <a:latin typeface="Arial"/>
+            </a:endParaRPr>
+          </a:p>
+        </p:txBody>
+      </p:sp>
+      <p:sp>
+        <p:nvSpPr>
+          <p:cNvPr id="122" name="CustomShape 2"/>
+          <p:cNvSpPr/>
+          <p:nvPr/>
+        </p:nvSpPr>
+        <p:spPr>
+          <a:xfrm>
+            <a:off x="432000" y="2304000"/>
+            <a:ext cx="9072000" cy="2496960"/>
+          </a:xfrm>
+          <a:prstGeom prst="rect">
+            <a:avLst/>
+          </a:prstGeom>
+          <a:solidFill>
+            <a:srgbClr val="dddddd"/>
+          </a:solidFill>
+          <a:ln>
+            <a:solidFill>
+              <a:srgbClr val="3465a4"/>
+            </a:solidFill>
+          </a:ln>
+        </p:spPr>
+        <p:style>
+          <a:lnRef idx="0"/>
+          <a:fillRef idx="0"/>
+          <a:effectRef idx="0"/>
+          <a:fontRef idx="minor"/>
+        </p:style>
+        <p:txBody>
+          <a:bodyPr lIns="90000" rIns="90000" tIns="45000" bIns="45000"/>
+          <a:p>
+            <a:pPr>
+              <a:lnSpc>
+                <a:spcPct val="100000"/>
+              </a:lnSpc>
+            </a:pPr>
+            <a:r>
+              <a:rPr b="0" lang="cs-CZ" sz="2800" spc="-1" strike="noStrike">
+                <a:solidFill>
+                  <a:srgbClr val="008000"/>
+                </a:solidFill>
+                <a:latin typeface="Courier New"/>
+                <a:ea typeface="DejaVu Sans"/>
               </a:rPr>
               <a:t>from</a:t>
             </a:r>
             <a:r>
-              <a:rPr lang="cs-CZ" sz="3600" dirty="0">
-                <a:latin typeface="Courier New" panose="02070309020205020404" pitchFamily="49" charset="0"/>
-                <a:cs typeface="Courier New" panose="02070309020205020404" pitchFamily="49" charset="0"/>
+              <a:rPr b="0" lang="cs-CZ" sz="2800" spc="-1" strike="noStrike">
+                <a:solidFill>
+                  <a:srgbClr val="000000"/>
+                </a:solidFill>
+                <a:latin typeface="Courier New"/>
+                <a:ea typeface="DejaVu Sans"/>
               </a:rPr>
               <a:t> </a:t>
             </a:r>
             <a:r>
-              <a:rPr lang="cs-CZ" sz="3600" dirty="0" err="1">
-                <a:latin typeface="Courier New" panose="02070309020205020404" pitchFamily="49" charset="0"/>
-                <a:cs typeface="Courier New" panose="02070309020205020404" pitchFamily="49" charset="0"/>
+              <a:rPr b="0" lang="cs-CZ" sz="2800" spc="-1" strike="noStrike">
+                <a:solidFill>
+                  <a:srgbClr val="0000ff"/>
+                </a:solidFill>
+                <a:latin typeface="Courier New"/>
+                <a:ea typeface="DejaVu Sans"/>
               </a:rPr>
               <a:t>microbit</a:t>
             </a:r>
             <a:r>
-              <a:rPr lang="cs-CZ" sz="3600" dirty="0">
-                <a:latin typeface="Courier New" panose="02070309020205020404" pitchFamily="49" charset="0"/>
-                <a:cs typeface="Courier New" panose="02070309020205020404" pitchFamily="49" charset="0"/>
-              </a:rPr>
-              <a:t> import *</a:t>
-            </a:r>
-          </a:p>
-          <a:p>
-            <a:r>
-              <a:rPr lang="cs-CZ" sz="3600" dirty="0" err="1">
-                <a:latin typeface="Courier New" panose="02070309020205020404" pitchFamily="49" charset="0"/>
-                <a:cs typeface="Courier New" panose="02070309020205020404" pitchFamily="49" charset="0"/>
+              <a:rPr b="0" lang="cs-CZ" sz="2800" spc="-1" strike="noStrike">
+                <a:solidFill>
+                  <a:srgbClr val="000000"/>
+                </a:solidFill>
+                <a:latin typeface="Courier New"/>
+                <a:ea typeface="DejaVu Sans"/>
+              </a:rPr>
+              <a:t> </a:t>
+            </a:r>
+            <a:r>
+              <a:rPr b="0" lang="cs-CZ" sz="2800" spc="-1" strike="noStrike">
+                <a:solidFill>
+                  <a:srgbClr val="008000"/>
+                </a:solidFill>
+                <a:latin typeface="Courier New"/>
+                <a:ea typeface="DejaVu Sans"/>
+              </a:rPr>
+              <a:t>import</a:t>
+            </a:r>
+            <a:r>
+              <a:rPr b="0" lang="cs-CZ" sz="2800" spc="-1" strike="noStrike">
+                <a:solidFill>
+                  <a:srgbClr val="000000"/>
+                </a:solidFill>
+                <a:latin typeface="Courier New"/>
+                <a:ea typeface="DejaVu Sans"/>
+              </a:rPr>
+              <a:t> </a:t>
+            </a:r>
+            <a:r>
+              <a:rPr b="0" lang="cs-CZ" sz="2800" spc="-1" strike="noStrike">
+                <a:solidFill>
+                  <a:srgbClr val="666666"/>
+                </a:solidFill>
+                <a:latin typeface="Courier New"/>
+                <a:ea typeface="DejaVu Sans"/>
+              </a:rPr>
+              <a:t>*</a:t>
+            </a:r>
+            <a:endParaRPr b="0" lang="cs-CZ" sz="2800" spc="-1" strike="noStrike">
+              <a:latin typeface="Arial"/>
+            </a:endParaRPr>
+          </a:p>
+          <a:p>
+            <a:pPr>
+              <a:lnSpc>
+                <a:spcPct val="100000"/>
+              </a:lnSpc>
+            </a:pPr>
+            <a:r>
+              <a:rPr b="0" lang="cs-CZ" sz="2800" spc="-1" strike="noStrike">
+                <a:solidFill>
+                  <a:srgbClr val="008000"/>
+                </a:solidFill>
+                <a:latin typeface="Courier New"/>
+                <a:ea typeface="DejaVu Sans"/>
               </a:rPr>
               <a:t>for</a:t>
             </a:r>
             <a:r>
-              <a:rPr lang="cs-CZ" sz="3600" dirty="0">
-                <a:latin typeface="Courier New" panose="02070309020205020404" pitchFamily="49" charset="0"/>
-                <a:cs typeface="Courier New" panose="02070309020205020404" pitchFamily="49" charset="0"/>
-              </a:rPr>
-              <a:t> uhel in </a:t>
-            </a:r>
-            <a:r>
-              <a:rPr lang="cs-CZ" sz="3600" dirty="0" err="1">
-                <a:latin typeface="Courier New" panose="02070309020205020404" pitchFamily="49" charset="0"/>
-                <a:cs typeface="Courier New" panose="02070309020205020404" pitchFamily="49" charset="0"/>
+              <a:rPr b="0" lang="cs-CZ" sz="2800" spc="-1" strike="noStrike">
+                <a:solidFill>
+                  <a:srgbClr val="000000"/>
+                </a:solidFill>
+                <a:latin typeface="Courier New"/>
+                <a:ea typeface="DejaVu Sans"/>
+              </a:rPr>
+              <a:t> uhel </a:t>
+            </a:r>
+            <a:r>
+              <a:rPr b="0" lang="cs-CZ" sz="2800" spc="-1" strike="noStrike">
+                <a:solidFill>
+                  <a:srgbClr val="aa22ff"/>
+                </a:solidFill>
+                <a:latin typeface="Courier New"/>
+                <a:ea typeface="DejaVu Sans"/>
+              </a:rPr>
+              <a:t>in</a:t>
+            </a:r>
+            <a:r>
+              <a:rPr b="0" lang="cs-CZ" sz="2800" spc="-1" strike="noStrike">
+                <a:solidFill>
+                  <a:srgbClr val="000000"/>
+                </a:solidFill>
+                <a:latin typeface="Courier New"/>
+                <a:ea typeface="DejaVu Sans"/>
+              </a:rPr>
+              <a:t> </a:t>
+            </a:r>
+            <a:r>
+              <a:rPr b="0" lang="cs-CZ" sz="2800" spc="-1" strike="noStrike">
+                <a:solidFill>
+                  <a:srgbClr val="008000"/>
+                </a:solidFill>
+                <a:latin typeface="Courier New"/>
+                <a:ea typeface="DejaVu Sans"/>
               </a:rPr>
               <a:t>range</a:t>
             </a:r>
             <a:r>
-              <a:rPr lang="cs-CZ" sz="3600" dirty="0">
-                <a:latin typeface="Courier New" panose="02070309020205020404" pitchFamily="49" charset="0"/>
-                <a:cs typeface="Courier New" panose="02070309020205020404" pitchFamily="49" charset="0"/>
-              </a:rPr>
-              <a:t>(0, 12):</a:t>
-            </a:r>
-          </a:p>
-          <a:p>
-            <a:r>
-              <a:rPr lang="cs-CZ" sz="3600" dirty="0">
-                <a:latin typeface="Courier New" panose="02070309020205020404" pitchFamily="49" charset="0"/>
-                <a:cs typeface="Courier New" panose="02070309020205020404" pitchFamily="49" charset="0"/>
+              <a:rPr b="0" lang="cs-CZ" sz="2800" spc="-1" strike="noStrike">
+                <a:solidFill>
+                  <a:srgbClr val="000000"/>
+                </a:solidFill>
+                <a:latin typeface="Courier New"/>
+                <a:ea typeface="DejaVu Sans"/>
+              </a:rPr>
+              <a:t>(</a:t>
+            </a:r>
+            <a:r>
+              <a:rPr b="0" lang="cs-CZ" sz="2800" spc="-1" strike="noStrike">
+                <a:solidFill>
+                  <a:srgbClr val="666666"/>
+                </a:solidFill>
+                <a:latin typeface="Courier New"/>
+                <a:ea typeface="DejaVu Sans"/>
+              </a:rPr>
+              <a:t>0</a:t>
+            </a:r>
+            <a:r>
+              <a:rPr b="0" lang="cs-CZ" sz="2800" spc="-1" strike="noStrike">
+                <a:solidFill>
+                  <a:srgbClr val="000000"/>
+                </a:solidFill>
+                <a:latin typeface="Courier New"/>
+                <a:ea typeface="DejaVu Sans"/>
+              </a:rPr>
+              <a:t>, </a:t>
+            </a:r>
+            <a:r>
+              <a:rPr b="0" lang="cs-CZ" sz="2800" spc="-1" strike="noStrike">
+                <a:solidFill>
+                  <a:srgbClr val="666666"/>
+                </a:solidFill>
+                <a:latin typeface="Courier New"/>
+                <a:ea typeface="DejaVu Sans"/>
+              </a:rPr>
+              <a:t>12</a:t>
+            </a:r>
+            <a:r>
+              <a:rPr b="0" lang="cs-CZ" sz="2800" spc="-1" strike="noStrike">
+                <a:solidFill>
+                  <a:srgbClr val="000000"/>
+                </a:solidFill>
+                <a:latin typeface="Courier New"/>
+                <a:ea typeface="DejaVu Sans"/>
+              </a:rPr>
+              <a:t>):</a:t>
+            </a:r>
+            <a:endParaRPr b="0" lang="cs-CZ" sz="2800" spc="-1" strike="noStrike">
+              <a:latin typeface="Arial"/>
+            </a:endParaRPr>
+          </a:p>
+          <a:p>
+            <a:pPr>
+              <a:lnSpc>
+                <a:spcPct val="100000"/>
+              </a:lnSpc>
+            </a:pPr>
+            <a:r>
+              <a:rPr b="0" lang="cs-CZ" sz="2800" spc="-1" strike="noStrike">
+                <a:solidFill>
+                  <a:srgbClr val="000000"/>
+                </a:solidFill>
+                <a:latin typeface="Courier New"/>
+                <a:ea typeface="DejaVu Sans"/>
               </a:rPr>
               <a:t>    </a:t>
             </a:r>
             <a:r>
-              <a:rPr lang="cs-CZ" sz="3600" dirty="0" err="1">
-                <a:latin typeface="Courier New" panose="02070309020205020404" pitchFamily="49" charset="0"/>
-                <a:cs typeface="Courier New" panose="02070309020205020404" pitchFamily="49" charset="0"/>
-              </a:rPr>
-              <a:t>display.show</a:t>
-            </a:r>
-            <a:r>
-              <a:rPr lang="cs-CZ" sz="3600" dirty="0">
-                <a:latin typeface="Courier New" panose="02070309020205020404" pitchFamily="49" charset="0"/>
-                <a:cs typeface="Courier New" panose="02070309020205020404" pitchFamily="49" charset="0"/>
-              </a:rPr>
-              <a:t>(</a:t>
-            </a:r>
-            <a:r>
-              <a:rPr lang="cs-CZ" sz="3600" dirty="0" err="1">
-                <a:latin typeface="Courier New" panose="02070309020205020404" pitchFamily="49" charset="0"/>
-                <a:cs typeface="Courier New" panose="02070309020205020404" pitchFamily="49" charset="0"/>
-              </a:rPr>
-              <a:t>Image.ALL_CLOCKS</a:t>
-            </a:r>
-            <a:r>
-              <a:rPr lang="cs-CZ" sz="3600" dirty="0">
-                <a:latin typeface="Courier New" panose="02070309020205020404" pitchFamily="49" charset="0"/>
-                <a:cs typeface="Courier New" panose="02070309020205020404" pitchFamily="49" charset="0"/>
-              </a:rPr>
-              <a:t>[uhel])</a:t>
-            </a:r>
-          </a:p>
-          <a:p>
-            <a:r>
-              <a:rPr lang="cs-CZ" sz="3600" dirty="0">
-                <a:latin typeface="Courier New" panose="02070309020205020404" pitchFamily="49" charset="0"/>
-                <a:cs typeface="Courier New" panose="02070309020205020404" pitchFamily="49" charset="0"/>
+              <a:rPr b="0" lang="cs-CZ" sz="2800" spc="-1" strike="noStrike">
+                <a:solidFill>
+                  <a:srgbClr val="000000"/>
+                </a:solidFill>
+                <a:latin typeface="Courier New"/>
+                <a:ea typeface="DejaVu Sans"/>
+              </a:rPr>
+              <a:t>display</a:t>
+            </a:r>
+            <a:r>
+              <a:rPr b="0" lang="cs-CZ" sz="2800" spc="-1" strike="noStrike">
+                <a:solidFill>
+                  <a:srgbClr val="666666"/>
+                </a:solidFill>
+                <a:latin typeface="Courier New"/>
+                <a:ea typeface="DejaVu Sans"/>
+              </a:rPr>
+              <a:t>.</a:t>
+            </a:r>
+            <a:r>
+              <a:rPr b="0" lang="cs-CZ" sz="2800" spc="-1" strike="noStrike">
+                <a:solidFill>
+                  <a:srgbClr val="000000"/>
+                </a:solidFill>
+                <a:latin typeface="Courier New"/>
+                <a:ea typeface="DejaVu Sans"/>
+              </a:rPr>
+              <a:t>show(Image</a:t>
+            </a:r>
+            <a:r>
+              <a:rPr b="0" lang="cs-CZ" sz="2800" spc="-1" strike="noStrike">
+                <a:solidFill>
+                  <a:srgbClr val="666666"/>
+                </a:solidFill>
+                <a:latin typeface="Courier New"/>
+                <a:ea typeface="DejaVu Sans"/>
+              </a:rPr>
+              <a:t>.</a:t>
+            </a:r>
+            <a:r>
+              <a:rPr b="0" lang="cs-CZ" sz="2800" spc="-1" strike="noStrike">
+                <a:solidFill>
+                  <a:srgbClr val="000000"/>
+                </a:solidFill>
+                <a:latin typeface="Courier New"/>
+                <a:ea typeface="DejaVu Sans"/>
+              </a:rPr>
+              <a:t>ALL_CLOCKS[uhel])</a:t>
+            </a:r>
+            <a:endParaRPr b="0" lang="cs-CZ" sz="2800" spc="-1" strike="noStrike">
+              <a:latin typeface="Arial"/>
+            </a:endParaRPr>
+          </a:p>
+          <a:p>
+            <a:pPr>
+              <a:lnSpc>
+                <a:spcPct val="100000"/>
+              </a:lnSpc>
+            </a:pPr>
+            <a:r>
+              <a:rPr b="0" lang="cs-CZ" sz="2800" spc="-1" strike="noStrike">
+                <a:solidFill>
+                  <a:srgbClr val="000000"/>
+                </a:solidFill>
+                <a:latin typeface="Courier New"/>
+                <a:ea typeface="DejaVu Sans"/>
               </a:rPr>
               <a:t>    </a:t>
             </a:r>
             <a:r>
-              <a:rPr lang="cs-CZ" sz="3600" dirty="0" err="1">
-                <a:latin typeface="Courier New" panose="02070309020205020404" pitchFamily="49" charset="0"/>
-                <a:cs typeface="Courier New" panose="02070309020205020404" pitchFamily="49" charset="0"/>
-              </a:rPr>
-              <a:t>sleep</a:t>
-            </a:r>
-            <a:r>
-              <a:rPr lang="cs-CZ" sz="3600" dirty="0">
-                <a:latin typeface="Courier New" panose="02070309020205020404" pitchFamily="49" charset="0"/>
-                <a:cs typeface="Courier New" panose="02070309020205020404" pitchFamily="49" charset="0"/>
-              </a:rPr>
-              <a:t>(1000)</a:t>
-            </a:r>
-          </a:p>
-          <a:p>
-            <a:r>
-              <a:rPr lang="cs-CZ" sz="3600" dirty="0">
-                <a:latin typeface="Courier New" panose="02070309020205020404" pitchFamily="49" charset="0"/>
-                <a:cs typeface="Courier New" panose="02070309020205020404" pitchFamily="49" charset="0"/>
+              <a:rPr b="0" lang="cs-CZ" sz="2800" spc="-1" strike="noStrike">
+                <a:solidFill>
+                  <a:srgbClr val="000000"/>
+                </a:solidFill>
+                <a:latin typeface="Courier New"/>
+                <a:ea typeface="DejaVu Sans"/>
+              </a:rPr>
+              <a:t>sleep(</a:t>
+            </a:r>
+            <a:r>
+              <a:rPr b="0" lang="cs-CZ" sz="2800" spc="-1" strike="noStrike">
+                <a:solidFill>
+                  <a:srgbClr val="666666"/>
+                </a:solidFill>
+                <a:latin typeface="Courier New"/>
+                <a:ea typeface="DejaVu Sans"/>
+              </a:rPr>
+              <a:t>1000</a:t>
+            </a:r>
+            <a:r>
+              <a:rPr b="0" lang="cs-CZ" sz="2800" spc="-1" strike="noStrike">
+                <a:solidFill>
+                  <a:srgbClr val="000000"/>
+                </a:solidFill>
+                <a:latin typeface="Courier New"/>
+                <a:ea typeface="DejaVu Sans"/>
+              </a:rPr>
+              <a:t>)</a:t>
+            </a:r>
+            <a:endParaRPr b="0" lang="cs-CZ" sz="2800" spc="-1" strike="noStrike">
+              <a:latin typeface="Arial"/>
+            </a:endParaRPr>
+          </a:p>
+          <a:p>
+            <a:pPr>
+              <a:lnSpc>
+                <a:spcPct val="100000"/>
+              </a:lnSpc>
+            </a:pPr>
+            <a:r>
+              <a:rPr b="0" lang="cs-CZ" sz="2800" spc="-1" strike="noStrike">
+                <a:solidFill>
+                  <a:srgbClr val="000000"/>
+                </a:solidFill>
+                <a:latin typeface="Courier New"/>
+                <a:ea typeface="DejaVu Sans"/>
               </a:rPr>
               <a:t>    </a:t>
             </a:r>
             <a:r>
-              <a:rPr lang="cs-CZ" sz="3600" dirty="0" err="1">
-                <a:latin typeface="Courier New" panose="02070309020205020404" pitchFamily="49" charset="0"/>
-                <a:cs typeface="Courier New" panose="02070309020205020404" pitchFamily="49" charset="0"/>
-              </a:rPr>
-              <a:t>display.clear</a:t>
-            </a:r>
-            <a:r>
-              <a:rPr lang="cs-CZ" sz="3600" dirty="0">
-                <a:latin typeface="Courier New" panose="02070309020205020404" pitchFamily="49" charset="0"/>
-                <a:cs typeface="Courier New" panose="02070309020205020404" pitchFamily="49" charset="0"/>
-              </a:rPr>
-              <a:t>()</a:t>
-            </a:r>
-          </a:p>
-          <a:p>
-            <a:endParaRPr lang="cs-CZ" dirty="0"/>
+              <a:rPr b="0" lang="cs-CZ" sz="2800" spc="-1" strike="noStrike">
+                <a:solidFill>
+                  <a:srgbClr val="000000"/>
+                </a:solidFill>
+                <a:latin typeface="Courier New"/>
+                <a:ea typeface="DejaVu Sans"/>
+              </a:rPr>
+              <a:t>display</a:t>
+            </a:r>
+            <a:r>
+              <a:rPr b="0" lang="cs-CZ" sz="2800" spc="-1" strike="noStrike">
+                <a:solidFill>
+                  <a:srgbClr val="666666"/>
+                </a:solidFill>
+                <a:latin typeface="Courier New"/>
+                <a:ea typeface="DejaVu Sans"/>
+              </a:rPr>
+              <a:t>.</a:t>
+            </a:r>
+            <a:r>
+              <a:rPr b="0" lang="cs-CZ" sz="2800" spc="-1" strike="noStrike">
+                <a:solidFill>
+                  <a:srgbClr val="000000"/>
+                </a:solidFill>
+                <a:latin typeface="Courier New"/>
+                <a:ea typeface="DejaVu Sans"/>
+              </a:rPr>
+              <a:t>clear()</a:t>
+            </a:r>
+            <a:endParaRPr b="0" lang="cs-CZ" sz="2800" spc="-1" strike="noStrike">
+              <a:latin typeface="Arial"/>
+            </a:endParaRPr>
+          </a:p>
+          <a:p>
+            <a:pPr>
+              <a:lnSpc>
+                <a:spcPct val="100000"/>
+              </a:lnSpc>
+            </a:pPr>
+            <a:endParaRPr b="0" lang="cs-CZ" sz="2800" spc="-1" strike="noStrike">
+              <a:latin typeface="Arial"/>
+            </a:endParaRPr>
           </a:p>
         </p:txBody>
       </p:sp>
     </p:spTree>
-    <p:extLst>
-      <p:ext uri="{BB962C8B-B14F-4D97-AF65-F5344CB8AC3E}">
-        <p14:creationId xmlns:p14="http://schemas.microsoft.com/office/powerpoint/2010/main" val="3666522146"/>
-      </p:ext>
-    </p:extLst>
   </p:cSld>
-  <p:clrMapOvr>
-    <a:masterClrMapping/>
-  </p:clrMapOvr>
+  <p:timing>
+    <p:tnLst>
+      <p:par>
+        <p:cTn id="7" dur="indefinite" restart="never" nodeType="tmRoot">
+          <p:childTnLst>
+            <p:seq>
+              <p:cTn id="8" dur="indefinite" nodeType="mainSeq"/>
+              <p:prevCondLst>
+                <p:cond delay="0" evt="onPrev">
+                  <p:tgtEl>
+                    <p:sldTgt/>
+                  </p:tgtEl>
+                </p:cond>
+              </p:prevCondLst>
+              <p:nextCondLst>
+                <p:cond delay="0" evt="onNext">
+                  <p:tgtEl>
+                    <p:sldTgt/>
+                  </p:tgtEl>
+                </p:cond>
+              </p:nextCondLst>
+            </p:seq>
+          </p:childTnLst>
+        </p:cTn>
+      </p:par>
+    </p:tnLst>
+  </p:timing>
 </p:sld>
 </file>
 
 <file path=ppt/slides/slide5.xml><?xml version="1.0" encoding="utf-8"?>
-<p:sld xmlns:a="http://schemas.openxmlformats.org/drawingml/2006/main" xmlns:r="http://schemas.openxmlformats.org/officeDocument/2006/relationships" xmlns:p="http://schemas.openxmlformats.org/presentationml/2006/main">
+<p:sld xmlns:a="http://schemas.openxmlformats.org/drawingml/2006/main" xmlns:p="http://schemas.openxmlformats.org/presentationml/2006/main" xmlns:r="http://schemas.openxmlformats.org/officeDocument/2006/relationships" xmlns:p14="http://schemas.microsoft.com/office/powerpoint/2010/main" xmlns:p15="http://schemas.microsoft.com/office/powerpoint/2012/main" xmlns:mc="http://schemas.openxmlformats.org/markup-compatibility/2006">
   <p:cSld>
     <p:spTree>
       <p:nvGrpSpPr>
@@ -5222,14 +7551,14 @@
       </p:grpSpPr>
       <p:sp>
         <p:nvSpPr>
-          <p:cNvPr id="122" name="CustomShape 1"/>
+          <p:cNvPr id="123" name="CustomShape 1"/>
           <p:cNvSpPr/>
           <p:nvPr/>
         </p:nvSpPr>
         <p:spPr>
           <a:xfrm>
             <a:off x="576000" y="72000"/>
-            <a:ext cx="9069120" cy="861480"/>
+            <a:ext cx="9068760" cy="861120"/>
           </a:xfrm>
           <a:prstGeom prst="rect">
             <a:avLst/>
@@ -5240,20 +7569,13 @@
           </a:ln>
         </p:spPr>
         <p:style>
-          <a:lnRef idx="0">
-            <a:scrgbClr r="0" g="0" b="0"/>
-          </a:lnRef>
-          <a:fillRef idx="0">
-            <a:scrgbClr r="0" g="0" b="0"/>
-          </a:fillRef>
-          <a:effectRef idx="0">
-            <a:scrgbClr r="0" g="0" b="0"/>
-          </a:effectRef>
+          <a:lnRef idx="0"/>
+          <a:fillRef idx="0"/>
+          <a:effectRef idx="0"/>
           <a:fontRef idx="minor"/>
         </p:style>
         <p:txBody>
-          <a:bodyPr lIns="0" tIns="0" rIns="0" bIns="0" anchor="ctr"/>
-          <a:lstStyle/>
+          <a:bodyPr lIns="0" rIns="0" tIns="0" bIns="0" anchor="ctr"/>
           <a:p>
             <a:pPr algn="ctr">
               <a:lnSpc>
@@ -5261,214 +7583,452 @@
               </a:lnSpc>
             </a:pPr>
             <a:r>
-              <a:rPr lang="cs-CZ" sz="4400" spc="-1" dirty="0">
+              <a:rPr b="0" lang="cs-CZ" sz="4400" spc="-1" strike="noStrike">
                 <a:solidFill>
                   <a:srgbClr val="000000"/>
                 </a:solidFill>
                 <a:latin typeface="Arial"/>
+                <a:ea typeface="DejaVu Sans"/>
               </a:rPr>
               <a:t>Směr sever</a:t>
             </a:r>
-            <a:endParaRPr lang="cs-CZ" sz="4400" b="0" strike="noStrike" spc="-1" dirty="0">
-              <a:latin typeface="Arial"/>
-            </a:endParaRPr>
-          </a:p>
-        </p:txBody>
-      </p:sp>
-      <p:sp>
-        <p:nvSpPr>
-          <p:cNvPr id="2" name="TextovéPole 1">
-            <a:extLst>
-              <a:ext uri="{FF2B5EF4-FFF2-40B4-BE49-F238E27FC236}">
-                <a16:creationId xmlns:a16="http://schemas.microsoft.com/office/drawing/2014/main" id="{697B665B-7853-B145-A2D1-5AD0E9977094}"/>
-              </a:ext>
-            </a:extLst>
-          </p:cNvPr>
-          <p:cNvSpPr txBox="1"/>
+            <a:endParaRPr b="0" lang="cs-CZ" sz="4400" spc="-1" strike="noStrike">
+              <a:latin typeface="Arial"/>
+            </a:endParaRPr>
+          </a:p>
+        </p:txBody>
+      </p:sp>
+      <p:sp>
+        <p:nvSpPr>
+          <p:cNvPr id="124" name="CustomShape 2"/>
+          <p:cNvSpPr/>
           <p:nvPr/>
         </p:nvSpPr>
         <p:spPr>
           <a:xfrm>
-            <a:off x="576000" y="1796717"/>
-            <a:ext cx="9645120" cy="2523768"/>
-          </a:xfrm>
-          <a:prstGeom prst="rect">
-            <a:avLst/>
-          </a:prstGeom>
-          <a:noFill/>
-        </p:spPr>
-        <p:txBody>
-          <a:bodyPr wrap="square" rtlCol="0">
-            <a:spAutoFit/>
-          </a:bodyPr>
-          <a:lstStyle/>
-          <a:p>
-            <a:r>
-              <a:rPr lang="cs-CZ" sz="2800" dirty="0" err="1">
-                <a:latin typeface="Courier New" panose="02070309020205020404" pitchFamily="49" charset="0"/>
-                <a:cs typeface="Courier New" panose="02070309020205020404" pitchFamily="49" charset="0"/>
+            <a:off x="576000" y="1796760"/>
+            <a:ext cx="9000000" cy="2497680"/>
+          </a:xfrm>
+          <a:prstGeom prst="rect">
+            <a:avLst/>
+          </a:prstGeom>
+          <a:solidFill>
+            <a:srgbClr val="dddddd"/>
+          </a:solidFill>
+          <a:ln>
+            <a:solidFill>
+              <a:srgbClr val="3465a4"/>
+            </a:solidFill>
+          </a:ln>
+        </p:spPr>
+        <p:style>
+          <a:lnRef idx="0"/>
+          <a:fillRef idx="0"/>
+          <a:effectRef idx="0"/>
+          <a:fontRef idx="minor"/>
+        </p:style>
+        <p:txBody>
+          <a:bodyPr lIns="90000" rIns="90000" tIns="45000" bIns="45000"/>
+          <a:p>
+            <a:pPr>
+              <a:lnSpc>
+                <a:spcPct val="100000"/>
+              </a:lnSpc>
+            </a:pPr>
+            <a:r>
+              <a:rPr b="0" lang="cs-CZ" sz="2800" spc="-1" strike="noStrike">
+                <a:solidFill>
+                  <a:srgbClr val="008000"/>
+                </a:solidFill>
+                <a:latin typeface="Courier New"/>
+                <a:ea typeface="DejaVu Sans"/>
               </a:rPr>
               <a:t>from</a:t>
             </a:r>
             <a:r>
-              <a:rPr lang="cs-CZ" sz="2800" dirty="0">
-                <a:latin typeface="Courier New" panose="02070309020205020404" pitchFamily="49" charset="0"/>
-                <a:cs typeface="Courier New" panose="02070309020205020404" pitchFamily="49" charset="0"/>
+              <a:rPr b="0" lang="cs-CZ" sz="2800" spc="-1" strike="noStrike">
+                <a:solidFill>
+                  <a:srgbClr val="000000"/>
+                </a:solidFill>
+                <a:latin typeface="Courier New"/>
+                <a:ea typeface="DejaVu Sans"/>
               </a:rPr>
               <a:t> </a:t>
             </a:r>
             <a:r>
-              <a:rPr lang="cs-CZ" sz="2800" dirty="0" err="1">
-                <a:latin typeface="Courier New" panose="02070309020205020404" pitchFamily="49" charset="0"/>
-                <a:cs typeface="Courier New" panose="02070309020205020404" pitchFamily="49" charset="0"/>
+              <a:rPr b="0" lang="cs-CZ" sz="2800" spc="-1" strike="noStrike">
+                <a:solidFill>
+                  <a:srgbClr val="0000ff"/>
+                </a:solidFill>
+                <a:latin typeface="Courier New"/>
+                <a:ea typeface="DejaVu Sans"/>
               </a:rPr>
               <a:t>microbit</a:t>
             </a:r>
             <a:r>
-              <a:rPr lang="cs-CZ" sz="2800" dirty="0">
-                <a:latin typeface="Courier New" panose="02070309020205020404" pitchFamily="49" charset="0"/>
-                <a:cs typeface="Courier New" panose="02070309020205020404" pitchFamily="49" charset="0"/>
-              </a:rPr>
-              <a:t> import *</a:t>
-            </a:r>
-          </a:p>
-          <a:p>
-            <a:r>
-              <a:rPr lang="cs-CZ" sz="2800" dirty="0" err="1">
-                <a:latin typeface="Courier New" panose="02070309020205020404" pitchFamily="49" charset="0"/>
-                <a:cs typeface="Courier New" panose="02070309020205020404" pitchFamily="49" charset="0"/>
-              </a:rPr>
-              <a:t>compass.calibrate</a:t>
-            </a:r>
-            <a:r>
-              <a:rPr lang="cs-CZ" sz="2800" dirty="0">
-                <a:latin typeface="Courier New" panose="02070309020205020404" pitchFamily="49" charset="0"/>
-                <a:cs typeface="Courier New" panose="02070309020205020404" pitchFamily="49" charset="0"/>
-              </a:rPr>
-              <a:t>()</a:t>
-            </a:r>
-          </a:p>
-          <a:p>
-            <a:r>
-              <a:rPr lang="cs-CZ" sz="2800" dirty="0" err="1">
-                <a:latin typeface="Courier New" panose="02070309020205020404" pitchFamily="49" charset="0"/>
-                <a:cs typeface="Courier New" panose="02070309020205020404" pitchFamily="49" charset="0"/>
+              <a:rPr b="0" lang="cs-CZ" sz="2800" spc="-1" strike="noStrike">
+                <a:solidFill>
+                  <a:srgbClr val="000000"/>
+                </a:solidFill>
+                <a:latin typeface="Courier New"/>
+                <a:ea typeface="DejaVu Sans"/>
+              </a:rPr>
+              <a:t> </a:t>
+            </a:r>
+            <a:r>
+              <a:rPr b="0" lang="cs-CZ" sz="2800" spc="-1" strike="noStrike">
+                <a:solidFill>
+                  <a:srgbClr val="008000"/>
+                </a:solidFill>
+                <a:latin typeface="Courier New"/>
+                <a:ea typeface="DejaVu Sans"/>
+              </a:rPr>
+              <a:t>import</a:t>
+            </a:r>
+            <a:r>
+              <a:rPr b="0" lang="cs-CZ" sz="2800" spc="-1" strike="noStrike">
+                <a:solidFill>
+                  <a:srgbClr val="000000"/>
+                </a:solidFill>
+                <a:latin typeface="Courier New"/>
+                <a:ea typeface="DejaVu Sans"/>
+              </a:rPr>
+              <a:t> </a:t>
+            </a:r>
+            <a:r>
+              <a:rPr b="0" lang="cs-CZ" sz="2800" spc="-1" strike="noStrike">
+                <a:solidFill>
+                  <a:srgbClr val="666666"/>
+                </a:solidFill>
+                <a:latin typeface="Courier New"/>
+                <a:ea typeface="DejaVu Sans"/>
+              </a:rPr>
+              <a:t>*</a:t>
+            </a:r>
+            <a:endParaRPr b="0" lang="cs-CZ" sz="2800" spc="-1" strike="noStrike">
+              <a:latin typeface="Arial"/>
+            </a:endParaRPr>
+          </a:p>
+          <a:p>
+            <a:pPr>
+              <a:lnSpc>
+                <a:spcPct val="100000"/>
+              </a:lnSpc>
+            </a:pPr>
+            <a:r>
+              <a:rPr b="0" lang="cs-CZ" sz="2800" spc="-1" strike="noStrike">
+                <a:solidFill>
+                  <a:srgbClr val="000000"/>
+                </a:solidFill>
+                <a:latin typeface="Courier New"/>
+                <a:ea typeface="DejaVu Sans"/>
+              </a:rPr>
+              <a:t>compass</a:t>
+            </a:r>
+            <a:r>
+              <a:rPr b="0" lang="cs-CZ" sz="2800" spc="-1" strike="noStrike">
+                <a:solidFill>
+                  <a:srgbClr val="666666"/>
+                </a:solidFill>
+                <a:latin typeface="Courier New"/>
+                <a:ea typeface="DejaVu Sans"/>
+              </a:rPr>
+              <a:t>.</a:t>
+            </a:r>
+            <a:r>
+              <a:rPr b="0" lang="cs-CZ" sz="2800" spc="-1" strike="noStrike">
+                <a:solidFill>
+                  <a:srgbClr val="000000"/>
+                </a:solidFill>
+                <a:latin typeface="Courier New"/>
+                <a:ea typeface="DejaVu Sans"/>
+              </a:rPr>
+              <a:t>calibrate()</a:t>
+            </a:r>
+            <a:endParaRPr b="0" lang="cs-CZ" sz="2800" spc="-1" strike="noStrike">
+              <a:latin typeface="Arial"/>
+            </a:endParaRPr>
+          </a:p>
+          <a:p>
+            <a:pPr>
+              <a:lnSpc>
+                <a:spcPct val="100000"/>
+              </a:lnSpc>
+            </a:pPr>
+            <a:r>
+              <a:rPr b="0" lang="cs-CZ" sz="2800" spc="-1" strike="noStrike">
+                <a:solidFill>
+                  <a:srgbClr val="008000"/>
+                </a:solidFill>
+                <a:latin typeface="Courier New"/>
+                <a:ea typeface="DejaVu Sans"/>
               </a:rPr>
               <a:t>while</a:t>
             </a:r>
             <a:r>
-              <a:rPr lang="cs-CZ" sz="2800" dirty="0">
-                <a:latin typeface="Courier New" panose="02070309020205020404" pitchFamily="49" charset="0"/>
-                <a:cs typeface="Courier New" panose="02070309020205020404" pitchFamily="49" charset="0"/>
+              <a:rPr b="0" lang="cs-CZ" sz="2800" spc="-1" strike="noStrike">
+                <a:solidFill>
+                  <a:srgbClr val="000000"/>
+                </a:solidFill>
+                <a:latin typeface="Courier New"/>
+                <a:ea typeface="DejaVu Sans"/>
               </a:rPr>
               <a:t> </a:t>
             </a:r>
             <a:r>
-              <a:rPr lang="cs-CZ" sz="2800" dirty="0" err="1">
-                <a:latin typeface="Courier New" panose="02070309020205020404" pitchFamily="49" charset="0"/>
-                <a:cs typeface="Courier New" panose="02070309020205020404" pitchFamily="49" charset="0"/>
+              <a:rPr b="0" lang="cs-CZ" sz="2800" spc="-1" strike="noStrike">
+                <a:solidFill>
+                  <a:srgbClr val="008000"/>
+                </a:solidFill>
+                <a:latin typeface="Courier New"/>
+                <a:ea typeface="DejaVu Sans"/>
               </a:rPr>
               <a:t>True</a:t>
             </a:r>
             <a:r>
-              <a:rPr lang="cs-CZ" sz="2800" dirty="0">
-                <a:latin typeface="Courier New" panose="02070309020205020404" pitchFamily="49" charset="0"/>
-                <a:cs typeface="Courier New" panose="02070309020205020404" pitchFamily="49" charset="0"/>
+              <a:rPr b="0" lang="cs-CZ" sz="2800" spc="-1" strike="noStrike">
+                <a:solidFill>
+                  <a:srgbClr val="000000"/>
+                </a:solidFill>
+                <a:latin typeface="Courier New"/>
+                <a:ea typeface="DejaVu Sans"/>
               </a:rPr>
               <a:t>:</a:t>
             </a:r>
-          </a:p>
-          <a:p>
-            <a:r>
-              <a:rPr lang="cs-CZ" sz="2800" dirty="0">
-                <a:latin typeface="Courier New" panose="02070309020205020404" pitchFamily="49" charset="0"/>
-                <a:cs typeface="Courier New" panose="02070309020205020404" pitchFamily="49" charset="0"/>
-              </a:rPr>
-              <a:t>    uhel = ((</a:t>
-            </a:r>
-            <a:r>
-              <a:rPr lang="cs-CZ" sz="2800" dirty="0" err="1">
-                <a:latin typeface="Courier New" panose="02070309020205020404" pitchFamily="49" charset="0"/>
-                <a:cs typeface="Courier New" panose="02070309020205020404" pitchFamily="49" charset="0"/>
-              </a:rPr>
-              <a:t>compass.heading</a:t>
-            </a:r>
-            <a:r>
-              <a:rPr lang="cs-CZ" sz="2800" dirty="0">
-                <a:latin typeface="Courier New" panose="02070309020205020404" pitchFamily="49" charset="0"/>
-                <a:cs typeface="Courier New" panose="02070309020205020404" pitchFamily="49" charset="0"/>
-              </a:rPr>
-              <a:t>()-15) // 30)</a:t>
-            </a:r>
-          </a:p>
-          <a:p>
-            <a:r>
-              <a:rPr lang="cs-CZ" sz="2800" dirty="0">
-                <a:latin typeface="Courier New" panose="02070309020205020404" pitchFamily="49" charset="0"/>
-                <a:cs typeface="Courier New" panose="02070309020205020404" pitchFamily="49" charset="0"/>
+            <a:endParaRPr b="0" lang="cs-CZ" sz="2800" spc="-1" strike="noStrike">
+              <a:latin typeface="Arial"/>
+            </a:endParaRPr>
+          </a:p>
+          <a:p>
+            <a:pPr>
+              <a:lnSpc>
+                <a:spcPct val="100000"/>
+              </a:lnSpc>
+            </a:pPr>
+            <a:r>
+              <a:rPr b="0" lang="cs-CZ" sz="2800" spc="-1" strike="noStrike">
+                <a:solidFill>
+                  <a:srgbClr val="000000"/>
+                </a:solidFill>
+                <a:latin typeface="Courier New"/>
+                <a:ea typeface="DejaVu Sans"/>
               </a:rPr>
               <a:t>    </a:t>
             </a:r>
             <a:r>
-              <a:rPr lang="cs-CZ" sz="2800" dirty="0" err="1">
-                <a:latin typeface="Courier New" panose="02070309020205020404" pitchFamily="49" charset="0"/>
-                <a:cs typeface="Courier New" panose="02070309020205020404" pitchFamily="49" charset="0"/>
-              </a:rPr>
-              <a:t>display.show</a:t>
-            </a:r>
-            <a:r>
-              <a:rPr lang="cs-CZ" sz="2800" dirty="0">
-                <a:latin typeface="Courier New" panose="02070309020205020404" pitchFamily="49" charset="0"/>
-                <a:cs typeface="Courier New" panose="02070309020205020404" pitchFamily="49" charset="0"/>
-              </a:rPr>
-              <a:t>(</a:t>
-            </a:r>
-            <a:r>
-              <a:rPr lang="cs-CZ" sz="2800" dirty="0" err="1">
-                <a:latin typeface="Courier New" panose="02070309020205020404" pitchFamily="49" charset="0"/>
-                <a:cs typeface="Courier New" panose="02070309020205020404" pitchFamily="49" charset="0"/>
-              </a:rPr>
-              <a:t>Image.ALL_CLOCKS</a:t>
-            </a:r>
-            <a:r>
-              <a:rPr lang="cs-CZ" sz="2800" dirty="0">
-                <a:latin typeface="Courier New" panose="02070309020205020404" pitchFamily="49" charset="0"/>
-                <a:cs typeface="Courier New" panose="02070309020205020404" pitchFamily="49" charset="0"/>
-              </a:rPr>
-              <a:t>[uhel])</a:t>
-            </a:r>
-          </a:p>
-          <a:p>
-            <a:endParaRPr lang="cs-CZ" dirty="0"/>
+              <a:rPr b="0" lang="cs-CZ" sz="2800" spc="-1" strike="noStrike">
+                <a:solidFill>
+                  <a:srgbClr val="000000"/>
+                </a:solidFill>
+                <a:latin typeface="Courier New"/>
+                <a:ea typeface="DejaVu Sans"/>
+              </a:rPr>
+              <a:t>uhel </a:t>
+            </a:r>
+            <a:r>
+              <a:rPr b="0" lang="cs-CZ" sz="2800" spc="-1" strike="noStrike">
+                <a:solidFill>
+                  <a:srgbClr val="666666"/>
+                </a:solidFill>
+                <a:latin typeface="Courier New"/>
+                <a:ea typeface="DejaVu Sans"/>
+              </a:rPr>
+              <a:t>=</a:t>
+            </a:r>
+            <a:r>
+              <a:rPr b="0" lang="cs-CZ" sz="2800" spc="-1" strike="noStrike">
+                <a:solidFill>
+                  <a:srgbClr val="000000"/>
+                </a:solidFill>
+                <a:latin typeface="Courier New"/>
+                <a:ea typeface="DejaVu Sans"/>
+              </a:rPr>
+              <a:t> ((compass</a:t>
+            </a:r>
+            <a:r>
+              <a:rPr b="0" lang="cs-CZ" sz="2800" spc="-1" strike="noStrike">
+                <a:solidFill>
+                  <a:srgbClr val="666666"/>
+                </a:solidFill>
+                <a:latin typeface="Courier New"/>
+                <a:ea typeface="DejaVu Sans"/>
+              </a:rPr>
+              <a:t>.</a:t>
+            </a:r>
+            <a:r>
+              <a:rPr b="0" lang="cs-CZ" sz="2800" spc="-1" strike="noStrike">
+                <a:solidFill>
+                  <a:srgbClr val="000000"/>
+                </a:solidFill>
+                <a:latin typeface="Courier New"/>
+                <a:ea typeface="DejaVu Sans"/>
+              </a:rPr>
+              <a:t>heading()</a:t>
+            </a:r>
+            <a:r>
+              <a:rPr b="0" lang="cs-CZ" sz="2800" spc="-1" strike="noStrike">
+                <a:solidFill>
+                  <a:srgbClr val="666666"/>
+                </a:solidFill>
+                <a:latin typeface="Courier New"/>
+                <a:ea typeface="DejaVu Sans"/>
+              </a:rPr>
+              <a:t>-15</a:t>
+            </a:r>
+            <a:r>
+              <a:rPr b="0" lang="cs-CZ" sz="2800" spc="-1" strike="noStrike">
+                <a:solidFill>
+                  <a:srgbClr val="000000"/>
+                </a:solidFill>
+                <a:latin typeface="Courier New"/>
+                <a:ea typeface="DejaVu Sans"/>
+              </a:rPr>
+              <a:t>) </a:t>
+            </a:r>
+            <a:r>
+              <a:rPr b="0" lang="cs-CZ" sz="2800" spc="-1" strike="noStrike">
+                <a:solidFill>
+                  <a:srgbClr val="666666"/>
+                </a:solidFill>
+                <a:latin typeface="Courier New"/>
+                <a:ea typeface="DejaVu Sans"/>
+              </a:rPr>
+              <a:t>//</a:t>
+            </a:r>
+            <a:r>
+              <a:rPr b="0" lang="cs-CZ" sz="2800" spc="-1" strike="noStrike">
+                <a:solidFill>
+                  <a:srgbClr val="000000"/>
+                </a:solidFill>
+                <a:latin typeface="Courier New"/>
+                <a:ea typeface="DejaVu Sans"/>
+              </a:rPr>
+              <a:t> </a:t>
+            </a:r>
+            <a:r>
+              <a:rPr b="0" lang="cs-CZ" sz="2800" spc="-1" strike="noStrike">
+                <a:solidFill>
+                  <a:srgbClr val="666666"/>
+                </a:solidFill>
+                <a:latin typeface="Courier New"/>
+                <a:ea typeface="DejaVu Sans"/>
+              </a:rPr>
+              <a:t>30</a:t>
+            </a:r>
+            <a:r>
+              <a:rPr b="0" lang="cs-CZ" sz="2800" spc="-1" strike="noStrike">
+                <a:solidFill>
+                  <a:srgbClr val="000000"/>
+                </a:solidFill>
+                <a:latin typeface="Courier New"/>
+                <a:ea typeface="DejaVu Sans"/>
+              </a:rPr>
+              <a:t>)</a:t>
+            </a:r>
+            <a:endParaRPr b="0" lang="cs-CZ" sz="2800" spc="-1" strike="noStrike">
+              <a:latin typeface="Arial"/>
+            </a:endParaRPr>
+          </a:p>
+          <a:p>
+            <a:pPr>
+              <a:lnSpc>
+                <a:spcPct val="100000"/>
+              </a:lnSpc>
+            </a:pPr>
+            <a:r>
+              <a:rPr b="0" lang="cs-CZ" sz="2800" spc="-1" strike="noStrike">
+                <a:solidFill>
+                  <a:srgbClr val="000000"/>
+                </a:solidFill>
+                <a:latin typeface="Courier New"/>
+                <a:ea typeface="DejaVu Sans"/>
+              </a:rPr>
+              <a:t>    </a:t>
+            </a:r>
+            <a:r>
+              <a:rPr b="0" lang="cs-CZ" sz="2800" spc="-1" strike="noStrike">
+                <a:solidFill>
+                  <a:srgbClr val="000000"/>
+                </a:solidFill>
+                <a:latin typeface="Courier New"/>
+                <a:ea typeface="DejaVu Sans"/>
+              </a:rPr>
+              <a:t>display</a:t>
+            </a:r>
+            <a:r>
+              <a:rPr b="0" lang="cs-CZ" sz="2800" spc="-1" strike="noStrike">
+                <a:solidFill>
+                  <a:srgbClr val="666666"/>
+                </a:solidFill>
+                <a:latin typeface="Courier New"/>
+                <a:ea typeface="DejaVu Sans"/>
+              </a:rPr>
+              <a:t>.</a:t>
+            </a:r>
+            <a:r>
+              <a:rPr b="0" lang="cs-CZ" sz="2800" spc="-1" strike="noStrike">
+                <a:solidFill>
+                  <a:srgbClr val="000000"/>
+                </a:solidFill>
+                <a:latin typeface="Courier New"/>
+                <a:ea typeface="DejaVu Sans"/>
+              </a:rPr>
+              <a:t>show(Image</a:t>
+            </a:r>
+            <a:r>
+              <a:rPr b="0" lang="cs-CZ" sz="2800" spc="-1" strike="noStrike">
+                <a:solidFill>
+                  <a:srgbClr val="666666"/>
+                </a:solidFill>
+                <a:latin typeface="Courier New"/>
+                <a:ea typeface="DejaVu Sans"/>
+              </a:rPr>
+              <a:t>.</a:t>
+            </a:r>
+            <a:r>
+              <a:rPr b="0" lang="cs-CZ" sz="2800" spc="-1" strike="noStrike">
+                <a:solidFill>
+                  <a:srgbClr val="000000"/>
+                </a:solidFill>
+                <a:latin typeface="Courier New"/>
+                <a:ea typeface="DejaVu Sans"/>
+              </a:rPr>
+              <a:t>ALL_CLOCKS[uhel])</a:t>
+            </a:r>
+            <a:endParaRPr b="0" lang="cs-CZ" sz="2800" spc="-1" strike="noStrike">
+              <a:latin typeface="Arial"/>
+            </a:endParaRPr>
+          </a:p>
+          <a:p>
+            <a:pPr>
+              <a:lnSpc>
+                <a:spcPct val="100000"/>
+              </a:lnSpc>
+            </a:pPr>
+            <a:endParaRPr b="0" lang="cs-CZ" sz="2800" spc="-1" strike="noStrike">
+              <a:latin typeface="Arial"/>
+            </a:endParaRPr>
           </a:p>
         </p:txBody>
       </p:sp>
     </p:spTree>
-    <p:extLst>
-      <p:ext uri="{BB962C8B-B14F-4D97-AF65-F5344CB8AC3E}">
-        <p14:creationId xmlns:p14="http://schemas.microsoft.com/office/powerpoint/2010/main" val="45421215"/>
-      </p:ext>
-    </p:extLst>
   </p:cSld>
-  <p:clrMapOvr>
-    <a:masterClrMapping/>
-  </p:clrMapOvr>
   <p:timing>
     <p:tnLst>
       <p:par>
-        <p:cTn id="1" dur="indefinite" restart="never" nodeType="tmRoot">
+        <p:cTn id="9" dur="indefinite" restart="never" nodeType="tmRoot">
           <p:childTnLst>
             <p:seq>
-              <p:cTn id="2" dur="indefinite" nodeType="mainSeq"/>
+              <p:cTn id="10" dur="indefinite" nodeType="mainSeq"/>
               <p:prevCondLst>
-                <p:cond evt="onPrev" delay="0">
+                <p:cond delay="0" evt="onPrev">
                   <p:tgtEl>
                     <p:sldTgt/>
                   </p:tgtEl>
                 </p:cond>
               </p:prevCondLst>
               <p:nextCondLst>
-                <p:cond evt="onNext" delay="0">
+                <p:cond delay="0" evt="onNext">
                   <p:tgtEl>
                     <p:sldTgt/>
                   </p:tgtEl>
@@ -5494,31 +8054,31 @@
         <a:sysClr val="window" lastClr="FFFFFF"/>
       </a:lt1>
       <a:dk2>
-        <a:srgbClr val="1F497D"/>
+        <a:srgbClr val="1f497d"/>
       </a:dk2>
       <a:lt2>
-        <a:srgbClr val="EEECE1"/>
+        <a:srgbClr val="eeece1"/>
       </a:lt2>
       <a:accent1>
-        <a:srgbClr val="4F81BD"/>
+        <a:srgbClr val="4f81bd"/>
       </a:accent1>
       <a:accent2>
-        <a:srgbClr val="C0504D"/>
+        <a:srgbClr val="c0504d"/>
       </a:accent2>
       <a:accent3>
-        <a:srgbClr val="9BBB59"/>
+        <a:srgbClr val="9bbb59"/>
       </a:accent3>
       <a:accent4>
-        <a:srgbClr val="8064A2"/>
+        <a:srgbClr val="8064a2"/>
       </a:accent4>
       <a:accent5>
-        <a:srgbClr val="4BACC6"/>
+        <a:srgbClr val="4bacc6"/>
       </a:accent5>
       <a:accent6>
-        <a:srgbClr val="F79646"/>
+        <a:srgbClr val="f79646"/>
       </a:accent6>
       <a:hlink>
-        <a:srgbClr val="0000FF"/>
+        <a:srgbClr val="0000ff"/>
       </a:hlink>
       <a:folHlink>
         <a:srgbClr val="800080"/>
@@ -5703,8 +8263,6 @@
       </a:bgFillStyleLst>
     </a:fmtScheme>
   </a:themeElements>
-  <a:objectDefaults/>
-  <a:extraClrSchemeLst/>
 </a:theme>
 </file>
 
@@ -5719,31 +8277,31 @@
         <a:sysClr val="window" lastClr="FFFFFF"/>
       </a:lt1>
       <a:dk2>
-        <a:srgbClr val="1F497D"/>
+        <a:srgbClr val="1f497d"/>
       </a:dk2>
       <a:lt2>
-        <a:srgbClr val="EEECE1"/>
+        <a:srgbClr val="eeece1"/>
       </a:lt2>
       <a:accent1>
-        <a:srgbClr val="4F81BD"/>
+        <a:srgbClr val="4f81bd"/>
       </a:accent1>
       <a:accent2>
-        <a:srgbClr val="C0504D"/>
+        <a:srgbClr val="c0504d"/>
       </a:accent2>
       <a:accent3>
-        <a:srgbClr val="9BBB59"/>
+        <a:srgbClr val="9bbb59"/>
       </a:accent3>
       <a:accent4>
-        <a:srgbClr val="8064A2"/>
+        <a:srgbClr val="8064a2"/>
       </a:accent4>
       <a:accent5>
-        <a:srgbClr val="4BACC6"/>
+        <a:srgbClr val="4bacc6"/>
       </a:accent5>
       <a:accent6>
-        <a:srgbClr val="F79646"/>
+        <a:srgbClr val="f79646"/>
       </a:accent6>
       <a:hlink>
-        <a:srgbClr val="0000FF"/>
+        <a:srgbClr val="0000ff"/>
       </a:hlink>
       <a:folHlink>
         <a:srgbClr val="800080"/>
@@ -5928,7 +8486,228 @@
       </a:bgFillStyleLst>
     </a:fmtScheme>
   </a:themeElements>
-  <a:objectDefaults/>
-  <a:extraClrSchemeLst/>
+</a:theme>
+</file>
+
+<file path=ppt/theme/theme3.xml><?xml version="1.0" encoding="utf-8"?>
+<a:theme xmlns:a="http://schemas.openxmlformats.org/drawingml/2006/main" name="Office Theme">
+  <a:themeElements>
+    <a:clrScheme name="Office">
+      <a:dk1>
+        <a:sysClr val="windowText" lastClr="000000"/>
+      </a:dk1>
+      <a:lt1>
+        <a:sysClr val="window" lastClr="FFFFFF"/>
+      </a:lt1>
+      <a:dk2>
+        <a:srgbClr val="1f497d"/>
+      </a:dk2>
+      <a:lt2>
+        <a:srgbClr val="eeece1"/>
+      </a:lt2>
+      <a:accent1>
+        <a:srgbClr val="4f81bd"/>
+      </a:accent1>
+      <a:accent2>
+        <a:srgbClr val="c0504d"/>
+      </a:accent2>
+      <a:accent3>
+        <a:srgbClr val="9bbb59"/>
+      </a:accent3>
+      <a:accent4>
+        <a:srgbClr val="8064a2"/>
+      </a:accent4>
+      <a:accent5>
+        <a:srgbClr val="4bacc6"/>
+      </a:accent5>
+      <a:accent6>
+        <a:srgbClr val="f79646"/>
+      </a:accent6>
+      <a:hlink>
+        <a:srgbClr val="0000ff"/>
+      </a:hlink>
+      <a:folHlink>
+        <a:srgbClr val="800080"/>
+      </a:folHlink>
+    </a:clrScheme>
+    <a:fontScheme name="Office">
+      <a:majorFont>
+        <a:latin typeface="Arial"/>
+        <a:ea typeface="DejaVu Sans"/>
+        <a:cs typeface="DejaVu Sans"/>
+      </a:majorFont>
+      <a:minorFont>
+        <a:latin typeface="Arial"/>
+        <a:ea typeface="DejaVu Sans"/>
+        <a:cs typeface="DejaVu Sans"/>
+      </a:minorFont>
+    </a:fontScheme>
+    <a:fmtScheme name="Office">
+      <a:fillStyleLst>
+        <a:solidFill>
+          <a:schemeClr val="phClr"/>
+        </a:solidFill>
+        <a:gradFill rotWithShape="1">
+          <a:gsLst>
+            <a:gs pos="0">
+              <a:schemeClr val="phClr">
+                <a:tint val="50000"/>
+                <a:satMod val="300000"/>
+              </a:schemeClr>
+            </a:gs>
+            <a:gs pos="35000">
+              <a:schemeClr val="phClr">
+                <a:tint val="37000"/>
+                <a:satMod val="300000"/>
+              </a:schemeClr>
+            </a:gs>
+            <a:gs pos="100000">
+              <a:schemeClr val="phClr">
+                <a:tint val="15000"/>
+                <a:satMod val="350000"/>
+              </a:schemeClr>
+            </a:gs>
+          </a:gsLst>
+          <a:lin ang="16200000" scaled="1"/>
+        </a:gradFill>
+        <a:gradFill rotWithShape="1">
+          <a:gsLst>
+            <a:gs pos="0">
+              <a:schemeClr val="phClr">
+                <a:shade val="51000"/>
+                <a:satMod val="130000"/>
+              </a:schemeClr>
+            </a:gs>
+            <a:gs pos="80000">
+              <a:schemeClr val="phClr">
+                <a:shade val="93000"/>
+                <a:satMod val="130000"/>
+              </a:schemeClr>
+            </a:gs>
+            <a:gs pos="100000">
+              <a:schemeClr val="phClr">
+                <a:shade val="94000"/>
+                <a:satMod val="135000"/>
+              </a:schemeClr>
+            </a:gs>
+          </a:gsLst>
+          <a:lin ang="16200000" scaled="0"/>
+        </a:gradFill>
+      </a:fillStyleLst>
+      <a:lnStyleLst>
+        <a:ln w="9525" cap="flat" cmpd="sng" algn="ctr">
+          <a:solidFill>
+            <a:schemeClr val="phClr">
+              <a:shade val="95000"/>
+              <a:satMod val="105000"/>
+            </a:schemeClr>
+          </a:solidFill>
+          <a:prstDash val="solid"/>
+        </a:ln>
+        <a:ln w="25400" cap="flat" cmpd="sng" algn="ctr">
+          <a:solidFill>
+            <a:schemeClr val="phClr"/>
+          </a:solidFill>
+          <a:prstDash val="solid"/>
+        </a:ln>
+        <a:ln w="38100" cap="flat" cmpd="sng" algn="ctr">
+          <a:solidFill>
+            <a:schemeClr val="phClr"/>
+          </a:solidFill>
+          <a:prstDash val="solid"/>
+        </a:ln>
+      </a:lnStyleLst>
+      <a:effectStyleLst>
+        <a:effectStyle>
+          <a:effectLst>
+            <a:outerShdw blurRad="40000" dist="20000" dir="5400000" rotWithShape="0">
+              <a:srgbClr val="000000">
+                <a:alpha val="38000"/>
+              </a:srgbClr>
+            </a:outerShdw>
+          </a:effectLst>
+        </a:effectStyle>
+        <a:effectStyle>
+          <a:effectLst>
+            <a:outerShdw blurRad="40000" dist="23000" dir="5400000" rotWithShape="0">
+              <a:srgbClr val="000000">
+                <a:alpha val="35000"/>
+              </a:srgbClr>
+            </a:outerShdw>
+          </a:effectLst>
+        </a:effectStyle>
+        <a:effectStyle>
+          <a:effectLst>
+            <a:outerShdw blurRad="40000" dist="23000" dir="5400000" rotWithShape="0">
+              <a:srgbClr val="000000">
+                <a:alpha val="35000"/>
+              </a:srgbClr>
+            </a:outerShdw>
+          </a:effectLst>
+          <a:scene3d>
+            <a:camera prst="orthographicFront">
+              <a:rot lat="0" lon="0" rev="0"/>
+            </a:camera>
+            <a:lightRig rig="threePt" dir="t">
+              <a:rot lat="0" lon="0" rev="1200000"/>
+            </a:lightRig>
+          </a:scene3d>
+          <a:sp3d>
+            <a:bevelT w="63500" h="25400"/>
+          </a:sp3d>
+        </a:effectStyle>
+      </a:effectStyleLst>
+      <a:bgFillStyleLst>
+        <a:solidFill>
+          <a:schemeClr val="phClr"/>
+        </a:solidFill>
+        <a:gradFill rotWithShape="1">
+          <a:gsLst>
+            <a:gs pos="0">
+              <a:schemeClr val="phClr">
+                <a:tint val="40000"/>
+                <a:satMod val="350000"/>
+              </a:schemeClr>
+            </a:gs>
+            <a:gs pos="40000">
+              <a:schemeClr val="phClr">
+                <a:tint val="45000"/>
+                <a:shade val="99000"/>
+                <a:satMod val="350000"/>
+              </a:schemeClr>
+            </a:gs>
+            <a:gs pos="100000">
+              <a:schemeClr val="phClr">
+                <a:shade val="20000"/>
+                <a:satMod val="255000"/>
+              </a:schemeClr>
+            </a:gs>
+          </a:gsLst>
+          <a:path path="circle">
+            <a:fillToRect l="50000" t="-80000" r="50000" b="180000"/>
+          </a:path>
+        </a:gradFill>
+        <a:gradFill rotWithShape="1">
+          <a:gsLst>
+            <a:gs pos="0">
+              <a:schemeClr val="phClr">
+                <a:tint val="80000"/>
+                <a:satMod val="300000"/>
+              </a:schemeClr>
+            </a:gs>
+            <a:gs pos="100000">
+              <a:schemeClr val="phClr">
+                <a:shade val="30000"/>
+                <a:satMod val="200000"/>
+              </a:schemeClr>
+            </a:gs>
+          </a:gsLst>
+          <a:path path="circle">
+            <a:fillToRect l="50000" t="50000" r="50000" b="50000"/>
+          </a:path>
+        </a:gradFill>
+      </a:bgFillStyleLst>
+    </a:fmtScheme>
+  </a:themeElements>
 </a:theme>
 </file>
--- a/04-Poloha/01_Pro_ucitele/Prezentace/43-kompass.pptx
+++ b/04-Poloha/01_Pro_ucitele/Prezentace/43-kompass.pptx
@@ -1,25 +1,120 @@
 
 <file path=ppt/presentation.xml><?xml version="1.0" encoding="utf-8"?>
-<p:presentation xmlns:a="http://schemas.openxmlformats.org/drawingml/2006/main" xmlns:p="http://schemas.openxmlformats.org/presentationml/2006/main" xmlns:r="http://schemas.openxmlformats.org/officeDocument/2006/relationships" xmlns:p14="http://schemas.microsoft.com/office/powerpoint/2010/main" xmlns:p15="http://schemas.microsoft.com/office/powerpoint/2012/main" xmlns:mc="http://schemas.openxmlformats.org/markup-compatibility/2006">
+<p:presentation xmlns:a="http://schemas.openxmlformats.org/drawingml/2006/main" xmlns:r="http://schemas.openxmlformats.org/officeDocument/2006/relationships" xmlns:p="http://schemas.openxmlformats.org/presentationml/2006/main">
   <p:sldMasterIdLst>
-    <p:sldMasterId id="2147483648" r:id="rId2"/>
-    <p:sldMasterId id="2147483661" r:id="rId3"/>
-    <p:sldMasterId id="2147483674" r:id="rId4"/>
+    <p:sldMasterId id="2147483648" r:id="rId1"/>
+    <p:sldMasterId id="2147483661" r:id="rId2"/>
+    <p:sldMasterId id="2147483674" r:id="rId3"/>
   </p:sldMasterIdLst>
   <p:sldIdLst>
-    <p:sldId id="256" r:id="rId5"/>
-    <p:sldId id="257" r:id="rId6"/>
-    <p:sldId id="258" r:id="rId7"/>
-    <p:sldId id="259" r:id="rId8"/>
-    <p:sldId id="260" r:id="rId9"/>
+    <p:sldId id="256" r:id="rId4"/>
+    <p:sldId id="257" r:id="rId5"/>
+    <p:sldId id="258" r:id="rId6"/>
+    <p:sldId id="259" r:id="rId7"/>
+    <p:sldId id="260" r:id="rId8"/>
   </p:sldIdLst>
   <p:sldSz cx="10080625" cy="7559675"/>
-  <p:notesSz cx="7559675" cy="10691812"/>
+  <p:notesSz cx="7559675" cy="10691813"/>
+  <p:defaultTextStyle>
+    <a:defPPr>
+      <a:defRPr lang="cs-CZ"/>
+    </a:defPPr>
+    <a:lvl1pPr marL="0" algn="l" defTabSz="914400" rtl="0" eaLnBrk="1" latinLnBrk="0" hangingPunct="1">
+      <a:defRPr sz="1800" kern="1200">
+        <a:solidFill>
+          <a:schemeClr val="tx1"/>
+        </a:solidFill>
+        <a:latin typeface="+mn-lt"/>
+        <a:ea typeface="+mn-ea"/>
+        <a:cs typeface="+mn-cs"/>
+      </a:defRPr>
+    </a:lvl1pPr>
+    <a:lvl2pPr marL="457200" algn="l" defTabSz="914400" rtl="0" eaLnBrk="1" latinLnBrk="0" hangingPunct="1">
+      <a:defRPr sz="1800" kern="1200">
+        <a:solidFill>
+          <a:schemeClr val="tx1"/>
+        </a:solidFill>
+        <a:latin typeface="+mn-lt"/>
+        <a:ea typeface="+mn-ea"/>
+        <a:cs typeface="+mn-cs"/>
+      </a:defRPr>
+    </a:lvl2pPr>
+    <a:lvl3pPr marL="914400" algn="l" defTabSz="914400" rtl="0" eaLnBrk="1" latinLnBrk="0" hangingPunct="1">
+      <a:defRPr sz="1800" kern="1200">
+        <a:solidFill>
+          <a:schemeClr val="tx1"/>
+        </a:solidFill>
+        <a:latin typeface="+mn-lt"/>
+        <a:ea typeface="+mn-ea"/>
+        <a:cs typeface="+mn-cs"/>
+      </a:defRPr>
+    </a:lvl3pPr>
+    <a:lvl4pPr marL="1371600" algn="l" defTabSz="914400" rtl="0" eaLnBrk="1" latinLnBrk="0" hangingPunct="1">
+      <a:defRPr sz="1800" kern="1200">
+        <a:solidFill>
+          <a:schemeClr val="tx1"/>
+        </a:solidFill>
+        <a:latin typeface="+mn-lt"/>
+        <a:ea typeface="+mn-ea"/>
+        <a:cs typeface="+mn-cs"/>
+      </a:defRPr>
+    </a:lvl4pPr>
+    <a:lvl5pPr marL="1828800" algn="l" defTabSz="914400" rtl="0" eaLnBrk="1" latinLnBrk="0" hangingPunct="1">
+      <a:defRPr sz="1800" kern="1200">
+        <a:solidFill>
+          <a:schemeClr val="tx1"/>
+        </a:solidFill>
+        <a:latin typeface="+mn-lt"/>
+        <a:ea typeface="+mn-ea"/>
+        <a:cs typeface="+mn-cs"/>
+      </a:defRPr>
+    </a:lvl5pPr>
+    <a:lvl6pPr marL="2286000" algn="l" defTabSz="914400" rtl="0" eaLnBrk="1" latinLnBrk="0" hangingPunct="1">
+      <a:defRPr sz="1800" kern="1200">
+        <a:solidFill>
+          <a:schemeClr val="tx1"/>
+        </a:solidFill>
+        <a:latin typeface="+mn-lt"/>
+        <a:ea typeface="+mn-ea"/>
+        <a:cs typeface="+mn-cs"/>
+      </a:defRPr>
+    </a:lvl6pPr>
+    <a:lvl7pPr marL="2743200" algn="l" defTabSz="914400" rtl="0" eaLnBrk="1" latinLnBrk="0" hangingPunct="1">
+      <a:defRPr sz="1800" kern="1200">
+        <a:solidFill>
+          <a:schemeClr val="tx1"/>
+        </a:solidFill>
+        <a:latin typeface="+mn-lt"/>
+        <a:ea typeface="+mn-ea"/>
+        <a:cs typeface="+mn-cs"/>
+      </a:defRPr>
+    </a:lvl7pPr>
+    <a:lvl8pPr marL="3200400" algn="l" defTabSz="914400" rtl="0" eaLnBrk="1" latinLnBrk="0" hangingPunct="1">
+      <a:defRPr sz="1800" kern="1200">
+        <a:solidFill>
+          <a:schemeClr val="tx1"/>
+        </a:solidFill>
+        <a:latin typeface="+mn-lt"/>
+        <a:ea typeface="+mn-ea"/>
+        <a:cs typeface="+mn-cs"/>
+      </a:defRPr>
+    </a:lvl8pPr>
+    <a:lvl9pPr marL="3657600" algn="l" defTabSz="914400" rtl="0" eaLnBrk="1" latinLnBrk="0" hangingPunct="1">
+      <a:defRPr sz="1800" kern="1200">
+        <a:solidFill>
+          <a:schemeClr val="tx1"/>
+        </a:solidFill>
+        <a:latin typeface="+mn-lt"/>
+        <a:ea typeface="+mn-ea"/>
+        <a:cs typeface="+mn-cs"/>
+      </a:defRPr>
+    </a:lvl9pPr>
+  </p:defaultTextStyle>
 </p:presentation>
 </file>
 
 <file path=ppt/slideLayouts/slideLayout1.xml><?xml version="1.0" encoding="utf-8"?>
-<p:sldLayout xmlns:a="http://schemas.openxmlformats.org/drawingml/2006/main" xmlns:p="http://schemas.openxmlformats.org/presentationml/2006/main" xmlns:r="http://schemas.openxmlformats.org/officeDocument/2006/relationships" xmlns:p14="http://schemas.microsoft.com/office/powerpoint/2010/main" xmlns:p15="http://schemas.microsoft.com/office/powerpoint/2012/main" xmlns:mc="http://schemas.openxmlformats.org/markup-compatibility/2006" type="blank" preserve="1">
+<p:sldLayout xmlns:a="http://schemas.openxmlformats.org/drawingml/2006/main" xmlns:r="http://schemas.openxmlformats.org/officeDocument/2006/relationships" xmlns:p="http://schemas.openxmlformats.org/presentationml/2006/main" type="blank" preserve="1">
   <p:cSld name="Blank Slide">
     <p:spTree>
       <p:nvGrpSpPr>
@@ -37,11 +132,14 @@
       </p:grpSpPr>
     </p:spTree>
   </p:cSld>
+  <p:clrMapOvr>
+    <a:masterClrMapping/>
+  </p:clrMapOvr>
 </p:sldLayout>
 </file>
 
 <file path=ppt/slideLayouts/slideLayout10.xml><?xml version="1.0" encoding="utf-8"?>
-<p:sldLayout xmlns:a="http://schemas.openxmlformats.org/drawingml/2006/main" xmlns:p="http://schemas.openxmlformats.org/presentationml/2006/main" xmlns:r="http://schemas.openxmlformats.org/officeDocument/2006/relationships" xmlns:p14="http://schemas.microsoft.com/office/powerpoint/2010/main" xmlns:p15="http://schemas.microsoft.com/office/powerpoint/2012/main" xmlns:mc="http://schemas.openxmlformats.org/markup-compatibility/2006" type="objOverTx" preserve="1">
+<p:sldLayout xmlns:a="http://schemas.openxmlformats.org/drawingml/2006/main" xmlns:r="http://schemas.openxmlformats.org/officeDocument/2006/relationships" xmlns:p="http://schemas.openxmlformats.org/presentationml/2006/main" type="objOverTx" preserve="1">
   <p:cSld name="Title, Content over Content">
     <p:spTree>
       <p:nvGrpSpPr>
@@ -77,9 +175,10 @@
           </a:prstGeom>
         </p:spPr>
         <p:txBody>
-          <a:bodyPr lIns="0" rIns="0" tIns="0" bIns="0" anchor="ctr"/>
-          <a:p>
-            <a:endParaRPr b="0" lang="cs-CZ" sz="1800" spc="-1" strike="noStrike">
+          <a:bodyPr lIns="0" tIns="0" rIns="0" bIns="0" anchor="ctr"/>
+          <a:lstStyle/>
+          <a:p>
+            <a:endParaRPr lang="cs-CZ" sz="1800" b="0" strike="noStrike" spc="-1">
               <a:solidFill>
                 <a:srgbClr val="000000"/>
               </a:solidFill>
@@ -108,11 +207,12 @@
           </a:prstGeom>
         </p:spPr>
         <p:txBody>
-          <a:bodyPr lIns="0" rIns="0" tIns="0" bIns="0">
+          <a:bodyPr lIns="0" tIns="0" rIns="0" bIns="0">
             <a:normAutofit/>
           </a:bodyPr>
-          <a:p>
-            <a:endParaRPr b="0" lang="cs-CZ" sz="2800" spc="-1" strike="noStrike">
+          <a:lstStyle/>
+          <a:p>
+            <a:endParaRPr lang="cs-CZ" sz="2800" b="0" strike="noStrike" spc="-1">
               <a:solidFill>
                 <a:srgbClr val="000000"/>
               </a:solidFill>
@@ -141,11 +241,12 @@
           </a:prstGeom>
         </p:spPr>
         <p:txBody>
-          <a:bodyPr lIns="0" rIns="0" tIns="0" bIns="0">
+          <a:bodyPr lIns="0" tIns="0" rIns="0" bIns="0">
             <a:normAutofit/>
           </a:bodyPr>
-          <a:p>
-            <a:endParaRPr b="0" lang="cs-CZ" sz="2800" spc="-1" strike="noStrike">
+          <a:lstStyle/>
+          <a:p>
+            <a:endParaRPr lang="cs-CZ" sz="2800" b="0" strike="noStrike" spc="-1">
               <a:solidFill>
                 <a:srgbClr val="000000"/>
               </a:solidFill>
@@ -156,11 +257,14 @@
       </p:sp>
     </p:spTree>
   </p:cSld>
+  <p:clrMapOvr>
+    <a:masterClrMapping/>
+  </p:clrMapOvr>
 </p:sldLayout>
 </file>
 
 <file path=ppt/slideLayouts/slideLayout11.xml><?xml version="1.0" encoding="utf-8"?>
-<p:sldLayout xmlns:a="http://schemas.openxmlformats.org/drawingml/2006/main" xmlns:p="http://schemas.openxmlformats.org/presentationml/2006/main" xmlns:r="http://schemas.openxmlformats.org/officeDocument/2006/relationships" xmlns:p14="http://schemas.microsoft.com/office/powerpoint/2010/main" xmlns:p15="http://schemas.microsoft.com/office/powerpoint/2012/main" xmlns:mc="http://schemas.openxmlformats.org/markup-compatibility/2006" type="fourObj" preserve="1">
+<p:sldLayout xmlns:a="http://schemas.openxmlformats.org/drawingml/2006/main" xmlns:r="http://schemas.openxmlformats.org/officeDocument/2006/relationships" xmlns:p="http://schemas.openxmlformats.org/presentationml/2006/main" type="fourObj" preserve="1">
   <p:cSld name="Title, 4 Content">
     <p:spTree>
       <p:nvGrpSpPr>
@@ -196,9 +300,10 @@
           </a:prstGeom>
         </p:spPr>
         <p:txBody>
-          <a:bodyPr lIns="0" rIns="0" tIns="0" bIns="0" anchor="ctr"/>
-          <a:p>
-            <a:endParaRPr b="0" lang="cs-CZ" sz="1800" spc="-1" strike="noStrike">
+          <a:bodyPr lIns="0" tIns="0" rIns="0" bIns="0" anchor="ctr"/>
+          <a:lstStyle/>
+          <a:p>
+            <a:endParaRPr lang="cs-CZ" sz="1800" b="0" strike="noStrike" spc="-1">
               <a:solidFill>
                 <a:srgbClr val="000000"/>
               </a:solidFill>
@@ -227,11 +332,12 @@
           </a:prstGeom>
         </p:spPr>
         <p:txBody>
-          <a:bodyPr lIns="0" rIns="0" tIns="0" bIns="0">
+          <a:bodyPr lIns="0" tIns="0" rIns="0" bIns="0">
             <a:normAutofit/>
           </a:bodyPr>
-          <a:p>
-            <a:endParaRPr b="0" lang="cs-CZ" sz="2800" spc="-1" strike="noStrike">
+          <a:lstStyle/>
+          <a:p>
+            <a:endParaRPr lang="cs-CZ" sz="2800" b="0" strike="noStrike" spc="-1">
               <a:solidFill>
                 <a:srgbClr val="000000"/>
               </a:solidFill>
@@ -260,11 +366,12 @@
           </a:prstGeom>
         </p:spPr>
         <p:txBody>
-          <a:bodyPr lIns="0" rIns="0" tIns="0" bIns="0">
+          <a:bodyPr lIns="0" tIns="0" rIns="0" bIns="0">
             <a:normAutofit/>
           </a:bodyPr>
-          <a:p>
-            <a:endParaRPr b="0" lang="cs-CZ" sz="2800" spc="-1" strike="noStrike">
+          <a:lstStyle/>
+          <a:p>
+            <a:endParaRPr lang="cs-CZ" sz="2800" b="0" strike="noStrike" spc="-1">
               <a:solidFill>
                 <a:srgbClr val="000000"/>
               </a:solidFill>
@@ -293,11 +400,12 @@
           </a:prstGeom>
         </p:spPr>
         <p:txBody>
-          <a:bodyPr lIns="0" rIns="0" tIns="0" bIns="0">
+          <a:bodyPr lIns="0" tIns="0" rIns="0" bIns="0">
             <a:normAutofit/>
           </a:bodyPr>
-          <a:p>
-            <a:endParaRPr b="0" lang="cs-CZ" sz="2800" spc="-1" strike="noStrike">
+          <a:lstStyle/>
+          <a:p>
+            <a:endParaRPr lang="cs-CZ" sz="2800" b="0" strike="noStrike" spc="-1">
               <a:solidFill>
                 <a:srgbClr val="000000"/>
               </a:solidFill>
@@ -326,11 +434,12 @@
           </a:prstGeom>
         </p:spPr>
         <p:txBody>
-          <a:bodyPr lIns="0" rIns="0" tIns="0" bIns="0">
+          <a:bodyPr lIns="0" tIns="0" rIns="0" bIns="0">
             <a:normAutofit/>
           </a:bodyPr>
-          <a:p>
-            <a:endParaRPr b="0" lang="cs-CZ" sz="2800" spc="-1" strike="noStrike">
+          <a:lstStyle/>
+          <a:p>
+            <a:endParaRPr lang="cs-CZ" sz="2800" b="0" strike="noStrike" spc="-1">
               <a:solidFill>
                 <a:srgbClr val="000000"/>
               </a:solidFill>
@@ -341,11 +450,14 @@
       </p:sp>
     </p:spTree>
   </p:cSld>
+  <p:clrMapOvr>
+    <a:masterClrMapping/>
+  </p:clrMapOvr>
 </p:sldLayout>
 </file>
 
 <file path=ppt/slideLayouts/slideLayout12.xml><?xml version="1.0" encoding="utf-8"?>
-<p:sldLayout xmlns:a="http://schemas.openxmlformats.org/drawingml/2006/main" xmlns:p="http://schemas.openxmlformats.org/presentationml/2006/main" xmlns:r="http://schemas.openxmlformats.org/officeDocument/2006/relationships" xmlns:p14="http://schemas.microsoft.com/office/powerpoint/2010/main" xmlns:p15="http://schemas.microsoft.com/office/powerpoint/2012/main" xmlns:mc="http://schemas.openxmlformats.org/markup-compatibility/2006" type="blank" preserve="1">
+<p:sldLayout xmlns:a="http://schemas.openxmlformats.org/drawingml/2006/main" xmlns:r="http://schemas.openxmlformats.org/officeDocument/2006/relationships" xmlns:p="http://schemas.openxmlformats.org/presentationml/2006/main" type="blank" preserve="1">
   <p:cSld name="Title, 6 Content">
     <p:spTree>
       <p:nvGrpSpPr>
@@ -381,9 +493,10 @@
           </a:prstGeom>
         </p:spPr>
         <p:txBody>
-          <a:bodyPr lIns="0" rIns="0" tIns="0" bIns="0" anchor="ctr"/>
-          <a:p>
-            <a:endParaRPr b="0" lang="cs-CZ" sz="1800" spc="-1" strike="noStrike">
+          <a:bodyPr lIns="0" tIns="0" rIns="0" bIns="0" anchor="ctr"/>
+          <a:lstStyle/>
+          <a:p>
+            <a:endParaRPr lang="cs-CZ" sz="1800" b="0" strike="noStrike" spc="-1">
               <a:solidFill>
                 <a:srgbClr val="000000"/>
               </a:solidFill>
@@ -412,11 +525,12 @@
           </a:prstGeom>
         </p:spPr>
         <p:txBody>
-          <a:bodyPr lIns="0" rIns="0" tIns="0" bIns="0">
+          <a:bodyPr lIns="0" tIns="0" rIns="0" bIns="0">
             <a:normAutofit/>
           </a:bodyPr>
-          <a:p>
-            <a:endParaRPr b="0" lang="cs-CZ" sz="2800" spc="-1" strike="noStrike">
+          <a:lstStyle/>
+          <a:p>
+            <a:endParaRPr lang="cs-CZ" sz="2800" b="0" strike="noStrike" spc="-1">
               <a:solidFill>
                 <a:srgbClr val="000000"/>
               </a:solidFill>
@@ -445,11 +559,12 @@
           </a:prstGeom>
         </p:spPr>
         <p:txBody>
-          <a:bodyPr lIns="0" rIns="0" tIns="0" bIns="0">
+          <a:bodyPr lIns="0" tIns="0" rIns="0" bIns="0">
             <a:normAutofit/>
           </a:bodyPr>
-          <a:p>
-            <a:endParaRPr b="0" lang="cs-CZ" sz="2800" spc="-1" strike="noStrike">
+          <a:lstStyle/>
+          <a:p>
+            <a:endParaRPr lang="cs-CZ" sz="2800" b="0" strike="noStrike" spc="-1">
               <a:solidFill>
                 <a:srgbClr val="000000"/>
               </a:solidFill>
@@ -478,11 +593,12 @@
           </a:prstGeom>
         </p:spPr>
         <p:txBody>
-          <a:bodyPr lIns="0" rIns="0" tIns="0" bIns="0">
+          <a:bodyPr lIns="0" tIns="0" rIns="0" bIns="0">
             <a:normAutofit/>
           </a:bodyPr>
-          <a:p>
-            <a:endParaRPr b="0" lang="cs-CZ" sz="2800" spc="-1" strike="noStrike">
+          <a:lstStyle/>
+          <a:p>
+            <a:endParaRPr lang="cs-CZ" sz="2800" b="0" strike="noStrike" spc="-1">
               <a:solidFill>
                 <a:srgbClr val="000000"/>
               </a:solidFill>
@@ -511,11 +627,12 @@
           </a:prstGeom>
         </p:spPr>
         <p:txBody>
-          <a:bodyPr lIns="0" rIns="0" tIns="0" bIns="0">
+          <a:bodyPr lIns="0" tIns="0" rIns="0" bIns="0">
             <a:normAutofit/>
           </a:bodyPr>
-          <a:p>
-            <a:endParaRPr b="0" lang="cs-CZ" sz="2800" spc="-1" strike="noStrike">
+          <a:lstStyle/>
+          <a:p>
+            <a:endParaRPr lang="cs-CZ" sz="2800" b="0" strike="noStrike" spc="-1">
               <a:solidFill>
                 <a:srgbClr val="000000"/>
               </a:solidFill>
@@ -544,11 +661,12 @@
           </a:prstGeom>
         </p:spPr>
         <p:txBody>
-          <a:bodyPr lIns="0" rIns="0" tIns="0" bIns="0">
+          <a:bodyPr lIns="0" tIns="0" rIns="0" bIns="0">
             <a:normAutofit/>
           </a:bodyPr>
-          <a:p>
-            <a:endParaRPr b="0" lang="cs-CZ" sz="2800" spc="-1" strike="noStrike">
+          <a:lstStyle/>
+          <a:p>
+            <a:endParaRPr lang="cs-CZ" sz="2800" b="0" strike="noStrike" spc="-1">
               <a:solidFill>
                 <a:srgbClr val="000000"/>
               </a:solidFill>
@@ -577,11 +695,12 @@
           </a:prstGeom>
         </p:spPr>
         <p:txBody>
-          <a:bodyPr lIns="0" rIns="0" tIns="0" bIns="0">
+          <a:bodyPr lIns="0" tIns="0" rIns="0" bIns="0">
             <a:normAutofit/>
           </a:bodyPr>
-          <a:p>
-            <a:endParaRPr b="0" lang="cs-CZ" sz="2800" spc="-1" strike="noStrike">
+          <a:lstStyle/>
+          <a:p>
+            <a:endParaRPr lang="cs-CZ" sz="2800" b="0" strike="noStrike" spc="-1">
               <a:solidFill>
                 <a:srgbClr val="000000"/>
               </a:solidFill>
@@ -592,11 +711,14 @@
       </p:sp>
     </p:spTree>
   </p:cSld>
+  <p:clrMapOvr>
+    <a:masterClrMapping/>
+  </p:clrMapOvr>
 </p:sldLayout>
 </file>
 
 <file path=ppt/slideLayouts/slideLayout13.xml><?xml version="1.0" encoding="utf-8"?>
-<p:sldLayout xmlns:a="http://schemas.openxmlformats.org/drawingml/2006/main" xmlns:p="http://schemas.openxmlformats.org/presentationml/2006/main" xmlns:r="http://schemas.openxmlformats.org/officeDocument/2006/relationships" xmlns:p14="http://schemas.microsoft.com/office/powerpoint/2010/main" xmlns:p15="http://schemas.microsoft.com/office/powerpoint/2012/main" xmlns:mc="http://schemas.openxmlformats.org/markup-compatibility/2006" type="blank" preserve="1">
+<p:sldLayout xmlns:a="http://schemas.openxmlformats.org/drawingml/2006/main" xmlns:r="http://schemas.openxmlformats.org/officeDocument/2006/relationships" xmlns:p="http://schemas.openxmlformats.org/presentationml/2006/main" type="blank" preserve="1">
   <p:cSld name="Blank Slide">
     <p:spTree>
       <p:nvGrpSpPr>
@@ -614,11 +736,14 @@
       </p:grpSpPr>
     </p:spTree>
   </p:cSld>
+  <p:clrMapOvr>
+    <a:masterClrMapping/>
+  </p:clrMapOvr>
 </p:sldLayout>
 </file>
 
 <file path=ppt/slideLayouts/slideLayout14.xml><?xml version="1.0" encoding="utf-8"?>
-<p:sldLayout xmlns:a="http://schemas.openxmlformats.org/drawingml/2006/main" xmlns:p="http://schemas.openxmlformats.org/presentationml/2006/main" xmlns:r="http://schemas.openxmlformats.org/officeDocument/2006/relationships" xmlns:p14="http://schemas.microsoft.com/office/powerpoint/2010/main" xmlns:p15="http://schemas.microsoft.com/office/powerpoint/2012/main" xmlns:mc="http://schemas.openxmlformats.org/markup-compatibility/2006" type="tx" preserve="1">
+<p:sldLayout xmlns:a="http://schemas.openxmlformats.org/drawingml/2006/main" xmlns:r="http://schemas.openxmlformats.org/officeDocument/2006/relationships" xmlns:p="http://schemas.openxmlformats.org/presentationml/2006/main" type="tx" preserve="1">
   <p:cSld name="Title Slide">
     <p:spTree>
       <p:nvGrpSpPr>
@@ -654,9 +779,10 @@
           </a:prstGeom>
         </p:spPr>
         <p:txBody>
-          <a:bodyPr lIns="0" rIns="0" tIns="0" bIns="0" anchor="ctr"/>
-          <a:p>
-            <a:endParaRPr b="0" lang="cs-CZ" sz="1800" spc="-1" strike="noStrike">
+          <a:bodyPr lIns="0" tIns="0" rIns="0" bIns="0" anchor="ctr"/>
+          <a:lstStyle/>
+          <a:p>
+            <a:endParaRPr lang="cs-CZ" sz="1800" b="0" strike="noStrike" spc="-1">
               <a:solidFill>
                 <a:srgbClr val="000000"/>
               </a:solidFill>
@@ -685,10 +811,11 @@
           </a:prstGeom>
         </p:spPr>
         <p:txBody>
-          <a:bodyPr lIns="0" rIns="0" tIns="0" bIns="0" anchor="ctr"/>
+          <a:bodyPr lIns="0" tIns="0" rIns="0" bIns="0" anchor="ctr"/>
+          <a:lstStyle/>
           <a:p>
             <a:pPr algn="ctr"/>
-            <a:endParaRPr b="0" lang="cs-CZ" sz="3200" spc="-1" strike="noStrike">
+            <a:endParaRPr lang="cs-CZ" sz="3200" b="0" strike="noStrike" spc="-1">
               <a:latin typeface="Arial"/>
             </a:endParaRPr>
           </a:p>
@@ -696,11 +823,14 @@
       </p:sp>
     </p:spTree>
   </p:cSld>
+  <p:clrMapOvr>
+    <a:masterClrMapping/>
+  </p:clrMapOvr>
 </p:sldLayout>
 </file>
 
 <file path=ppt/slideLayouts/slideLayout15.xml><?xml version="1.0" encoding="utf-8"?>
-<p:sldLayout xmlns:a="http://schemas.openxmlformats.org/drawingml/2006/main" xmlns:p="http://schemas.openxmlformats.org/presentationml/2006/main" xmlns:r="http://schemas.openxmlformats.org/officeDocument/2006/relationships" xmlns:p14="http://schemas.microsoft.com/office/powerpoint/2010/main" xmlns:p15="http://schemas.microsoft.com/office/powerpoint/2012/main" xmlns:mc="http://schemas.openxmlformats.org/markup-compatibility/2006" type="obj" preserve="1">
+<p:sldLayout xmlns:a="http://schemas.openxmlformats.org/drawingml/2006/main" xmlns:r="http://schemas.openxmlformats.org/officeDocument/2006/relationships" xmlns:p="http://schemas.openxmlformats.org/presentationml/2006/main" type="obj" preserve="1">
   <p:cSld name="Title, Content">
     <p:spTree>
       <p:nvGrpSpPr>
@@ -736,9 +866,10 @@
           </a:prstGeom>
         </p:spPr>
         <p:txBody>
-          <a:bodyPr lIns="0" rIns="0" tIns="0" bIns="0" anchor="ctr"/>
-          <a:p>
-            <a:endParaRPr b="0" lang="cs-CZ" sz="1800" spc="-1" strike="noStrike">
+          <a:bodyPr lIns="0" tIns="0" rIns="0" bIns="0" anchor="ctr"/>
+          <a:lstStyle/>
+          <a:p>
+            <a:endParaRPr lang="cs-CZ" sz="1800" b="0" strike="noStrike" spc="-1">
               <a:solidFill>
                 <a:srgbClr val="000000"/>
               </a:solidFill>
@@ -767,11 +898,12 @@
           </a:prstGeom>
         </p:spPr>
         <p:txBody>
-          <a:bodyPr lIns="0" rIns="0" tIns="0" bIns="0">
+          <a:bodyPr lIns="0" tIns="0" rIns="0" bIns="0">
             <a:normAutofit/>
           </a:bodyPr>
-          <a:p>
-            <a:endParaRPr b="0" lang="cs-CZ" sz="2800" spc="-1" strike="noStrike">
+          <a:lstStyle/>
+          <a:p>
+            <a:endParaRPr lang="cs-CZ" sz="2800" b="0" strike="noStrike" spc="-1">
               <a:solidFill>
                 <a:srgbClr val="000000"/>
               </a:solidFill>
@@ -782,11 +914,14 @@
       </p:sp>
     </p:spTree>
   </p:cSld>
+  <p:clrMapOvr>
+    <a:masterClrMapping/>
+  </p:clrMapOvr>
 </p:sldLayout>
 </file>
 
 <file path=ppt/slideLayouts/slideLayout16.xml><?xml version="1.0" encoding="utf-8"?>
-<p:sldLayout xmlns:a="http://schemas.openxmlformats.org/drawingml/2006/main" xmlns:p="http://schemas.openxmlformats.org/presentationml/2006/main" xmlns:r="http://schemas.openxmlformats.org/officeDocument/2006/relationships" xmlns:p14="http://schemas.microsoft.com/office/powerpoint/2010/main" xmlns:p15="http://schemas.microsoft.com/office/powerpoint/2012/main" xmlns:mc="http://schemas.openxmlformats.org/markup-compatibility/2006" type="twoObj" preserve="1">
+<p:sldLayout xmlns:a="http://schemas.openxmlformats.org/drawingml/2006/main" xmlns:r="http://schemas.openxmlformats.org/officeDocument/2006/relationships" xmlns:p="http://schemas.openxmlformats.org/presentationml/2006/main" type="twoObj" preserve="1">
   <p:cSld name="Title, 2 Content">
     <p:spTree>
       <p:nvGrpSpPr>
@@ -822,9 +957,10 @@
           </a:prstGeom>
         </p:spPr>
         <p:txBody>
-          <a:bodyPr lIns="0" rIns="0" tIns="0" bIns="0" anchor="ctr"/>
-          <a:p>
-            <a:endParaRPr b="0" lang="cs-CZ" sz="1800" spc="-1" strike="noStrike">
+          <a:bodyPr lIns="0" tIns="0" rIns="0" bIns="0" anchor="ctr"/>
+          <a:lstStyle/>
+          <a:p>
+            <a:endParaRPr lang="cs-CZ" sz="1800" b="0" strike="noStrike" spc="-1">
               <a:solidFill>
                 <a:srgbClr val="000000"/>
               </a:solidFill>
@@ -853,11 +989,12 @@
           </a:prstGeom>
         </p:spPr>
         <p:txBody>
-          <a:bodyPr lIns="0" rIns="0" tIns="0" bIns="0">
+          <a:bodyPr lIns="0" tIns="0" rIns="0" bIns="0">
             <a:normAutofit/>
           </a:bodyPr>
-          <a:p>
-            <a:endParaRPr b="0" lang="cs-CZ" sz="2800" spc="-1" strike="noStrike">
+          <a:lstStyle/>
+          <a:p>
+            <a:endParaRPr lang="cs-CZ" sz="2800" b="0" strike="noStrike" spc="-1">
               <a:solidFill>
                 <a:srgbClr val="000000"/>
               </a:solidFill>
@@ -886,11 +1023,12 @@
           </a:prstGeom>
         </p:spPr>
         <p:txBody>
-          <a:bodyPr lIns="0" rIns="0" tIns="0" bIns="0">
+          <a:bodyPr lIns="0" tIns="0" rIns="0" bIns="0">
             <a:normAutofit/>
           </a:bodyPr>
-          <a:p>
-            <a:endParaRPr b="0" lang="cs-CZ" sz="2800" spc="-1" strike="noStrike">
+          <a:lstStyle/>
+          <a:p>
+            <a:endParaRPr lang="cs-CZ" sz="2800" b="0" strike="noStrike" spc="-1">
               <a:solidFill>
                 <a:srgbClr val="000000"/>
               </a:solidFill>
@@ -901,11 +1039,14 @@
       </p:sp>
     </p:spTree>
   </p:cSld>
+  <p:clrMapOvr>
+    <a:masterClrMapping/>
+  </p:clrMapOvr>
 </p:sldLayout>
 </file>
 
 <file path=ppt/slideLayouts/slideLayout17.xml><?xml version="1.0" encoding="utf-8"?>
-<p:sldLayout xmlns:a="http://schemas.openxmlformats.org/drawingml/2006/main" xmlns:p="http://schemas.openxmlformats.org/presentationml/2006/main" xmlns:r="http://schemas.openxmlformats.org/officeDocument/2006/relationships" xmlns:p14="http://schemas.microsoft.com/office/powerpoint/2010/main" xmlns:p15="http://schemas.microsoft.com/office/powerpoint/2012/main" xmlns:mc="http://schemas.openxmlformats.org/markup-compatibility/2006" type="titleOnly" preserve="1">
+<p:sldLayout xmlns:a="http://schemas.openxmlformats.org/drawingml/2006/main" xmlns:r="http://schemas.openxmlformats.org/officeDocument/2006/relationships" xmlns:p="http://schemas.openxmlformats.org/presentationml/2006/main" type="titleOnly" preserve="1">
   <p:cSld name="Title Only">
     <p:spTree>
       <p:nvGrpSpPr>
@@ -941,9 +1082,10 @@
           </a:prstGeom>
         </p:spPr>
         <p:txBody>
-          <a:bodyPr lIns="0" rIns="0" tIns="0" bIns="0" anchor="ctr"/>
-          <a:p>
-            <a:endParaRPr b="0" lang="cs-CZ" sz="1800" spc="-1" strike="noStrike">
+          <a:bodyPr lIns="0" tIns="0" rIns="0" bIns="0" anchor="ctr"/>
+          <a:lstStyle/>
+          <a:p>
+            <a:endParaRPr lang="cs-CZ" sz="1800" b="0" strike="noStrike" spc="-1">
               <a:solidFill>
                 <a:srgbClr val="000000"/>
               </a:solidFill>
@@ -954,11 +1096,14 @@
       </p:sp>
     </p:spTree>
   </p:cSld>
+  <p:clrMapOvr>
+    <a:masterClrMapping/>
+  </p:clrMapOvr>
 </p:sldLayout>
 </file>
 
 <file path=ppt/slideLayouts/slideLayout18.xml><?xml version="1.0" encoding="utf-8"?>
-<p:sldLayout xmlns:a="http://schemas.openxmlformats.org/drawingml/2006/main" xmlns:p="http://schemas.openxmlformats.org/presentationml/2006/main" xmlns:r="http://schemas.openxmlformats.org/officeDocument/2006/relationships" xmlns:p14="http://schemas.microsoft.com/office/powerpoint/2010/main" xmlns:p15="http://schemas.microsoft.com/office/powerpoint/2012/main" xmlns:mc="http://schemas.openxmlformats.org/markup-compatibility/2006" type="objOnly" preserve="1">
+<p:sldLayout xmlns:a="http://schemas.openxmlformats.org/drawingml/2006/main" xmlns:r="http://schemas.openxmlformats.org/officeDocument/2006/relationships" xmlns:p="http://schemas.openxmlformats.org/presentationml/2006/main" type="objOnly" preserve="1">
   <p:cSld name="Centered Text">
     <p:spTree>
       <p:nvGrpSpPr>
@@ -994,10 +1139,11 @@
           </a:prstGeom>
         </p:spPr>
         <p:txBody>
-          <a:bodyPr lIns="0" rIns="0" tIns="0" bIns="0" anchor="ctr"/>
+          <a:bodyPr lIns="0" tIns="0" rIns="0" bIns="0" anchor="ctr"/>
+          <a:lstStyle/>
           <a:p>
             <a:pPr algn="ctr"/>
-            <a:endParaRPr b="0" lang="cs-CZ" sz="3200" spc="-1" strike="noStrike">
+            <a:endParaRPr lang="cs-CZ" sz="3200" b="0" strike="noStrike" spc="-1">
               <a:latin typeface="Arial"/>
             </a:endParaRPr>
           </a:p>
@@ -1005,11 +1151,14 @@
       </p:sp>
     </p:spTree>
   </p:cSld>
+  <p:clrMapOvr>
+    <a:masterClrMapping/>
+  </p:clrMapOvr>
 </p:sldLayout>
 </file>
 
 <file path=ppt/slideLayouts/slideLayout19.xml><?xml version="1.0" encoding="utf-8"?>
-<p:sldLayout xmlns:a="http://schemas.openxmlformats.org/drawingml/2006/main" xmlns:p="http://schemas.openxmlformats.org/presentationml/2006/main" xmlns:r="http://schemas.openxmlformats.org/officeDocument/2006/relationships" xmlns:p14="http://schemas.microsoft.com/office/powerpoint/2010/main" xmlns:p15="http://schemas.microsoft.com/office/powerpoint/2012/main" xmlns:mc="http://schemas.openxmlformats.org/markup-compatibility/2006" type="twoObjAndObj" preserve="1">
+<p:sldLayout xmlns:a="http://schemas.openxmlformats.org/drawingml/2006/main" xmlns:r="http://schemas.openxmlformats.org/officeDocument/2006/relationships" xmlns:p="http://schemas.openxmlformats.org/presentationml/2006/main" type="twoObjAndObj" preserve="1">
   <p:cSld name="Title, 2 Content and Content">
     <p:spTree>
       <p:nvGrpSpPr>
@@ -1045,9 +1194,10 @@
           </a:prstGeom>
         </p:spPr>
         <p:txBody>
-          <a:bodyPr lIns="0" rIns="0" tIns="0" bIns="0" anchor="ctr"/>
-          <a:p>
-            <a:endParaRPr b="0" lang="cs-CZ" sz="1800" spc="-1" strike="noStrike">
+          <a:bodyPr lIns="0" tIns="0" rIns="0" bIns="0" anchor="ctr"/>
+          <a:lstStyle/>
+          <a:p>
+            <a:endParaRPr lang="cs-CZ" sz="1800" b="0" strike="noStrike" spc="-1">
               <a:solidFill>
                 <a:srgbClr val="000000"/>
               </a:solidFill>
@@ -1076,11 +1226,12 @@
           </a:prstGeom>
         </p:spPr>
         <p:txBody>
-          <a:bodyPr lIns="0" rIns="0" tIns="0" bIns="0">
+          <a:bodyPr lIns="0" tIns="0" rIns="0" bIns="0">
             <a:normAutofit/>
           </a:bodyPr>
-          <a:p>
-            <a:endParaRPr b="0" lang="cs-CZ" sz="2800" spc="-1" strike="noStrike">
+          <a:lstStyle/>
+          <a:p>
+            <a:endParaRPr lang="cs-CZ" sz="2800" b="0" strike="noStrike" spc="-1">
               <a:solidFill>
                 <a:srgbClr val="000000"/>
               </a:solidFill>
@@ -1109,11 +1260,12 @@
           </a:prstGeom>
         </p:spPr>
         <p:txBody>
-          <a:bodyPr lIns="0" rIns="0" tIns="0" bIns="0">
+          <a:bodyPr lIns="0" tIns="0" rIns="0" bIns="0">
             <a:normAutofit/>
           </a:bodyPr>
-          <a:p>
-            <a:endParaRPr b="0" lang="cs-CZ" sz="2800" spc="-1" strike="noStrike">
+          <a:lstStyle/>
+          <a:p>
+            <a:endParaRPr lang="cs-CZ" sz="2800" b="0" strike="noStrike" spc="-1">
               <a:solidFill>
                 <a:srgbClr val="000000"/>
               </a:solidFill>
@@ -1142,11 +1294,12 @@
           </a:prstGeom>
         </p:spPr>
         <p:txBody>
-          <a:bodyPr lIns="0" rIns="0" tIns="0" bIns="0">
+          <a:bodyPr lIns="0" tIns="0" rIns="0" bIns="0">
             <a:normAutofit/>
           </a:bodyPr>
-          <a:p>
-            <a:endParaRPr b="0" lang="cs-CZ" sz="2800" spc="-1" strike="noStrike">
+          <a:lstStyle/>
+          <a:p>
+            <a:endParaRPr lang="cs-CZ" sz="2800" b="0" strike="noStrike" spc="-1">
               <a:solidFill>
                 <a:srgbClr val="000000"/>
               </a:solidFill>
@@ -1157,11 +1310,14 @@
       </p:sp>
     </p:spTree>
   </p:cSld>
+  <p:clrMapOvr>
+    <a:masterClrMapping/>
+  </p:clrMapOvr>
 </p:sldLayout>
 </file>
 
 <file path=ppt/slideLayouts/slideLayout2.xml><?xml version="1.0" encoding="utf-8"?>
-<p:sldLayout xmlns:a="http://schemas.openxmlformats.org/drawingml/2006/main" xmlns:p="http://schemas.openxmlformats.org/presentationml/2006/main" xmlns:r="http://schemas.openxmlformats.org/officeDocument/2006/relationships" xmlns:p14="http://schemas.microsoft.com/office/powerpoint/2010/main" xmlns:p15="http://schemas.microsoft.com/office/powerpoint/2012/main" xmlns:mc="http://schemas.openxmlformats.org/markup-compatibility/2006" type="tx" preserve="1">
+<p:sldLayout xmlns:a="http://schemas.openxmlformats.org/drawingml/2006/main" xmlns:r="http://schemas.openxmlformats.org/officeDocument/2006/relationships" xmlns:p="http://schemas.openxmlformats.org/presentationml/2006/main" type="tx" preserve="1">
   <p:cSld name="Title Slide">
     <p:spTree>
       <p:nvGrpSpPr>
@@ -1197,9 +1353,10 @@
           </a:prstGeom>
         </p:spPr>
         <p:txBody>
-          <a:bodyPr lIns="0" rIns="0" tIns="0" bIns="0" anchor="ctr"/>
-          <a:p>
-            <a:endParaRPr b="0" lang="cs-CZ" sz="1800" spc="-1" strike="noStrike">
+          <a:bodyPr lIns="0" tIns="0" rIns="0" bIns="0" anchor="ctr"/>
+          <a:lstStyle/>
+          <a:p>
+            <a:endParaRPr lang="cs-CZ" sz="1800" b="0" strike="noStrike" spc="-1">
               <a:solidFill>
                 <a:srgbClr val="000000"/>
               </a:solidFill>
@@ -1228,10 +1385,11 @@
           </a:prstGeom>
         </p:spPr>
         <p:txBody>
-          <a:bodyPr lIns="0" rIns="0" tIns="0" bIns="0" anchor="ctr"/>
+          <a:bodyPr lIns="0" tIns="0" rIns="0" bIns="0" anchor="ctr"/>
+          <a:lstStyle/>
           <a:p>
             <a:pPr algn="ctr"/>
-            <a:endParaRPr b="0" lang="cs-CZ" sz="3200" spc="-1" strike="noStrike">
+            <a:endParaRPr lang="cs-CZ" sz="3200" b="0" strike="noStrike" spc="-1">
               <a:latin typeface="Arial"/>
             </a:endParaRPr>
           </a:p>
@@ -1239,11 +1397,14 @@
       </p:sp>
     </p:spTree>
   </p:cSld>
+  <p:clrMapOvr>
+    <a:masterClrMapping/>
+  </p:clrMapOvr>
 </p:sldLayout>
 </file>
 
 <file path=ppt/slideLayouts/slideLayout20.xml><?xml version="1.0" encoding="utf-8"?>
-<p:sldLayout xmlns:a="http://schemas.openxmlformats.org/drawingml/2006/main" xmlns:p="http://schemas.openxmlformats.org/presentationml/2006/main" xmlns:r="http://schemas.openxmlformats.org/officeDocument/2006/relationships" xmlns:p14="http://schemas.microsoft.com/office/powerpoint/2010/main" xmlns:p15="http://schemas.microsoft.com/office/powerpoint/2012/main" xmlns:mc="http://schemas.openxmlformats.org/markup-compatibility/2006" type="objAndTwoObj" preserve="1">
+<p:sldLayout xmlns:a="http://schemas.openxmlformats.org/drawingml/2006/main" xmlns:r="http://schemas.openxmlformats.org/officeDocument/2006/relationships" xmlns:p="http://schemas.openxmlformats.org/presentationml/2006/main" type="objAndTwoObj" preserve="1">
   <p:cSld name="Title Content and 2 Content">
     <p:spTree>
       <p:nvGrpSpPr>
@@ -1279,9 +1440,10 @@
           </a:prstGeom>
         </p:spPr>
         <p:txBody>
-          <a:bodyPr lIns="0" rIns="0" tIns="0" bIns="0" anchor="ctr"/>
-          <a:p>
-            <a:endParaRPr b="0" lang="cs-CZ" sz="1800" spc="-1" strike="noStrike">
+          <a:bodyPr lIns="0" tIns="0" rIns="0" bIns="0" anchor="ctr"/>
+          <a:lstStyle/>
+          <a:p>
+            <a:endParaRPr lang="cs-CZ" sz="1800" b="0" strike="noStrike" spc="-1">
               <a:solidFill>
                 <a:srgbClr val="000000"/>
               </a:solidFill>
@@ -1310,11 +1472,12 @@
           </a:prstGeom>
         </p:spPr>
         <p:txBody>
-          <a:bodyPr lIns="0" rIns="0" tIns="0" bIns="0">
+          <a:bodyPr lIns="0" tIns="0" rIns="0" bIns="0">
             <a:normAutofit/>
           </a:bodyPr>
-          <a:p>
-            <a:endParaRPr b="0" lang="cs-CZ" sz="2800" spc="-1" strike="noStrike">
+          <a:lstStyle/>
+          <a:p>
+            <a:endParaRPr lang="cs-CZ" sz="2800" b="0" strike="noStrike" spc="-1">
               <a:solidFill>
                 <a:srgbClr val="000000"/>
               </a:solidFill>
@@ -1343,11 +1506,12 @@
           </a:prstGeom>
         </p:spPr>
         <p:txBody>
-          <a:bodyPr lIns="0" rIns="0" tIns="0" bIns="0">
+          <a:bodyPr lIns="0" tIns="0" rIns="0" bIns="0">
             <a:normAutofit/>
           </a:bodyPr>
-          <a:p>
-            <a:endParaRPr b="0" lang="cs-CZ" sz="2800" spc="-1" strike="noStrike">
+          <a:lstStyle/>
+          <a:p>
+            <a:endParaRPr lang="cs-CZ" sz="2800" b="0" strike="noStrike" spc="-1">
               <a:solidFill>
                 <a:srgbClr val="000000"/>
               </a:solidFill>
@@ -1376,11 +1540,12 @@
           </a:prstGeom>
         </p:spPr>
         <p:txBody>
-          <a:bodyPr lIns="0" rIns="0" tIns="0" bIns="0">
+          <a:bodyPr lIns="0" tIns="0" rIns="0" bIns="0">
             <a:normAutofit/>
           </a:bodyPr>
-          <a:p>
-            <a:endParaRPr b="0" lang="cs-CZ" sz="2800" spc="-1" strike="noStrike">
+          <a:lstStyle/>
+          <a:p>
+            <a:endParaRPr lang="cs-CZ" sz="2800" b="0" strike="noStrike" spc="-1">
               <a:solidFill>
                 <a:srgbClr val="000000"/>
               </a:solidFill>
@@ -1391,11 +1556,14 @@
       </p:sp>
     </p:spTree>
   </p:cSld>
+  <p:clrMapOvr>
+    <a:masterClrMapping/>
+  </p:clrMapOvr>
 </p:sldLayout>
 </file>
 
 <file path=ppt/slideLayouts/slideLayout21.xml><?xml version="1.0" encoding="utf-8"?>
-<p:sldLayout xmlns:a="http://schemas.openxmlformats.org/drawingml/2006/main" xmlns:p="http://schemas.openxmlformats.org/presentationml/2006/main" xmlns:r="http://schemas.openxmlformats.org/officeDocument/2006/relationships" xmlns:p14="http://schemas.microsoft.com/office/powerpoint/2010/main" xmlns:p15="http://schemas.microsoft.com/office/powerpoint/2012/main" xmlns:mc="http://schemas.openxmlformats.org/markup-compatibility/2006" type="twoObjOverTx" preserve="1">
+<p:sldLayout xmlns:a="http://schemas.openxmlformats.org/drawingml/2006/main" xmlns:r="http://schemas.openxmlformats.org/officeDocument/2006/relationships" xmlns:p="http://schemas.openxmlformats.org/presentationml/2006/main" type="twoObjOverTx" preserve="1">
   <p:cSld name="Title, 2 Content over Content">
     <p:spTree>
       <p:nvGrpSpPr>
@@ -1431,9 +1599,10 @@
           </a:prstGeom>
         </p:spPr>
         <p:txBody>
-          <a:bodyPr lIns="0" rIns="0" tIns="0" bIns="0" anchor="ctr"/>
-          <a:p>
-            <a:endParaRPr b="0" lang="cs-CZ" sz="1800" spc="-1" strike="noStrike">
+          <a:bodyPr lIns="0" tIns="0" rIns="0" bIns="0" anchor="ctr"/>
+          <a:lstStyle/>
+          <a:p>
+            <a:endParaRPr lang="cs-CZ" sz="1800" b="0" strike="noStrike" spc="-1">
               <a:solidFill>
                 <a:srgbClr val="000000"/>
               </a:solidFill>
@@ -1462,11 +1631,12 @@
           </a:prstGeom>
         </p:spPr>
         <p:txBody>
-          <a:bodyPr lIns="0" rIns="0" tIns="0" bIns="0">
+          <a:bodyPr lIns="0" tIns="0" rIns="0" bIns="0">
             <a:normAutofit/>
           </a:bodyPr>
-          <a:p>
-            <a:endParaRPr b="0" lang="cs-CZ" sz="2800" spc="-1" strike="noStrike">
+          <a:lstStyle/>
+          <a:p>
+            <a:endParaRPr lang="cs-CZ" sz="2800" b="0" strike="noStrike" spc="-1">
               <a:solidFill>
                 <a:srgbClr val="000000"/>
               </a:solidFill>
@@ -1495,11 +1665,12 @@
           </a:prstGeom>
         </p:spPr>
         <p:txBody>
-          <a:bodyPr lIns="0" rIns="0" tIns="0" bIns="0">
+          <a:bodyPr lIns="0" tIns="0" rIns="0" bIns="0">
             <a:normAutofit/>
           </a:bodyPr>
-          <a:p>
-            <a:endParaRPr b="0" lang="cs-CZ" sz="2800" spc="-1" strike="noStrike">
+          <a:lstStyle/>
+          <a:p>
+            <a:endParaRPr lang="cs-CZ" sz="2800" b="0" strike="noStrike" spc="-1">
               <a:solidFill>
                 <a:srgbClr val="000000"/>
               </a:solidFill>
@@ -1528,11 +1699,12 @@
           </a:prstGeom>
         </p:spPr>
         <p:txBody>
-          <a:bodyPr lIns="0" rIns="0" tIns="0" bIns="0">
+          <a:bodyPr lIns="0" tIns="0" rIns="0" bIns="0">
             <a:normAutofit/>
           </a:bodyPr>
-          <a:p>
-            <a:endParaRPr b="0" lang="cs-CZ" sz="2800" spc="-1" strike="noStrike">
+          <a:lstStyle/>
+          <a:p>
+            <a:endParaRPr lang="cs-CZ" sz="2800" b="0" strike="noStrike" spc="-1">
               <a:solidFill>
                 <a:srgbClr val="000000"/>
               </a:solidFill>
@@ -1543,11 +1715,14 @@
       </p:sp>
     </p:spTree>
   </p:cSld>
+  <p:clrMapOvr>
+    <a:masterClrMapping/>
+  </p:clrMapOvr>
 </p:sldLayout>
 </file>
 
 <file path=ppt/slideLayouts/slideLayout22.xml><?xml version="1.0" encoding="utf-8"?>
-<p:sldLayout xmlns:a="http://schemas.openxmlformats.org/drawingml/2006/main" xmlns:p="http://schemas.openxmlformats.org/presentationml/2006/main" xmlns:r="http://schemas.openxmlformats.org/officeDocument/2006/relationships" xmlns:p14="http://schemas.microsoft.com/office/powerpoint/2010/main" xmlns:p15="http://schemas.microsoft.com/office/powerpoint/2012/main" xmlns:mc="http://schemas.openxmlformats.org/markup-compatibility/2006" type="objOverTx" preserve="1">
+<p:sldLayout xmlns:a="http://schemas.openxmlformats.org/drawingml/2006/main" xmlns:r="http://schemas.openxmlformats.org/officeDocument/2006/relationships" xmlns:p="http://schemas.openxmlformats.org/presentationml/2006/main" type="objOverTx" preserve="1">
   <p:cSld name="Title, Content over Content">
     <p:spTree>
       <p:nvGrpSpPr>
@@ -1583,9 +1758,10 @@
           </a:prstGeom>
         </p:spPr>
         <p:txBody>
-          <a:bodyPr lIns="0" rIns="0" tIns="0" bIns="0" anchor="ctr"/>
-          <a:p>
-            <a:endParaRPr b="0" lang="cs-CZ" sz="1800" spc="-1" strike="noStrike">
+          <a:bodyPr lIns="0" tIns="0" rIns="0" bIns="0" anchor="ctr"/>
+          <a:lstStyle/>
+          <a:p>
+            <a:endParaRPr lang="cs-CZ" sz="1800" b="0" strike="noStrike" spc="-1">
               <a:solidFill>
                 <a:srgbClr val="000000"/>
               </a:solidFill>
@@ -1614,11 +1790,12 @@
           </a:prstGeom>
         </p:spPr>
         <p:txBody>
-          <a:bodyPr lIns="0" rIns="0" tIns="0" bIns="0">
+          <a:bodyPr lIns="0" tIns="0" rIns="0" bIns="0">
             <a:normAutofit/>
           </a:bodyPr>
-          <a:p>
-            <a:endParaRPr b="0" lang="cs-CZ" sz="2800" spc="-1" strike="noStrike">
+          <a:lstStyle/>
+          <a:p>
+            <a:endParaRPr lang="cs-CZ" sz="2800" b="0" strike="noStrike" spc="-1">
               <a:solidFill>
                 <a:srgbClr val="000000"/>
               </a:solidFill>
@@ -1647,11 +1824,12 @@
           </a:prstGeom>
         </p:spPr>
         <p:txBody>
-          <a:bodyPr lIns="0" rIns="0" tIns="0" bIns="0">
+          <a:bodyPr lIns="0" tIns="0" rIns="0" bIns="0">
             <a:normAutofit/>
           </a:bodyPr>
-          <a:p>
-            <a:endParaRPr b="0" lang="cs-CZ" sz="2800" spc="-1" strike="noStrike">
+          <a:lstStyle/>
+          <a:p>
+            <a:endParaRPr lang="cs-CZ" sz="2800" b="0" strike="noStrike" spc="-1">
               <a:solidFill>
                 <a:srgbClr val="000000"/>
               </a:solidFill>
@@ -1662,11 +1840,14 @@
       </p:sp>
     </p:spTree>
   </p:cSld>
+  <p:clrMapOvr>
+    <a:masterClrMapping/>
+  </p:clrMapOvr>
 </p:sldLayout>
 </file>
 
 <file path=ppt/slideLayouts/slideLayout23.xml><?xml version="1.0" encoding="utf-8"?>
-<p:sldLayout xmlns:a="http://schemas.openxmlformats.org/drawingml/2006/main" xmlns:p="http://schemas.openxmlformats.org/presentationml/2006/main" xmlns:r="http://schemas.openxmlformats.org/officeDocument/2006/relationships" xmlns:p14="http://schemas.microsoft.com/office/powerpoint/2010/main" xmlns:p15="http://schemas.microsoft.com/office/powerpoint/2012/main" xmlns:mc="http://schemas.openxmlformats.org/markup-compatibility/2006" type="fourObj" preserve="1">
+<p:sldLayout xmlns:a="http://schemas.openxmlformats.org/drawingml/2006/main" xmlns:r="http://schemas.openxmlformats.org/officeDocument/2006/relationships" xmlns:p="http://schemas.openxmlformats.org/presentationml/2006/main" type="fourObj" preserve="1">
   <p:cSld name="Title, 4 Content">
     <p:spTree>
       <p:nvGrpSpPr>
@@ -1702,9 +1883,10 @@
           </a:prstGeom>
         </p:spPr>
         <p:txBody>
-          <a:bodyPr lIns="0" rIns="0" tIns="0" bIns="0" anchor="ctr"/>
-          <a:p>
-            <a:endParaRPr b="0" lang="cs-CZ" sz="1800" spc="-1" strike="noStrike">
+          <a:bodyPr lIns="0" tIns="0" rIns="0" bIns="0" anchor="ctr"/>
+          <a:lstStyle/>
+          <a:p>
+            <a:endParaRPr lang="cs-CZ" sz="1800" b="0" strike="noStrike" spc="-1">
               <a:solidFill>
                 <a:srgbClr val="000000"/>
               </a:solidFill>
@@ -1733,11 +1915,12 @@
           </a:prstGeom>
         </p:spPr>
         <p:txBody>
-          <a:bodyPr lIns="0" rIns="0" tIns="0" bIns="0">
+          <a:bodyPr lIns="0" tIns="0" rIns="0" bIns="0">
             <a:normAutofit/>
           </a:bodyPr>
-          <a:p>
-            <a:endParaRPr b="0" lang="cs-CZ" sz="2800" spc="-1" strike="noStrike">
+          <a:lstStyle/>
+          <a:p>
+            <a:endParaRPr lang="cs-CZ" sz="2800" b="0" strike="noStrike" spc="-1">
               <a:solidFill>
                 <a:srgbClr val="000000"/>
               </a:solidFill>
@@ -1766,11 +1949,12 @@
           </a:prstGeom>
         </p:spPr>
         <p:txBody>
-          <a:bodyPr lIns="0" rIns="0" tIns="0" bIns="0">
+          <a:bodyPr lIns="0" tIns="0" rIns="0" bIns="0">
             <a:normAutofit/>
           </a:bodyPr>
-          <a:p>
-            <a:endParaRPr b="0" lang="cs-CZ" sz="2800" spc="-1" strike="noStrike">
+          <a:lstStyle/>
+          <a:p>
+            <a:endParaRPr lang="cs-CZ" sz="2800" b="0" strike="noStrike" spc="-1">
               <a:solidFill>
                 <a:srgbClr val="000000"/>
               </a:solidFill>
@@ -1799,11 +1983,12 @@
           </a:prstGeom>
         </p:spPr>
         <p:txBody>
-          <a:bodyPr lIns="0" rIns="0" tIns="0" bIns="0">
+          <a:bodyPr lIns="0" tIns="0" rIns="0" bIns="0">
             <a:normAutofit/>
           </a:bodyPr>
-          <a:p>
-            <a:endParaRPr b="0" lang="cs-CZ" sz="2800" spc="-1" strike="noStrike">
+          <a:lstStyle/>
+          <a:p>
+            <a:endParaRPr lang="cs-CZ" sz="2800" b="0" strike="noStrike" spc="-1">
               <a:solidFill>
                 <a:srgbClr val="000000"/>
               </a:solidFill>
@@ -1832,11 +2017,12 @@
           </a:prstGeom>
         </p:spPr>
         <p:txBody>
-          <a:bodyPr lIns="0" rIns="0" tIns="0" bIns="0">
+          <a:bodyPr lIns="0" tIns="0" rIns="0" bIns="0">
             <a:normAutofit/>
           </a:bodyPr>
-          <a:p>
-            <a:endParaRPr b="0" lang="cs-CZ" sz="2800" spc="-1" strike="noStrike">
+          <a:lstStyle/>
+          <a:p>
+            <a:endParaRPr lang="cs-CZ" sz="2800" b="0" strike="noStrike" spc="-1">
               <a:solidFill>
                 <a:srgbClr val="000000"/>
               </a:solidFill>
@@ -1847,11 +2033,14 @@
       </p:sp>
     </p:spTree>
   </p:cSld>
+  <p:clrMapOvr>
+    <a:masterClrMapping/>
+  </p:clrMapOvr>
 </p:sldLayout>
 </file>
 
 <file path=ppt/slideLayouts/slideLayout24.xml><?xml version="1.0" encoding="utf-8"?>
-<p:sldLayout xmlns:a="http://schemas.openxmlformats.org/drawingml/2006/main" xmlns:p="http://schemas.openxmlformats.org/presentationml/2006/main" xmlns:r="http://schemas.openxmlformats.org/officeDocument/2006/relationships" xmlns:p14="http://schemas.microsoft.com/office/powerpoint/2010/main" xmlns:p15="http://schemas.microsoft.com/office/powerpoint/2012/main" xmlns:mc="http://schemas.openxmlformats.org/markup-compatibility/2006" type="blank" preserve="1">
+<p:sldLayout xmlns:a="http://schemas.openxmlformats.org/drawingml/2006/main" xmlns:r="http://schemas.openxmlformats.org/officeDocument/2006/relationships" xmlns:p="http://schemas.openxmlformats.org/presentationml/2006/main" type="blank" preserve="1">
   <p:cSld name="Title, 6 Content">
     <p:spTree>
       <p:nvGrpSpPr>
@@ -1887,9 +2076,10 @@
           </a:prstGeom>
         </p:spPr>
         <p:txBody>
-          <a:bodyPr lIns="0" rIns="0" tIns="0" bIns="0" anchor="ctr"/>
-          <a:p>
-            <a:endParaRPr b="0" lang="cs-CZ" sz="1800" spc="-1" strike="noStrike">
+          <a:bodyPr lIns="0" tIns="0" rIns="0" bIns="0" anchor="ctr"/>
+          <a:lstStyle/>
+          <a:p>
+            <a:endParaRPr lang="cs-CZ" sz="1800" b="0" strike="noStrike" spc="-1">
               <a:solidFill>
                 <a:srgbClr val="000000"/>
               </a:solidFill>
@@ -1918,11 +2108,12 @@
           </a:prstGeom>
         </p:spPr>
         <p:txBody>
-          <a:bodyPr lIns="0" rIns="0" tIns="0" bIns="0">
+          <a:bodyPr lIns="0" tIns="0" rIns="0" bIns="0">
             <a:normAutofit/>
           </a:bodyPr>
-          <a:p>
-            <a:endParaRPr b="0" lang="cs-CZ" sz="2800" spc="-1" strike="noStrike">
+          <a:lstStyle/>
+          <a:p>
+            <a:endParaRPr lang="cs-CZ" sz="2800" b="0" strike="noStrike" spc="-1">
               <a:solidFill>
                 <a:srgbClr val="000000"/>
               </a:solidFill>
@@ -1951,11 +2142,12 @@
           </a:prstGeom>
         </p:spPr>
         <p:txBody>
-          <a:bodyPr lIns="0" rIns="0" tIns="0" bIns="0">
+          <a:bodyPr lIns="0" tIns="0" rIns="0" bIns="0">
             <a:normAutofit/>
           </a:bodyPr>
-          <a:p>
-            <a:endParaRPr b="0" lang="cs-CZ" sz="2800" spc="-1" strike="noStrike">
+          <a:lstStyle/>
+          <a:p>
+            <a:endParaRPr lang="cs-CZ" sz="2800" b="0" strike="noStrike" spc="-1">
               <a:solidFill>
                 <a:srgbClr val="000000"/>
               </a:solidFill>
@@ -1984,11 +2176,12 @@
           </a:prstGeom>
         </p:spPr>
         <p:txBody>
-          <a:bodyPr lIns="0" rIns="0" tIns="0" bIns="0">
+          <a:bodyPr lIns="0" tIns="0" rIns="0" bIns="0">
             <a:normAutofit/>
           </a:bodyPr>
-          <a:p>
-            <a:endParaRPr b="0" lang="cs-CZ" sz="2800" spc="-1" strike="noStrike">
+          <a:lstStyle/>
+          <a:p>
+            <a:endParaRPr lang="cs-CZ" sz="2800" b="0" strike="noStrike" spc="-1">
               <a:solidFill>
                 <a:srgbClr val="000000"/>
               </a:solidFill>
@@ -2017,11 +2210,12 @@
           </a:prstGeom>
         </p:spPr>
         <p:txBody>
-          <a:bodyPr lIns="0" rIns="0" tIns="0" bIns="0">
+          <a:bodyPr lIns="0" tIns="0" rIns="0" bIns="0">
             <a:normAutofit/>
           </a:bodyPr>
-          <a:p>
-            <a:endParaRPr b="0" lang="cs-CZ" sz="2800" spc="-1" strike="noStrike">
+          <a:lstStyle/>
+          <a:p>
+            <a:endParaRPr lang="cs-CZ" sz="2800" b="0" strike="noStrike" spc="-1">
               <a:solidFill>
                 <a:srgbClr val="000000"/>
               </a:solidFill>
@@ -2050,11 +2244,12 @@
           </a:prstGeom>
         </p:spPr>
         <p:txBody>
-          <a:bodyPr lIns="0" rIns="0" tIns="0" bIns="0">
+          <a:bodyPr lIns="0" tIns="0" rIns="0" bIns="0">
             <a:normAutofit/>
           </a:bodyPr>
-          <a:p>
-            <a:endParaRPr b="0" lang="cs-CZ" sz="2800" spc="-1" strike="noStrike">
+          <a:lstStyle/>
+          <a:p>
+            <a:endParaRPr lang="cs-CZ" sz="2800" b="0" strike="noStrike" spc="-1">
               <a:solidFill>
                 <a:srgbClr val="000000"/>
               </a:solidFill>
@@ -2083,11 +2278,12 @@
           </a:prstGeom>
         </p:spPr>
         <p:txBody>
-          <a:bodyPr lIns="0" rIns="0" tIns="0" bIns="0">
+          <a:bodyPr lIns="0" tIns="0" rIns="0" bIns="0">
             <a:normAutofit/>
           </a:bodyPr>
-          <a:p>
-            <a:endParaRPr b="0" lang="cs-CZ" sz="2800" spc="-1" strike="noStrike">
+          <a:lstStyle/>
+          <a:p>
+            <a:endParaRPr lang="cs-CZ" sz="2800" b="0" strike="noStrike" spc="-1">
               <a:solidFill>
                 <a:srgbClr val="000000"/>
               </a:solidFill>
@@ -2098,11 +2294,14 @@
       </p:sp>
     </p:spTree>
   </p:cSld>
+  <p:clrMapOvr>
+    <a:masterClrMapping/>
+  </p:clrMapOvr>
 </p:sldLayout>
 </file>
 
 <file path=ppt/slideLayouts/slideLayout25.xml><?xml version="1.0" encoding="utf-8"?>
-<p:sldLayout xmlns:a="http://schemas.openxmlformats.org/drawingml/2006/main" xmlns:p="http://schemas.openxmlformats.org/presentationml/2006/main" xmlns:r="http://schemas.openxmlformats.org/officeDocument/2006/relationships" xmlns:p14="http://schemas.microsoft.com/office/powerpoint/2010/main" xmlns:p15="http://schemas.microsoft.com/office/powerpoint/2012/main" xmlns:mc="http://schemas.openxmlformats.org/markup-compatibility/2006" type="blank" preserve="1">
+<p:sldLayout xmlns:a="http://schemas.openxmlformats.org/drawingml/2006/main" xmlns:r="http://schemas.openxmlformats.org/officeDocument/2006/relationships" xmlns:p="http://schemas.openxmlformats.org/presentationml/2006/main" type="blank" preserve="1">
   <p:cSld name="Blank Slide">
     <p:spTree>
       <p:nvGrpSpPr>
@@ -2120,11 +2319,14 @@
       </p:grpSpPr>
     </p:spTree>
   </p:cSld>
+  <p:clrMapOvr>
+    <a:masterClrMapping/>
+  </p:clrMapOvr>
 </p:sldLayout>
 </file>
 
 <file path=ppt/slideLayouts/slideLayout26.xml><?xml version="1.0" encoding="utf-8"?>
-<p:sldLayout xmlns:a="http://schemas.openxmlformats.org/drawingml/2006/main" xmlns:p="http://schemas.openxmlformats.org/presentationml/2006/main" xmlns:r="http://schemas.openxmlformats.org/officeDocument/2006/relationships" xmlns:p14="http://schemas.microsoft.com/office/powerpoint/2010/main" xmlns:p15="http://schemas.microsoft.com/office/powerpoint/2012/main" xmlns:mc="http://schemas.openxmlformats.org/markup-compatibility/2006" type="tx" preserve="1">
+<p:sldLayout xmlns:a="http://schemas.openxmlformats.org/drawingml/2006/main" xmlns:r="http://schemas.openxmlformats.org/officeDocument/2006/relationships" xmlns:p="http://schemas.openxmlformats.org/presentationml/2006/main" type="tx" preserve="1">
   <p:cSld name="Title Slide">
     <p:spTree>
       <p:nvGrpSpPr>
@@ -2160,9 +2362,10 @@
           </a:prstGeom>
         </p:spPr>
         <p:txBody>
-          <a:bodyPr lIns="0" rIns="0" tIns="0" bIns="0" anchor="ctr"/>
-          <a:p>
-            <a:endParaRPr b="0" lang="cs-CZ" sz="1800" spc="-1" strike="noStrike">
+          <a:bodyPr lIns="0" tIns="0" rIns="0" bIns="0" anchor="ctr"/>
+          <a:lstStyle/>
+          <a:p>
+            <a:endParaRPr lang="cs-CZ" sz="1800" b="0" strike="noStrike" spc="-1">
               <a:solidFill>
                 <a:srgbClr val="000000"/>
               </a:solidFill>
@@ -2191,10 +2394,11 @@
           </a:prstGeom>
         </p:spPr>
         <p:txBody>
-          <a:bodyPr lIns="0" rIns="0" tIns="0" bIns="0" anchor="ctr"/>
+          <a:bodyPr lIns="0" tIns="0" rIns="0" bIns="0" anchor="ctr"/>
+          <a:lstStyle/>
           <a:p>
             <a:pPr algn="ctr"/>
-            <a:endParaRPr b="0" lang="cs-CZ" sz="3200" spc="-1" strike="noStrike">
+            <a:endParaRPr lang="cs-CZ" sz="3200" b="0" strike="noStrike" spc="-1">
               <a:latin typeface="Arial"/>
             </a:endParaRPr>
           </a:p>
@@ -2202,11 +2406,14 @@
       </p:sp>
     </p:spTree>
   </p:cSld>
+  <p:clrMapOvr>
+    <a:masterClrMapping/>
+  </p:clrMapOvr>
 </p:sldLayout>
 </file>
 
 <file path=ppt/slideLayouts/slideLayout27.xml><?xml version="1.0" encoding="utf-8"?>
-<p:sldLayout xmlns:a="http://schemas.openxmlformats.org/drawingml/2006/main" xmlns:p="http://schemas.openxmlformats.org/presentationml/2006/main" xmlns:r="http://schemas.openxmlformats.org/officeDocument/2006/relationships" xmlns:p14="http://schemas.microsoft.com/office/powerpoint/2010/main" xmlns:p15="http://schemas.microsoft.com/office/powerpoint/2012/main" xmlns:mc="http://schemas.openxmlformats.org/markup-compatibility/2006" type="obj" preserve="1">
+<p:sldLayout xmlns:a="http://schemas.openxmlformats.org/drawingml/2006/main" xmlns:r="http://schemas.openxmlformats.org/officeDocument/2006/relationships" xmlns:p="http://schemas.openxmlformats.org/presentationml/2006/main" type="obj" preserve="1">
   <p:cSld name="Title, Content">
     <p:spTree>
       <p:nvGrpSpPr>
@@ -2242,9 +2449,10 @@
           </a:prstGeom>
         </p:spPr>
         <p:txBody>
-          <a:bodyPr lIns="0" rIns="0" tIns="0" bIns="0" anchor="ctr"/>
-          <a:p>
-            <a:endParaRPr b="0" lang="cs-CZ" sz="1800" spc="-1" strike="noStrike">
+          <a:bodyPr lIns="0" tIns="0" rIns="0" bIns="0" anchor="ctr"/>
+          <a:lstStyle/>
+          <a:p>
+            <a:endParaRPr lang="cs-CZ" sz="1800" b="0" strike="noStrike" spc="-1">
               <a:solidFill>
                 <a:srgbClr val="000000"/>
               </a:solidFill>
@@ -2273,11 +2481,12 @@
           </a:prstGeom>
         </p:spPr>
         <p:txBody>
-          <a:bodyPr lIns="0" rIns="0" tIns="0" bIns="0">
+          <a:bodyPr lIns="0" tIns="0" rIns="0" bIns="0">
             <a:normAutofit/>
           </a:bodyPr>
-          <a:p>
-            <a:endParaRPr b="0" lang="cs-CZ" sz="2800" spc="-1" strike="noStrike">
+          <a:lstStyle/>
+          <a:p>
+            <a:endParaRPr lang="cs-CZ" sz="2800" b="0" strike="noStrike" spc="-1">
               <a:solidFill>
                 <a:srgbClr val="000000"/>
               </a:solidFill>
@@ -2288,11 +2497,14 @@
       </p:sp>
     </p:spTree>
   </p:cSld>
+  <p:clrMapOvr>
+    <a:masterClrMapping/>
+  </p:clrMapOvr>
 </p:sldLayout>
 </file>
 
 <file path=ppt/slideLayouts/slideLayout28.xml><?xml version="1.0" encoding="utf-8"?>
-<p:sldLayout xmlns:a="http://schemas.openxmlformats.org/drawingml/2006/main" xmlns:p="http://schemas.openxmlformats.org/presentationml/2006/main" xmlns:r="http://schemas.openxmlformats.org/officeDocument/2006/relationships" xmlns:p14="http://schemas.microsoft.com/office/powerpoint/2010/main" xmlns:p15="http://schemas.microsoft.com/office/powerpoint/2012/main" xmlns:mc="http://schemas.openxmlformats.org/markup-compatibility/2006" type="twoObj" preserve="1">
+<p:sldLayout xmlns:a="http://schemas.openxmlformats.org/drawingml/2006/main" xmlns:r="http://schemas.openxmlformats.org/officeDocument/2006/relationships" xmlns:p="http://schemas.openxmlformats.org/presentationml/2006/main" type="twoObj" preserve="1">
   <p:cSld name="Title, 2 Content">
     <p:spTree>
       <p:nvGrpSpPr>
@@ -2328,9 +2540,10 @@
           </a:prstGeom>
         </p:spPr>
         <p:txBody>
-          <a:bodyPr lIns="0" rIns="0" tIns="0" bIns="0" anchor="ctr"/>
-          <a:p>
-            <a:endParaRPr b="0" lang="cs-CZ" sz="1800" spc="-1" strike="noStrike">
+          <a:bodyPr lIns="0" tIns="0" rIns="0" bIns="0" anchor="ctr"/>
+          <a:lstStyle/>
+          <a:p>
+            <a:endParaRPr lang="cs-CZ" sz="1800" b="0" strike="noStrike" spc="-1">
               <a:solidFill>
                 <a:srgbClr val="000000"/>
               </a:solidFill>
@@ -2359,11 +2572,12 @@
           </a:prstGeom>
         </p:spPr>
         <p:txBody>
-          <a:bodyPr lIns="0" rIns="0" tIns="0" bIns="0">
+          <a:bodyPr lIns="0" tIns="0" rIns="0" bIns="0">
             <a:normAutofit/>
           </a:bodyPr>
-          <a:p>
-            <a:endParaRPr b="0" lang="cs-CZ" sz="2800" spc="-1" strike="noStrike">
+          <a:lstStyle/>
+          <a:p>
+            <a:endParaRPr lang="cs-CZ" sz="2800" b="0" strike="noStrike" spc="-1">
               <a:solidFill>
                 <a:srgbClr val="000000"/>
               </a:solidFill>
@@ -2392,11 +2606,12 @@
           </a:prstGeom>
         </p:spPr>
         <p:txBody>
-          <a:bodyPr lIns="0" rIns="0" tIns="0" bIns="0">
+          <a:bodyPr lIns="0" tIns="0" rIns="0" bIns="0">
             <a:normAutofit/>
           </a:bodyPr>
-          <a:p>
-            <a:endParaRPr b="0" lang="cs-CZ" sz="2800" spc="-1" strike="noStrike">
+          <a:lstStyle/>
+          <a:p>
+            <a:endParaRPr lang="cs-CZ" sz="2800" b="0" strike="noStrike" spc="-1">
               <a:solidFill>
                 <a:srgbClr val="000000"/>
               </a:solidFill>
@@ -2407,11 +2622,14 @@
       </p:sp>
     </p:spTree>
   </p:cSld>
+  <p:clrMapOvr>
+    <a:masterClrMapping/>
+  </p:clrMapOvr>
 </p:sldLayout>
 </file>
 
 <file path=ppt/slideLayouts/slideLayout29.xml><?xml version="1.0" encoding="utf-8"?>
-<p:sldLayout xmlns:a="http://schemas.openxmlformats.org/drawingml/2006/main" xmlns:p="http://schemas.openxmlformats.org/presentationml/2006/main" xmlns:r="http://schemas.openxmlformats.org/officeDocument/2006/relationships" xmlns:p14="http://schemas.microsoft.com/office/powerpoint/2010/main" xmlns:p15="http://schemas.microsoft.com/office/powerpoint/2012/main" xmlns:mc="http://schemas.openxmlformats.org/markup-compatibility/2006" type="titleOnly" preserve="1">
+<p:sldLayout xmlns:a="http://schemas.openxmlformats.org/drawingml/2006/main" xmlns:r="http://schemas.openxmlformats.org/officeDocument/2006/relationships" xmlns:p="http://schemas.openxmlformats.org/presentationml/2006/main" type="titleOnly" preserve="1">
   <p:cSld name="Title Only">
     <p:spTree>
       <p:nvGrpSpPr>
@@ -2447,9 +2665,10 @@
           </a:prstGeom>
         </p:spPr>
         <p:txBody>
-          <a:bodyPr lIns="0" rIns="0" tIns="0" bIns="0" anchor="ctr"/>
-          <a:p>
-            <a:endParaRPr b="0" lang="cs-CZ" sz="1800" spc="-1" strike="noStrike">
+          <a:bodyPr lIns="0" tIns="0" rIns="0" bIns="0" anchor="ctr"/>
+          <a:lstStyle/>
+          <a:p>
+            <a:endParaRPr lang="cs-CZ" sz="1800" b="0" strike="noStrike" spc="-1">
               <a:solidFill>
                 <a:srgbClr val="000000"/>
               </a:solidFill>
@@ -2460,11 +2679,14 @@
       </p:sp>
     </p:spTree>
   </p:cSld>
+  <p:clrMapOvr>
+    <a:masterClrMapping/>
+  </p:clrMapOvr>
 </p:sldLayout>
 </file>
 
 <file path=ppt/slideLayouts/slideLayout3.xml><?xml version="1.0" encoding="utf-8"?>
-<p:sldLayout xmlns:a="http://schemas.openxmlformats.org/drawingml/2006/main" xmlns:p="http://schemas.openxmlformats.org/presentationml/2006/main" xmlns:r="http://schemas.openxmlformats.org/officeDocument/2006/relationships" xmlns:p14="http://schemas.microsoft.com/office/powerpoint/2010/main" xmlns:p15="http://schemas.microsoft.com/office/powerpoint/2012/main" xmlns:mc="http://schemas.openxmlformats.org/markup-compatibility/2006" type="obj" preserve="1">
+<p:sldLayout xmlns:a="http://schemas.openxmlformats.org/drawingml/2006/main" xmlns:r="http://schemas.openxmlformats.org/officeDocument/2006/relationships" xmlns:p="http://schemas.openxmlformats.org/presentationml/2006/main" type="obj" preserve="1">
   <p:cSld name="Title, Content">
     <p:spTree>
       <p:nvGrpSpPr>
@@ -2500,9 +2722,10 @@
           </a:prstGeom>
         </p:spPr>
         <p:txBody>
-          <a:bodyPr lIns="0" rIns="0" tIns="0" bIns="0" anchor="ctr"/>
-          <a:p>
-            <a:endParaRPr b="0" lang="cs-CZ" sz="1800" spc="-1" strike="noStrike">
+          <a:bodyPr lIns="0" tIns="0" rIns="0" bIns="0" anchor="ctr"/>
+          <a:lstStyle/>
+          <a:p>
+            <a:endParaRPr lang="cs-CZ" sz="1800" b="0" strike="noStrike" spc="-1">
               <a:solidFill>
                 <a:srgbClr val="000000"/>
               </a:solidFill>
@@ -2531,11 +2754,12 @@
           </a:prstGeom>
         </p:spPr>
         <p:txBody>
-          <a:bodyPr lIns="0" rIns="0" tIns="0" bIns="0">
+          <a:bodyPr lIns="0" tIns="0" rIns="0" bIns="0">
             <a:normAutofit/>
           </a:bodyPr>
-          <a:p>
-            <a:endParaRPr b="0" lang="cs-CZ" sz="2800" spc="-1" strike="noStrike">
+          <a:lstStyle/>
+          <a:p>
+            <a:endParaRPr lang="cs-CZ" sz="2800" b="0" strike="noStrike" spc="-1">
               <a:solidFill>
                 <a:srgbClr val="000000"/>
               </a:solidFill>
@@ -2546,11 +2770,14 @@
       </p:sp>
     </p:spTree>
   </p:cSld>
+  <p:clrMapOvr>
+    <a:masterClrMapping/>
+  </p:clrMapOvr>
 </p:sldLayout>
 </file>
 
 <file path=ppt/slideLayouts/slideLayout30.xml><?xml version="1.0" encoding="utf-8"?>
-<p:sldLayout xmlns:a="http://schemas.openxmlformats.org/drawingml/2006/main" xmlns:p="http://schemas.openxmlformats.org/presentationml/2006/main" xmlns:r="http://schemas.openxmlformats.org/officeDocument/2006/relationships" xmlns:p14="http://schemas.microsoft.com/office/powerpoint/2010/main" xmlns:p15="http://schemas.microsoft.com/office/powerpoint/2012/main" xmlns:mc="http://schemas.openxmlformats.org/markup-compatibility/2006" type="objOnly" preserve="1">
+<p:sldLayout xmlns:a="http://schemas.openxmlformats.org/drawingml/2006/main" xmlns:r="http://schemas.openxmlformats.org/officeDocument/2006/relationships" xmlns:p="http://schemas.openxmlformats.org/presentationml/2006/main" type="objOnly" preserve="1">
   <p:cSld name="Centered Text">
     <p:spTree>
       <p:nvGrpSpPr>
@@ -2586,10 +2813,11 @@
           </a:prstGeom>
         </p:spPr>
         <p:txBody>
-          <a:bodyPr lIns="0" rIns="0" tIns="0" bIns="0" anchor="ctr"/>
+          <a:bodyPr lIns="0" tIns="0" rIns="0" bIns="0" anchor="ctr"/>
+          <a:lstStyle/>
           <a:p>
             <a:pPr algn="ctr"/>
-            <a:endParaRPr b="0" lang="cs-CZ" sz="3200" spc="-1" strike="noStrike">
+            <a:endParaRPr lang="cs-CZ" sz="3200" b="0" strike="noStrike" spc="-1">
               <a:latin typeface="Arial"/>
             </a:endParaRPr>
           </a:p>
@@ -2597,11 +2825,14 @@
       </p:sp>
     </p:spTree>
   </p:cSld>
+  <p:clrMapOvr>
+    <a:masterClrMapping/>
+  </p:clrMapOvr>
 </p:sldLayout>
 </file>
 
 <file path=ppt/slideLayouts/slideLayout31.xml><?xml version="1.0" encoding="utf-8"?>
-<p:sldLayout xmlns:a="http://schemas.openxmlformats.org/drawingml/2006/main" xmlns:p="http://schemas.openxmlformats.org/presentationml/2006/main" xmlns:r="http://schemas.openxmlformats.org/officeDocument/2006/relationships" xmlns:p14="http://schemas.microsoft.com/office/powerpoint/2010/main" xmlns:p15="http://schemas.microsoft.com/office/powerpoint/2012/main" xmlns:mc="http://schemas.openxmlformats.org/markup-compatibility/2006" type="twoObjAndObj" preserve="1">
+<p:sldLayout xmlns:a="http://schemas.openxmlformats.org/drawingml/2006/main" xmlns:r="http://schemas.openxmlformats.org/officeDocument/2006/relationships" xmlns:p="http://schemas.openxmlformats.org/presentationml/2006/main" type="twoObjAndObj" preserve="1">
   <p:cSld name="Title, 2 Content and Content">
     <p:spTree>
       <p:nvGrpSpPr>
@@ -2637,9 +2868,10 @@
           </a:prstGeom>
         </p:spPr>
         <p:txBody>
-          <a:bodyPr lIns="0" rIns="0" tIns="0" bIns="0" anchor="ctr"/>
-          <a:p>
-            <a:endParaRPr b="0" lang="cs-CZ" sz="1800" spc="-1" strike="noStrike">
+          <a:bodyPr lIns="0" tIns="0" rIns="0" bIns="0" anchor="ctr"/>
+          <a:lstStyle/>
+          <a:p>
+            <a:endParaRPr lang="cs-CZ" sz="1800" b="0" strike="noStrike" spc="-1">
               <a:solidFill>
                 <a:srgbClr val="000000"/>
               </a:solidFill>
@@ -2668,11 +2900,12 @@
           </a:prstGeom>
         </p:spPr>
         <p:txBody>
-          <a:bodyPr lIns="0" rIns="0" tIns="0" bIns="0">
+          <a:bodyPr lIns="0" tIns="0" rIns="0" bIns="0">
             <a:normAutofit/>
           </a:bodyPr>
-          <a:p>
-            <a:endParaRPr b="0" lang="cs-CZ" sz="2800" spc="-1" strike="noStrike">
+          <a:lstStyle/>
+          <a:p>
+            <a:endParaRPr lang="cs-CZ" sz="2800" b="0" strike="noStrike" spc="-1">
               <a:solidFill>
                 <a:srgbClr val="000000"/>
               </a:solidFill>
@@ -2701,11 +2934,12 @@
           </a:prstGeom>
         </p:spPr>
         <p:txBody>
-          <a:bodyPr lIns="0" rIns="0" tIns="0" bIns="0">
+          <a:bodyPr lIns="0" tIns="0" rIns="0" bIns="0">
             <a:normAutofit/>
           </a:bodyPr>
-          <a:p>
-            <a:endParaRPr b="0" lang="cs-CZ" sz="2800" spc="-1" strike="noStrike">
+          <a:lstStyle/>
+          <a:p>
+            <a:endParaRPr lang="cs-CZ" sz="2800" b="0" strike="noStrike" spc="-1">
               <a:solidFill>
                 <a:srgbClr val="000000"/>
               </a:solidFill>
@@ -2734,11 +2968,12 @@
           </a:prstGeom>
         </p:spPr>
         <p:txBody>
-          <a:bodyPr lIns="0" rIns="0" tIns="0" bIns="0">
+          <a:bodyPr lIns="0" tIns="0" rIns="0" bIns="0">
             <a:normAutofit/>
           </a:bodyPr>
-          <a:p>
-            <a:endParaRPr b="0" lang="cs-CZ" sz="2800" spc="-1" strike="noStrike">
+          <a:lstStyle/>
+          <a:p>
+            <a:endParaRPr lang="cs-CZ" sz="2800" b="0" strike="noStrike" spc="-1">
               <a:solidFill>
                 <a:srgbClr val="000000"/>
               </a:solidFill>
@@ -2749,11 +2984,14 @@
       </p:sp>
     </p:spTree>
   </p:cSld>
+  <p:clrMapOvr>
+    <a:masterClrMapping/>
+  </p:clrMapOvr>
 </p:sldLayout>
 </file>
 
 <file path=ppt/slideLayouts/slideLayout32.xml><?xml version="1.0" encoding="utf-8"?>
-<p:sldLayout xmlns:a="http://schemas.openxmlformats.org/drawingml/2006/main" xmlns:p="http://schemas.openxmlformats.org/presentationml/2006/main" xmlns:r="http://schemas.openxmlformats.org/officeDocument/2006/relationships" xmlns:p14="http://schemas.microsoft.com/office/powerpoint/2010/main" xmlns:p15="http://schemas.microsoft.com/office/powerpoint/2012/main" xmlns:mc="http://schemas.openxmlformats.org/markup-compatibility/2006" type="objAndTwoObj" preserve="1">
+<p:sldLayout xmlns:a="http://schemas.openxmlformats.org/drawingml/2006/main" xmlns:r="http://schemas.openxmlformats.org/officeDocument/2006/relationships" xmlns:p="http://schemas.openxmlformats.org/presentationml/2006/main" type="objAndTwoObj" preserve="1">
   <p:cSld name="Title Content and 2 Content">
     <p:spTree>
       <p:nvGrpSpPr>
@@ -2789,9 +3027,10 @@
           </a:prstGeom>
         </p:spPr>
         <p:txBody>
-          <a:bodyPr lIns="0" rIns="0" tIns="0" bIns="0" anchor="ctr"/>
-          <a:p>
-            <a:endParaRPr b="0" lang="cs-CZ" sz="1800" spc="-1" strike="noStrike">
+          <a:bodyPr lIns="0" tIns="0" rIns="0" bIns="0" anchor="ctr"/>
+          <a:lstStyle/>
+          <a:p>
+            <a:endParaRPr lang="cs-CZ" sz="1800" b="0" strike="noStrike" spc="-1">
               <a:solidFill>
                 <a:srgbClr val="000000"/>
               </a:solidFill>
@@ -2820,11 +3059,12 @@
           </a:prstGeom>
         </p:spPr>
         <p:txBody>
-          <a:bodyPr lIns="0" rIns="0" tIns="0" bIns="0">
+          <a:bodyPr lIns="0" tIns="0" rIns="0" bIns="0">
             <a:normAutofit/>
           </a:bodyPr>
-          <a:p>
-            <a:endParaRPr b="0" lang="cs-CZ" sz="2800" spc="-1" strike="noStrike">
+          <a:lstStyle/>
+          <a:p>
+            <a:endParaRPr lang="cs-CZ" sz="2800" b="0" strike="noStrike" spc="-1">
               <a:solidFill>
                 <a:srgbClr val="000000"/>
               </a:solidFill>
@@ -2853,11 +3093,12 @@
           </a:prstGeom>
         </p:spPr>
         <p:txBody>
-          <a:bodyPr lIns="0" rIns="0" tIns="0" bIns="0">
+          <a:bodyPr lIns="0" tIns="0" rIns="0" bIns="0">
             <a:normAutofit/>
           </a:bodyPr>
-          <a:p>
-            <a:endParaRPr b="0" lang="cs-CZ" sz="2800" spc="-1" strike="noStrike">
+          <a:lstStyle/>
+          <a:p>
+            <a:endParaRPr lang="cs-CZ" sz="2800" b="0" strike="noStrike" spc="-1">
               <a:solidFill>
                 <a:srgbClr val="000000"/>
               </a:solidFill>
@@ -2886,11 +3127,12 @@
           </a:prstGeom>
         </p:spPr>
         <p:txBody>
-          <a:bodyPr lIns="0" rIns="0" tIns="0" bIns="0">
+          <a:bodyPr lIns="0" tIns="0" rIns="0" bIns="0">
             <a:normAutofit/>
           </a:bodyPr>
-          <a:p>
-            <a:endParaRPr b="0" lang="cs-CZ" sz="2800" spc="-1" strike="noStrike">
+          <a:lstStyle/>
+          <a:p>
+            <a:endParaRPr lang="cs-CZ" sz="2800" b="0" strike="noStrike" spc="-1">
               <a:solidFill>
                 <a:srgbClr val="000000"/>
               </a:solidFill>
@@ -2901,11 +3143,14 @@
       </p:sp>
     </p:spTree>
   </p:cSld>
+  <p:clrMapOvr>
+    <a:masterClrMapping/>
+  </p:clrMapOvr>
 </p:sldLayout>
 </file>
 
 <file path=ppt/slideLayouts/slideLayout33.xml><?xml version="1.0" encoding="utf-8"?>
-<p:sldLayout xmlns:a="http://schemas.openxmlformats.org/drawingml/2006/main" xmlns:p="http://schemas.openxmlformats.org/presentationml/2006/main" xmlns:r="http://schemas.openxmlformats.org/officeDocument/2006/relationships" xmlns:p14="http://schemas.microsoft.com/office/powerpoint/2010/main" xmlns:p15="http://schemas.microsoft.com/office/powerpoint/2012/main" xmlns:mc="http://schemas.openxmlformats.org/markup-compatibility/2006" type="twoObjOverTx" preserve="1">
+<p:sldLayout xmlns:a="http://schemas.openxmlformats.org/drawingml/2006/main" xmlns:r="http://schemas.openxmlformats.org/officeDocument/2006/relationships" xmlns:p="http://schemas.openxmlformats.org/presentationml/2006/main" type="twoObjOverTx" preserve="1">
   <p:cSld name="Title, 2 Content over Content">
     <p:spTree>
       <p:nvGrpSpPr>
@@ -2941,9 +3186,10 @@
           </a:prstGeom>
         </p:spPr>
         <p:txBody>
-          <a:bodyPr lIns="0" rIns="0" tIns="0" bIns="0" anchor="ctr"/>
-          <a:p>
-            <a:endParaRPr b="0" lang="cs-CZ" sz="1800" spc="-1" strike="noStrike">
+          <a:bodyPr lIns="0" tIns="0" rIns="0" bIns="0" anchor="ctr"/>
+          <a:lstStyle/>
+          <a:p>
+            <a:endParaRPr lang="cs-CZ" sz="1800" b="0" strike="noStrike" spc="-1">
               <a:solidFill>
                 <a:srgbClr val="000000"/>
               </a:solidFill>
@@ -2972,11 +3218,12 @@
           </a:prstGeom>
         </p:spPr>
         <p:txBody>
-          <a:bodyPr lIns="0" rIns="0" tIns="0" bIns="0">
+          <a:bodyPr lIns="0" tIns="0" rIns="0" bIns="0">
             <a:normAutofit/>
           </a:bodyPr>
-          <a:p>
-            <a:endParaRPr b="0" lang="cs-CZ" sz="2800" spc="-1" strike="noStrike">
+          <a:lstStyle/>
+          <a:p>
+            <a:endParaRPr lang="cs-CZ" sz="2800" b="0" strike="noStrike" spc="-1">
               <a:solidFill>
                 <a:srgbClr val="000000"/>
               </a:solidFill>
@@ -3005,11 +3252,12 @@
           </a:prstGeom>
         </p:spPr>
         <p:txBody>
-          <a:bodyPr lIns="0" rIns="0" tIns="0" bIns="0">
+          <a:bodyPr lIns="0" tIns="0" rIns="0" bIns="0">
             <a:normAutofit/>
           </a:bodyPr>
-          <a:p>
-            <a:endParaRPr b="0" lang="cs-CZ" sz="2800" spc="-1" strike="noStrike">
+          <a:lstStyle/>
+          <a:p>
+            <a:endParaRPr lang="cs-CZ" sz="2800" b="0" strike="noStrike" spc="-1">
               <a:solidFill>
                 <a:srgbClr val="000000"/>
               </a:solidFill>
@@ -3038,11 +3286,12 @@
           </a:prstGeom>
         </p:spPr>
         <p:txBody>
-          <a:bodyPr lIns="0" rIns="0" tIns="0" bIns="0">
+          <a:bodyPr lIns="0" tIns="0" rIns="0" bIns="0">
             <a:normAutofit/>
           </a:bodyPr>
-          <a:p>
-            <a:endParaRPr b="0" lang="cs-CZ" sz="2800" spc="-1" strike="noStrike">
+          <a:lstStyle/>
+          <a:p>
+            <a:endParaRPr lang="cs-CZ" sz="2800" b="0" strike="noStrike" spc="-1">
               <a:solidFill>
                 <a:srgbClr val="000000"/>
               </a:solidFill>
@@ -3053,11 +3302,14 @@
       </p:sp>
     </p:spTree>
   </p:cSld>
+  <p:clrMapOvr>
+    <a:masterClrMapping/>
+  </p:clrMapOvr>
 </p:sldLayout>
 </file>
 
 <file path=ppt/slideLayouts/slideLayout34.xml><?xml version="1.0" encoding="utf-8"?>
-<p:sldLayout xmlns:a="http://schemas.openxmlformats.org/drawingml/2006/main" xmlns:p="http://schemas.openxmlformats.org/presentationml/2006/main" xmlns:r="http://schemas.openxmlformats.org/officeDocument/2006/relationships" xmlns:p14="http://schemas.microsoft.com/office/powerpoint/2010/main" xmlns:p15="http://schemas.microsoft.com/office/powerpoint/2012/main" xmlns:mc="http://schemas.openxmlformats.org/markup-compatibility/2006" type="objOverTx" preserve="1">
+<p:sldLayout xmlns:a="http://schemas.openxmlformats.org/drawingml/2006/main" xmlns:r="http://schemas.openxmlformats.org/officeDocument/2006/relationships" xmlns:p="http://schemas.openxmlformats.org/presentationml/2006/main" type="objOverTx" preserve="1">
   <p:cSld name="Title, Content over Content">
     <p:spTree>
       <p:nvGrpSpPr>
@@ -3093,9 +3345,10 @@
           </a:prstGeom>
         </p:spPr>
         <p:txBody>
-          <a:bodyPr lIns="0" rIns="0" tIns="0" bIns="0" anchor="ctr"/>
-          <a:p>
-            <a:endParaRPr b="0" lang="cs-CZ" sz="1800" spc="-1" strike="noStrike">
+          <a:bodyPr lIns="0" tIns="0" rIns="0" bIns="0" anchor="ctr"/>
+          <a:lstStyle/>
+          <a:p>
+            <a:endParaRPr lang="cs-CZ" sz="1800" b="0" strike="noStrike" spc="-1">
               <a:solidFill>
                 <a:srgbClr val="000000"/>
               </a:solidFill>
@@ -3124,11 +3377,12 @@
           </a:prstGeom>
         </p:spPr>
         <p:txBody>
-          <a:bodyPr lIns="0" rIns="0" tIns="0" bIns="0">
+          <a:bodyPr lIns="0" tIns="0" rIns="0" bIns="0">
             <a:normAutofit/>
           </a:bodyPr>
-          <a:p>
-            <a:endParaRPr b="0" lang="cs-CZ" sz="2800" spc="-1" strike="noStrike">
+          <a:lstStyle/>
+          <a:p>
+            <a:endParaRPr lang="cs-CZ" sz="2800" b="0" strike="noStrike" spc="-1">
               <a:solidFill>
                 <a:srgbClr val="000000"/>
               </a:solidFill>
@@ -3157,11 +3411,12 @@
           </a:prstGeom>
         </p:spPr>
         <p:txBody>
-          <a:bodyPr lIns="0" rIns="0" tIns="0" bIns="0">
+          <a:bodyPr lIns="0" tIns="0" rIns="0" bIns="0">
             <a:normAutofit/>
           </a:bodyPr>
-          <a:p>
-            <a:endParaRPr b="0" lang="cs-CZ" sz="2800" spc="-1" strike="noStrike">
+          <a:lstStyle/>
+          <a:p>
+            <a:endParaRPr lang="cs-CZ" sz="2800" b="0" strike="noStrike" spc="-1">
               <a:solidFill>
                 <a:srgbClr val="000000"/>
               </a:solidFill>
@@ -3172,11 +3427,14 @@
       </p:sp>
     </p:spTree>
   </p:cSld>
+  <p:clrMapOvr>
+    <a:masterClrMapping/>
+  </p:clrMapOvr>
 </p:sldLayout>
 </file>
 
 <file path=ppt/slideLayouts/slideLayout35.xml><?xml version="1.0" encoding="utf-8"?>
-<p:sldLayout xmlns:a="http://schemas.openxmlformats.org/drawingml/2006/main" xmlns:p="http://schemas.openxmlformats.org/presentationml/2006/main" xmlns:r="http://schemas.openxmlformats.org/officeDocument/2006/relationships" xmlns:p14="http://schemas.microsoft.com/office/powerpoint/2010/main" xmlns:p15="http://schemas.microsoft.com/office/powerpoint/2012/main" xmlns:mc="http://schemas.openxmlformats.org/markup-compatibility/2006" type="fourObj" preserve="1">
+<p:sldLayout xmlns:a="http://schemas.openxmlformats.org/drawingml/2006/main" xmlns:r="http://schemas.openxmlformats.org/officeDocument/2006/relationships" xmlns:p="http://schemas.openxmlformats.org/presentationml/2006/main" type="fourObj" preserve="1">
   <p:cSld name="Title, 4 Content">
     <p:spTree>
       <p:nvGrpSpPr>
@@ -3212,9 +3470,10 @@
           </a:prstGeom>
         </p:spPr>
         <p:txBody>
-          <a:bodyPr lIns="0" rIns="0" tIns="0" bIns="0" anchor="ctr"/>
-          <a:p>
-            <a:endParaRPr b="0" lang="cs-CZ" sz="1800" spc="-1" strike="noStrike">
+          <a:bodyPr lIns="0" tIns="0" rIns="0" bIns="0" anchor="ctr"/>
+          <a:lstStyle/>
+          <a:p>
+            <a:endParaRPr lang="cs-CZ" sz="1800" b="0" strike="noStrike" spc="-1">
               <a:solidFill>
                 <a:srgbClr val="000000"/>
               </a:solidFill>
@@ -3243,11 +3502,12 @@
           </a:prstGeom>
         </p:spPr>
         <p:txBody>
-          <a:bodyPr lIns="0" rIns="0" tIns="0" bIns="0">
+          <a:bodyPr lIns="0" tIns="0" rIns="0" bIns="0">
             <a:normAutofit/>
           </a:bodyPr>
-          <a:p>
-            <a:endParaRPr b="0" lang="cs-CZ" sz="2800" spc="-1" strike="noStrike">
+          <a:lstStyle/>
+          <a:p>
+            <a:endParaRPr lang="cs-CZ" sz="2800" b="0" strike="noStrike" spc="-1">
               <a:solidFill>
                 <a:srgbClr val="000000"/>
               </a:solidFill>
@@ -3276,11 +3536,12 @@
           </a:prstGeom>
         </p:spPr>
         <p:txBody>
-          <a:bodyPr lIns="0" rIns="0" tIns="0" bIns="0">
+          <a:bodyPr lIns="0" tIns="0" rIns="0" bIns="0">
             <a:normAutofit/>
           </a:bodyPr>
-          <a:p>
-            <a:endParaRPr b="0" lang="cs-CZ" sz="2800" spc="-1" strike="noStrike">
+          <a:lstStyle/>
+          <a:p>
+            <a:endParaRPr lang="cs-CZ" sz="2800" b="0" strike="noStrike" spc="-1">
               <a:solidFill>
                 <a:srgbClr val="000000"/>
               </a:solidFill>
@@ -3309,11 +3570,12 @@
           </a:prstGeom>
         </p:spPr>
         <p:txBody>
-          <a:bodyPr lIns="0" rIns="0" tIns="0" bIns="0">
+          <a:bodyPr lIns="0" tIns="0" rIns="0" bIns="0">
             <a:normAutofit/>
           </a:bodyPr>
-          <a:p>
-            <a:endParaRPr b="0" lang="cs-CZ" sz="2800" spc="-1" strike="noStrike">
+          <a:lstStyle/>
+          <a:p>
+            <a:endParaRPr lang="cs-CZ" sz="2800" b="0" strike="noStrike" spc="-1">
               <a:solidFill>
                 <a:srgbClr val="000000"/>
               </a:solidFill>
@@ -3342,11 +3604,12 @@
           </a:prstGeom>
         </p:spPr>
         <p:txBody>
-          <a:bodyPr lIns="0" rIns="0" tIns="0" bIns="0">
+          <a:bodyPr lIns="0" tIns="0" rIns="0" bIns="0">
             <a:normAutofit/>
           </a:bodyPr>
-          <a:p>
-            <a:endParaRPr b="0" lang="cs-CZ" sz="2800" spc="-1" strike="noStrike">
+          <a:lstStyle/>
+          <a:p>
+            <a:endParaRPr lang="cs-CZ" sz="2800" b="0" strike="noStrike" spc="-1">
               <a:solidFill>
                 <a:srgbClr val="000000"/>
               </a:solidFill>
@@ -3357,11 +3620,14 @@
       </p:sp>
     </p:spTree>
   </p:cSld>
+  <p:clrMapOvr>
+    <a:masterClrMapping/>
+  </p:clrMapOvr>
 </p:sldLayout>
 </file>
 
 <file path=ppt/slideLayouts/slideLayout36.xml><?xml version="1.0" encoding="utf-8"?>
-<p:sldLayout xmlns:a="http://schemas.openxmlformats.org/drawingml/2006/main" xmlns:p="http://schemas.openxmlformats.org/presentationml/2006/main" xmlns:r="http://schemas.openxmlformats.org/officeDocument/2006/relationships" xmlns:p14="http://schemas.microsoft.com/office/powerpoint/2010/main" xmlns:p15="http://schemas.microsoft.com/office/powerpoint/2012/main" xmlns:mc="http://schemas.openxmlformats.org/markup-compatibility/2006" type="blank" preserve="1">
+<p:sldLayout xmlns:a="http://schemas.openxmlformats.org/drawingml/2006/main" xmlns:r="http://schemas.openxmlformats.org/officeDocument/2006/relationships" xmlns:p="http://schemas.openxmlformats.org/presentationml/2006/main" type="blank" preserve="1">
   <p:cSld name="Title, 6 Content">
     <p:spTree>
       <p:nvGrpSpPr>
@@ -3397,9 +3663,10 @@
           </a:prstGeom>
         </p:spPr>
         <p:txBody>
-          <a:bodyPr lIns="0" rIns="0" tIns="0" bIns="0" anchor="ctr"/>
-          <a:p>
-            <a:endParaRPr b="0" lang="cs-CZ" sz="1800" spc="-1" strike="noStrike">
+          <a:bodyPr lIns="0" tIns="0" rIns="0" bIns="0" anchor="ctr"/>
+          <a:lstStyle/>
+          <a:p>
+            <a:endParaRPr lang="cs-CZ" sz="1800" b="0" strike="noStrike" spc="-1">
               <a:solidFill>
                 <a:srgbClr val="000000"/>
               </a:solidFill>
@@ -3428,11 +3695,12 @@
           </a:prstGeom>
         </p:spPr>
         <p:txBody>
-          <a:bodyPr lIns="0" rIns="0" tIns="0" bIns="0">
+          <a:bodyPr lIns="0" tIns="0" rIns="0" bIns="0">
             <a:normAutofit/>
           </a:bodyPr>
-          <a:p>
-            <a:endParaRPr b="0" lang="cs-CZ" sz="2800" spc="-1" strike="noStrike">
+          <a:lstStyle/>
+          <a:p>
+            <a:endParaRPr lang="cs-CZ" sz="2800" b="0" strike="noStrike" spc="-1">
               <a:solidFill>
                 <a:srgbClr val="000000"/>
               </a:solidFill>
@@ -3461,11 +3729,12 @@
           </a:prstGeom>
         </p:spPr>
         <p:txBody>
-          <a:bodyPr lIns="0" rIns="0" tIns="0" bIns="0">
+          <a:bodyPr lIns="0" tIns="0" rIns="0" bIns="0">
             <a:normAutofit/>
           </a:bodyPr>
-          <a:p>
-            <a:endParaRPr b="0" lang="cs-CZ" sz="2800" spc="-1" strike="noStrike">
+          <a:lstStyle/>
+          <a:p>
+            <a:endParaRPr lang="cs-CZ" sz="2800" b="0" strike="noStrike" spc="-1">
               <a:solidFill>
                 <a:srgbClr val="000000"/>
               </a:solidFill>
@@ -3494,11 +3763,12 @@
           </a:prstGeom>
         </p:spPr>
         <p:txBody>
-          <a:bodyPr lIns="0" rIns="0" tIns="0" bIns="0">
+          <a:bodyPr lIns="0" tIns="0" rIns="0" bIns="0">
             <a:normAutofit/>
           </a:bodyPr>
-          <a:p>
-            <a:endParaRPr b="0" lang="cs-CZ" sz="2800" spc="-1" strike="noStrike">
+          <a:lstStyle/>
+          <a:p>
+            <a:endParaRPr lang="cs-CZ" sz="2800" b="0" strike="noStrike" spc="-1">
               <a:solidFill>
                 <a:srgbClr val="000000"/>
               </a:solidFill>
@@ -3527,11 +3797,12 @@
           </a:prstGeom>
         </p:spPr>
         <p:txBody>
-          <a:bodyPr lIns="0" rIns="0" tIns="0" bIns="0">
+          <a:bodyPr lIns="0" tIns="0" rIns="0" bIns="0">
             <a:normAutofit/>
           </a:bodyPr>
-          <a:p>
-            <a:endParaRPr b="0" lang="cs-CZ" sz="2800" spc="-1" strike="noStrike">
+          <a:lstStyle/>
+          <a:p>
+            <a:endParaRPr lang="cs-CZ" sz="2800" b="0" strike="noStrike" spc="-1">
               <a:solidFill>
                 <a:srgbClr val="000000"/>
               </a:solidFill>
@@ -3560,11 +3831,12 @@
           </a:prstGeom>
         </p:spPr>
         <p:txBody>
-          <a:bodyPr lIns="0" rIns="0" tIns="0" bIns="0">
+          <a:bodyPr lIns="0" tIns="0" rIns="0" bIns="0">
             <a:normAutofit/>
           </a:bodyPr>
-          <a:p>
-            <a:endParaRPr b="0" lang="cs-CZ" sz="2800" spc="-1" strike="noStrike">
+          <a:lstStyle/>
+          <a:p>
+            <a:endParaRPr lang="cs-CZ" sz="2800" b="0" strike="noStrike" spc="-1">
               <a:solidFill>
                 <a:srgbClr val="000000"/>
               </a:solidFill>
@@ -3593,11 +3865,12 @@
           </a:prstGeom>
         </p:spPr>
         <p:txBody>
-          <a:bodyPr lIns="0" rIns="0" tIns="0" bIns="0">
+          <a:bodyPr lIns="0" tIns="0" rIns="0" bIns="0">
             <a:normAutofit/>
           </a:bodyPr>
-          <a:p>
-            <a:endParaRPr b="0" lang="cs-CZ" sz="2800" spc="-1" strike="noStrike">
+          <a:lstStyle/>
+          <a:p>
+            <a:endParaRPr lang="cs-CZ" sz="2800" b="0" strike="noStrike" spc="-1">
               <a:solidFill>
                 <a:srgbClr val="000000"/>
               </a:solidFill>
@@ -3608,11 +3881,14 @@
       </p:sp>
     </p:spTree>
   </p:cSld>
+  <p:clrMapOvr>
+    <a:masterClrMapping/>
+  </p:clrMapOvr>
 </p:sldLayout>
 </file>
 
 <file path=ppt/slideLayouts/slideLayout4.xml><?xml version="1.0" encoding="utf-8"?>
-<p:sldLayout xmlns:a="http://schemas.openxmlformats.org/drawingml/2006/main" xmlns:p="http://schemas.openxmlformats.org/presentationml/2006/main" xmlns:r="http://schemas.openxmlformats.org/officeDocument/2006/relationships" xmlns:p14="http://schemas.microsoft.com/office/powerpoint/2010/main" xmlns:p15="http://schemas.microsoft.com/office/powerpoint/2012/main" xmlns:mc="http://schemas.openxmlformats.org/markup-compatibility/2006" type="twoObj" preserve="1">
+<p:sldLayout xmlns:a="http://schemas.openxmlformats.org/drawingml/2006/main" xmlns:r="http://schemas.openxmlformats.org/officeDocument/2006/relationships" xmlns:p="http://schemas.openxmlformats.org/presentationml/2006/main" type="twoObj" preserve="1">
   <p:cSld name="Title, 2 Content">
     <p:spTree>
       <p:nvGrpSpPr>
@@ -3648,9 +3924,10 @@
           </a:prstGeom>
         </p:spPr>
         <p:txBody>
-          <a:bodyPr lIns="0" rIns="0" tIns="0" bIns="0" anchor="ctr"/>
-          <a:p>
-            <a:endParaRPr b="0" lang="cs-CZ" sz="1800" spc="-1" strike="noStrike">
+          <a:bodyPr lIns="0" tIns="0" rIns="0" bIns="0" anchor="ctr"/>
+          <a:lstStyle/>
+          <a:p>
+            <a:endParaRPr lang="cs-CZ" sz="1800" b="0" strike="noStrike" spc="-1">
               <a:solidFill>
                 <a:srgbClr val="000000"/>
               </a:solidFill>
@@ -3679,11 +3956,12 @@
           </a:prstGeom>
         </p:spPr>
         <p:txBody>
-          <a:bodyPr lIns="0" rIns="0" tIns="0" bIns="0">
+          <a:bodyPr lIns="0" tIns="0" rIns="0" bIns="0">
             <a:normAutofit/>
           </a:bodyPr>
-          <a:p>
-            <a:endParaRPr b="0" lang="cs-CZ" sz="2800" spc="-1" strike="noStrike">
+          <a:lstStyle/>
+          <a:p>
+            <a:endParaRPr lang="cs-CZ" sz="2800" b="0" strike="noStrike" spc="-1">
               <a:solidFill>
                 <a:srgbClr val="000000"/>
               </a:solidFill>
@@ -3712,11 +3990,12 @@
           </a:prstGeom>
         </p:spPr>
         <p:txBody>
-          <a:bodyPr lIns="0" rIns="0" tIns="0" bIns="0">
+          <a:bodyPr lIns="0" tIns="0" rIns="0" bIns="0">
             <a:normAutofit/>
           </a:bodyPr>
-          <a:p>
-            <a:endParaRPr b="0" lang="cs-CZ" sz="2800" spc="-1" strike="noStrike">
+          <a:lstStyle/>
+          <a:p>
+            <a:endParaRPr lang="cs-CZ" sz="2800" b="0" strike="noStrike" spc="-1">
               <a:solidFill>
                 <a:srgbClr val="000000"/>
               </a:solidFill>
@@ -3727,11 +4006,14 @@
       </p:sp>
     </p:spTree>
   </p:cSld>
+  <p:clrMapOvr>
+    <a:masterClrMapping/>
+  </p:clrMapOvr>
 </p:sldLayout>
 </file>
 
 <file path=ppt/slideLayouts/slideLayout5.xml><?xml version="1.0" encoding="utf-8"?>
-<p:sldLayout xmlns:a="http://schemas.openxmlformats.org/drawingml/2006/main" xmlns:p="http://schemas.openxmlformats.org/presentationml/2006/main" xmlns:r="http://schemas.openxmlformats.org/officeDocument/2006/relationships" xmlns:p14="http://schemas.microsoft.com/office/powerpoint/2010/main" xmlns:p15="http://schemas.microsoft.com/office/powerpoint/2012/main" xmlns:mc="http://schemas.openxmlformats.org/markup-compatibility/2006" type="titleOnly" preserve="1">
+<p:sldLayout xmlns:a="http://schemas.openxmlformats.org/drawingml/2006/main" xmlns:r="http://schemas.openxmlformats.org/officeDocument/2006/relationships" xmlns:p="http://schemas.openxmlformats.org/presentationml/2006/main" type="titleOnly" preserve="1">
   <p:cSld name="Title Only">
     <p:spTree>
       <p:nvGrpSpPr>
@@ -3767,9 +4049,10 @@
           </a:prstGeom>
         </p:spPr>
         <p:txBody>
-          <a:bodyPr lIns="0" rIns="0" tIns="0" bIns="0" anchor="ctr"/>
-          <a:p>
-            <a:endParaRPr b="0" lang="cs-CZ" sz="1800" spc="-1" strike="noStrike">
+          <a:bodyPr lIns="0" tIns="0" rIns="0" bIns="0" anchor="ctr"/>
+          <a:lstStyle/>
+          <a:p>
+            <a:endParaRPr lang="cs-CZ" sz="1800" b="0" strike="noStrike" spc="-1">
               <a:solidFill>
                 <a:srgbClr val="000000"/>
               </a:solidFill>
@@ -3780,11 +4063,14 @@
       </p:sp>
     </p:spTree>
   </p:cSld>
+  <p:clrMapOvr>
+    <a:masterClrMapping/>
+  </p:clrMapOvr>
 </p:sldLayout>
 </file>
 
 <file path=ppt/slideLayouts/slideLayout6.xml><?xml version="1.0" encoding="utf-8"?>
-<p:sldLayout xmlns:a="http://schemas.openxmlformats.org/drawingml/2006/main" xmlns:p="http://schemas.openxmlformats.org/presentationml/2006/main" xmlns:r="http://schemas.openxmlformats.org/officeDocument/2006/relationships" xmlns:p14="http://schemas.microsoft.com/office/powerpoint/2010/main" xmlns:p15="http://schemas.microsoft.com/office/powerpoint/2012/main" xmlns:mc="http://schemas.openxmlformats.org/markup-compatibility/2006" type="objOnly" preserve="1">
+<p:sldLayout xmlns:a="http://schemas.openxmlformats.org/drawingml/2006/main" xmlns:r="http://schemas.openxmlformats.org/officeDocument/2006/relationships" xmlns:p="http://schemas.openxmlformats.org/presentationml/2006/main" type="objOnly" preserve="1">
   <p:cSld name="Centered Text">
     <p:spTree>
       <p:nvGrpSpPr>
@@ -3820,10 +4106,11 @@
           </a:prstGeom>
         </p:spPr>
         <p:txBody>
-          <a:bodyPr lIns="0" rIns="0" tIns="0" bIns="0" anchor="ctr"/>
+          <a:bodyPr lIns="0" tIns="0" rIns="0" bIns="0" anchor="ctr"/>
+          <a:lstStyle/>
           <a:p>
             <a:pPr algn="ctr"/>
-            <a:endParaRPr b="0" lang="cs-CZ" sz="3200" spc="-1" strike="noStrike">
+            <a:endParaRPr lang="cs-CZ" sz="3200" b="0" strike="noStrike" spc="-1">
               <a:latin typeface="Arial"/>
             </a:endParaRPr>
           </a:p>
@@ -3831,11 +4118,14 @@
       </p:sp>
     </p:spTree>
   </p:cSld>
+  <p:clrMapOvr>
+    <a:masterClrMapping/>
+  </p:clrMapOvr>
 </p:sldLayout>
 </file>
 
 <file path=ppt/slideLayouts/slideLayout7.xml><?xml version="1.0" encoding="utf-8"?>
-<p:sldLayout xmlns:a="http://schemas.openxmlformats.org/drawingml/2006/main" xmlns:p="http://schemas.openxmlformats.org/presentationml/2006/main" xmlns:r="http://schemas.openxmlformats.org/officeDocument/2006/relationships" xmlns:p14="http://schemas.microsoft.com/office/powerpoint/2010/main" xmlns:p15="http://schemas.microsoft.com/office/powerpoint/2012/main" xmlns:mc="http://schemas.openxmlformats.org/markup-compatibility/2006" type="twoObjAndObj" preserve="1">
+<p:sldLayout xmlns:a="http://schemas.openxmlformats.org/drawingml/2006/main" xmlns:r="http://schemas.openxmlformats.org/officeDocument/2006/relationships" xmlns:p="http://schemas.openxmlformats.org/presentationml/2006/main" type="twoObjAndObj" preserve="1">
   <p:cSld name="Title, 2 Content and Content">
     <p:spTree>
       <p:nvGrpSpPr>
@@ -3871,9 +4161,10 @@
           </a:prstGeom>
         </p:spPr>
         <p:txBody>
-          <a:bodyPr lIns="0" rIns="0" tIns="0" bIns="0" anchor="ctr"/>
-          <a:p>
-            <a:endParaRPr b="0" lang="cs-CZ" sz="1800" spc="-1" strike="noStrike">
+          <a:bodyPr lIns="0" tIns="0" rIns="0" bIns="0" anchor="ctr"/>
+          <a:lstStyle/>
+          <a:p>
+            <a:endParaRPr lang="cs-CZ" sz="1800" b="0" strike="noStrike" spc="-1">
               <a:solidFill>
                 <a:srgbClr val="000000"/>
               </a:solidFill>
@@ -3902,11 +4193,12 @@
           </a:prstGeom>
         </p:spPr>
         <p:txBody>
-          <a:bodyPr lIns="0" rIns="0" tIns="0" bIns="0">
+          <a:bodyPr lIns="0" tIns="0" rIns="0" bIns="0">
             <a:normAutofit/>
           </a:bodyPr>
-          <a:p>
-            <a:endParaRPr b="0" lang="cs-CZ" sz="2800" spc="-1" strike="noStrike">
+          <a:lstStyle/>
+          <a:p>
+            <a:endParaRPr lang="cs-CZ" sz="2800" b="0" strike="noStrike" spc="-1">
               <a:solidFill>
                 <a:srgbClr val="000000"/>
               </a:solidFill>
@@ -3935,11 +4227,12 @@
           </a:prstGeom>
         </p:spPr>
         <p:txBody>
-          <a:bodyPr lIns="0" rIns="0" tIns="0" bIns="0">
+          <a:bodyPr lIns="0" tIns="0" rIns="0" bIns="0">
             <a:normAutofit/>
           </a:bodyPr>
-          <a:p>
-            <a:endParaRPr b="0" lang="cs-CZ" sz="2800" spc="-1" strike="noStrike">
+          <a:lstStyle/>
+          <a:p>
+            <a:endParaRPr lang="cs-CZ" sz="2800" b="0" strike="noStrike" spc="-1">
               <a:solidFill>
                 <a:srgbClr val="000000"/>
               </a:solidFill>
@@ -3968,11 +4261,12 @@
           </a:prstGeom>
         </p:spPr>
         <p:txBody>
-          <a:bodyPr lIns="0" rIns="0" tIns="0" bIns="0">
+          <a:bodyPr lIns="0" tIns="0" rIns="0" bIns="0">
             <a:normAutofit/>
           </a:bodyPr>
-          <a:p>
-            <a:endParaRPr b="0" lang="cs-CZ" sz="2800" spc="-1" strike="noStrike">
+          <a:lstStyle/>
+          <a:p>
+            <a:endParaRPr lang="cs-CZ" sz="2800" b="0" strike="noStrike" spc="-1">
               <a:solidFill>
                 <a:srgbClr val="000000"/>
               </a:solidFill>
@@ -3983,11 +4277,14 @@
       </p:sp>
     </p:spTree>
   </p:cSld>
+  <p:clrMapOvr>
+    <a:masterClrMapping/>
+  </p:clrMapOvr>
 </p:sldLayout>
 </file>
 
 <file path=ppt/slideLayouts/slideLayout8.xml><?xml version="1.0" encoding="utf-8"?>
-<p:sldLayout xmlns:a="http://schemas.openxmlformats.org/drawingml/2006/main" xmlns:p="http://schemas.openxmlformats.org/presentationml/2006/main" xmlns:r="http://schemas.openxmlformats.org/officeDocument/2006/relationships" xmlns:p14="http://schemas.microsoft.com/office/powerpoint/2010/main" xmlns:p15="http://schemas.microsoft.com/office/powerpoint/2012/main" xmlns:mc="http://schemas.openxmlformats.org/markup-compatibility/2006" type="objAndTwoObj" preserve="1">
+<p:sldLayout xmlns:a="http://schemas.openxmlformats.org/drawingml/2006/main" xmlns:r="http://schemas.openxmlformats.org/officeDocument/2006/relationships" xmlns:p="http://schemas.openxmlformats.org/presentationml/2006/main" type="objAndTwoObj" preserve="1">
   <p:cSld name="Title Content and 2 Content">
     <p:spTree>
       <p:nvGrpSpPr>
@@ -4023,9 +4320,10 @@
           </a:prstGeom>
         </p:spPr>
         <p:txBody>
-          <a:bodyPr lIns="0" rIns="0" tIns="0" bIns="0" anchor="ctr"/>
-          <a:p>
-            <a:endParaRPr b="0" lang="cs-CZ" sz="1800" spc="-1" strike="noStrike">
+          <a:bodyPr lIns="0" tIns="0" rIns="0" bIns="0" anchor="ctr"/>
+          <a:lstStyle/>
+          <a:p>
+            <a:endParaRPr lang="cs-CZ" sz="1800" b="0" strike="noStrike" spc="-1">
               <a:solidFill>
                 <a:srgbClr val="000000"/>
               </a:solidFill>
@@ -4054,11 +4352,12 @@
           </a:prstGeom>
         </p:spPr>
         <p:txBody>
-          <a:bodyPr lIns="0" rIns="0" tIns="0" bIns="0">
+          <a:bodyPr lIns="0" tIns="0" rIns="0" bIns="0">
             <a:normAutofit/>
           </a:bodyPr>
-          <a:p>
-            <a:endParaRPr b="0" lang="cs-CZ" sz="2800" spc="-1" strike="noStrike">
+          <a:lstStyle/>
+          <a:p>
+            <a:endParaRPr lang="cs-CZ" sz="2800" b="0" strike="noStrike" spc="-1">
               <a:solidFill>
                 <a:srgbClr val="000000"/>
               </a:solidFill>
@@ -4087,11 +4386,12 @@
           </a:prstGeom>
         </p:spPr>
         <p:txBody>
-          <a:bodyPr lIns="0" rIns="0" tIns="0" bIns="0">
+          <a:bodyPr lIns="0" tIns="0" rIns="0" bIns="0">
             <a:normAutofit/>
           </a:bodyPr>
-          <a:p>
-            <a:endParaRPr b="0" lang="cs-CZ" sz="2800" spc="-1" strike="noStrike">
+          <a:lstStyle/>
+          <a:p>
+            <a:endParaRPr lang="cs-CZ" sz="2800" b="0" strike="noStrike" spc="-1">
               <a:solidFill>
                 <a:srgbClr val="000000"/>
               </a:solidFill>
@@ -4120,11 +4420,12 @@
           </a:prstGeom>
         </p:spPr>
         <p:txBody>
-          <a:bodyPr lIns="0" rIns="0" tIns="0" bIns="0">
+          <a:bodyPr lIns="0" tIns="0" rIns="0" bIns="0">
             <a:normAutofit/>
           </a:bodyPr>
-          <a:p>
-            <a:endParaRPr b="0" lang="cs-CZ" sz="2800" spc="-1" strike="noStrike">
+          <a:lstStyle/>
+          <a:p>
+            <a:endParaRPr lang="cs-CZ" sz="2800" b="0" strike="noStrike" spc="-1">
               <a:solidFill>
                 <a:srgbClr val="000000"/>
               </a:solidFill>
@@ -4135,11 +4436,14 @@
       </p:sp>
     </p:spTree>
   </p:cSld>
+  <p:clrMapOvr>
+    <a:masterClrMapping/>
+  </p:clrMapOvr>
 </p:sldLayout>
 </file>
 
 <file path=ppt/slideLayouts/slideLayout9.xml><?xml version="1.0" encoding="utf-8"?>
-<p:sldLayout xmlns:a="http://schemas.openxmlformats.org/drawingml/2006/main" xmlns:p="http://schemas.openxmlformats.org/presentationml/2006/main" xmlns:r="http://schemas.openxmlformats.org/officeDocument/2006/relationships" xmlns:p14="http://schemas.microsoft.com/office/powerpoint/2010/main" xmlns:p15="http://schemas.microsoft.com/office/powerpoint/2012/main" xmlns:mc="http://schemas.openxmlformats.org/markup-compatibility/2006" type="twoObjOverTx" preserve="1">
+<p:sldLayout xmlns:a="http://schemas.openxmlformats.org/drawingml/2006/main" xmlns:r="http://schemas.openxmlformats.org/officeDocument/2006/relationships" xmlns:p="http://schemas.openxmlformats.org/presentationml/2006/main" type="twoObjOverTx" preserve="1">
   <p:cSld name="Title, 2 Content over Content">
     <p:spTree>
       <p:nvGrpSpPr>
@@ -4175,9 +4479,10 @@
           </a:prstGeom>
         </p:spPr>
         <p:txBody>
-          <a:bodyPr lIns="0" rIns="0" tIns="0" bIns="0" anchor="ctr"/>
-          <a:p>
-            <a:endParaRPr b="0" lang="cs-CZ" sz="1800" spc="-1" strike="noStrike">
+          <a:bodyPr lIns="0" tIns="0" rIns="0" bIns="0" anchor="ctr"/>
+          <a:lstStyle/>
+          <a:p>
+            <a:endParaRPr lang="cs-CZ" sz="1800" b="0" strike="noStrike" spc="-1">
               <a:solidFill>
                 <a:srgbClr val="000000"/>
               </a:solidFill>
@@ -4206,11 +4511,12 @@
           </a:prstGeom>
         </p:spPr>
         <p:txBody>
-          <a:bodyPr lIns="0" rIns="0" tIns="0" bIns="0">
+          <a:bodyPr lIns="0" tIns="0" rIns="0" bIns="0">
             <a:normAutofit/>
           </a:bodyPr>
-          <a:p>
-            <a:endParaRPr b="0" lang="cs-CZ" sz="2800" spc="-1" strike="noStrike">
+          <a:lstStyle/>
+          <a:p>
+            <a:endParaRPr lang="cs-CZ" sz="2800" b="0" strike="noStrike" spc="-1">
               <a:solidFill>
                 <a:srgbClr val="000000"/>
               </a:solidFill>
@@ -4239,11 +4545,12 @@
           </a:prstGeom>
         </p:spPr>
         <p:txBody>
-          <a:bodyPr lIns="0" rIns="0" tIns="0" bIns="0">
+          <a:bodyPr lIns="0" tIns="0" rIns="0" bIns="0">
             <a:normAutofit/>
           </a:bodyPr>
-          <a:p>
-            <a:endParaRPr b="0" lang="cs-CZ" sz="2800" spc="-1" strike="noStrike">
+          <a:lstStyle/>
+          <a:p>
+            <a:endParaRPr lang="cs-CZ" sz="2800" b="0" strike="noStrike" spc="-1">
               <a:solidFill>
                 <a:srgbClr val="000000"/>
               </a:solidFill>
@@ -4272,11 +4579,12 @@
           </a:prstGeom>
         </p:spPr>
         <p:txBody>
-          <a:bodyPr lIns="0" rIns="0" tIns="0" bIns="0">
+          <a:bodyPr lIns="0" tIns="0" rIns="0" bIns="0">
             <a:normAutofit/>
           </a:bodyPr>
-          <a:p>
-            <a:endParaRPr b="0" lang="cs-CZ" sz="2800" spc="-1" strike="noStrike">
+          <a:lstStyle/>
+          <a:p>
+            <a:endParaRPr lang="cs-CZ" sz="2800" b="0" strike="noStrike" spc="-1">
               <a:solidFill>
                 <a:srgbClr val="000000"/>
               </a:solidFill>
@@ -4287,20 +4595,24 @@
       </p:sp>
     </p:spTree>
   </p:cSld>
+  <p:clrMapOvr>
+    <a:masterClrMapping/>
+  </p:clrMapOvr>
 </p:sldLayout>
 </file>
 
 <file path=ppt/slideMasters/slideMaster1.xml><?xml version="1.0" encoding="utf-8"?>
-<p:sldMaster xmlns:a="http://schemas.openxmlformats.org/drawingml/2006/main" xmlns:p="http://schemas.openxmlformats.org/presentationml/2006/main" xmlns:r="http://schemas.openxmlformats.org/officeDocument/2006/relationships" xmlns:p14="http://schemas.microsoft.com/office/powerpoint/2010/main" xmlns:p15="http://schemas.microsoft.com/office/powerpoint/2012/main" xmlns:mc="http://schemas.openxmlformats.org/markup-compatibility/2006">
+<p:sldMaster xmlns:a="http://schemas.openxmlformats.org/drawingml/2006/main" xmlns:r="http://schemas.openxmlformats.org/officeDocument/2006/relationships" xmlns:p="http://schemas.openxmlformats.org/presentationml/2006/main">
   <p:cSld>
     <p:bg>
       <p:bgPr>
         <a:blipFill rotWithShape="0">
-          <a:blip r:embed="rId2"/>
+          <a:blip r:embed="rId14"/>
           <a:stretch>
             <a:fillRect/>
           </a:stretch>
         </a:blipFill>
+        <a:effectLst/>
       </p:bgPr>
     </p:bg>
     <p:spTree>
@@ -4319,7 +4631,7 @@
       </p:grpSpPr>
       <p:sp>
         <p:nvSpPr>
-          <p:cNvPr id="0" name="PlaceHolder 1"/>
+          <p:cNvPr id="2" name="PlaceHolder 1"/>
           <p:cNvSpPr>
             <a:spLocks noGrp="1"/>
           </p:cNvSpPr>
@@ -4337,38 +4649,24 @@
           </a:prstGeom>
         </p:spPr>
         <p:txBody>
-          <a:bodyPr lIns="0" rIns="0" tIns="0" bIns="0" anchor="ctr"/>
-          <a:p>
-            <a:r>
-              <a:rPr b="0" lang="cs-CZ" sz="4400" spc="-1" strike="noStrike">
+          <a:bodyPr lIns="0" tIns="0" rIns="0" bIns="0" anchor="ctr"/>
+          <a:lstStyle/>
+          <a:p>
+            <a:r>
+              <a:rPr lang="cs-CZ" sz="4400" b="0" strike="noStrike" spc="-1">
                 <a:solidFill>
                   <a:srgbClr val="000000"/>
                 </a:solidFill>
                 <a:latin typeface="Arial"/>
               </a:rPr>
-              <a:t>Klikněte pro úpravu formátu textu </a:t>
-            </a:r>
-            <a:r>
-              <a:rPr b="0" lang="cs-CZ" sz="4400" spc="-1" strike="noStrike">
-                <a:solidFill>
-                  <a:srgbClr val="000000"/>
-                </a:solidFill>
-                <a:latin typeface="Arial"/>
-              </a:rPr>
-              <a:t>nadpisu</a:t>
-            </a:r>
-            <a:endParaRPr b="0" lang="cs-CZ" sz="4400" spc="-1" strike="noStrike">
-              <a:solidFill>
-                <a:srgbClr val="000000"/>
-              </a:solidFill>
-              <a:latin typeface="Arial"/>
-            </a:endParaRPr>
-          </a:p>
-        </p:txBody>
-      </p:sp>
-      <p:sp>
-        <p:nvSpPr>
-          <p:cNvPr id="1" name="PlaceHolder 2"/>
+              <a:t>Klikněte pro úpravu formátu textu nadpisu</a:t>
+            </a:r>
+          </a:p>
+        </p:txBody>
+      </p:sp>
+      <p:sp>
+        <p:nvSpPr>
+          <p:cNvPr id="3" name="PlaceHolder 2"/>
           <p:cNvSpPr>
             <a:spLocks noGrp="1"/>
           </p:cNvSpPr>
@@ -4386,9 +4684,10 @@
           </a:prstGeom>
         </p:spPr>
         <p:txBody>
-          <a:bodyPr lIns="0" rIns="0" tIns="0" bIns="0">
+          <a:bodyPr lIns="0" tIns="0" rIns="0" bIns="0">
             <a:normAutofit/>
           </a:bodyPr>
+          <a:lstStyle/>
           <a:p>
             <a:pPr marL="432000" indent="-324000">
               <a:spcBef>
@@ -4402,7 +4701,7 @@
               <a:buChar char=""/>
             </a:pPr>
             <a:r>
-              <a:rPr b="0" lang="cs-CZ" sz="2800" spc="-1" strike="noStrike">
+              <a:rPr lang="cs-CZ" sz="2800" b="0" strike="noStrike" spc="-1">
                 <a:solidFill>
                   <a:srgbClr val="000000"/>
                 </a:solidFill>
@@ -4410,15 +4709,9 @@
               </a:rPr>
               <a:t>Klikněte pro úpravu formátu textu osnovy</a:t>
             </a:r>
-            <a:endParaRPr b="0" lang="cs-CZ" sz="2800" spc="-1" strike="noStrike">
-              <a:solidFill>
-                <a:srgbClr val="000000"/>
-              </a:solidFill>
-              <a:latin typeface="Arial"/>
-            </a:endParaRPr>
-          </a:p>
-          <a:p>
-            <a:pPr lvl="1" marL="864000" indent="-324000">
+          </a:p>
+          <a:p>
+            <a:pPr marL="864000" lvl="1" indent="-324000">
               <a:spcBef>
                 <a:spcPts val="1134"/>
               </a:spcBef>
@@ -4430,7 +4723,7 @@
               <a:buChar char=""/>
             </a:pPr>
             <a:r>
-              <a:rPr b="0" lang="cs-CZ" sz="2000" spc="-1" strike="noStrike">
+              <a:rPr lang="cs-CZ" sz="2000" b="0" strike="noStrike" spc="-1">
                 <a:solidFill>
                   <a:srgbClr val="000000"/>
                 </a:solidFill>
@@ -4438,15 +4731,9 @@
               </a:rPr>
               <a:t>Druhá úroveň</a:t>
             </a:r>
-            <a:endParaRPr b="0" lang="cs-CZ" sz="2000" spc="-1" strike="noStrike">
-              <a:solidFill>
-                <a:srgbClr val="000000"/>
-              </a:solidFill>
-              <a:latin typeface="Arial"/>
-            </a:endParaRPr>
-          </a:p>
-          <a:p>
-            <a:pPr lvl="2" marL="1296000" indent="-288000">
+          </a:p>
+          <a:p>
+            <a:pPr marL="1296000" lvl="2" indent="-288000">
               <a:spcBef>
                 <a:spcPts val="850"/>
               </a:spcBef>
@@ -4458,7 +4745,7 @@
               <a:buChar char=""/>
             </a:pPr>
             <a:r>
-              <a:rPr b="0" lang="cs-CZ" sz="1800" spc="-1" strike="noStrike">
+              <a:rPr lang="cs-CZ" sz="1800" b="0" strike="noStrike" spc="-1">
                 <a:solidFill>
                   <a:srgbClr val="000000"/>
                 </a:solidFill>
@@ -4466,15 +4753,9 @@
               </a:rPr>
               <a:t>Třetí úroveň</a:t>
             </a:r>
-            <a:endParaRPr b="0" lang="cs-CZ" sz="1800" spc="-1" strike="noStrike">
-              <a:solidFill>
-                <a:srgbClr val="000000"/>
-              </a:solidFill>
-              <a:latin typeface="Arial"/>
-            </a:endParaRPr>
-          </a:p>
-          <a:p>
-            <a:pPr lvl="3" marL="1728000" indent="-216000">
+          </a:p>
+          <a:p>
+            <a:pPr marL="1728000" lvl="3" indent="-216000">
               <a:spcBef>
                 <a:spcPts val="567"/>
               </a:spcBef>
@@ -4486,7 +4767,7 @@
               <a:buChar char=""/>
             </a:pPr>
             <a:r>
-              <a:rPr b="0" lang="cs-CZ" sz="1800" spc="-1" strike="noStrike">
+              <a:rPr lang="cs-CZ" sz="1800" b="0" strike="noStrike" spc="-1">
                 <a:solidFill>
                   <a:srgbClr val="000000"/>
                 </a:solidFill>
@@ -4494,15 +4775,9 @@
               </a:rPr>
               <a:t>Čtvrtá úroveň osnovy</a:t>
             </a:r>
-            <a:endParaRPr b="0" lang="cs-CZ" sz="1800" spc="-1" strike="noStrike">
-              <a:solidFill>
-                <a:srgbClr val="000000"/>
-              </a:solidFill>
-              <a:latin typeface="Arial"/>
-            </a:endParaRPr>
-          </a:p>
-          <a:p>
-            <a:pPr lvl="4" marL="2160000" indent="-216000">
+          </a:p>
+          <a:p>
+            <a:pPr marL="2160000" lvl="4" indent="-216000">
               <a:spcBef>
                 <a:spcPts val="283"/>
               </a:spcBef>
@@ -4514,7 +4789,7 @@
               <a:buChar char=""/>
             </a:pPr>
             <a:r>
-              <a:rPr b="0" lang="cs-CZ" sz="2000" spc="-1" strike="noStrike">
+              <a:rPr lang="cs-CZ" sz="2000" b="0" strike="noStrike" spc="-1">
                 <a:solidFill>
                   <a:srgbClr val="000000"/>
                 </a:solidFill>
@@ -4522,15 +4797,9 @@
               </a:rPr>
               <a:t>Pátá úroveň osnovy</a:t>
             </a:r>
-            <a:endParaRPr b="0" lang="cs-CZ" sz="2000" spc="-1" strike="noStrike">
-              <a:solidFill>
-                <a:srgbClr val="000000"/>
-              </a:solidFill>
-              <a:latin typeface="Arial"/>
-            </a:endParaRPr>
-          </a:p>
-          <a:p>
-            <a:pPr lvl="5" marL="2592000" indent="-216000">
+          </a:p>
+          <a:p>
+            <a:pPr marL="2592000" lvl="5" indent="-216000">
               <a:spcBef>
                 <a:spcPts val="283"/>
               </a:spcBef>
@@ -4542,7 +4811,7 @@
               <a:buChar char=""/>
             </a:pPr>
             <a:r>
-              <a:rPr b="0" lang="cs-CZ" sz="2000" spc="-1" strike="noStrike">
+              <a:rPr lang="cs-CZ" sz="2000" b="0" strike="noStrike" spc="-1">
                 <a:solidFill>
                   <a:srgbClr val="000000"/>
                 </a:solidFill>
@@ -4550,15 +4819,9 @@
               </a:rPr>
               <a:t>Šestá úroveň</a:t>
             </a:r>
-            <a:endParaRPr b="0" lang="cs-CZ" sz="2000" spc="-1" strike="noStrike">
-              <a:solidFill>
-                <a:srgbClr val="000000"/>
-              </a:solidFill>
-              <a:latin typeface="Arial"/>
-            </a:endParaRPr>
-          </a:p>
-          <a:p>
-            <a:pPr lvl="6" marL="3024000" indent="-216000">
+          </a:p>
+          <a:p>
+            <a:pPr marL="3024000" lvl="6" indent="-216000">
               <a:spcBef>
                 <a:spcPts val="283"/>
               </a:spcBef>
@@ -4570,7 +4833,7 @@
               <a:buChar char=""/>
             </a:pPr>
             <a:r>
-              <a:rPr b="0" lang="cs-CZ" sz="2000" spc="-1" strike="noStrike">
+              <a:rPr lang="cs-CZ" sz="2000" b="0" strike="noStrike" spc="-1">
                 <a:solidFill>
                   <a:srgbClr val="000000"/>
                 </a:solidFill>
@@ -4578,46 +4841,321 @@
               </a:rPr>
               <a:t>Sedmá úroveň</a:t>
             </a:r>
-            <a:endParaRPr b="0" lang="cs-CZ" sz="2000" spc="-1" strike="noStrike">
-              <a:solidFill>
-                <a:srgbClr val="000000"/>
-              </a:solidFill>
-              <a:latin typeface="Arial"/>
-            </a:endParaRPr>
           </a:p>
         </p:txBody>
       </p:sp>
     </p:spTree>
   </p:cSld>
-  <p:clrMap bg1="lt1" bg2="lt2" tx1="dk1" tx2="dk2" accent1="accent1" accent2="accent2" accent3="accent3" accent4="accent4" accent5="accent5" accent6="accent6" hlink="hlink" folHlink="folHlink"/>
+  <p:clrMap bg1="lt1" tx1="dk1" bg2="lt2" tx2="dk2" accent1="accent1" accent2="accent2" accent3="accent3" accent4="accent4" accent5="accent5" accent6="accent6" hlink="hlink" folHlink="folHlink"/>
   <p:sldLayoutIdLst>
-    <p:sldLayoutId id="2147483649" r:id="rId3"/>
-    <p:sldLayoutId id="2147483650" r:id="rId4"/>
-    <p:sldLayoutId id="2147483651" r:id="rId5"/>
-    <p:sldLayoutId id="2147483652" r:id="rId6"/>
-    <p:sldLayoutId id="2147483653" r:id="rId7"/>
-    <p:sldLayoutId id="2147483654" r:id="rId8"/>
-    <p:sldLayoutId id="2147483655" r:id="rId9"/>
-    <p:sldLayoutId id="2147483656" r:id="rId10"/>
-    <p:sldLayoutId id="2147483657" r:id="rId11"/>
-    <p:sldLayoutId id="2147483658" r:id="rId12"/>
-    <p:sldLayoutId id="2147483659" r:id="rId13"/>
-    <p:sldLayoutId id="2147483660" r:id="rId14"/>
+    <p:sldLayoutId id="2147483649" r:id="rId1"/>
+    <p:sldLayoutId id="2147483650" r:id="rId2"/>
+    <p:sldLayoutId id="2147483651" r:id="rId3"/>
+    <p:sldLayoutId id="2147483652" r:id="rId4"/>
+    <p:sldLayoutId id="2147483653" r:id="rId5"/>
+    <p:sldLayoutId id="2147483654" r:id="rId6"/>
+    <p:sldLayoutId id="2147483655" r:id="rId7"/>
+    <p:sldLayoutId id="2147483656" r:id="rId8"/>
+    <p:sldLayoutId id="2147483657" r:id="rId9"/>
+    <p:sldLayoutId id="2147483658" r:id="rId10"/>
+    <p:sldLayoutId id="2147483659" r:id="rId11"/>
+    <p:sldLayoutId id="2147483660" r:id="rId12"/>
   </p:sldLayoutIdLst>
+  <p:txStyles>
+    <p:titleStyle>
+      <a:lvl1pPr algn="l" defTabSz="914400" rtl="0" eaLnBrk="1" latinLnBrk="0" hangingPunct="1">
+        <a:lnSpc>
+          <a:spcPct val="90000"/>
+        </a:lnSpc>
+        <a:spcBef>
+          <a:spcPct val="0"/>
+        </a:spcBef>
+        <a:buNone/>
+        <a:defRPr sz="4400" kern="1200">
+          <a:solidFill>
+            <a:schemeClr val="tx1"/>
+          </a:solidFill>
+          <a:latin typeface="+mj-lt"/>
+          <a:ea typeface="+mj-ea"/>
+          <a:cs typeface="+mj-cs"/>
+        </a:defRPr>
+      </a:lvl1pPr>
+    </p:titleStyle>
+    <p:bodyStyle>
+      <a:lvl1pPr marL="228600" indent="-228600" algn="l" defTabSz="914400" rtl="0" eaLnBrk="1" latinLnBrk="0" hangingPunct="1">
+        <a:lnSpc>
+          <a:spcPct val="90000"/>
+        </a:lnSpc>
+        <a:spcBef>
+          <a:spcPts val="1000"/>
+        </a:spcBef>
+        <a:buFont typeface="Arial" panose="020B0604020202020204" pitchFamily="34" charset="0"/>
+        <a:buChar char="•"/>
+        <a:defRPr sz="2800" kern="1200">
+          <a:solidFill>
+            <a:schemeClr val="tx1"/>
+          </a:solidFill>
+          <a:latin typeface="+mn-lt"/>
+          <a:ea typeface="+mn-ea"/>
+          <a:cs typeface="+mn-cs"/>
+        </a:defRPr>
+      </a:lvl1pPr>
+      <a:lvl2pPr marL="685800" indent="-228600" algn="l" defTabSz="914400" rtl="0" eaLnBrk="1" latinLnBrk="0" hangingPunct="1">
+        <a:lnSpc>
+          <a:spcPct val="90000"/>
+        </a:lnSpc>
+        <a:spcBef>
+          <a:spcPts val="500"/>
+        </a:spcBef>
+        <a:buFont typeface="Arial" panose="020B0604020202020204" pitchFamily="34" charset="0"/>
+        <a:buChar char="•"/>
+        <a:defRPr sz="2400" kern="1200">
+          <a:solidFill>
+            <a:schemeClr val="tx1"/>
+          </a:solidFill>
+          <a:latin typeface="+mn-lt"/>
+          <a:ea typeface="+mn-ea"/>
+          <a:cs typeface="+mn-cs"/>
+        </a:defRPr>
+      </a:lvl2pPr>
+      <a:lvl3pPr marL="1143000" indent="-228600" algn="l" defTabSz="914400" rtl="0" eaLnBrk="1" latinLnBrk="0" hangingPunct="1">
+        <a:lnSpc>
+          <a:spcPct val="90000"/>
+        </a:lnSpc>
+        <a:spcBef>
+          <a:spcPts val="500"/>
+        </a:spcBef>
+        <a:buFont typeface="Arial" panose="020B0604020202020204" pitchFamily="34" charset="0"/>
+        <a:buChar char="•"/>
+        <a:defRPr sz="2000" kern="1200">
+          <a:solidFill>
+            <a:schemeClr val="tx1"/>
+          </a:solidFill>
+          <a:latin typeface="+mn-lt"/>
+          <a:ea typeface="+mn-ea"/>
+          <a:cs typeface="+mn-cs"/>
+        </a:defRPr>
+      </a:lvl3pPr>
+      <a:lvl4pPr marL="1600200" indent="-228600" algn="l" defTabSz="914400" rtl="0" eaLnBrk="1" latinLnBrk="0" hangingPunct="1">
+        <a:lnSpc>
+          <a:spcPct val="90000"/>
+        </a:lnSpc>
+        <a:spcBef>
+          <a:spcPts val="500"/>
+        </a:spcBef>
+        <a:buFont typeface="Arial" panose="020B0604020202020204" pitchFamily="34" charset="0"/>
+        <a:buChar char="•"/>
+        <a:defRPr sz="1800" kern="1200">
+          <a:solidFill>
+            <a:schemeClr val="tx1"/>
+          </a:solidFill>
+          <a:latin typeface="+mn-lt"/>
+          <a:ea typeface="+mn-ea"/>
+          <a:cs typeface="+mn-cs"/>
+        </a:defRPr>
+      </a:lvl4pPr>
+      <a:lvl5pPr marL="2057400" indent="-228600" algn="l" defTabSz="914400" rtl="0" eaLnBrk="1" latinLnBrk="0" hangingPunct="1">
+        <a:lnSpc>
+          <a:spcPct val="90000"/>
+        </a:lnSpc>
+        <a:spcBef>
+          <a:spcPts val="500"/>
+        </a:spcBef>
+        <a:buFont typeface="Arial" panose="020B0604020202020204" pitchFamily="34" charset="0"/>
+        <a:buChar char="•"/>
+        <a:defRPr sz="1800" kern="1200">
+          <a:solidFill>
+            <a:schemeClr val="tx1"/>
+          </a:solidFill>
+          <a:latin typeface="+mn-lt"/>
+          <a:ea typeface="+mn-ea"/>
+          <a:cs typeface="+mn-cs"/>
+        </a:defRPr>
+      </a:lvl5pPr>
+      <a:lvl6pPr marL="2514600" indent="-228600" algn="l" defTabSz="914400" rtl="0" eaLnBrk="1" latinLnBrk="0" hangingPunct="1">
+        <a:lnSpc>
+          <a:spcPct val="90000"/>
+        </a:lnSpc>
+        <a:spcBef>
+          <a:spcPts val="500"/>
+        </a:spcBef>
+        <a:buFont typeface="Arial" panose="020B0604020202020204" pitchFamily="34" charset="0"/>
+        <a:buChar char="•"/>
+        <a:defRPr sz="1800" kern="1200">
+          <a:solidFill>
+            <a:schemeClr val="tx1"/>
+          </a:solidFill>
+          <a:latin typeface="+mn-lt"/>
+          <a:ea typeface="+mn-ea"/>
+          <a:cs typeface="+mn-cs"/>
+        </a:defRPr>
+      </a:lvl6pPr>
+      <a:lvl7pPr marL="2971800" indent="-228600" algn="l" defTabSz="914400" rtl="0" eaLnBrk="1" latinLnBrk="0" hangingPunct="1">
+        <a:lnSpc>
+          <a:spcPct val="90000"/>
+        </a:lnSpc>
+        <a:spcBef>
+          <a:spcPts val="500"/>
+        </a:spcBef>
+        <a:buFont typeface="Arial" panose="020B0604020202020204" pitchFamily="34" charset="0"/>
+        <a:buChar char="•"/>
+        <a:defRPr sz="1800" kern="1200">
+          <a:solidFill>
+            <a:schemeClr val="tx1"/>
+          </a:solidFill>
+          <a:latin typeface="+mn-lt"/>
+          <a:ea typeface="+mn-ea"/>
+          <a:cs typeface="+mn-cs"/>
+        </a:defRPr>
+      </a:lvl7pPr>
+      <a:lvl8pPr marL="3429000" indent="-228600" algn="l" defTabSz="914400" rtl="0" eaLnBrk="1" latinLnBrk="0" hangingPunct="1">
+        <a:lnSpc>
+          <a:spcPct val="90000"/>
+        </a:lnSpc>
+        <a:spcBef>
+          <a:spcPts val="500"/>
+        </a:spcBef>
+        <a:buFont typeface="Arial" panose="020B0604020202020204" pitchFamily="34" charset="0"/>
+        <a:buChar char="•"/>
+        <a:defRPr sz="1800" kern="1200">
+          <a:solidFill>
+            <a:schemeClr val="tx1"/>
+          </a:solidFill>
+          <a:latin typeface="+mn-lt"/>
+          <a:ea typeface="+mn-ea"/>
+          <a:cs typeface="+mn-cs"/>
+        </a:defRPr>
+      </a:lvl8pPr>
+      <a:lvl9pPr marL="3886200" indent="-228600" algn="l" defTabSz="914400" rtl="0" eaLnBrk="1" latinLnBrk="0" hangingPunct="1">
+        <a:lnSpc>
+          <a:spcPct val="90000"/>
+        </a:lnSpc>
+        <a:spcBef>
+          <a:spcPts val="500"/>
+        </a:spcBef>
+        <a:buFont typeface="Arial" panose="020B0604020202020204" pitchFamily="34" charset="0"/>
+        <a:buChar char="•"/>
+        <a:defRPr sz="1800" kern="1200">
+          <a:solidFill>
+            <a:schemeClr val="tx1"/>
+          </a:solidFill>
+          <a:latin typeface="+mn-lt"/>
+          <a:ea typeface="+mn-ea"/>
+          <a:cs typeface="+mn-cs"/>
+        </a:defRPr>
+      </a:lvl9pPr>
+    </p:bodyStyle>
+    <p:otherStyle>
+      <a:defPPr>
+        <a:defRPr lang="cs-CZ"/>
+      </a:defPPr>
+      <a:lvl1pPr marL="0" algn="l" defTabSz="914400" rtl="0" eaLnBrk="1" latinLnBrk="0" hangingPunct="1">
+        <a:defRPr sz="1800" kern="1200">
+          <a:solidFill>
+            <a:schemeClr val="tx1"/>
+          </a:solidFill>
+          <a:latin typeface="+mn-lt"/>
+          <a:ea typeface="+mn-ea"/>
+          <a:cs typeface="+mn-cs"/>
+        </a:defRPr>
+      </a:lvl1pPr>
+      <a:lvl2pPr marL="457200" algn="l" defTabSz="914400" rtl="0" eaLnBrk="1" latinLnBrk="0" hangingPunct="1">
+        <a:defRPr sz="1800" kern="1200">
+          <a:solidFill>
+            <a:schemeClr val="tx1"/>
+          </a:solidFill>
+          <a:latin typeface="+mn-lt"/>
+          <a:ea typeface="+mn-ea"/>
+          <a:cs typeface="+mn-cs"/>
+        </a:defRPr>
+      </a:lvl2pPr>
+      <a:lvl3pPr marL="914400" algn="l" defTabSz="914400" rtl="0" eaLnBrk="1" latinLnBrk="0" hangingPunct="1">
+        <a:defRPr sz="1800" kern="1200">
+          <a:solidFill>
+            <a:schemeClr val="tx1"/>
+          </a:solidFill>
+          <a:latin typeface="+mn-lt"/>
+          <a:ea typeface="+mn-ea"/>
+          <a:cs typeface="+mn-cs"/>
+        </a:defRPr>
+      </a:lvl3pPr>
+      <a:lvl4pPr marL="1371600" algn="l" defTabSz="914400" rtl="0" eaLnBrk="1" latinLnBrk="0" hangingPunct="1">
+        <a:defRPr sz="1800" kern="1200">
+          <a:solidFill>
+            <a:schemeClr val="tx1"/>
+          </a:solidFill>
+          <a:latin typeface="+mn-lt"/>
+          <a:ea typeface="+mn-ea"/>
+          <a:cs typeface="+mn-cs"/>
+        </a:defRPr>
+      </a:lvl4pPr>
+      <a:lvl5pPr marL="1828800" algn="l" defTabSz="914400" rtl="0" eaLnBrk="1" latinLnBrk="0" hangingPunct="1">
+        <a:defRPr sz="1800" kern="1200">
+          <a:solidFill>
+            <a:schemeClr val="tx1"/>
+          </a:solidFill>
+          <a:latin typeface="+mn-lt"/>
+          <a:ea typeface="+mn-ea"/>
+          <a:cs typeface="+mn-cs"/>
+        </a:defRPr>
+      </a:lvl5pPr>
+      <a:lvl6pPr marL="2286000" algn="l" defTabSz="914400" rtl="0" eaLnBrk="1" latinLnBrk="0" hangingPunct="1">
+        <a:defRPr sz="1800" kern="1200">
+          <a:solidFill>
+            <a:schemeClr val="tx1"/>
+          </a:solidFill>
+          <a:latin typeface="+mn-lt"/>
+          <a:ea typeface="+mn-ea"/>
+          <a:cs typeface="+mn-cs"/>
+        </a:defRPr>
+      </a:lvl6pPr>
+      <a:lvl7pPr marL="2743200" algn="l" defTabSz="914400" rtl="0" eaLnBrk="1" latinLnBrk="0" hangingPunct="1">
+        <a:defRPr sz="1800" kern="1200">
+          <a:solidFill>
+            <a:schemeClr val="tx1"/>
+          </a:solidFill>
+          <a:latin typeface="+mn-lt"/>
+          <a:ea typeface="+mn-ea"/>
+          <a:cs typeface="+mn-cs"/>
+        </a:defRPr>
+      </a:lvl7pPr>
+      <a:lvl8pPr marL="3200400" algn="l" defTabSz="914400" rtl="0" eaLnBrk="1" latinLnBrk="0" hangingPunct="1">
+        <a:defRPr sz="1800" kern="1200">
+          <a:solidFill>
+            <a:schemeClr val="tx1"/>
+          </a:solidFill>
+          <a:latin typeface="+mn-lt"/>
+          <a:ea typeface="+mn-ea"/>
+          <a:cs typeface="+mn-cs"/>
+        </a:defRPr>
+      </a:lvl8pPr>
+      <a:lvl9pPr marL="3657600" algn="l" defTabSz="914400" rtl="0" eaLnBrk="1" latinLnBrk="0" hangingPunct="1">
+        <a:defRPr sz="1800" kern="1200">
+          <a:solidFill>
+            <a:schemeClr val="tx1"/>
+          </a:solidFill>
+          <a:latin typeface="+mn-lt"/>
+          <a:ea typeface="+mn-ea"/>
+          <a:cs typeface="+mn-cs"/>
+        </a:defRPr>
+      </a:lvl9pPr>
+    </p:otherStyle>
+  </p:txStyles>
 </p:sldMaster>
 </file>
 
 <file path=ppt/slideMasters/slideMaster2.xml><?xml version="1.0" encoding="utf-8"?>
-<p:sldMaster xmlns:a="http://schemas.openxmlformats.org/drawingml/2006/main" xmlns:p="http://schemas.openxmlformats.org/presentationml/2006/main" xmlns:r="http://schemas.openxmlformats.org/officeDocument/2006/relationships" xmlns:p14="http://schemas.microsoft.com/office/powerpoint/2010/main" xmlns:p15="http://schemas.microsoft.com/office/powerpoint/2012/main" xmlns:mc="http://schemas.openxmlformats.org/markup-compatibility/2006">
+<p:sldMaster xmlns:a="http://schemas.openxmlformats.org/drawingml/2006/main" xmlns:r="http://schemas.openxmlformats.org/officeDocument/2006/relationships" xmlns:p="http://schemas.openxmlformats.org/presentationml/2006/main">
   <p:cSld>
     <p:bg>
       <p:bgPr>
         <a:blipFill rotWithShape="0">
-          <a:blip r:embed="rId2"/>
+          <a:blip r:embed="rId14"/>
           <a:stretch>
             <a:fillRect/>
           </a:stretch>
         </a:blipFill>
+        <a:effectLst/>
       </p:bgPr>
     </p:bg>
     <p:spTree>
@@ -4654,10 +5192,11 @@
           </a:prstGeom>
         </p:spPr>
         <p:txBody>
-          <a:bodyPr lIns="0" rIns="0" tIns="0" bIns="0" anchor="ctr"/>
-          <a:p>
-            <a:r>
-              <a:rPr b="0" lang="cs-CZ" sz="1800" spc="-1" strike="noStrike">
+          <a:bodyPr lIns="0" tIns="0" rIns="0" bIns="0" anchor="ctr"/>
+          <a:lstStyle/>
+          <a:p>
+            <a:r>
+              <a:rPr lang="cs-CZ" sz="1800" b="0" strike="noStrike" spc="-1">
                 <a:solidFill>
                   <a:srgbClr val="000000"/>
                 </a:solidFill>
@@ -4665,12 +5204,6 @@
               </a:rPr>
               <a:t>Klikněte pro úpravu formátu textu nadpisu</a:t>
             </a:r>
-            <a:endParaRPr b="0" lang="cs-CZ" sz="1800" spc="-1" strike="noStrike">
-              <a:solidFill>
-                <a:srgbClr val="000000"/>
-              </a:solidFill>
-              <a:latin typeface="Arial"/>
-            </a:endParaRPr>
           </a:p>
         </p:txBody>
       </p:sp>
@@ -4694,9 +5227,10 @@
           </a:prstGeom>
         </p:spPr>
         <p:txBody>
-          <a:bodyPr lIns="0" rIns="0" tIns="0" bIns="0">
+          <a:bodyPr lIns="0" tIns="0" rIns="0" bIns="0">
             <a:normAutofit/>
           </a:bodyPr>
+          <a:lstStyle/>
           <a:p>
             <a:pPr marL="432000" indent="-324000">
               <a:spcBef>
@@ -4710,7 +5244,7 @@
               <a:buChar char=""/>
             </a:pPr>
             <a:r>
-              <a:rPr b="0" lang="cs-CZ" sz="2800" spc="-1" strike="noStrike">
+              <a:rPr lang="cs-CZ" sz="2800" b="0" strike="noStrike" spc="-1">
                 <a:solidFill>
                   <a:srgbClr val="000000"/>
                 </a:solidFill>
@@ -4718,15 +5252,9 @@
               </a:rPr>
               <a:t>Klikněte pro úpravu formátu textu osnovy</a:t>
             </a:r>
-            <a:endParaRPr b="0" lang="cs-CZ" sz="2800" spc="-1" strike="noStrike">
-              <a:solidFill>
-                <a:srgbClr val="000000"/>
-              </a:solidFill>
-              <a:latin typeface="Arial"/>
-            </a:endParaRPr>
-          </a:p>
-          <a:p>
-            <a:pPr lvl="1" marL="864000" indent="-324000">
+          </a:p>
+          <a:p>
+            <a:pPr marL="864000" lvl="1" indent="-324000">
               <a:spcBef>
                 <a:spcPts val="1134"/>
               </a:spcBef>
@@ -4738,7 +5266,7 @@
               <a:buChar char=""/>
             </a:pPr>
             <a:r>
-              <a:rPr b="0" lang="cs-CZ" sz="2000" spc="-1" strike="noStrike">
+              <a:rPr lang="cs-CZ" sz="2000" b="0" strike="noStrike" spc="-1">
                 <a:solidFill>
                   <a:srgbClr val="000000"/>
                 </a:solidFill>
@@ -4746,15 +5274,9 @@
               </a:rPr>
               <a:t>Druhá úroveň</a:t>
             </a:r>
-            <a:endParaRPr b="0" lang="cs-CZ" sz="2000" spc="-1" strike="noStrike">
-              <a:solidFill>
-                <a:srgbClr val="000000"/>
-              </a:solidFill>
-              <a:latin typeface="Arial"/>
-            </a:endParaRPr>
-          </a:p>
-          <a:p>
-            <a:pPr lvl="2" marL="1296000" indent="-288000">
+          </a:p>
+          <a:p>
+            <a:pPr marL="1296000" lvl="2" indent="-288000">
               <a:spcBef>
                 <a:spcPts val="850"/>
               </a:spcBef>
@@ -4766,7 +5288,7 @@
               <a:buChar char=""/>
             </a:pPr>
             <a:r>
-              <a:rPr b="0" lang="cs-CZ" sz="1800" spc="-1" strike="noStrike">
+              <a:rPr lang="cs-CZ" sz="1800" b="0" strike="noStrike" spc="-1">
                 <a:solidFill>
                   <a:srgbClr val="000000"/>
                 </a:solidFill>
@@ -4774,15 +5296,9 @@
               </a:rPr>
               <a:t>Třetí úroveň</a:t>
             </a:r>
-            <a:endParaRPr b="0" lang="cs-CZ" sz="1800" spc="-1" strike="noStrike">
-              <a:solidFill>
-                <a:srgbClr val="000000"/>
-              </a:solidFill>
-              <a:latin typeface="Arial"/>
-            </a:endParaRPr>
-          </a:p>
-          <a:p>
-            <a:pPr lvl="3" marL="1728000" indent="-216000">
+          </a:p>
+          <a:p>
+            <a:pPr marL="1728000" lvl="3" indent="-216000">
               <a:spcBef>
                 <a:spcPts val="567"/>
               </a:spcBef>
@@ -4794,7 +5310,7 @@
               <a:buChar char=""/>
             </a:pPr>
             <a:r>
-              <a:rPr b="0" lang="cs-CZ" sz="1800" spc="-1" strike="noStrike">
+              <a:rPr lang="cs-CZ" sz="1800" b="0" strike="noStrike" spc="-1">
                 <a:solidFill>
                   <a:srgbClr val="000000"/>
                 </a:solidFill>
@@ -4802,15 +5318,9 @@
               </a:rPr>
               <a:t>Čtvrtá úroveň osnovy</a:t>
             </a:r>
-            <a:endParaRPr b="0" lang="cs-CZ" sz="1800" spc="-1" strike="noStrike">
-              <a:solidFill>
-                <a:srgbClr val="000000"/>
-              </a:solidFill>
-              <a:latin typeface="Arial"/>
-            </a:endParaRPr>
-          </a:p>
-          <a:p>
-            <a:pPr lvl="4" marL="2160000" indent="-216000">
+          </a:p>
+          <a:p>
+            <a:pPr marL="2160000" lvl="4" indent="-216000">
               <a:spcBef>
                 <a:spcPts val="283"/>
               </a:spcBef>
@@ -4822,7 +5332,7 @@
               <a:buChar char=""/>
             </a:pPr>
             <a:r>
-              <a:rPr b="0" lang="cs-CZ" sz="2000" spc="-1" strike="noStrike">
+              <a:rPr lang="cs-CZ" sz="2000" b="0" strike="noStrike" spc="-1">
                 <a:solidFill>
                   <a:srgbClr val="000000"/>
                 </a:solidFill>
@@ -4830,15 +5340,9 @@
               </a:rPr>
               <a:t>Pátá úroveň osnovy</a:t>
             </a:r>
-            <a:endParaRPr b="0" lang="cs-CZ" sz="2000" spc="-1" strike="noStrike">
-              <a:solidFill>
-                <a:srgbClr val="000000"/>
-              </a:solidFill>
-              <a:latin typeface="Arial"/>
-            </a:endParaRPr>
-          </a:p>
-          <a:p>
-            <a:pPr lvl="5" marL="2592000" indent="-216000">
+          </a:p>
+          <a:p>
+            <a:pPr marL="2592000" lvl="5" indent="-216000">
               <a:spcBef>
                 <a:spcPts val="283"/>
               </a:spcBef>
@@ -4850,7 +5354,7 @@
               <a:buChar char=""/>
             </a:pPr>
             <a:r>
-              <a:rPr b="0" lang="cs-CZ" sz="2000" spc="-1" strike="noStrike">
+              <a:rPr lang="cs-CZ" sz="2000" b="0" strike="noStrike" spc="-1">
                 <a:solidFill>
                   <a:srgbClr val="000000"/>
                 </a:solidFill>
@@ -4858,15 +5362,9 @@
               </a:rPr>
               <a:t>Šestá úroveň</a:t>
             </a:r>
-            <a:endParaRPr b="0" lang="cs-CZ" sz="2000" spc="-1" strike="noStrike">
-              <a:solidFill>
-                <a:srgbClr val="000000"/>
-              </a:solidFill>
-              <a:latin typeface="Arial"/>
-            </a:endParaRPr>
-          </a:p>
-          <a:p>
-            <a:pPr lvl="6" marL="3024000" indent="-216000">
+          </a:p>
+          <a:p>
+            <a:pPr marL="3024000" lvl="6" indent="-216000">
               <a:spcBef>
                 <a:spcPts val="283"/>
               </a:spcBef>
@@ -4878,7 +5376,7 @@
               <a:buChar char=""/>
             </a:pPr>
             <a:r>
-              <a:rPr b="0" lang="cs-CZ" sz="2000" spc="-1" strike="noStrike">
+              <a:rPr lang="cs-CZ" sz="2000" b="0" strike="noStrike" spc="-1">
                 <a:solidFill>
                   <a:srgbClr val="000000"/>
                 </a:solidFill>
@@ -4886,46 +5384,321 @@
               </a:rPr>
               <a:t>Sedmá úroveň</a:t>
             </a:r>
-            <a:endParaRPr b="0" lang="cs-CZ" sz="2000" spc="-1" strike="noStrike">
-              <a:solidFill>
-                <a:srgbClr val="000000"/>
-              </a:solidFill>
-              <a:latin typeface="Arial"/>
-            </a:endParaRPr>
           </a:p>
         </p:txBody>
       </p:sp>
     </p:spTree>
   </p:cSld>
-  <p:clrMap bg1="lt1" bg2="lt2" tx1="dk1" tx2="dk2" accent1="accent1" accent2="accent2" accent3="accent3" accent4="accent4" accent5="accent5" accent6="accent6" hlink="hlink" folHlink="folHlink"/>
+  <p:clrMap bg1="lt1" tx1="dk1" bg2="lt2" tx2="dk2" accent1="accent1" accent2="accent2" accent3="accent3" accent4="accent4" accent5="accent5" accent6="accent6" hlink="hlink" folHlink="folHlink"/>
   <p:sldLayoutIdLst>
-    <p:sldLayoutId id="2147483662" r:id="rId3"/>
-    <p:sldLayoutId id="2147483663" r:id="rId4"/>
-    <p:sldLayoutId id="2147483664" r:id="rId5"/>
-    <p:sldLayoutId id="2147483665" r:id="rId6"/>
-    <p:sldLayoutId id="2147483666" r:id="rId7"/>
-    <p:sldLayoutId id="2147483667" r:id="rId8"/>
-    <p:sldLayoutId id="2147483668" r:id="rId9"/>
-    <p:sldLayoutId id="2147483669" r:id="rId10"/>
-    <p:sldLayoutId id="2147483670" r:id="rId11"/>
-    <p:sldLayoutId id="2147483671" r:id="rId12"/>
-    <p:sldLayoutId id="2147483672" r:id="rId13"/>
-    <p:sldLayoutId id="2147483673" r:id="rId14"/>
+    <p:sldLayoutId id="2147483662" r:id="rId1"/>
+    <p:sldLayoutId id="2147483663" r:id="rId2"/>
+    <p:sldLayoutId id="2147483664" r:id="rId3"/>
+    <p:sldLayoutId id="2147483665" r:id="rId4"/>
+    <p:sldLayoutId id="2147483666" r:id="rId5"/>
+    <p:sldLayoutId id="2147483667" r:id="rId6"/>
+    <p:sldLayoutId id="2147483668" r:id="rId7"/>
+    <p:sldLayoutId id="2147483669" r:id="rId8"/>
+    <p:sldLayoutId id="2147483670" r:id="rId9"/>
+    <p:sldLayoutId id="2147483671" r:id="rId10"/>
+    <p:sldLayoutId id="2147483672" r:id="rId11"/>
+    <p:sldLayoutId id="2147483673" r:id="rId12"/>
   </p:sldLayoutIdLst>
+  <p:txStyles>
+    <p:titleStyle>
+      <a:lvl1pPr algn="l" defTabSz="914400" rtl="0" eaLnBrk="1" latinLnBrk="0" hangingPunct="1">
+        <a:lnSpc>
+          <a:spcPct val="90000"/>
+        </a:lnSpc>
+        <a:spcBef>
+          <a:spcPct val="0"/>
+        </a:spcBef>
+        <a:buNone/>
+        <a:defRPr sz="4400" kern="1200">
+          <a:solidFill>
+            <a:schemeClr val="tx1"/>
+          </a:solidFill>
+          <a:latin typeface="+mj-lt"/>
+          <a:ea typeface="+mj-ea"/>
+          <a:cs typeface="+mj-cs"/>
+        </a:defRPr>
+      </a:lvl1pPr>
+    </p:titleStyle>
+    <p:bodyStyle>
+      <a:lvl1pPr marL="228600" indent="-228600" algn="l" defTabSz="914400" rtl="0" eaLnBrk="1" latinLnBrk="0" hangingPunct="1">
+        <a:lnSpc>
+          <a:spcPct val="90000"/>
+        </a:lnSpc>
+        <a:spcBef>
+          <a:spcPts val="1000"/>
+        </a:spcBef>
+        <a:buFont typeface="Arial" panose="020B0604020202020204" pitchFamily="34" charset="0"/>
+        <a:buChar char="•"/>
+        <a:defRPr sz="2800" kern="1200">
+          <a:solidFill>
+            <a:schemeClr val="tx1"/>
+          </a:solidFill>
+          <a:latin typeface="+mn-lt"/>
+          <a:ea typeface="+mn-ea"/>
+          <a:cs typeface="+mn-cs"/>
+        </a:defRPr>
+      </a:lvl1pPr>
+      <a:lvl2pPr marL="685800" indent="-228600" algn="l" defTabSz="914400" rtl="0" eaLnBrk="1" latinLnBrk="0" hangingPunct="1">
+        <a:lnSpc>
+          <a:spcPct val="90000"/>
+        </a:lnSpc>
+        <a:spcBef>
+          <a:spcPts val="500"/>
+        </a:spcBef>
+        <a:buFont typeface="Arial" panose="020B0604020202020204" pitchFamily="34" charset="0"/>
+        <a:buChar char="•"/>
+        <a:defRPr sz="2400" kern="1200">
+          <a:solidFill>
+            <a:schemeClr val="tx1"/>
+          </a:solidFill>
+          <a:latin typeface="+mn-lt"/>
+          <a:ea typeface="+mn-ea"/>
+          <a:cs typeface="+mn-cs"/>
+        </a:defRPr>
+      </a:lvl2pPr>
+      <a:lvl3pPr marL="1143000" indent="-228600" algn="l" defTabSz="914400" rtl="0" eaLnBrk="1" latinLnBrk="0" hangingPunct="1">
+        <a:lnSpc>
+          <a:spcPct val="90000"/>
+        </a:lnSpc>
+        <a:spcBef>
+          <a:spcPts val="500"/>
+        </a:spcBef>
+        <a:buFont typeface="Arial" panose="020B0604020202020204" pitchFamily="34" charset="0"/>
+        <a:buChar char="•"/>
+        <a:defRPr sz="2000" kern="1200">
+          <a:solidFill>
+            <a:schemeClr val="tx1"/>
+          </a:solidFill>
+          <a:latin typeface="+mn-lt"/>
+          <a:ea typeface="+mn-ea"/>
+          <a:cs typeface="+mn-cs"/>
+        </a:defRPr>
+      </a:lvl3pPr>
+      <a:lvl4pPr marL="1600200" indent="-228600" algn="l" defTabSz="914400" rtl="0" eaLnBrk="1" latinLnBrk="0" hangingPunct="1">
+        <a:lnSpc>
+          <a:spcPct val="90000"/>
+        </a:lnSpc>
+        <a:spcBef>
+          <a:spcPts val="500"/>
+        </a:spcBef>
+        <a:buFont typeface="Arial" panose="020B0604020202020204" pitchFamily="34" charset="0"/>
+        <a:buChar char="•"/>
+        <a:defRPr sz="1800" kern="1200">
+          <a:solidFill>
+            <a:schemeClr val="tx1"/>
+          </a:solidFill>
+          <a:latin typeface="+mn-lt"/>
+          <a:ea typeface="+mn-ea"/>
+          <a:cs typeface="+mn-cs"/>
+        </a:defRPr>
+      </a:lvl4pPr>
+      <a:lvl5pPr marL="2057400" indent="-228600" algn="l" defTabSz="914400" rtl="0" eaLnBrk="1" latinLnBrk="0" hangingPunct="1">
+        <a:lnSpc>
+          <a:spcPct val="90000"/>
+        </a:lnSpc>
+        <a:spcBef>
+          <a:spcPts val="500"/>
+        </a:spcBef>
+        <a:buFont typeface="Arial" panose="020B0604020202020204" pitchFamily="34" charset="0"/>
+        <a:buChar char="•"/>
+        <a:defRPr sz="1800" kern="1200">
+          <a:solidFill>
+            <a:schemeClr val="tx1"/>
+          </a:solidFill>
+          <a:latin typeface="+mn-lt"/>
+          <a:ea typeface="+mn-ea"/>
+          <a:cs typeface="+mn-cs"/>
+        </a:defRPr>
+      </a:lvl5pPr>
+      <a:lvl6pPr marL="2514600" indent="-228600" algn="l" defTabSz="914400" rtl="0" eaLnBrk="1" latinLnBrk="0" hangingPunct="1">
+        <a:lnSpc>
+          <a:spcPct val="90000"/>
+        </a:lnSpc>
+        <a:spcBef>
+          <a:spcPts val="500"/>
+        </a:spcBef>
+        <a:buFont typeface="Arial" panose="020B0604020202020204" pitchFamily="34" charset="0"/>
+        <a:buChar char="•"/>
+        <a:defRPr sz="1800" kern="1200">
+          <a:solidFill>
+            <a:schemeClr val="tx1"/>
+          </a:solidFill>
+          <a:latin typeface="+mn-lt"/>
+          <a:ea typeface="+mn-ea"/>
+          <a:cs typeface="+mn-cs"/>
+        </a:defRPr>
+      </a:lvl6pPr>
+      <a:lvl7pPr marL="2971800" indent="-228600" algn="l" defTabSz="914400" rtl="0" eaLnBrk="1" latinLnBrk="0" hangingPunct="1">
+        <a:lnSpc>
+          <a:spcPct val="90000"/>
+        </a:lnSpc>
+        <a:spcBef>
+          <a:spcPts val="500"/>
+        </a:spcBef>
+        <a:buFont typeface="Arial" panose="020B0604020202020204" pitchFamily="34" charset="0"/>
+        <a:buChar char="•"/>
+        <a:defRPr sz="1800" kern="1200">
+          <a:solidFill>
+            <a:schemeClr val="tx1"/>
+          </a:solidFill>
+          <a:latin typeface="+mn-lt"/>
+          <a:ea typeface="+mn-ea"/>
+          <a:cs typeface="+mn-cs"/>
+        </a:defRPr>
+      </a:lvl7pPr>
+      <a:lvl8pPr marL="3429000" indent="-228600" algn="l" defTabSz="914400" rtl="0" eaLnBrk="1" latinLnBrk="0" hangingPunct="1">
+        <a:lnSpc>
+          <a:spcPct val="90000"/>
+        </a:lnSpc>
+        <a:spcBef>
+          <a:spcPts val="500"/>
+        </a:spcBef>
+        <a:buFont typeface="Arial" panose="020B0604020202020204" pitchFamily="34" charset="0"/>
+        <a:buChar char="•"/>
+        <a:defRPr sz="1800" kern="1200">
+          <a:solidFill>
+            <a:schemeClr val="tx1"/>
+          </a:solidFill>
+          <a:latin typeface="+mn-lt"/>
+          <a:ea typeface="+mn-ea"/>
+          <a:cs typeface="+mn-cs"/>
+        </a:defRPr>
+      </a:lvl8pPr>
+      <a:lvl9pPr marL="3886200" indent="-228600" algn="l" defTabSz="914400" rtl="0" eaLnBrk="1" latinLnBrk="0" hangingPunct="1">
+        <a:lnSpc>
+          <a:spcPct val="90000"/>
+        </a:lnSpc>
+        <a:spcBef>
+          <a:spcPts val="500"/>
+        </a:spcBef>
+        <a:buFont typeface="Arial" panose="020B0604020202020204" pitchFamily="34" charset="0"/>
+        <a:buChar char="•"/>
+        <a:defRPr sz="1800" kern="1200">
+          <a:solidFill>
+            <a:schemeClr val="tx1"/>
+          </a:solidFill>
+          <a:latin typeface="+mn-lt"/>
+          <a:ea typeface="+mn-ea"/>
+          <a:cs typeface="+mn-cs"/>
+        </a:defRPr>
+      </a:lvl9pPr>
+    </p:bodyStyle>
+    <p:otherStyle>
+      <a:defPPr>
+        <a:defRPr lang="cs-CZ"/>
+      </a:defPPr>
+      <a:lvl1pPr marL="0" algn="l" defTabSz="914400" rtl="0" eaLnBrk="1" latinLnBrk="0" hangingPunct="1">
+        <a:defRPr sz="1800" kern="1200">
+          <a:solidFill>
+            <a:schemeClr val="tx1"/>
+          </a:solidFill>
+          <a:latin typeface="+mn-lt"/>
+          <a:ea typeface="+mn-ea"/>
+          <a:cs typeface="+mn-cs"/>
+        </a:defRPr>
+      </a:lvl1pPr>
+      <a:lvl2pPr marL="457200" algn="l" defTabSz="914400" rtl="0" eaLnBrk="1" latinLnBrk="0" hangingPunct="1">
+        <a:defRPr sz="1800" kern="1200">
+          <a:solidFill>
+            <a:schemeClr val="tx1"/>
+          </a:solidFill>
+          <a:latin typeface="+mn-lt"/>
+          <a:ea typeface="+mn-ea"/>
+          <a:cs typeface="+mn-cs"/>
+        </a:defRPr>
+      </a:lvl2pPr>
+      <a:lvl3pPr marL="914400" algn="l" defTabSz="914400" rtl="0" eaLnBrk="1" latinLnBrk="0" hangingPunct="1">
+        <a:defRPr sz="1800" kern="1200">
+          <a:solidFill>
+            <a:schemeClr val="tx1"/>
+          </a:solidFill>
+          <a:latin typeface="+mn-lt"/>
+          <a:ea typeface="+mn-ea"/>
+          <a:cs typeface="+mn-cs"/>
+        </a:defRPr>
+      </a:lvl3pPr>
+      <a:lvl4pPr marL="1371600" algn="l" defTabSz="914400" rtl="0" eaLnBrk="1" latinLnBrk="0" hangingPunct="1">
+        <a:defRPr sz="1800" kern="1200">
+          <a:solidFill>
+            <a:schemeClr val="tx1"/>
+          </a:solidFill>
+          <a:latin typeface="+mn-lt"/>
+          <a:ea typeface="+mn-ea"/>
+          <a:cs typeface="+mn-cs"/>
+        </a:defRPr>
+      </a:lvl4pPr>
+      <a:lvl5pPr marL="1828800" algn="l" defTabSz="914400" rtl="0" eaLnBrk="1" latinLnBrk="0" hangingPunct="1">
+        <a:defRPr sz="1800" kern="1200">
+          <a:solidFill>
+            <a:schemeClr val="tx1"/>
+          </a:solidFill>
+          <a:latin typeface="+mn-lt"/>
+          <a:ea typeface="+mn-ea"/>
+          <a:cs typeface="+mn-cs"/>
+        </a:defRPr>
+      </a:lvl5pPr>
+      <a:lvl6pPr marL="2286000" algn="l" defTabSz="914400" rtl="0" eaLnBrk="1" latinLnBrk="0" hangingPunct="1">
+        <a:defRPr sz="1800" kern="1200">
+          <a:solidFill>
+            <a:schemeClr val="tx1"/>
+          </a:solidFill>
+          <a:latin typeface="+mn-lt"/>
+          <a:ea typeface="+mn-ea"/>
+          <a:cs typeface="+mn-cs"/>
+        </a:defRPr>
+      </a:lvl6pPr>
+      <a:lvl7pPr marL="2743200" algn="l" defTabSz="914400" rtl="0" eaLnBrk="1" latinLnBrk="0" hangingPunct="1">
+        <a:defRPr sz="1800" kern="1200">
+          <a:solidFill>
+            <a:schemeClr val="tx1"/>
+          </a:solidFill>
+          <a:latin typeface="+mn-lt"/>
+          <a:ea typeface="+mn-ea"/>
+          <a:cs typeface="+mn-cs"/>
+        </a:defRPr>
+      </a:lvl7pPr>
+      <a:lvl8pPr marL="3200400" algn="l" defTabSz="914400" rtl="0" eaLnBrk="1" latinLnBrk="0" hangingPunct="1">
+        <a:defRPr sz="1800" kern="1200">
+          <a:solidFill>
+            <a:schemeClr val="tx1"/>
+          </a:solidFill>
+          <a:latin typeface="+mn-lt"/>
+          <a:ea typeface="+mn-ea"/>
+          <a:cs typeface="+mn-cs"/>
+        </a:defRPr>
+      </a:lvl8pPr>
+      <a:lvl9pPr marL="3657600" algn="l" defTabSz="914400" rtl="0" eaLnBrk="1" latinLnBrk="0" hangingPunct="1">
+        <a:defRPr sz="1800" kern="1200">
+          <a:solidFill>
+            <a:schemeClr val="tx1"/>
+          </a:solidFill>
+          <a:latin typeface="+mn-lt"/>
+          <a:ea typeface="+mn-ea"/>
+          <a:cs typeface="+mn-cs"/>
+        </a:defRPr>
+      </a:lvl9pPr>
+    </p:otherStyle>
+  </p:txStyles>
 </p:sldMaster>
 </file>
 
 <file path=ppt/slideMasters/slideMaster3.xml><?xml version="1.0" encoding="utf-8"?>
-<p:sldMaster xmlns:a="http://schemas.openxmlformats.org/drawingml/2006/main" xmlns:p="http://schemas.openxmlformats.org/presentationml/2006/main" xmlns:r="http://schemas.openxmlformats.org/officeDocument/2006/relationships" xmlns:p14="http://schemas.microsoft.com/office/powerpoint/2010/main" xmlns:p15="http://schemas.microsoft.com/office/powerpoint/2012/main" xmlns:mc="http://schemas.openxmlformats.org/markup-compatibility/2006">
+<p:sldMaster xmlns:a="http://schemas.openxmlformats.org/drawingml/2006/main" xmlns:r="http://schemas.openxmlformats.org/officeDocument/2006/relationships" xmlns:p="http://schemas.openxmlformats.org/presentationml/2006/main">
   <p:cSld>
     <p:bg>
       <p:bgPr>
         <a:blipFill rotWithShape="0">
-          <a:blip r:embed="rId2"/>
+          <a:blip r:embed="rId14"/>
           <a:stretch>
             <a:fillRect/>
           </a:stretch>
         </a:blipFill>
+        <a:effectLst/>
       </p:bgPr>
     </p:bg>
     <p:spTree>
@@ -4962,10 +5735,11 @@
           </a:prstGeom>
         </p:spPr>
         <p:txBody>
-          <a:bodyPr lIns="0" rIns="0" tIns="0" bIns="0" anchor="ctr"/>
-          <a:p>
-            <a:r>
-              <a:rPr b="0" lang="cs-CZ" sz="4400" spc="-1" strike="noStrike">
+          <a:bodyPr lIns="0" tIns="0" rIns="0" bIns="0" anchor="ctr"/>
+          <a:lstStyle/>
+          <a:p>
+            <a:r>
+              <a:rPr lang="cs-CZ" sz="4400" b="0" strike="noStrike" spc="-1">
                 <a:solidFill>
                   <a:srgbClr val="000000"/>
                 </a:solidFill>
@@ -4973,12 +5747,6 @@
               </a:rPr>
               <a:t>Klikněte pro úpravu formátu textu nadpisu</a:t>
             </a:r>
-            <a:endParaRPr b="0" lang="cs-CZ" sz="4400" spc="-1" strike="noStrike">
-              <a:solidFill>
-                <a:srgbClr val="000000"/>
-              </a:solidFill>
-              <a:latin typeface="Arial"/>
-            </a:endParaRPr>
           </a:p>
         </p:txBody>
       </p:sp>
@@ -5002,9 +5770,10 @@
           </a:prstGeom>
         </p:spPr>
         <p:txBody>
-          <a:bodyPr lIns="0" rIns="0" tIns="0" bIns="0">
+          <a:bodyPr lIns="0" tIns="0" rIns="0" bIns="0">
             <a:normAutofit/>
           </a:bodyPr>
+          <a:lstStyle/>
           <a:p>
             <a:pPr marL="432000" indent="-324000">
               <a:spcBef>
@@ -5018,7 +5787,7 @@
               <a:buChar char=""/>
             </a:pPr>
             <a:r>
-              <a:rPr b="0" lang="cs-CZ" sz="2800" spc="-1" strike="noStrike">
+              <a:rPr lang="cs-CZ" sz="2800" b="0" strike="noStrike" spc="-1">
                 <a:solidFill>
                   <a:srgbClr val="000000"/>
                 </a:solidFill>
@@ -5026,15 +5795,9 @@
               </a:rPr>
               <a:t>Klikněte pro úpravu formátu textu osnovy</a:t>
             </a:r>
-            <a:endParaRPr b="0" lang="cs-CZ" sz="2800" spc="-1" strike="noStrike">
-              <a:solidFill>
-                <a:srgbClr val="000000"/>
-              </a:solidFill>
-              <a:latin typeface="Arial"/>
-            </a:endParaRPr>
-          </a:p>
-          <a:p>
-            <a:pPr lvl="1" marL="864000" indent="-324000">
+          </a:p>
+          <a:p>
+            <a:pPr marL="864000" lvl="1" indent="-324000">
               <a:spcBef>
                 <a:spcPts val="1134"/>
               </a:spcBef>
@@ -5046,7 +5809,7 @@
               <a:buChar char=""/>
             </a:pPr>
             <a:r>
-              <a:rPr b="0" lang="cs-CZ" sz="2000" spc="-1" strike="noStrike">
+              <a:rPr lang="cs-CZ" sz="2000" b="0" strike="noStrike" spc="-1">
                 <a:solidFill>
                   <a:srgbClr val="000000"/>
                 </a:solidFill>
@@ -5054,15 +5817,9 @@
               </a:rPr>
               <a:t>Druhá úroveň</a:t>
             </a:r>
-            <a:endParaRPr b="0" lang="cs-CZ" sz="2000" spc="-1" strike="noStrike">
-              <a:solidFill>
-                <a:srgbClr val="000000"/>
-              </a:solidFill>
-              <a:latin typeface="Arial"/>
-            </a:endParaRPr>
-          </a:p>
-          <a:p>
-            <a:pPr lvl="2" marL="1296000" indent="-288000">
+          </a:p>
+          <a:p>
+            <a:pPr marL="1296000" lvl="2" indent="-288000">
               <a:spcBef>
                 <a:spcPts val="850"/>
               </a:spcBef>
@@ -5074,7 +5831,7 @@
               <a:buChar char=""/>
             </a:pPr>
             <a:r>
-              <a:rPr b="0" lang="cs-CZ" sz="1800" spc="-1" strike="noStrike">
+              <a:rPr lang="cs-CZ" sz="1800" b="0" strike="noStrike" spc="-1">
                 <a:solidFill>
                   <a:srgbClr val="000000"/>
                 </a:solidFill>
@@ -5082,15 +5839,9 @@
               </a:rPr>
               <a:t>Třetí úroveň</a:t>
             </a:r>
-            <a:endParaRPr b="0" lang="cs-CZ" sz="1800" spc="-1" strike="noStrike">
-              <a:solidFill>
-                <a:srgbClr val="000000"/>
-              </a:solidFill>
-              <a:latin typeface="Arial"/>
-            </a:endParaRPr>
-          </a:p>
-          <a:p>
-            <a:pPr lvl="3" marL="1728000" indent="-216000">
+          </a:p>
+          <a:p>
+            <a:pPr marL="1728000" lvl="3" indent="-216000">
               <a:spcBef>
                 <a:spcPts val="567"/>
               </a:spcBef>
@@ -5102,7 +5853,7 @@
               <a:buChar char=""/>
             </a:pPr>
             <a:r>
-              <a:rPr b="0" lang="cs-CZ" sz="1800" spc="-1" strike="noStrike">
+              <a:rPr lang="cs-CZ" sz="1800" b="0" strike="noStrike" spc="-1">
                 <a:solidFill>
                   <a:srgbClr val="000000"/>
                 </a:solidFill>
@@ -5110,15 +5861,9 @@
               </a:rPr>
               <a:t>Čtvrtá úroveň osnovy</a:t>
             </a:r>
-            <a:endParaRPr b="0" lang="cs-CZ" sz="1800" spc="-1" strike="noStrike">
-              <a:solidFill>
-                <a:srgbClr val="000000"/>
-              </a:solidFill>
-              <a:latin typeface="Arial"/>
-            </a:endParaRPr>
-          </a:p>
-          <a:p>
-            <a:pPr lvl="4" marL="2160000" indent="-216000">
+          </a:p>
+          <a:p>
+            <a:pPr marL="2160000" lvl="4" indent="-216000">
               <a:spcBef>
                 <a:spcPts val="283"/>
               </a:spcBef>
@@ -5130,7 +5875,7 @@
               <a:buChar char=""/>
             </a:pPr>
             <a:r>
-              <a:rPr b="0" lang="cs-CZ" sz="2000" spc="-1" strike="noStrike">
+              <a:rPr lang="cs-CZ" sz="2000" b="0" strike="noStrike" spc="-1">
                 <a:solidFill>
                   <a:srgbClr val="000000"/>
                 </a:solidFill>
@@ -5138,15 +5883,9 @@
               </a:rPr>
               <a:t>Pátá úroveň osnovy</a:t>
             </a:r>
-            <a:endParaRPr b="0" lang="cs-CZ" sz="2000" spc="-1" strike="noStrike">
-              <a:solidFill>
-                <a:srgbClr val="000000"/>
-              </a:solidFill>
-              <a:latin typeface="Arial"/>
-            </a:endParaRPr>
-          </a:p>
-          <a:p>
-            <a:pPr lvl="5" marL="2592000" indent="-216000">
+          </a:p>
+          <a:p>
+            <a:pPr marL="2592000" lvl="5" indent="-216000">
               <a:spcBef>
                 <a:spcPts val="283"/>
               </a:spcBef>
@@ -5158,7 +5897,7 @@
               <a:buChar char=""/>
             </a:pPr>
             <a:r>
-              <a:rPr b="0" lang="cs-CZ" sz="2000" spc="-1" strike="noStrike">
+              <a:rPr lang="cs-CZ" sz="2000" b="0" strike="noStrike" spc="-1">
                 <a:solidFill>
                   <a:srgbClr val="000000"/>
                 </a:solidFill>
@@ -5166,15 +5905,9 @@
               </a:rPr>
               <a:t>Šestá úroveň</a:t>
             </a:r>
-            <a:endParaRPr b="0" lang="cs-CZ" sz="2000" spc="-1" strike="noStrike">
-              <a:solidFill>
-                <a:srgbClr val="000000"/>
-              </a:solidFill>
-              <a:latin typeface="Arial"/>
-            </a:endParaRPr>
-          </a:p>
-          <a:p>
-            <a:pPr lvl="6" marL="3024000" indent="-216000">
+          </a:p>
+          <a:p>
+            <a:pPr marL="3024000" lvl="6" indent="-216000">
               <a:spcBef>
                 <a:spcPts val="283"/>
               </a:spcBef>
@@ -5186,7 +5919,7 @@
               <a:buChar char=""/>
             </a:pPr>
             <a:r>
-              <a:rPr b="0" lang="cs-CZ" sz="2000" spc="-1" strike="noStrike">
+              <a:rPr lang="cs-CZ" sz="2000" b="0" strike="noStrike" spc="-1">
                 <a:solidFill>
                   <a:srgbClr val="000000"/>
                 </a:solidFill>
@@ -5194,37 +5927,311 @@
               </a:rPr>
               <a:t>Sedmá úroveň</a:t>
             </a:r>
-            <a:endParaRPr b="0" lang="cs-CZ" sz="2000" spc="-1" strike="noStrike">
-              <a:solidFill>
-                <a:srgbClr val="000000"/>
-              </a:solidFill>
-              <a:latin typeface="Arial"/>
-            </a:endParaRPr>
           </a:p>
         </p:txBody>
       </p:sp>
     </p:spTree>
   </p:cSld>
-  <p:clrMap bg1="lt1" bg2="lt2" tx1="dk1" tx2="dk2" accent1="accent1" accent2="accent2" accent3="accent3" accent4="accent4" accent5="accent5" accent6="accent6" hlink="hlink" folHlink="folHlink"/>
+  <p:clrMap bg1="lt1" tx1="dk1" bg2="lt2" tx2="dk2" accent1="accent1" accent2="accent2" accent3="accent3" accent4="accent4" accent5="accent5" accent6="accent6" hlink="hlink" folHlink="folHlink"/>
   <p:sldLayoutIdLst>
-    <p:sldLayoutId id="2147483675" r:id="rId3"/>
-    <p:sldLayoutId id="2147483676" r:id="rId4"/>
-    <p:sldLayoutId id="2147483677" r:id="rId5"/>
-    <p:sldLayoutId id="2147483678" r:id="rId6"/>
-    <p:sldLayoutId id="2147483679" r:id="rId7"/>
-    <p:sldLayoutId id="2147483680" r:id="rId8"/>
-    <p:sldLayoutId id="2147483681" r:id="rId9"/>
-    <p:sldLayoutId id="2147483682" r:id="rId10"/>
-    <p:sldLayoutId id="2147483683" r:id="rId11"/>
-    <p:sldLayoutId id="2147483684" r:id="rId12"/>
-    <p:sldLayoutId id="2147483685" r:id="rId13"/>
-    <p:sldLayoutId id="2147483686" r:id="rId14"/>
+    <p:sldLayoutId id="2147483675" r:id="rId1"/>
+    <p:sldLayoutId id="2147483676" r:id="rId2"/>
+    <p:sldLayoutId id="2147483677" r:id="rId3"/>
+    <p:sldLayoutId id="2147483678" r:id="rId4"/>
+    <p:sldLayoutId id="2147483679" r:id="rId5"/>
+    <p:sldLayoutId id="2147483680" r:id="rId6"/>
+    <p:sldLayoutId id="2147483681" r:id="rId7"/>
+    <p:sldLayoutId id="2147483682" r:id="rId8"/>
+    <p:sldLayoutId id="2147483683" r:id="rId9"/>
+    <p:sldLayoutId id="2147483684" r:id="rId10"/>
+    <p:sldLayoutId id="2147483685" r:id="rId11"/>
+    <p:sldLayoutId id="2147483686" r:id="rId12"/>
   </p:sldLayoutIdLst>
+  <p:txStyles>
+    <p:titleStyle>
+      <a:lvl1pPr algn="l" defTabSz="914400" rtl="0" eaLnBrk="1" latinLnBrk="0" hangingPunct="1">
+        <a:lnSpc>
+          <a:spcPct val="90000"/>
+        </a:lnSpc>
+        <a:spcBef>
+          <a:spcPct val="0"/>
+        </a:spcBef>
+        <a:buNone/>
+        <a:defRPr sz="4400" kern="1200">
+          <a:solidFill>
+            <a:schemeClr val="tx1"/>
+          </a:solidFill>
+          <a:latin typeface="+mj-lt"/>
+          <a:ea typeface="+mj-ea"/>
+          <a:cs typeface="+mj-cs"/>
+        </a:defRPr>
+      </a:lvl1pPr>
+    </p:titleStyle>
+    <p:bodyStyle>
+      <a:lvl1pPr marL="228600" indent="-228600" algn="l" defTabSz="914400" rtl="0" eaLnBrk="1" latinLnBrk="0" hangingPunct="1">
+        <a:lnSpc>
+          <a:spcPct val="90000"/>
+        </a:lnSpc>
+        <a:spcBef>
+          <a:spcPts val="1000"/>
+        </a:spcBef>
+        <a:buFont typeface="Arial" panose="020B0604020202020204" pitchFamily="34" charset="0"/>
+        <a:buChar char="•"/>
+        <a:defRPr sz="2800" kern="1200">
+          <a:solidFill>
+            <a:schemeClr val="tx1"/>
+          </a:solidFill>
+          <a:latin typeface="+mn-lt"/>
+          <a:ea typeface="+mn-ea"/>
+          <a:cs typeface="+mn-cs"/>
+        </a:defRPr>
+      </a:lvl1pPr>
+      <a:lvl2pPr marL="685800" indent="-228600" algn="l" defTabSz="914400" rtl="0" eaLnBrk="1" latinLnBrk="0" hangingPunct="1">
+        <a:lnSpc>
+          <a:spcPct val="90000"/>
+        </a:lnSpc>
+        <a:spcBef>
+          <a:spcPts val="500"/>
+        </a:spcBef>
+        <a:buFont typeface="Arial" panose="020B0604020202020204" pitchFamily="34" charset="0"/>
+        <a:buChar char="•"/>
+        <a:defRPr sz="2400" kern="1200">
+          <a:solidFill>
+            <a:schemeClr val="tx1"/>
+          </a:solidFill>
+          <a:latin typeface="+mn-lt"/>
+          <a:ea typeface="+mn-ea"/>
+          <a:cs typeface="+mn-cs"/>
+        </a:defRPr>
+      </a:lvl2pPr>
+      <a:lvl3pPr marL="1143000" indent="-228600" algn="l" defTabSz="914400" rtl="0" eaLnBrk="1" latinLnBrk="0" hangingPunct="1">
+        <a:lnSpc>
+          <a:spcPct val="90000"/>
+        </a:lnSpc>
+        <a:spcBef>
+          <a:spcPts val="500"/>
+        </a:spcBef>
+        <a:buFont typeface="Arial" panose="020B0604020202020204" pitchFamily="34" charset="0"/>
+        <a:buChar char="•"/>
+        <a:defRPr sz="2000" kern="1200">
+          <a:solidFill>
+            <a:schemeClr val="tx1"/>
+          </a:solidFill>
+          <a:latin typeface="+mn-lt"/>
+          <a:ea typeface="+mn-ea"/>
+          <a:cs typeface="+mn-cs"/>
+        </a:defRPr>
+      </a:lvl3pPr>
+      <a:lvl4pPr marL="1600200" indent="-228600" algn="l" defTabSz="914400" rtl="0" eaLnBrk="1" latinLnBrk="0" hangingPunct="1">
+        <a:lnSpc>
+          <a:spcPct val="90000"/>
+        </a:lnSpc>
+        <a:spcBef>
+          <a:spcPts val="500"/>
+        </a:spcBef>
+        <a:buFont typeface="Arial" panose="020B0604020202020204" pitchFamily="34" charset="0"/>
+        <a:buChar char="•"/>
+        <a:defRPr sz="1800" kern="1200">
+          <a:solidFill>
+            <a:schemeClr val="tx1"/>
+          </a:solidFill>
+          <a:latin typeface="+mn-lt"/>
+          <a:ea typeface="+mn-ea"/>
+          <a:cs typeface="+mn-cs"/>
+        </a:defRPr>
+      </a:lvl4pPr>
+      <a:lvl5pPr marL="2057400" indent="-228600" algn="l" defTabSz="914400" rtl="0" eaLnBrk="1" latinLnBrk="0" hangingPunct="1">
+        <a:lnSpc>
+          <a:spcPct val="90000"/>
+        </a:lnSpc>
+        <a:spcBef>
+          <a:spcPts val="500"/>
+        </a:spcBef>
+        <a:buFont typeface="Arial" panose="020B0604020202020204" pitchFamily="34" charset="0"/>
+        <a:buChar char="•"/>
+        <a:defRPr sz="1800" kern="1200">
+          <a:solidFill>
+            <a:schemeClr val="tx1"/>
+          </a:solidFill>
+          <a:latin typeface="+mn-lt"/>
+          <a:ea typeface="+mn-ea"/>
+          <a:cs typeface="+mn-cs"/>
+        </a:defRPr>
+      </a:lvl5pPr>
+      <a:lvl6pPr marL="2514600" indent="-228600" algn="l" defTabSz="914400" rtl="0" eaLnBrk="1" latinLnBrk="0" hangingPunct="1">
+        <a:lnSpc>
+          <a:spcPct val="90000"/>
+        </a:lnSpc>
+        <a:spcBef>
+          <a:spcPts val="500"/>
+        </a:spcBef>
+        <a:buFont typeface="Arial" panose="020B0604020202020204" pitchFamily="34" charset="0"/>
+        <a:buChar char="•"/>
+        <a:defRPr sz="1800" kern="1200">
+          <a:solidFill>
+            <a:schemeClr val="tx1"/>
+          </a:solidFill>
+          <a:latin typeface="+mn-lt"/>
+          <a:ea typeface="+mn-ea"/>
+          <a:cs typeface="+mn-cs"/>
+        </a:defRPr>
+      </a:lvl6pPr>
+      <a:lvl7pPr marL="2971800" indent="-228600" algn="l" defTabSz="914400" rtl="0" eaLnBrk="1" latinLnBrk="0" hangingPunct="1">
+        <a:lnSpc>
+          <a:spcPct val="90000"/>
+        </a:lnSpc>
+        <a:spcBef>
+          <a:spcPts val="500"/>
+        </a:spcBef>
+        <a:buFont typeface="Arial" panose="020B0604020202020204" pitchFamily="34" charset="0"/>
+        <a:buChar char="•"/>
+        <a:defRPr sz="1800" kern="1200">
+          <a:solidFill>
+            <a:schemeClr val="tx1"/>
+          </a:solidFill>
+          <a:latin typeface="+mn-lt"/>
+          <a:ea typeface="+mn-ea"/>
+          <a:cs typeface="+mn-cs"/>
+        </a:defRPr>
+      </a:lvl7pPr>
+      <a:lvl8pPr marL="3429000" indent="-228600" algn="l" defTabSz="914400" rtl="0" eaLnBrk="1" latinLnBrk="0" hangingPunct="1">
+        <a:lnSpc>
+          <a:spcPct val="90000"/>
+        </a:lnSpc>
+        <a:spcBef>
+          <a:spcPts val="500"/>
+        </a:spcBef>
+        <a:buFont typeface="Arial" panose="020B0604020202020204" pitchFamily="34" charset="0"/>
+        <a:buChar char="•"/>
+        <a:defRPr sz="1800" kern="1200">
+          <a:solidFill>
+            <a:schemeClr val="tx1"/>
+          </a:solidFill>
+          <a:latin typeface="+mn-lt"/>
+          <a:ea typeface="+mn-ea"/>
+          <a:cs typeface="+mn-cs"/>
+        </a:defRPr>
+      </a:lvl8pPr>
+      <a:lvl9pPr marL="3886200" indent="-228600" algn="l" defTabSz="914400" rtl="0" eaLnBrk="1" latinLnBrk="0" hangingPunct="1">
+        <a:lnSpc>
+          <a:spcPct val="90000"/>
+        </a:lnSpc>
+        <a:spcBef>
+          <a:spcPts val="500"/>
+        </a:spcBef>
+        <a:buFont typeface="Arial" panose="020B0604020202020204" pitchFamily="34" charset="0"/>
+        <a:buChar char="•"/>
+        <a:defRPr sz="1800" kern="1200">
+          <a:solidFill>
+            <a:schemeClr val="tx1"/>
+          </a:solidFill>
+          <a:latin typeface="+mn-lt"/>
+          <a:ea typeface="+mn-ea"/>
+          <a:cs typeface="+mn-cs"/>
+        </a:defRPr>
+      </a:lvl9pPr>
+    </p:bodyStyle>
+    <p:otherStyle>
+      <a:defPPr>
+        <a:defRPr lang="cs-CZ"/>
+      </a:defPPr>
+      <a:lvl1pPr marL="0" algn="l" defTabSz="914400" rtl="0" eaLnBrk="1" latinLnBrk="0" hangingPunct="1">
+        <a:defRPr sz="1800" kern="1200">
+          <a:solidFill>
+            <a:schemeClr val="tx1"/>
+          </a:solidFill>
+          <a:latin typeface="+mn-lt"/>
+          <a:ea typeface="+mn-ea"/>
+          <a:cs typeface="+mn-cs"/>
+        </a:defRPr>
+      </a:lvl1pPr>
+      <a:lvl2pPr marL="457200" algn="l" defTabSz="914400" rtl="0" eaLnBrk="1" latinLnBrk="0" hangingPunct="1">
+        <a:defRPr sz="1800" kern="1200">
+          <a:solidFill>
+            <a:schemeClr val="tx1"/>
+          </a:solidFill>
+          <a:latin typeface="+mn-lt"/>
+          <a:ea typeface="+mn-ea"/>
+          <a:cs typeface="+mn-cs"/>
+        </a:defRPr>
+      </a:lvl2pPr>
+      <a:lvl3pPr marL="914400" algn="l" defTabSz="914400" rtl="0" eaLnBrk="1" latinLnBrk="0" hangingPunct="1">
+        <a:defRPr sz="1800" kern="1200">
+          <a:solidFill>
+            <a:schemeClr val="tx1"/>
+          </a:solidFill>
+          <a:latin typeface="+mn-lt"/>
+          <a:ea typeface="+mn-ea"/>
+          <a:cs typeface="+mn-cs"/>
+        </a:defRPr>
+      </a:lvl3pPr>
+      <a:lvl4pPr marL="1371600" algn="l" defTabSz="914400" rtl="0" eaLnBrk="1" latinLnBrk="0" hangingPunct="1">
+        <a:defRPr sz="1800" kern="1200">
+          <a:solidFill>
+            <a:schemeClr val="tx1"/>
+          </a:solidFill>
+          <a:latin typeface="+mn-lt"/>
+          <a:ea typeface="+mn-ea"/>
+          <a:cs typeface="+mn-cs"/>
+        </a:defRPr>
+      </a:lvl4pPr>
+      <a:lvl5pPr marL="1828800" algn="l" defTabSz="914400" rtl="0" eaLnBrk="1" latinLnBrk="0" hangingPunct="1">
+        <a:defRPr sz="1800" kern="1200">
+          <a:solidFill>
+            <a:schemeClr val="tx1"/>
+          </a:solidFill>
+          <a:latin typeface="+mn-lt"/>
+          <a:ea typeface="+mn-ea"/>
+          <a:cs typeface="+mn-cs"/>
+        </a:defRPr>
+      </a:lvl5pPr>
+      <a:lvl6pPr marL="2286000" algn="l" defTabSz="914400" rtl="0" eaLnBrk="1" latinLnBrk="0" hangingPunct="1">
+        <a:defRPr sz="1800" kern="1200">
+          <a:solidFill>
+            <a:schemeClr val="tx1"/>
+          </a:solidFill>
+          <a:latin typeface="+mn-lt"/>
+          <a:ea typeface="+mn-ea"/>
+          <a:cs typeface="+mn-cs"/>
+        </a:defRPr>
+      </a:lvl6pPr>
+      <a:lvl7pPr marL="2743200" algn="l" defTabSz="914400" rtl="0" eaLnBrk="1" latinLnBrk="0" hangingPunct="1">
+        <a:defRPr sz="1800" kern="1200">
+          <a:solidFill>
+            <a:schemeClr val="tx1"/>
+          </a:solidFill>
+          <a:latin typeface="+mn-lt"/>
+          <a:ea typeface="+mn-ea"/>
+          <a:cs typeface="+mn-cs"/>
+        </a:defRPr>
+      </a:lvl7pPr>
+      <a:lvl8pPr marL="3200400" algn="l" defTabSz="914400" rtl="0" eaLnBrk="1" latinLnBrk="0" hangingPunct="1">
+        <a:defRPr sz="1800" kern="1200">
+          <a:solidFill>
+            <a:schemeClr val="tx1"/>
+          </a:solidFill>
+          <a:latin typeface="+mn-lt"/>
+          <a:ea typeface="+mn-ea"/>
+          <a:cs typeface="+mn-cs"/>
+        </a:defRPr>
+      </a:lvl8pPr>
+      <a:lvl9pPr marL="3657600" algn="l" defTabSz="914400" rtl="0" eaLnBrk="1" latinLnBrk="0" hangingPunct="1">
+        <a:defRPr sz="1800" kern="1200">
+          <a:solidFill>
+            <a:schemeClr val="tx1"/>
+          </a:solidFill>
+          <a:latin typeface="+mn-lt"/>
+          <a:ea typeface="+mn-ea"/>
+          <a:cs typeface="+mn-cs"/>
+        </a:defRPr>
+      </a:lvl9pPr>
+    </p:otherStyle>
+  </p:txStyles>
 </p:sldMaster>
 </file>
 
 <file path=ppt/slides/slide1.xml><?xml version="1.0" encoding="utf-8"?>
-<p:sld xmlns:a="http://schemas.openxmlformats.org/drawingml/2006/main" xmlns:p="http://schemas.openxmlformats.org/presentationml/2006/main" xmlns:r="http://schemas.openxmlformats.org/officeDocument/2006/relationships" xmlns:p14="http://schemas.microsoft.com/office/powerpoint/2010/main" xmlns:p15="http://schemas.microsoft.com/office/powerpoint/2012/main" xmlns:mc="http://schemas.openxmlformats.org/markup-compatibility/2006">
+<p:sld xmlns:a="http://schemas.openxmlformats.org/drawingml/2006/main" xmlns:r="http://schemas.openxmlformats.org/officeDocument/2006/relationships" xmlns:p="http://schemas.openxmlformats.org/presentationml/2006/main">
   <p:cSld>
     <p:spTree>
       <p:nvGrpSpPr>
@@ -5260,15 +6267,22 @@
           </a:ln>
         </p:spPr>
         <p:style>
-          <a:lnRef idx="0"/>
-          <a:fillRef idx="0"/>
-          <a:effectRef idx="0"/>
+          <a:lnRef idx="0">
+            <a:scrgbClr r="0" g="0" b="0"/>
+          </a:lnRef>
+          <a:fillRef idx="0">
+            <a:scrgbClr r="0" g="0" b="0"/>
+          </a:fillRef>
+          <a:effectRef idx="0">
+            <a:scrgbClr r="0" g="0" b="0"/>
+          </a:effectRef>
           <a:fontRef idx="minor"/>
         </p:style>
         <p:txBody>
-          <a:bodyPr lIns="0" rIns="0" tIns="0" bIns="0" anchor="ctr">
+          <a:bodyPr lIns="0" tIns="0" rIns="0" bIns="0" anchor="ctr">
             <a:normAutofit/>
           </a:bodyPr>
+          <a:lstStyle/>
           <a:p>
             <a:pPr algn="ctr">
               <a:lnSpc>
@@ -5276,16 +6290,16 @@
               </a:lnSpc>
             </a:pPr>
             <a:r>
-              <a:rPr b="0" lang="cs-CZ" sz="4400" spc="-1" strike="noStrike">
-                <a:solidFill>
-                  <a:srgbClr val="ffffff"/>
+              <a:rPr lang="cs-CZ" sz="4400" b="0" strike="noStrike" spc="-1" dirty="0">
+                <a:solidFill>
+                  <a:srgbClr val="FFFFFF"/>
                 </a:solidFill>
                 <a:latin typeface="Ubuntu"/>
                 <a:ea typeface="DejaVu Sans"/>
               </a:rPr>
-              <a:t>4-3 Kompass</a:t>
-            </a:r>
-            <a:endParaRPr b="0" lang="cs-CZ" sz="4400" spc="-1" strike="noStrike">
+              <a:t>4-3 Kompas</a:t>
+            </a:r>
+            <a:endParaRPr lang="cs-CZ" sz="4400" b="0" strike="noStrike" spc="-1" dirty="0">
               <a:latin typeface="Arial"/>
             </a:endParaRPr>
           </a:p>
@@ -5311,13 +6325,20 @@
           </a:ln>
         </p:spPr>
         <p:style>
-          <a:lnRef idx="0"/>
-          <a:fillRef idx="0"/>
-          <a:effectRef idx="0"/>
+          <a:lnRef idx="0">
+            <a:scrgbClr r="0" g="0" b="0"/>
+          </a:lnRef>
+          <a:fillRef idx="0">
+            <a:scrgbClr r="0" g="0" b="0"/>
+          </a:fillRef>
+          <a:effectRef idx="0">
+            <a:scrgbClr r="0" g="0" b="0"/>
+          </a:effectRef>
           <a:fontRef idx="minor"/>
         </p:style>
         <p:txBody>
-          <a:bodyPr lIns="90000" rIns="90000" tIns="45000" bIns="45000"/>
+          <a:bodyPr lIns="90000" tIns="45000" rIns="90000" bIns="45000"/>
+          <a:lstStyle/>
           <a:p>
             <a:pPr>
               <a:lnSpc>
@@ -5325,7 +6346,7 @@
               </a:lnSpc>
             </a:pPr>
             <a:r>
-              <a:rPr b="0" lang="cs-CZ" sz="6000" spc="-1" strike="noStrike">
+              <a:rPr lang="cs-CZ" sz="6000" b="0" strike="noStrike" spc="-1">
                 <a:solidFill>
                   <a:srgbClr val="000000"/>
                 </a:solidFill>
@@ -5334,7 +6355,7 @@
               </a:rPr>
               <a:t>PRIM – Micro:bit</a:t>
             </a:r>
-            <a:endParaRPr b="0" lang="cs-CZ" sz="6000" spc="-1" strike="noStrike">
+            <a:endParaRPr lang="cs-CZ" sz="6000" b="0" strike="noStrike" spc="-1">
               <a:latin typeface="Arial"/>
             </a:endParaRPr>
           </a:p>
@@ -5342,6 +6363,9 @@
       </p:sp>
     </p:spTree>
   </p:cSld>
+  <p:clrMapOvr>
+    <a:masterClrMapping/>
+  </p:clrMapOvr>
   <p:timing>
     <p:tnLst>
       <p:par>
@@ -5350,14 +6374,14 @@
             <p:seq>
               <p:cTn id="2" dur="indefinite" nodeType="mainSeq"/>
               <p:prevCondLst>
-                <p:cond delay="0" evt="onPrev">
+                <p:cond evt="onPrev" delay="0">
                   <p:tgtEl>
                     <p:sldTgt/>
                   </p:tgtEl>
                 </p:cond>
               </p:prevCondLst>
               <p:nextCondLst>
-                <p:cond delay="0" evt="onNext">
+                <p:cond evt="onNext" delay="0">
                   <p:tgtEl>
                     <p:sldTgt/>
                   </p:tgtEl>
@@ -5373,7 +6397,7 @@
 </file>
 
 <file path=ppt/slides/slide2.xml><?xml version="1.0" encoding="utf-8"?>
-<p:sld xmlns:a="http://schemas.openxmlformats.org/drawingml/2006/main" xmlns:p="http://schemas.openxmlformats.org/presentationml/2006/main" xmlns:r="http://schemas.openxmlformats.org/officeDocument/2006/relationships" xmlns:p14="http://schemas.microsoft.com/office/powerpoint/2010/main" xmlns:p15="http://schemas.microsoft.com/office/powerpoint/2012/main" xmlns:mc="http://schemas.openxmlformats.org/markup-compatibility/2006">
+<p:sld xmlns:a="http://schemas.openxmlformats.org/drawingml/2006/main" xmlns:r="http://schemas.openxmlformats.org/officeDocument/2006/relationships" xmlns:p="http://schemas.openxmlformats.org/presentationml/2006/main">
   <p:cSld>
     <p:spTree>
       <p:nvGrpSpPr>
@@ -5409,13 +6433,20 @@
           </a:ln>
         </p:spPr>
         <p:style>
-          <a:lnRef idx="0"/>
-          <a:fillRef idx="0"/>
-          <a:effectRef idx="0"/>
+          <a:lnRef idx="0">
+            <a:scrgbClr r="0" g="0" b="0"/>
+          </a:lnRef>
+          <a:fillRef idx="0">
+            <a:scrgbClr r="0" g="0" b="0"/>
+          </a:fillRef>
+          <a:effectRef idx="0">
+            <a:scrgbClr r="0" g="0" b="0"/>
+          </a:effectRef>
           <a:fontRef idx="minor"/>
         </p:style>
         <p:txBody>
-          <a:bodyPr lIns="0" rIns="0" tIns="0" bIns="0" anchor="ctr"/>
+          <a:bodyPr lIns="0" tIns="0" rIns="0" bIns="0" anchor="ctr"/>
+          <a:lstStyle/>
           <a:p>
             <a:pPr algn="ctr">
               <a:lnSpc>
@@ -5423,7 +6454,7 @@
               </a:lnSpc>
             </a:pPr>
             <a:r>
-              <a:rPr b="0" lang="cs-CZ" sz="4400" spc="-1" strike="noStrike">
+              <a:rPr lang="cs-CZ" sz="4400" b="0" strike="noStrike" spc="-1">
                 <a:solidFill>
                   <a:srgbClr val="000000"/>
                 </a:solidFill>
@@ -5432,7 +6463,7 @@
               </a:rPr>
               <a:t>Azimut</a:t>
             </a:r>
-            <a:endParaRPr b="0" lang="cs-CZ" sz="4400" spc="-1" strike="noStrike">
+            <a:endParaRPr lang="cs-CZ" sz="4400" b="0" strike="noStrike" spc="-1">
               <a:latin typeface="Arial"/>
             </a:endParaRPr>
           </a:p>
@@ -5458,15 +6489,22 @@
           </a:ln>
         </p:spPr>
         <p:style>
-          <a:lnRef idx="0"/>
-          <a:fillRef idx="0"/>
-          <a:effectRef idx="0"/>
+          <a:lnRef idx="0">
+            <a:scrgbClr r="0" g="0" b="0"/>
+          </a:lnRef>
+          <a:fillRef idx="0">
+            <a:scrgbClr r="0" g="0" b="0"/>
+          </a:fillRef>
+          <a:effectRef idx="0">
+            <a:scrgbClr r="0" g="0" b="0"/>
+          </a:effectRef>
           <a:fontRef idx="minor"/>
         </p:style>
         <p:txBody>
-          <a:bodyPr lIns="0" rIns="0" tIns="0" bIns="0">
+          <a:bodyPr lIns="0" tIns="0" rIns="0" bIns="0">
             <a:normAutofit/>
           </a:bodyPr>
+          <a:lstStyle/>
           <a:p>
             <a:pPr marL="457200" indent="-456840">
               <a:lnSpc>
@@ -5479,7 +6517,7 @@
               <a:buChar char="•"/>
             </a:pPr>
             <a:r>
-              <a:rPr b="0" lang="cs-CZ" sz="3200" spc="-1" strike="noStrike">
+              <a:rPr lang="cs-CZ" sz="3200" b="0" strike="noStrike" spc="-1">
                 <a:solidFill>
                   <a:srgbClr val="000000"/>
                 </a:solidFill>
@@ -5488,7 +6526,7 @@
               </a:rPr>
               <a:t>Co je to kompas, azimut</a:t>
             </a:r>
-            <a:endParaRPr b="0" lang="cs-CZ" sz="3200" spc="-1" strike="noStrike">
+            <a:endParaRPr lang="cs-CZ" sz="3200" b="0" strike="noStrike" spc="-1">
               <a:latin typeface="Arial"/>
             </a:endParaRPr>
           </a:p>
@@ -5504,7 +6542,7 @@
               <a:buChar char="•"/>
             </a:pPr>
             <a:r>
-              <a:rPr b="0" lang="cs-CZ" sz="3200" spc="-1" strike="noStrike">
+              <a:rPr lang="cs-CZ" sz="3200" b="0" strike="noStrike" spc="-1">
                 <a:solidFill>
                   <a:srgbClr val="000000"/>
                 </a:solidFill>
@@ -5513,7 +6551,7 @@
               </a:rPr>
               <a:t>Kalibrace</a:t>
             </a:r>
-            <a:endParaRPr b="0" lang="cs-CZ" sz="3200" spc="-1" strike="noStrike">
+            <a:endParaRPr lang="cs-CZ" sz="3200" b="0" strike="noStrike" spc="-1">
               <a:latin typeface="Arial"/>
             </a:endParaRPr>
           </a:p>
@@ -5523,7 +6561,7 @@
                 <a:spcPct val="100000"/>
               </a:lnSpc>
             </a:pPr>
-            <a:endParaRPr b="0" lang="cs-CZ" sz="3200" spc="-1" strike="noStrike">
+            <a:endParaRPr lang="cs-CZ" sz="3200" b="0" strike="noStrike" spc="-1">
               <a:latin typeface="Arial"/>
             </a:endParaRPr>
           </a:p>
@@ -5533,7 +6571,7 @@
                 <a:spcPct val="100000"/>
               </a:lnSpc>
             </a:pPr>
-            <a:endParaRPr b="0" lang="cs-CZ" sz="3200" spc="-1" strike="noStrike">
+            <a:endParaRPr lang="cs-CZ" sz="3200" b="0" strike="noStrike" spc="-1">
               <a:latin typeface="Arial"/>
             </a:endParaRPr>
           </a:p>
@@ -5543,7 +6581,7 @@
                 <a:spcPct val="100000"/>
               </a:lnSpc>
             </a:pPr>
-            <a:endParaRPr b="0" lang="cs-CZ" sz="3200" spc="-1" strike="noStrike">
+            <a:endParaRPr lang="cs-CZ" sz="3200" b="0" strike="noStrike" spc="-1">
               <a:latin typeface="Arial"/>
             </a:endParaRPr>
           </a:p>
@@ -5564,7 +6602,7 @@
             <a:avLst/>
           </a:prstGeom>
           <a:solidFill>
-            <a:srgbClr val="dddddd"/>
+            <a:srgbClr val="DDDDDD"/>
           </a:solidFill>
           <a:ln>
             <a:solidFill>
@@ -5573,7 +6611,8 @@
           </a:ln>
         </p:spPr>
         <p:txBody>
-          <a:bodyPr lIns="90000" rIns="90000" tIns="45000" bIns="45000"/>
+          <a:bodyPr lIns="90000" tIns="45000" rIns="90000" bIns="45000"/>
+          <a:lstStyle/>
           <a:p>
             <a:pPr>
               <a:lnSpc>
@@ -5581,7 +6620,7 @@
               </a:lnSpc>
             </a:pPr>
             <a:r>
-              <a:rPr b="0" lang="cs-CZ" sz="2800" spc="-1" strike="noStrike">
+              <a:rPr lang="cs-CZ" sz="2800" b="0" strike="noStrike" spc="-1">
                 <a:solidFill>
                   <a:srgbClr val="008000"/>
                 </a:solidFill>
@@ -5591,7 +6630,7 @@
               <a:t>from</a:t>
             </a:r>
             <a:r>
-              <a:rPr b="0" lang="cs-CZ" sz="2800" spc="-1" strike="noStrike">
+              <a:rPr lang="cs-CZ" sz="2800" b="0" strike="noStrike" spc="-1">
                 <a:solidFill>
                   <a:srgbClr val="000000"/>
                 </a:solidFill>
@@ -5601,9 +6640,9 @@
               <a:t> </a:t>
             </a:r>
             <a:r>
-              <a:rPr b="0" lang="cs-CZ" sz="2800" spc="-1" strike="noStrike">
-                <a:solidFill>
-                  <a:srgbClr val="0000ff"/>
+              <a:rPr lang="cs-CZ" sz="2800" b="0" strike="noStrike" spc="-1">
+                <a:solidFill>
+                  <a:srgbClr val="0000FF"/>
                 </a:solidFill>
                 <a:latin typeface="Courier New"/>
                 <a:ea typeface="DejaVu Sans"/>
@@ -5611,7 +6650,7 @@
               <a:t>microbit</a:t>
             </a:r>
             <a:r>
-              <a:rPr b="0" lang="cs-CZ" sz="2800" spc="-1" strike="noStrike">
+              <a:rPr lang="cs-CZ" sz="2800" b="0" strike="noStrike" spc="-1">
                 <a:solidFill>
                   <a:srgbClr val="000000"/>
                 </a:solidFill>
@@ -5621,7 +6660,7 @@
               <a:t> </a:t>
             </a:r>
             <a:r>
-              <a:rPr b="0" lang="cs-CZ" sz="2800" spc="-1" strike="noStrike">
+              <a:rPr lang="cs-CZ" sz="2800" b="0" strike="noStrike" spc="-1">
                 <a:solidFill>
                   <a:srgbClr val="008000"/>
                 </a:solidFill>
@@ -5631,7 +6670,7 @@
               <a:t>import</a:t>
             </a:r>
             <a:r>
-              <a:rPr b="0" lang="cs-CZ" sz="2800" spc="-1" strike="noStrike">
+              <a:rPr lang="cs-CZ" sz="2800" b="0" strike="noStrike" spc="-1">
                 <a:solidFill>
                   <a:srgbClr val="000000"/>
                 </a:solidFill>
@@ -5641,7 +6680,7 @@
               <a:t> </a:t>
             </a:r>
             <a:r>
-              <a:rPr b="0" lang="cs-CZ" sz="2800" spc="-1" strike="noStrike">
+              <a:rPr lang="cs-CZ" sz="2800" b="0" strike="noStrike" spc="-1">
                 <a:solidFill>
                   <a:srgbClr val="666666"/>
                 </a:solidFill>
@@ -5650,7 +6689,7 @@
               </a:rPr>
               <a:t>*</a:t>
             </a:r>
-            <a:endParaRPr b="0" lang="cs-CZ" sz="2800" spc="-1" strike="noStrike">
+            <a:endParaRPr lang="cs-CZ" sz="2800" b="0" strike="noStrike" spc="-1">
               <a:latin typeface="Arial"/>
             </a:endParaRPr>
           </a:p>
@@ -5661,7 +6700,7 @@
               </a:lnSpc>
             </a:pPr>
             <a:r>
-              <a:rPr b="0" lang="cs-CZ" sz="2800" spc="-1" strike="noStrike">
+              <a:rPr lang="cs-CZ" sz="2800" b="0" strike="noStrike" spc="-1">
                 <a:solidFill>
                   <a:srgbClr val="000000"/>
                 </a:solidFill>
@@ -5671,7 +6710,7 @@
               <a:t>compass</a:t>
             </a:r>
             <a:r>
-              <a:rPr b="0" lang="cs-CZ" sz="2800" spc="-1" strike="noStrike">
+              <a:rPr lang="cs-CZ" sz="2800" b="0" strike="noStrike" spc="-1">
                 <a:solidFill>
                   <a:srgbClr val="666666"/>
                 </a:solidFill>
@@ -5681,7 +6720,7 @@
               <a:t>.</a:t>
             </a:r>
             <a:r>
-              <a:rPr b="0" lang="cs-CZ" sz="2800" spc="-1" strike="noStrike">
+              <a:rPr lang="cs-CZ" sz="2800" b="0" strike="noStrike" spc="-1">
                 <a:solidFill>
                   <a:srgbClr val="000000"/>
                 </a:solidFill>
@@ -5690,7 +6729,7 @@
               </a:rPr>
               <a:t>calibrate()</a:t>
             </a:r>
-            <a:endParaRPr b="0" lang="cs-CZ" sz="2800" spc="-1" strike="noStrike">
+            <a:endParaRPr lang="cs-CZ" sz="2800" b="0" strike="noStrike" spc="-1">
               <a:latin typeface="Arial"/>
             </a:endParaRPr>
           </a:p>
@@ -5701,7 +6740,7 @@
               </a:lnSpc>
             </a:pPr>
             <a:r>
-              <a:rPr b="0" lang="cs-CZ" sz="2800" spc="-1" strike="noStrike">
+              <a:rPr lang="cs-CZ" sz="2800" b="0" strike="noStrike" spc="-1">
                 <a:solidFill>
                   <a:srgbClr val="008000"/>
                 </a:solidFill>
@@ -5711,7 +6750,7 @@
               <a:t>while</a:t>
             </a:r>
             <a:r>
-              <a:rPr b="0" lang="cs-CZ" sz="2800" spc="-1" strike="noStrike">
+              <a:rPr lang="cs-CZ" sz="2800" b="0" strike="noStrike" spc="-1">
                 <a:solidFill>
                   <a:srgbClr val="000000"/>
                 </a:solidFill>
@@ -5721,7 +6760,7 @@
               <a:t> </a:t>
             </a:r>
             <a:r>
-              <a:rPr b="0" lang="cs-CZ" sz="2800" spc="-1" strike="noStrike">
+              <a:rPr lang="cs-CZ" sz="2800" b="0" strike="noStrike" spc="-1">
                 <a:solidFill>
                   <a:srgbClr val="008000"/>
                 </a:solidFill>
@@ -5731,7 +6770,7 @@
               <a:t>True</a:t>
             </a:r>
             <a:r>
-              <a:rPr b="0" lang="cs-CZ" sz="2800" spc="-1" strike="noStrike">
+              <a:rPr lang="cs-CZ" sz="2800" b="0" strike="noStrike" spc="-1">
                 <a:solidFill>
                   <a:srgbClr val="000000"/>
                 </a:solidFill>
@@ -5740,7 +6779,7 @@
               </a:rPr>
               <a:t>:</a:t>
             </a:r>
-            <a:endParaRPr b="0" lang="cs-CZ" sz="2800" spc="-1" strike="noStrike">
+            <a:endParaRPr lang="cs-CZ" sz="2800" b="0" strike="noStrike" spc="-1">
               <a:latin typeface="Arial"/>
             </a:endParaRPr>
           </a:p>
@@ -5751,27 +6790,17 @@
               </a:lnSpc>
             </a:pPr>
             <a:r>
-              <a:rPr b="0" lang="cs-CZ" sz="2800" spc="-1" strike="noStrike">
-                <a:solidFill>
-                  <a:srgbClr val="000000"/>
-                </a:solidFill>
-                <a:latin typeface="Courier New"/>
-                <a:ea typeface="DejaVu Sans"/>
-              </a:rPr>
-              <a:t>    </a:t>
-            </a:r>
-            <a:r>
-              <a:rPr b="0" lang="cs-CZ" sz="2800" spc="-1" strike="noStrike">
-                <a:solidFill>
-                  <a:srgbClr val="000000"/>
-                </a:solidFill>
-                <a:latin typeface="Courier New"/>
-                <a:ea typeface="DejaVu Sans"/>
-              </a:rPr>
-              <a:t>display</a:t>
-            </a:r>
-            <a:r>
-              <a:rPr b="0" lang="cs-CZ" sz="2800" spc="-1" strike="noStrike">
+              <a:rPr lang="cs-CZ" sz="2800" b="0" strike="noStrike" spc="-1">
+                <a:solidFill>
+                  <a:srgbClr val="000000"/>
+                </a:solidFill>
+                <a:latin typeface="Courier New"/>
+                <a:ea typeface="DejaVu Sans"/>
+              </a:rPr>
+              <a:t>    display</a:t>
+            </a:r>
+            <a:r>
+              <a:rPr lang="cs-CZ" sz="2800" b="0" strike="noStrike" spc="-1">
                 <a:solidFill>
                   <a:srgbClr val="666666"/>
                 </a:solidFill>
@@ -5781,7 +6810,7 @@
               <a:t>.</a:t>
             </a:r>
             <a:r>
-              <a:rPr b="0" lang="cs-CZ" sz="2800" spc="-1" strike="noStrike">
+              <a:rPr lang="cs-CZ" sz="2800" b="0" strike="noStrike" spc="-1">
                 <a:solidFill>
                   <a:srgbClr val="000000"/>
                 </a:solidFill>
@@ -5791,7 +6820,7 @@
               <a:t>scroll(compass</a:t>
             </a:r>
             <a:r>
-              <a:rPr b="0" lang="cs-CZ" sz="2800" spc="-1" strike="noStrike">
+              <a:rPr lang="cs-CZ" sz="2800" b="0" strike="noStrike" spc="-1">
                 <a:solidFill>
                   <a:srgbClr val="666666"/>
                 </a:solidFill>
@@ -5801,7 +6830,7 @@
               <a:t>.</a:t>
             </a:r>
             <a:r>
-              <a:rPr b="0" lang="cs-CZ" sz="2800" spc="-1" strike="noStrike">
+              <a:rPr lang="cs-CZ" sz="2800" b="0" strike="noStrike" spc="-1">
                 <a:solidFill>
                   <a:srgbClr val="000000"/>
                 </a:solidFill>
@@ -5810,33 +6839,23 @@
               </a:rPr>
               <a:t>heading())</a:t>
             </a:r>
-            <a:endParaRPr b="0" lang="cs-CZ" sz="2800" spc="-1" strike="noStrike">
-              <a:latin typeface="Arial"/>
-            </a:endParaRPr>
-          </a:p>
-          <a:p>
-            <a:r>
-              <a:rPr b="0" lang="cs-CZ" sz="2800" spc="-1" strike="noStrike">
-                <a:solidFill>
-                  <a:srgbClr val="000000"/>
-                </a:solidFill>
-                <a:latin typeface="Courier New"/>
-                <a:ea typeface="DejaVu Sans"/>
-              </a:rPr>
-              <a:t>    </a:t>
-            </a:r>
-            <a:r>
-              <a:rPr b="0" lang="cs-CZ" sz="2800" spc="-1" strike="noStrike">
-                <a:solidFill>
-                  <a:srgbClr val="000000"/>
-                </a:solidFill>
-                <a:latin typeface="Courier New"/>
-                <a:ea typeface="DejaVu Sans"/>
-              </a:rPr>
-              <a:t>sleep(</a:t>
-            </a:r>
-            <a:r>
-              <a:rPr b="0" lang="cs-CZ" sz="2800" spc="-1" strike="noStrike">
+            <a:endParaRPr lang="cs-CZ" sz="2800" b="0" strike="noStrike" spc="-1">
+              <a:latin typeface="Arial"/>
+            </a:endParaRPr>
+          </a:p>
+          <a:p>
+            <a:r>
+              <a:rPr lang="cs-CZ" sz="2800" b="0" strike="noStrike" spc="-1">
+                <a:solidFill>
+                  <a:srgbClr val="000000"/>
+                </a:solidFill>
+                <a:latin typeface="Courier New"/>
+                <a:ea typeface="DejaVu Sans"/>
+              </a:rPr>
+              <a:t>    sleep(</a:t>
+            </a:r>
+            <a:r>
+              <a:rPr lang="cs-CZ" sz="2800" b="0" strike="noStrike" spc="-1">
                 <a:solidFill>
                   <a:srgbClr val="666666"/>
                 </a:solidFill>
@@ -5846,7 +6865,7 @@
               <a:t>1000</a:t>
             </a:r>
             <a:r>
-              <a:rPr b="0" lang="cs-CZ" sz="2800" spc="-1" strike="noStrike">
+              <a:rPr lang="cs-CZ" sz="2800" b="0" strike="noStrike" spc="-1">
                 <a:solidFill>
                   <a:srgbClr val="000000"/>
                 </a:solidFill>
@@ -5856,7 +6875,7 @@
               <a:t>)</a:t>
             </a:r>
             <a:r>
-              <a:rPr b="0" lang="cs-CZ" sz="3200" spc="-1" strike="noStrike">
+              <a:rPr lang="cs-CZ" sz="3200" b="0" strike="noStrike" spc="-1">
                 <a:solidFill>
                   <a:srgbClr val="000000"/>
                 </a:solidFill>
@@ -5865,7 +6884,7 @@
               </a:rPr>
               <a:t> </a:t>
             </a:r>
-            <a:endParaRPr b="0" lang="cs-CZ" sz="3200" spc="-1" strike="noStrike">
+            <a:endParaRPr lang="cs-CZ" sz="3200" b="0" strike="noStrike" spc="-1">
               <a:latin typeface="Arial"/>
             </a:endParaRPr>
           </a:p>
@@ -5873,22 +6892,25 @@
       </p:sp>
     </p:spTree>
   </p:cSld>
+  <p:clrMapOvr>
+    <a:masterClrMapping/>
+  </p:clrMapOvr>
   <p:timing>
     <p:tnLst>
       <p:par>
-        <p:cTn id="3" dur="indefinite" restart="never" nodeType="tmRoot">
+        <p:cTn id="1" dur="indefinite" restart="never" nodeType="tmRoot">
           <p:childTnLst>
             <p:seq>
-              <p:cTn id="4" dur="indefinite" nodeType="mainSeq"/>
+              <p:cTn id="2" dur="indefinite" nodeType="mainSeq"/>
               <p:prevCondLst>
-                <p:cond delay="0" evt="onPrev">
+                <p:cond evt="onPrev" delay="0">
                   <p:tgtEl>
                     <p:sldTgt/>
                   </p:tgtEl>
                 </p:cond>
               </p:prevCondLst>
               <p:nextCondLst>
-                <p:cond delay="0" evt="onNext">
+                <p:cond evt="onNext" delay="0">
                   <p:tgtEl>
                     <p:sldTgt/>
                   </p:tgtEl>
@@ -5904,7 +6926,7 @@
 </file>
 
 <file path=ppt/slides/slide3.xml><?xml version="1.0" encoding="utf-8"?>
-<p:sld xmlns:a="http://schemas.openxmlformats.org/drawingml/2006/main" xmlns:p="http://schemas.openxmlformats.org/presentationml/2006/main" xmlns:r="http://schemas.openxmlformats.org/officeDocument/2006/relationships" xmlns:p14="http://schemas.microsoft.com/office/powerpoint/2010/main" xmlns:p15="http://schemas.microsoft.com/office/powerpoint/2012/main" xmlns:mc="http://schemas.openxmlformats.org/markup-compatibility/2006">
+<p:sld xmlns:a="http://schemas.openxmlformats.org/drawingml/2006/main" xmlns:r="http://schemas.openxmlformats.org/officeDocument/2006/relationships" xmlns:p="http://schemas.openxmlformats.org/presentationml/2006/main">
   <p:cSld>
     <p:spTree>
       <p:nvGrpSpPr>
@@ -5940,13 +6962,20 @@
           </a:ln>
         </p:spPr>
         <p:style>
-          <a:lnRef idx="0"/>
-          <a:fillRef idx="0"/>
-          <a:effectRef idx="0"/>
+          <a:lnRef idx="0">
+            <a:scrgbClr r="0" g="0" b="0"/>
+          </a:lnRef>
+          <a:fillRef idx="0">
+            <a:scrgbClr r="0" g="0" b="0"/>
+          </a:fillRef>
+          <a:effectRef idx="0">
+            <a:scrgbClr r="0" g="0" b="0"/>
+          </a:effectRef>
           <a:fontRef idx="minor"/>
         </p:style>
         <p:txBody>
-          <a:bodyPr lIns="0" rIns="0" tIns="0" bIns="0" anchor="ctr"/>
+          <a:bodyPr lIns="0" tIns="0" rIns="0" bIns="0" anchor="ctr"/>
+          <a:lstStyle/>
           <a:p>
             <a:pPr algn="ctr">
               <a:lnSpc>
@@ -5954,7 +6983,7 @@
               </a:lnSpc>
             </a:pPr>
             <a:r>
-              <a:rPr b="0" lang="cs-CZ" sz="4400" spc="-1" strike="noStrike">
+              <a:rPr lang="cs-CZ" sz="4400" b="0" strike="noStrike" spc="-1">
                 <a:solidFill>
                   <a:srgbClr val="000000"/>
                 </a:solidFill>
@@ -5963,7 +6992,7 @@
               </a:rPr>
               <a:t>Světová strana</a:t>
             </a:r>
-            <a:endParaRPr b="0" lang="cs-CZ" sz="4400" spc="-1" strike="noStrike">
+            <a:endParaRPr lang="cs-CZ" sz="4400" b="0" strike="noStrike" spc="-1">
               <a:latin typeface="Arial"/>
             </a:endParaRPr>
           </a:p>
@@ -5984,22 +7013,29 @@
             <a:avLst/>
           </a:prstGeom>
           <a:solidFill>
-            <a:srgbClr val="dddddd"/>
+            <a:srgbClr val="DDDDDD"/>
           </a:solidFill>
           <a:ln>
             <a:solidFill>
-              <a:srgbClr val="3465a4"/>
+              <a:srgbClr val="3465A4"/>
             </a:solidFill>
           </a:ln>
         </p:spPr>
         <p:style>
-          <a:lnRef idx="0"/>
-          <a:fillRef idx="0"/>
-          <a:effectRef idx="0"/>
+          <a:lnRef idx="0">
+            <a:scrgbClr r="0" g="0" b="0"/>
+          </a:lnRef>
+          <a:fillRef idx="0">
+            <a:scrgbClr r="0" g="0" b="0"/>
+          </a:fillRef>
+          <a:effectRef idx="0">
+            <a:scrgbClr r="0" g="0" b="0"/>
+          </a:effectRef>
           <a:fontRef idx="minor"/>
         </p:style>
         <p:txBody>
-          <a:bodyPr lIns="0" rIns="0" tIns="0" bIns="0"/>
+          <a:bodyPr lIns="0" tIns="0" rIns="0" bIns="0"/>
+          <a:lstStyle/>
           <a:p>
             <a:pPr>
               <a:lnSpc>
@@ -6007,7 +7043,7 @@
               </a:lnSpc>
             </a:pPr>
             <a:r>
-              <a:rPr b="0" lang="cs-CZ" sz="2400" spc="-1" strike="noStrike">
+              <a:rPr lang="cs-CZ" sz="2400" b="0" strike="noStrike" spc="-1">
                 <a:solidFill>
                   <a:srgbClr val="008000"/>
                 </a:solidFill>
@@ -6017,7 +7053,7 @@
               <a:t>from</a:t>
             </a:r>
             <a:r>
-              <a:rPr b="0" lang="cs-CZ" sz="2400" spc="-1" strike="noStrike">
+              <a:rPr lang="cs-CZ" sz="2400" b="0" strike="noStrike" spc="-1">
                 <a:solidFill>
                   <a:srgbClr val="000000"/>
                 </a:solidFill>
@@ -6027,9 +7063,9 @@
               <a:t> </a:t>
             </a:r>
             <a:r>
-              <a:rPr b="0" lang="cs-CZ" sz="2400" spc="-1" strike="noStrike">
-                <a:solidFill>
-                  <a:srgbClr val="0000ff"/>
+              <a:rPr lang="cs-CZ" sz="2400" b="0" strike="noStrike" spc="-1">
+                <a:solidFill>
+                  <a:srgbClr val="0000FF"/>
                 </a:solidFill>
                 <a:latin typeface="Courier New"/>
                 <a:ea typeface="DejaVu Sans"/>
@@ -6037,7 +7073,7 @@
               <a:t>microbit</a:t>
             </a:r>
             <a:r>
-              <a:rPr b="0" lang="cs-CZ" sz="2400" spc="-1" strike="noStrike">
+              <a:rPr lang="cs-CZ" sz="2400" b="0" strike="noStrike" spc="-1">
                 <a:solidFill>
                   <a:srgbClr val="000000"/>
                 </a:solidFill>
@@ -6047,7 +7083,7 @@
               <a:t> </a:t>
             </a:r>
             <a:r>
-              <a:rPr b="0" lang="cs-CZ" sz="2400" spc="-1" strike="noStrike">
+              <a:rPr lang="cs-CZ" sz="2400" b="0" strike="noStrike" spc="-1">
                 <a:solidFill>
                   <a:srgbClr val="008000"/>
                 </a:solidFill>
@@ -6057,7 +7093,7 @@
               <a:t>import</a:t>
             </a:r>
             <a:r>
-              <a:rPr b="0" lang="cs-CZ" sz="2400" spc="-1" strike="noStrike">
+              <a:rPr lang="cs-CZ" sz="2400" b="0" strike="noStrike" spc="-1">
                 <a:solidFill>
                   <a:srgbClr val="000000"/>
                 </a:solidFill>
@@ -6067,7 +7103,7 @@
               <a:t> </a:t>
             </a:r>
             <a:r>
-              <a:rPr b="0" lang="cs-CZ" sz="2400" spc="-1" strike="noStrike">
+              <a:rPr lang="cs-CZ" sz="2400" b="0" strike="noStrike" spc="-1">
                 <a:solidFill>
                   <a:srgbClr val="666666"/>
                 </a:solidFill>
@@ -6076,7 +7112,7 @@
               </a:rPr>
               <a:t>*</a:t>
             </a:r>
-            <a:endParaRPr b="0" lang="cs-CZ" sz="2400" spc="-1" strike="noStrike">
+            <a:endParaRPr lang="cs-CZ" sz="2400" b="0" strike="noStrike" spc="-1">
               <a:latin typeface="Arial"/>
             </a:endParaRPr>
           </a:p>
@@ -6087,7 +7123,7 @@
               </a:lnSpc>
             </a:pPr>
             <a:r>
-              <a:rPr b="0" lang="cs-CZ" sz="2400" spc="-1" strike="noStrike">
+              <a:rPr lang="cs-CZ" sz="2400" b="0" strike="noStrike" spc="-1">
                 <a:solidFill>
                   <a:srgbClr val="000000"/>
                 </a:solidFill>
@@ -6097,7 +7133,7 @@
               <a:t>compass</a:t>
             </a:r>
             <a:r>
-              <a:rPr b="0" lang="cs-CZ" sz="2400" spc="-1" strike="noStrike">
+              <a:rPr lang="cs-CZ" sz="2400" b="0" strike="noStrike" spc="-1">
                 <a:solidFill>
                   <a:srgbClr val="666666"/>
                 </a:solidFill>
@@ -6107,7 +7143,7 @@
               <a:t>.</a:t>
             </a:r>
             <a:r>
-              <a:rPr b="0" lang="cs-CZ" sz="2400" spc="-1" strike="noStrike">
+              <a:rPr lang="cs-CZ" sz="2400" b="0" strike="noStrike" spc="-1">
                 <a:solidFill>
                   <a:srgbClr val="000000"/>
                 </a:solidFill>
@@ -6116,7 +7152,7 @@
               </a:rPr>
               <a:t>calibrate()</a:t>
             </a:r>
-            <a:endParaRPr b="0" lang="cs-CZ" sz="2400" spc="-1" strike="noStrike">
+            <a:endParaRPr lang="cs-CZ" sz="2400" b="0" strike="noStrike" spc="-1">
               <a:latin typeface="Arial"/>
             </a:endParaRPr>
           </a:p>
@@ -6127,7 +7163,7 @@
               </a:lnSpc>
             </a:pPr>
             <a:r>
-              <a:rPr b="0" lang="cs-CZ" sz="2400" spc="-1" strike="noStrike">
+              <a:rPr lang="cs-CZ" sz="2400" b="0" strike="noStrike" spc="-1">
                 <a:solidFill>
                   <a:srgbClr val="008000"/>
                 </a:solidFill>
@@ -6137,7 +7173,7 @@
               <a:t>while</a:t>
             </a:r>
             <a:r>
-              <a:rPr b="0" lang="cs-CZ" sz="2400" spc="-1" strike="noStrike">
+              <a:rPr lang="cs-CZ" sz="2400" b="0" strike="noStrike" spc="-1">
                 <a:solidFill>
                   <a:srgbClr val="000000"/>
                 </a:solidFill>
@@ -6147,7 +7183,7 @@
               <a:t> </a:t>
             </a:r>
             <a:r>
-              <a:rPr b="0" lang="cs-CZ" sz="2400" spc="-1" strike="noStrike">
+              <a:rPr lang="cs-CZ" sz="2400" b="0" strike="noStrike" spc="-1">
                 <a:solidFill>
                   <a:srgbClr val="008000"/>
                 </a:solidFill>
@@ -6157,7 +7193,7 @@
               <a:t>True</a:t>
             </a:r>
             <a:r>
-              <a:rPr b="0" lang="cs-CZ" sz="2400" spc="-1" strike="noStrike">
+              <a:rPr lang="cs-CZ" sz="2400" b="0" strike="noStrike" spc="-1">
                 <a:solidFill>
                   <a:srgbClr val="000000"/>
                 </a:solidFill>
@@ -6166,7 +7202,7 @@
               </a:rPr>
               <a:t>:</a:t>
             </a:r>
-            <a:endParaRPr b="0" lang="cs-CZ" sz="2400" spc="-1" strike="noStrike">
+            <a:endParaRPr lang="cs-CZ" sz="2400" b="0" strike="noStrike" spc="-1">
               <a:latin typeface="Arial"/>
             </a:endParaRPr>
           </a:p>
@@ -6177,27 +7213,17 @@
               </a:lnSpc>
             </a:pPr>
             <a:r>
-              <a:rPr b="0" lang="cs-CZ" sz="2400" spc="-1" strike="noStrike">
-                <a:solidFill>
-                  <a:srgbClr val="000000"/>
-                </a:solidFill>
-                <a:latin typeface="Courier New"/>
-                <a:ea typeface="DejaVu Sans"/>
-              </a:rPr>
-              <a:t>    </a:t>
-            </a:r>
-            <a:r>
-              <a:rPr b="0" lang="cs-CZ" sz="2400" spc="-1" strike="noStrike">
-                <a:solidFill>
-                  <a:srgbClr val="000000"/>
-                </a:solidFill>
-                <a:latin typeface="Courier New"/>
-                <a:ea typeface="DejaVu Sans"/>
-              </a:rPr>
-              <a:t>uhel </a:t>
-            </a:r>
-            <a:r>
-              <a:rPr b="0" lang="cs-CZ" sz="2400" spc="-1" strike="noStrike">
+              <a:rPr lang="cs-CZ" sz="2400" b="0" strike="noStrike" spc="-1">
+                <a:solidFill>
+                  <a:srgbClr val="000000"/>
+                </a:solidFill>
+                <a:latin typeface="Courier New"/>
+                <a:ea typeface="DejaVu Sans"/>
+              </a:rPr>
+              <a:t>    uhel </a:t>
+            </a:r>
+            <a:r>
+              <a:rPr lang="cs-CZ" sz="2400" b="0" strike="noStrike" spc="-1">
                 <a:solidFill>
                   <a:srgbClr val="666666"/>
                 </a:solidFill>
@@ -6207,7 +7233,7 @@
               <a:t>=</a:t>
             </a:r>
             <a:r>
-              <a:rPr b="0" lang="cs-CZ" sz="2400" spc="-1" strike="noStrike">
+              <a:rPr lang="cs-CZ" sz="2400" b="0" strike="noStrike" spc="-1">
                 <a:solidFill>
                   <a:srgbClr val="000000"/>
                 </a:solidFill>
@@ -6217,7 +7243,7 @@
               <a:t> compass</a:t>
             </a:r>
             <a:r>
-              <a:rPr b="0" lang="cs-CZ" sz="2400" spc="-1" strike="noStrike">
+              <a:rPr lang="cs-CZ" sz="2400" b="0" strike="noStrike" spc="-1">
                 <a:solidFill>
                   <a:srgbClr val="666666"/>
                 </a:solidFill>
@@ -6227,7 +7253,7 @@
               <a:t>.</a:t>
             </a:r>
             <a:r>
-              <a:rPr b="0" lang="cs-CZ" sz="2400" spc="-1" strike="noStrike">
+              <a:rPr lang="cs-CZ" sz="2400" b="0" strike="noStrike" spc="-1">
                 <a:solidFill>
                   <a:srgbClr val="000000"/>
                 </a:solidFill>
@@ -6236,7 +7262,7 @@
               </a:rPr>
               <a:t>heading()</a:t>
             </a:r>
-            <a:endParaRPr b="0" lang="cs-CZ" sz="2400" spc="-1" strike="noStrike">
+            <a:endParaRPr lang="cs-CZ" sz="2400" b="0" strike="noStrike" spc="-1">
               <a:latin typeface="Arial"/>
             </a:endParaRPr>
           </a:p>
@@ -6247,7 +7273,7 @@
               </a:lnSpc>
             </a:pPr>
             <a:r>
-              <a:rPr b="0" lang="cs-CZ" sz="2400" spc="-1" strike="noStrike">
+              <a:rPr lang="cs-CZ" sz="2400" b="0" strike="noStrike" spc="-1">
                 <a:solidFill>
                   <a:srgbClr val="000000"/>
                 </a:solidFill>
@@ -6257,7 +7283,7 @@
               <a:t>    </a:t>
             </a:r>
             <a:r>
-              <a:rPr b="0" lang="cs-CZ" sz="2400" spc="-1" strike="noStrike">
+              <a:rPr lang="cs-CZ" sz="2400" b="0" strike="noStrike" spc="-1">
                 <a:solidFill>
                   <a:srgbClr val="008000"/>
                 </a:solidFill>
@@ -6267,7 +7293,7 @@
               <a:t>if</a:t>
             </a:r>
             <a:r>
-              <a:rPr b="0" lang="cs-CZ" sz="2400" spc="-1" strike="noStrike">
+              <a:rPr lang="cs-CZ" sz="2400" b="0" strike="noStrike" spc="-1">
                 <a:solidFill>
                   <a:srgbClr val="000000"/>
                 </a:solidFill>
@@ -6277,7 +7303,7 @@
               <a:t> (uhel </a:t>
             </a:r>
             <a:r>
-              <a:rPr b="0" lang="cs-CZ" sz="2400" spc="-1" strike="noStrike">
+              <a:rPr lang="cs-CZ" sz="2400" b="0" strike="noStrike" spc="-1">
                 <a:solidFill>
                   <a:srgbClr val="666666"/>
                 </a:solidFill>
@@ -6287,7 +7313,7 @@
               <a:t>&lt;</a:t>
             </a:r>
             <a:r>
-              <a:rPr b="0" lang="cs-CZ" sz="2400" spc="-1" strike="noStrike">
+              <a:rPr lang="cs-CZ" sz="2400" b="0" strike="noStrike" spc="-1">
                 <a:solidFill>
                   <a:srgbClr val="000000"/>
                 </a:solidFill>
@@ -6297,7 +7323,7 @@
               <a:t> </a:t>
             </a:r>
             <a:r>
-              <a:rPr b="0" lang="cs-CZ" sz="2400" spc="-1" strike="noStrike">
+              <a:rPr lang="cs-CZ" sz="2400" b="0" strike="noStrike" spc="-1">
                 <a:solidFill>
                   <a:srgbClr val="666666"/>
                 </a:solidFill>
@@ -6307,7 +7333,7 @@
               <a:t>46</a:t>
             </a:r>
             <a:r>
-              <a:rPr b="0" lang="cs-CZ" sz="2400" spc="-1" strike="noStrike">
+              <a:rPr lang="cs-CZ" sz="2400" b="0" strike="noStrike" spc="-1">
                 <a:solidFill>
                   <a:srgbClr val="000000"/>
                 </a:solidFill>
@@ -6316,7 +7342,7 @@
               </a:rPr>
               <a:t>):</a:t>
             </a:r>
-            <a:endParaRPr b="0" lang="cs-CZ" sz="2400" spc="-1" strike="noStrike">
+            <a:endParaRPr lang="cs-CZ" sz="2400" b="0" strike="noStrike" spc="-1">
               <a:latin typeface="Arial"/>
             </a:endParaRPr>
           </a:p>
@@ -6327,27 +7353,17 @@
               </a:lnSpc>
             </a:pPr>
             <a:r>
-              <a:rPr b="0" lang="cs-CZ" sz="2400" spc="-1" strike="noStrike">
-                <a:solidFill>
-                  <a:srgbClr val="000000"/>
-                </a:solidFill>
-                <a:latin typeface="Courier New"/>
-                <a:ea typeface="DejaVu Sans"/>
-              </a:rPr>
-              <a:t>        </a:t>
-            </a:r>
-            <a:r>
-              <a:rPr b="0" lang="cs-CZ" sz="2400" spc="-1" strike="noStrike">
-                <a:solidFill>
-                  <a:srgbClr val="000000"/>
-                </a:solidFill>
-                <a:latin typeface="Courier New"/>
-                <a:ea typeface="DejaVu Sans"/>
-              </a:rPr>
-              <a:t>display</a:t>
-            </a:r>
-            <a:r>
-              <a:rPr b="0" lang="cs-CZ" sz="2400" spc="-1" strike="noStrike">
+              <a:rPr lang="cs-CZ" sz="2400" b="0" strike="noStrike" spc="-1">
+                <a:solidFill>
+                  <a:srgbClr val="000000"/>
+                </a:solidFill>
+                <a:latin typeface="Courier New"/>
+                <a:ea typeface="DejaVu Sans"/>
+              </a:rPr>
+              <a:t>        display</a:t>
+            </a:r>
+            <a:r>
+              <a:rPr lang="cs-CZ" sz="2400" b="0" strike="noStrike" spc="-1">
                 <a:solidFill>
                   <a:srgbClr val="666666"/>
                 </a:solidFill>
@@ -6357,7 +7373,7 @@
               <a:t>.</a:t>
             </a:r>
             <a:r>
-              <a:rPr b="0" lang="cs-CZ" sz="2400" spc="-1" strike="noStrike">
+              <a:rPr lang="cs-CZ" sz="2400" b="0" strike="noStrike" spc="-1">
                 <a:solidFill>
                   <a:srgbClr val="000000"/>
                 </a:solidFill>
@@ -6367,9 +7383,9 @@
               <a:t>show(</a:t>
             </a:r>
             <a:r>
-              <a:rPr b="0" lang="cs-CZ" sz="2400" spc="-1" strike="noStrike">
-                <a:solidFill>
-                  <a:srgbClr val="ba2121"/>
+              <a:rPr lang="cs-CZ" sz="2400" b="0" strike="noStrike" spc="-1">
+                <a:solidFill>
+                  <a:srgbClr val="BA2121"/>
                 </a:solidFill>
                 <a:latin typeface="Courier New"/>
                 <a:ea typeface="DejaVu Sans"/>
@@ -6377,7 +7393,7 @@
               <a:t>"S"</a:t>
             </a:r>
             <a:r>
-              <a:rPr b="0" lang="cs-CZ" sz="2400" spc="-1" strike="noStrike">
+              <a:rPr lang="cs-CZ" sz="2400" b="0" strike="noStrike" spc="-1">
                 <a:solidFill>
                   <a:srgbClr val="000000"/>
                 </a:solidFill>
@@ -6386,7 +7402,7 @@
               </a:rPr>
               <a:t>)</a:t>
             </a:r>
-            <a:endParaRPr b="0" lang="cs-CZ" sz="2400" spc="-1" strike="noStrike">
+            <a:endParaRPr lang="cs-CZ" sz="2400" b="0" strike="noStrike" spc="-1">
               <a:latin typeface="Arial"/>
             </a:endParaRPr>
           </a:p>
@@ -6397,7 +7413,7 @@
               </a:lnSpc>
             </a:pPr>
             <a:r>
-              <a:rPr b="0" lang="cs-CZ" sz="2400" spc="-1" strike="noStrike">
+              <a:rPr lang="cs-CZ" sz="2400" b="0" strike="noStrike" spc="-1">
                 <a:solidFill>
                   <a:srgbClr val="000000"/>
                 </a:solidFill>
@@ -6407,7 +7423,7 @@
               <a:t>    </a:t>
             </a:r>
             <a:r>
-              <a:rPr b="0" lang="cs-CZ" sz="2400" spc="-1" strike="noStrike">
+              <a:rPr lang="cs-CZ" sz="2400" b="0" strike="noStrike" spc="-1">
                 <a:solidFill>
                   <a:srgbClr val="008000"/>
                 </a:solidFill>
@@ -6417,7 +7433,7 @@
               <a:t>elif</a:t>
             </a:r>
             <a:r>
-              <a:rPr b="0" lang="cs-CZ" sz="2400" spc="-1" strike="noStrike">
+              <a:rPr lang="cs-CZ" sz="2400" b="0" strike="noStrike" spc="-1">
                 <a:solidFill>
                   <a:srgbClr val="000000"/>
                 </a:solidFill>
@@ -6427,7 +7443,7 @@
               <a:t> (uhel </a:t>
             </a:r>
             <a:r>
-              <a:rPr b="0" lang="cs-CZ" sz="2400" spc="-1" strike="noStrike">
+              <a:rPr lang="cs-CZ" sz="2400" b="0" strike="noStrike" spc="-1">
                 <a:solidFill>
                   <a:srgbClr val="666666"/>
                 </a:solidFill>
@@ -6437,7 +7453,7 @@
               <a:t>&lt;</a:t>
             </a:r>
             <a:r>
-              <a:rPr b="0" lang="cs-CZ" sz="2400" spc="-1" strike="noStrike">
+              <a:rPr lang="cs-CZ" sz="2400" b="0" strike="noStrike" spc="-1">
                 <a:solidFill>
                   <a:srgbClr val="000000"/>
                 </a:solidFill>
@@ -6447,7 +7463,7 @@
               <a:t> </a:t>
             </a:r>
             <a:r>
-              <a:rPr b="0" lang="cs-CZ" sz="2400" spc="-1" strike="noStrike">
+              <a:rPr lang="cs-CZ" sz="2400" b="0" strike="noStrike" spc="-1">
                 <a:solidFill>
                   <a:srgbClr val="666666"/>
                 </a:solidFill>
@@ -6457,7 +7473,7 @@
               <a:t>136</a:t>
             </a:r>
             <a:r>
-              <a:rPr b="0" lang="cs-CZ" sz="2400" spc="-1" strike="noStrike">
+              <a:rPr lang="cs-CZ" sz="2400" b="0" strike="noStrike" spc="-1">
                 <a:solidFill>
                   <a:srgbClr val="000000"/>
                 </a:solidFill>
@@ -6466,7 +7482,7 @@
               </a:rPr>
               <a:t>):</a:t>
             </a:r>
-            <a:endParaRPr b="0" lang="cs-CZ" sz="2400" spc="-1" strike="noStrike">
+            <a:endParaRPr lang="cs-CZ" sz="2400" b="0" strike="noStrike" spc="-1">
               <a:latin typeface="Arial"/>
             </a:endParaRPr>
           </a:p>
@@ -6477,27 +7493,17 @@
               </a:lnSpc>
             </a:pPr>
             <a:r>
-              <a:rPr b="0" lang="cs-CZ" sz="2400" spc="-1" strike="noStrike">
-                <a:solidFill>
-                  <a:srgbClr val="000000"/>
-                </a:solidFill>
-                <a:latin typeface="Courier New"/>
-                <a:ea typeface="DejaVu Sans"/>
-              </a:rPr>
-              <a:t>        </a:t>
-            </a:r>
-            <a:r>
-              <a:rPr b="0" lang="cs-CZ" sz="2400" spc="-1" strike="noStrike">
-                <a:solidFill>
-                  <a:srgbClr val="000000"/>
-                </a:solidFill>
-                <a:latin typeface="Courier New"/>
-                <a:ea typeface="DejaVu Sans"/>
-              </a:rPr>
-              <a:t>display</a:t>
-            </a:r>
-            <a:r>
-              <a:rPr b="0" lang="cs-CZ" sz="2400" spc="-1" strike="noStrike">
+              <a:rPr lang="cs-CZ" sz="2400" b="0" strike="noStrike" spc="-1">
+                <a:solidFill>
+                  <a:srgbClr val="000000"/>
+                </a:solidFill>
+                <a:latin typeface="Courier New"/>
+                <a:ea typeface="DejaVu Sans"/>
+              </a:rPr>
+              <a:t>        display</a:t>
+            </a:r>
+            <a:r>
+              <a:rPr lang="cs-CZ" sz="2400" b="0" strike="noStrike" spc="-1">
                 <a:solidFill>
                   <a:srgbClr val="666666"/>
                 </a:solidFill>
@@ -6507,7 +7513,7 @@
               <a:t>.</a:t>
             </a:r>
             <a:r>
-              <a:rPr b="0" lang="cs-CZ" sz="2400" spc="-1" strike="noStrike">
+              <a:rPr lang="cs-CZ" sz="2400" b="0" strike="noStrike" spc="-1">
                 <a:solidFill>
                   <a:srgbClr val="000000"/>
                 </a:solidFill>
@@ -6517,9 +7523,9 @@
               <a:t>show(</a:t>
             </a:r>
             <a:r>
-              <a:rPr b="0" lang="cs-CZ" sz="2400" spc="-1" strike="noStrike">
-                <a:solidFill>
-                  <a:srgbClr val="ba2121"/>
+              <a:rPr lang="cs-CZ" sz="2400" b="0" strike="noStrike" spc="-1">
+                <a:solidFill>
+                  <a:srgbClr val="BA2121"/>
                 </a:solidFill>
                 <a:latin typeface="Courier New"/>
                 <a:ea typeface="DejaVu Sans"/>
@@ -6527,7 +7533,7 @@
               <a:t>"V"</a:t>
             </a:r>
             <a:r>
-              <a:rPr b="0" lang="cs-CZ" sz="2400" spc="-1" strike="noStrike">
+              <a:rPr lang="cs-CZ" sz="2400" b="0" strike="noStrike" spc="-1">
                 <a:solidFill>
                   <a:srgbClr val="000000"/>
                 </a:solidFill>
@@ -6536,7 +7542,7 @@
               </a:rPr>
               <a:t>)</a:t>
             </a:r>
-            <a:endParaRPr b="0" lang="cs-CZ" sz="2400" spc="-1" strike="noStrike">
+            <a:endParaRPr lang="cs-CZ" sz="2400" b="0" strike="noStrike" spc="-1">
               <a:latin typeface="Arial"/>
             </a:endParaRPr>
           </a:p>
@@ -6547,7 +7553,7 @@
               </a:lnSpc>
             </a:pPr>
             <a:r>
-              <a:rPr b="0" lang="cs-CZ" sz="2400" spc="-1" strike="noStrike">
+              <a:rPr lang="cs-CZ" sz="2400" b="0" strike="noStrike" spc="-1">
                 <a:solidFill>
                   <a:srgbClr val="000000"/>
                 </a:solidFill>
@@ -6557,7 +7563,7 @@
               <a:t>    </a:t>
             </a:r>
             <a:r>
-              <a:rPr b="0" lang="cs-CZ" sz="2400" spc="-1" strike="noStrike">
+              <a:rPr lang="cs-CZ" sz="2400" b="0" strike="noStrike" spc="-1">
                 <a:solidFill>
                   <a:srgbClr val="008000"/>
                 </a:solidFill>
@@ -6567,7 +7573,7 @@
               <a:t>elif</a:t>
             </a:r>
             <a:r>
-              <a:rPr b="0" lang="cs-CZ" sz="2400" spc="-1" strike="noStrike">
+              <a:rPr lang="cs-CZ" sz="2400" b="0" strike="noStrike" spc="-1">
                 <a:solidFill>
                   <a:srgbClr val="000000"/>
                 </a:solidFill>
@@ -6577,7 +7583,7 @@
               <a:t> (uhel </a:t>
             </a:r>
             <a:r>
-              <a:rPr b="0" lang="cs-CZ" sz="2400" spc="-1" strike="noStrike">
+              <a:rPr lang="cs-CZ" sz="2400" b="0" strike="noStrike" spc="-1">
                 <a:solidFill>
                   <a:srgbClr val="666666"/>
                 </a:solidFill>
@@ -6587,7 +7593,7 @@
               <a:t>&lt;</a:t>
             </a:r>
             <a:r>
-              <a:rPr b="0" lang="cs-CZ" sz="2400" spc="-1" strike="noStrike">
+              <a:rPr lang="cs-CZ" sz="2400" b="0" strike="noStrike" spc="-1">
                 <a:solidFill>
                   <a:srgbClr val="000000"/>
                 </a:solidFill>
@@ -6597,7 +7603,7 @@
               <a:t> </a:t>
             </a:r>
             <a:r>
-              <a:rPr b="0" lang="cs-CZ" sz="2400" spc="-1" strike="noStrike">
+              <a:rPr lang="cs-CZ" sz="2400" b="0" strike="noStrike" spc="-1">
                 <a:solidFill>
                   <a:srgbClr val="666666"/>
                 </a:solidFill>
@@ -6607,7 +7613,7 @@
               <a:t>226</a:t>
             </a:r>
             <a:r>
-              <a:rPr b="0" lang="cs-CZ" sz="2400" spc="-1" strike="noStrike">
+              <a:rPr lang="cs-CZ" sz="2400" b="0" strike="noStrike" spc="-1">
                 <a:solidFill>
                   <a:srgbClr val="000000"/>
                 </a:solidFill>
@@ -6616,7 +7622,7 @@
               </a:rPr>
               <a:t>):</a:t>
             </a:r>
-            <a:endParaRPr b="0" lang="cs-CZ" sz="2400" spc="-1" strike="noStrike">
+            <a:endParaRPr lang="cs-CZ" sz="2400" b="0" strike="noStrike" spc="-1">
               <a:latin typeface="Arial"/>
             </a:endParaRPr>
           </a:p>
@@ -6627,27 +7633,17 @@
               </a:lnSpc>
             </a:pPr>
             <a:r>
-              <a:rPr b="0" lang="cs-CZ" sz="2400" spc="-1" strike="noStrike">
-                <a:solidFill>
-                  <a:srgbClr val="000000"/>
-                </a:solidFill>
-                <a:latin typeface="Courier New"/>
-                <a:ea typeface="DejaVu Sans"/>
-              </a:rPr>
-              <a:t>        </a:t>
-            </a:r>
-            <a:r>
-              <a:rPr b="0" lang="cs-CZ" sz="2400" spc="-1" strike="noStrike">
-                <a:solidFill>
-                  <a:srgbClr val="000000"/>
-                </a:solidFill>
-                <a:latin typeface="Courier New"/>
-                <a:ea typeface="DejaVu Sans"/>
-              </a:rPr>
-              <a:t>display</a:t>
-            </a:r>
-            <a:r>
-              <a:rPr b="0" lang="cs-CZ" sz="2400" spc="-1" strike="noStrike">
+              <a:rPr lang="cs-CZ" sz="2400" b="0" strike="noStrike" spc="-1">
+                <a:solidFill>
+                  <a:srgbClr val="000000"/>
+                </a:solidFill>
+                <a:latin typeface="Courier New"/>
+                <a:ea typeface="DejaVu Sans"/>
+              </a:rPr>
+              <a:t>        display</a:t>
+            </a:r>
+            <a:r>
+              <a:rPr lang="cs-CZ" sz="2400" b="0" strike="noStrike" spc="-1">
                 <a:solidFill>
                   <a:srgbClr val="666666"/>
                 </a:solidFill>
@@ -6657,7 +7653,7 @@
               <a:t>.</a:t>
             </a:r>
             <a:r>
-              <a:rPr b="0" lang="cs-CZ" sz="2400" spc="-1" strike="noStrike">
+              <a:rPr lang="cs-CZ" sz="2400" b="0" strike="noStrike" spc="-1">
                 <a:solidFill>
                   <a:srgbClr val="000000"/>
                 </a:solidFill>
@@ -6667,9 +7663,9 @@
               <a:t>show(</a:t>
             </a:r>
             <a:r>
-              <a:rPr b="0" lang="cs-CZ" sz="2400" spc="-1" strike="noStrike">
-                <a:solidFill>
-                  <a:srgbClr val="ba2121"/>
+              <a:rPr lang="cs-CZ" sz="2400" b="0" strike="noStrike" spc="-1">
+                <a:solidFill>
+                  <a:srgbClr val="BA2121"/>
                 </a:solidFill>
                 <a:latin typeface="Courier New"/>
                 <a:ea typeface="DejaVu Sans"/>
@@ -6677,7 +7673,7 @@
               <a:t>"J"</a:t>
             </a:r>
             <a:r>
-              <a:rPr b="0" lang="cs-CZ" sz="2400" spc="-1" strike="noStrike">
+              <a:rPr lang="cs-CZ" sz="2400" b="0" strike="noStrike" spc="-1">
                 <a:solidFill>
                   <a:srgbClr val="000000"/>
                 </a:solidFill>
@@ -6686,7 +7682,7 @@
               </a:rPr>
               <a:t>)</a:t>
             </a:r>
-            <a:endParaRPr b="0" lang="cs-CZ" sz="2400" spc="-1" strike="noStrike">
+            <a:endParaRPr lang="cs-CZ" sz="2400" b="0" strike="noStrike" spc="-1">
               <a:latin typeface="Arial"/>
             </a:endParaRPr>
           </a:p>
@@ -6697,7 +7693,7 @@
               </a:lnSpc>
             </a:pPr>
             <a:r>
-              <a:rPr b="0" lang="cs-CZ" sz="2400" spc="-1" strike="noStrike">
+              <a:rPr lang="cs-CZ" sz="2400" b="0" strike="noStrike" spc="-1">
                 <a:solidFill>
                   <a:srgbClr val="000000"/>
                 </a:solidFill>
@@ -6707,7 +7703,7 @@
               <a:t>    </a:t>
             </a:r>
             <a:r>
-              <a:rPr b="0" lang="cs-CZ" sz="2400" spc="-1" strike="noStrike">
+              <a:rPr lang="cs-CZ" sz="2400" b="0" strike="noStrike" spc="-1">
                 <a:solidFill>
                   <a:srgbClr val="008000"/>
                 </a:solidFill>
@@ -6717,7 +7713,7 @@
               <a:t>elif</a:t>
             </a:r>
             <a:r>
-              <a:rPr b="0" lang="cs-CZ" sz="2400" spc="-1" strike="noStrike">
+              <a:rPr lang="cs-CZ" sz="2400" b="0" strike="noStrike" spc="-1">
                 <a:solidFill>
                   <a:srgbClr val="000000"/>
                 </a:solidFill>
@@ -6727,7 +7723,7 @@
               <a:t> (uhel </a:t>
             </a:r>
             <a:r>
-              <a:rPr b="0" lang="cs-CZ" sz="2400" spc="-1" strike="noStrike">
+              <a:rPr lang="cs-CZ" sz="2400" b="0" strike="noStrike" spc="-1">
                 <a:solidFill>
                   <a:srgbClr val="666666"/>
                 </a:solidFill>
@@ -6737,7 +7733,7 @@
               <a:t>&lt;</a:t>
             </a:r>
             <a:r>
-              <a:rPr b="0" lang="cs-CZ" sz="2400" spc="-1" strike="noStrike">
+              <a:rPr lang="cs-CZ" sz="2400" b="0" strike="noStrike" spc="-1">
                 <a:solidFill>
                   <a:srgbClr val="000000"/>
                 </a:solidFill>
@@ -6747,7 +7743,7 @@
               <a:t> </a:t>
             </a:r>
             <a:r>
-              <a:rPr b="0" lang="cs-CZ" sz="2400" spc="-1" strike="noStrike">
+              <a:rPr lang="cs-CZ" sz="2400" b="0" strike="noStrike" spc="-1">
                 <a:solidFill>
                   <a:srgbClr val="666666"/>
                 </a:solidFill>
@@ -6757,7 +7753,7 @@
               <a:t>316</a:t>
             </a:r>
             <a:r>
-              <a:rPr b="0" lang="cs-CZ" sz="2400" spc="-1" strike="noStrike">
+              <a:rPr lang="cs-CZ" sz="2400" b="0" strike="noStrike" spc="-1">
                 <a:solidFill>
                   <a:srgbClr val="000000"/>
                 </a:solidFill>
@@ -6766,7 +7762,7 @@
               </a:rPr>
               <a:t>):</a:t>
             </a:r>
-            <a:endParaRPr b="0" lang="cs-CZ" sz="2400" spc="-1" strike="noStrike">
+            <a:endParaRPr lang="cs-CZ" sz="2400" b="0" strike="noStrike" spc="-1">
               <a:latin typeface="Arial"/>
             </a:endParaRPr>
           </a:p>
@@ -6777,27 +7773,17 @@
               </a:lnSpc>
             </a:pPr>
             <a:r>
-              <a:rPr b="0" lang="cs-CZ" sz="2400" spc="-1" strike="noStrike">
-                <a:solidFill>
-                  <a:srgbClr val="000000"/>
-                </a:solidFill>
-                <a:latin typeface="Courier New"/>
-                <a:ea typeface="DejaVu Sans"/>
-              </a:rPr>
-              <a:t>        </a:t>
-            </a:r>
-            <a:r>
-              <a:rPr b="0" lang="cs-CZ" sz="2400" spc="-1" strike="noStrike">
-                <a:solidFill>
-                  <a:srgbClr val="000000"/>
-                </a:solidFill>
-                <a:latin typeface="Courier New"/>
-                <a:ea typeface="DejaVu Sans"/>
-              </a:rPr>
-              <a:t>display</a:t>
-            </a:r>
-            <a:r>
-              <a:rPr b="0" lang="cs-CZ" sz="2400" spc="-1" strike="noStrike">
+              <a:rPr lang="cs-CZ" sz="2400" b="0" strike="noStrike" spc="-1">
+                <a:solidFill>
+                  <a:srgbClr val="000000"/>
+                </a:solidFill>
+                <a:latin typeface="Courier New"/>
+                <a:ea typeface="DejaVu Sans"/>
+              </a:rPr>
+              <a:t>        display</a:t>
+            </a:r>
+            <a:r>
+              <a:rPr lang="cs-CZ" sz="2400" b="0" strike="noStrike" spc="-1">
                 <a:solidFill>
                   <a:srgbClr val="666666"/>
                 </a:solidFill>
@@ -6807,7 +7793,7 @@
               <a:t>.</a:t>
             </a:r>
             <a:r>
-              <a:rPr b="0" lang="cs-CZ" sz="2400" spc="-1" strike="noStrike">
+              <a:rPr lang="cs-CZ" sz="2400" b="0" strike="noStrike" spc="-1">
                 <a:solidFill>
                   <a:srgbClr val="000000"/>
                 </a:solidFill>
@@ -6817,9 +7803,9 @@
               <a:t>show(</a:t>
             </a:r>
             <a:r>
-              <a:rPr b="0" lang="cs-CZ" sz="2400" spc="-1" strike="noStrike">
-                <a:solidFill>
-                  <a:srgbClr val="ba2121"/>
+              <a:rPr lang="cs-CZ" sz="2400" b="0" strike="noStrike" spc="-1">
+                <a:solidFill>
+                  <a:srgbClr val="BA2121"/>
                 </a:solidFill>
                 <a:latin typeface="Courier New"/>
                 <a:ea typeface="DejaVu Sans"/>
@@ -6827,7 +7813,7 @@
               <a:t>"Z"</a:t>
             </a:r>
             <a:r>
-              <a:rPr b="0" lang="cs-CZ" sz="2400" spc="-1" strike="noStrike">
+              <a:rPr lang="cs-CZ" sz="2400" b="0" strike="noStrike" spc="-1">
                 <a:solidFill>
                   <a:srgbClr val="000000"/>
                 </a:solidFill>
@@ -6836,7 +7822,7 @@
               </a:rPr>
               <a:t>)</a:t>
             </a:r>
-            <a:endParaRPr b="0" lang="cs-CZ" sz="2400" spc="-1" strike="noStrike">
+            <a:endParaRPr lang="cs-CZ" sz="2400" b="0" strike="noStrike" spc="-1">
               <a:latin typeface="Arial"/>
             </a:endParaRPr>
           </a:p>
@@ -6847,7 +7833,7 @@
               </a:lnSpc>
             </a:pPr>
             <a:r>
-              <a:rPr b="0" lang="cs-CZ" sz="2400" spc="-1" strike="noStrike">
+              <a:rPr lang="cs-CZ" sz="2400" b="0" strike="noStrike" spc="-1">
                 <a:solidFill>
                   <a:srgbClr val="000000"/>
                 </a:solidFill>
@@ -6857,7 +7843,7 @@
               <a:t>    </a:t>
             </a:r>
             <a:r>
-              <a:rPr b="0" lang="cs-CZ" sz="2400" spc="-1" strike="noStrike">
+              <a:rPr lang="cs-CZ" sz="2400" b="0" strike="noStrike" spc="-1">
                 <a:solidFill>
                   <a:srgbClr val="008000"/>
                 </a:solidFill>
@@ -6867,7 +7853,7 @@
               <a:t>else</a:t>
             </a:r>
             <a:r>
-              <a:rPr b="0" lang="cs-CZ" sz="2400" spc="-1" strike="noStrike">
+              <a:rPr lang="cs-CZ" sz="2400" b="0" strike="noStrike" spc="-1">
                 <a:solidFill>
                   <a:srgbClr val="000000"/>
                 </a:solidFill>
@@ -6876,7 +7862,7 @@
               </a:rPr>
               <a:t>:</a:t>
             </a:r>
-            <a:endParaRPr b="0" lang="cs-CZ" sz="2400" spc="-1" strike="noStrike">
+            <a:endParaRPr lang="cs-CZ" sz="2400" b="0" strike="noStrike" spc="-1">
               <a:latin typeface="Arial"/>
             </a:endParaRPr>
           </a:p>
@@ -6887,27 +7873,17 @@
               </a:lnSpc>
             </a:pPr>
             <a:r>
-              <a:rPr b="0" lang="cs-CZ" sz="2400" spc="-1" strike="noStrike">
-                <a:solidFill>
-                  <a:srgbClr val="000000"/>
-                </a:solidFill>
-                <a:latin typeface="Courier New"/>
-                <a:ea typeface="DejaVu Sans"/>
-              </a:rPr>
-              <a:t>        </a:t>
-            </a:r>
-            <a:r>
-              <a:rPr b="0" lang="cs-CZ" sz="2400" spc="-1" strike="noStrike">
-                <a:solidFill>
-                  <a:srgbClr val="000000"/>
-                </a:solidFill>
-                <a:latin typeface="Courier New"/>
-                <a:ea typeface="DejaVu Sans"/>
-              </a:rPr>
-              <a:t>display</a:t>
-            </a:r>
-            <a:r>
-              <a:rPr b="0" lang="cs-CZ" sz="2400" spc="-1" strike="noStrike">
+              <a:rPr lang="cs-CZ" sz="2400" b="0" strike="noStrike" spc="-1">
+                <a:solidFill>
+                  <a:srgbClr val="000000"/>
+                </a:solidFill>
+                <a:latin typeface="Courier New"/>
+                <a:ea typeface="DejaVu Sans"/>
+              </a:rPr>
+              <a:t>        display</a:t>
+            </a:r>
+            <a:r>
+              <a:rPr lang="cs-CZ" sz="2400" b="0" strike="noStrike" spc="-1">
                 <a:solidFill>
                   <a:srgbClr val="666666"/>
                 </a:solidFill>
@@ -6917,7 +7893,7 @@
               <a:t>.</a:t>
             </a:r>
             <a:r>
-              <a:rPr b="0" lang="cs-CZ" sz="2400" spc="-1" strike="noStrike">
+              <a:rPr lang="cs-CZ" sz="2400" b="0" strike="noStrike" spc="-1">
                 <a:solidFill>
                   <a:srgbClr val="000000"/>
                 </a:solidFill>
@@ -6927,9 +7903,9 @@
               <a:t>show(</a:t>
             </a:r>
             <a:r>
-              <a:rPr b="0" lang="cs-CZ" sz="2400" spc="-1" strike="noStrike">
-                <a:solidFill>
-                  <a:srgbClr val="ba2121"/>
+              <a:rPr lang="cs-CZ" sz="2400" b="0" strike="noStrike" spc="-1">
+                <a:solidFill>
+                  <a:srgbClr val="BA2121"/>
                 </a:solidFill>
                 <a:latin typeface="Courier New"/>
                 <a:ea typeface="DejaVu Sans"/>
@@ -6937,7 +7913,7 @@
               <a:t>"S"</a:t>
             </a:r>
             <a:r>
-              <a:rPr b="0" lang="cs-CZ" sz="2400" spc="-1" strike="noStrike">
+              <a:rPr lang="cs-CZ" sz="2400" b="0" strike="noStrike" spc="-1">
                 <a:solidFill>
                   <a:srgbClr val="000000"/>
                 </a:solidFill>
@@ -6946,7 +7922,7 @@
               </a:rPr>
               <a:t>)</a:t>
             </a:r>
-            <a:endParaRPr b="0" lang="cs-CZ" sz="2400" spc="-1" strike="noStrike">
+            <a:endParaRPr lang="cs-CZ" sz="2400" b="0" strike="noStrike" spc="-1">
               <a:latin typeface="Arial"/>
             </a:endParaRPr>
           </a:p>
@@ -6957,27 +7933,17 @@
               </a:lnSpc>
             </a:pPr>
             <a:r>
-              <a:rPr b="0" lang="cs-CZ" sz="2400" spc="-1" strike="noStrike">
-                <a:solidFill>
-                  <a:srgbClr val="000000"/>
-                </a:solidFill>
-                <a:latin typeface="Courier New"/>
-                <a:ea typeface="DejaVu Sans"/>
-              </a:rPr>
-              <a:t>    </a:t>
-            </a:r>
-            <a:r>
-              <a:rPr b="0" lang="cs-CZ" sz="2400" spc="-1" strike="noStrike">
-                <a:solidFill>
-                  <a:srgbClr val="000000"/>
-                </a:solidFill>
-                <a:latin typeface="Courier New"/>
-                <a:ea typeface="DejaVu Sans"/>
-              </a:rPr>
-              <a:t>sleep(</a:t>
-            </a:r>
-            <a:r>
-              <a:rPr b="0" lang="cs-CZ" sz="2400" spc="-1" strike="noStrike">
+              <a:rPr lang="cs-CZ" sz="2400" b="0" strike="noStrike" spc="-1">
+                <a:solidFill>
+                  <a:srgbClr val="000000"/>
+                </a:solidFill>
+                <a:latin typeface="Courier New"/>
+                <a:ea typeface="DejaVu Sans"/>
+              </a:rPr>
+              <a:t>    sleep(</a:t>
+            </a:r>
+            <a:r>
+              <a:rPr lang="cs-CZ" sz="2400" b="0" strike="noStrike" spc="-1">
                 <a:solidFill>
                   <a:srgbClr val="666666"/>
                 </a:solidFill>
@@ -6987,7 +7953,7 @@
               <a:t>1000</a:t>
             </a:r>
             <a:r>
-              <a:rPr b="0" lang="cs-CZ" sz="2400" spc="-1" strike="noStrike">
+              <a:rPr lang="cs-CZ" sz="2400" b="0" strike="noStrike" spc="-1">
                 <a:solidFill>
                   <a:srgbClr val="000000"/>
                 </a:solidFill>
@@ -6996,7 +7962,7 @@
               </a:rPr>
               <a:t>)  </a:t>
             </a:r>
-            <a:endParaRPr b="0" lang="cs-CZ" sz="2400" spc="-1" strike="noStrike">
+            <a:endParaRPr lang="cs-CZ" sz="2400" b="0" strike="noStrike" spc="-1">
               <a:latin typeface="Arial"/>
             </a:endParaRPr>
           </a:p>
@@ -7004,22 +7970,25 @@
       </p:sp>
     </p:spTree>
   </p:cSld>
+  <p:clrMapOvr>
+    <a:masterClrMapping/>
+  </p:clrMapOvr>
   <p:timing>
     <p:tnLst>
       <p:par>
-        <p:cTn id="5" dur="indefinite" restart="never" nodeType="tmRoot">
+        <p:cTn id="1" dur="indefinite" restart="never" nodeType="tmRoot">
           <p:childTnLst>
             <p:seq>
-              <p:cTn id="6" dur="indefinite" nodeType="mainSeq"/>
+              <p:cTn id="2" dur="indefinite" nodeType="mainSeq"/>
               <p:prevCondLst>
-                <p:cond delay="0" evt="onPrev">
+                <p:cond evt="onPrev" delay="0">
                   <p:tgtEl>
                     <p:sldTgt/>
                   </p:tgtEl>
                 </p:cond>
               </p:prevCondLst>
               <p:nextCondLst>
-                <p:cond delay="0" evt="onNext">
+                <p:cond evt="onNext" delay="0">
                   <p:tgtEl>
                     <p:sldTgt/>
                   </p:tgtEl>
@@ -7035,7 +8004,7 @@
 </file>
 
 <file path=ppt/slides/slide4.xml><?xml version="1.0" encoding="utf-8"?>
-<p:sld xmlns:a="http://schemas.openxmlformats.org/drawingml/2006/main" xmlns:p="http://schemas.openxmlformats.org/presentationml/2006/main" xmlns:r="http://schemas.openxmlformats.org/officeDocument/2006/relationships" xmlns:p14="http://schemas.microsoft.com/office/powerpoint/2010/main" xmlns:p15="http://schemas.microsoft.com/office/powerpoint/2012/main" xmlns:mc="http://schemas.openxmlformats.org/markup-compatibility/2006">
+<p:sld xmlns:a="http://schemas.openxmlformats.org/drawingml/2006/main" xmlns:r="http://schemas.openxmlformats.org/officeDocument/2006/relationships" xmlns:p="http://schemas.openxmlformats.org/presentationml/2006/main">
   <p:cSld>
     <p:spTree>
       <p:nvGrpSpPr>
@@ -7071,7 +8040,8 @@
           </a:ln>
         </p:spPr>
         <p:txBody>
-          <a:bodyPr lIns="0" rIns="0" tIns="0" bIns="0" anchor="ctr"/>
+          <a:bodyPr lIns="0" tIns="0" rIns="0" bIns="0" anchor="ctr"/>
+          <a:lstStyle/>
           <a:p>
             <a:pPr algn="ctr">
               <a:lnSpc>
@@ -7079,7 +8049,7 @@
               </a:lnSpc>
             </a:pPr>
             <a:r>
-              <a:rPr b="0" lang="cs-CZ" sz="4400" spc="-1" strike="noStrike">
+              <a:rPr lang="cs-CZ" sz="4400" b="0" strike="noStrike" spc="-1">
                 <a:solidFill>
                   <a:srgbClr val="000000"/>
                 </a:solidFill>
@@ -7088,7 +8058,7 @@
               </a:rPr>
               <a:t>Práce s hodinovými ručičkami</a:t>
             </a:r>
-            <a:endParaRPr b="0" lang="cs-CZ" sz="4400" spc="-1" strike="noStrike">
+            <a:endParaRPr lang="cs-CZ" sz="4400" b="0" strike="noStrike" spc="-1">
               <a:solidFill>
                 <a:srgbClr val="000000"/>
               </a:solidFill>
@@ -7112,22 +8082,29 @@
             <a:avLst/>
           </a:prstGeom>
           <a:solidFill>
-            <a:srgbClr val="dddddd"/>
+            <a:srgbClr val="DDDDDD"/>
           </a:solidFill>
           <a:ln>
             <a:solidFill>
-              <a:srgbClr val="3465a4"/>
+              <a:srgbClr val="3465A4"/>
             </a:solidFill>
           </a:ln>
         </p:spPr>
         <p:style>
-          <a:lnRef idx="0"/>
-          <a:fillRef idx="0"/>
-          <a:effectRef idx="0"/>
+          <a:lnRef idx="0">
+            <a:scrgbClr r="0" g="0" b="0"/>
+          </a:lnRef>
+          <a:fillRef idx="0">
+            <a:scrgbClr r="0" g="0" b="0"/>
+          </a:fillRef>
+          <a:effectRef idx="0">
+            <a:scrgbClr r="0" g="0" b="0"/>
+          </a:effectRef>
           <a:fontRef idx="minor"/>
         </p:style>
         <p:txBody>
-          <a:bodyPr lIns="90000" rIns="90000" tIns="45000" bIns="45000"/>
+          <a:bodyPr lIns="90000" tIns="45000" rIns="90000" bIns="45000"/>
+          <a:lstStyle/>
           <a:p>
             <a:pPr>
               <a:lnSpc>
@@ -7135,7 +8112,7 @@
               </a:lnSpc>
             </a:pPr>
             <a:r>
-              <a:rPr b="0" lang="cs-CZ" sz="2800" spc="-1" strike="noStrike">
+              <a:rPr lang="cs-CZ" sz="2800" b="0" strike="noStrike" spc="-1">
                 <a:solidFill>
                   <a:srgbClr val="008000"/>
                 </a:solidFill>
@@ -7145,7 +8122,7 @@
               <a:t>from</a:t>
             </a:r>
             <a:r>
-              <a:rPr b="0" lang="cs-CZ" sz="2800" spc="-1" strike="noStrike">
+              <a:rPr lang="cs-CZ" sz="2800" b="0" strike="noStrike" spc="-1">
                 <a:solidFill>
                   <a:srgbClr val="000000"/>
                 </a:solidFill>
@@ -7155,9 +8132,9 @@
               <a:t> </a:t>
             </a:r>
             <a:r>
-              <a:rPr b="0" lang="cs-CZ" sz="2800" spc="-1" strike="noStrike">
-                <a:solidFill>
-                  <a:srgbClr val="0000ff"/>
+              <a:rPr lang="cs-CZ" sz="2800" b="0" strike="noStrike" spc="-1">
+                <a:solidFill>
+                  <a:srgbClr val="0000FF"/>
                 </a:solidFill>
                 <a:latin typeface="Courier New"/>
                 <a:ea typeface="DejaVu Sans"/>
@@ -7165,7 +8142,7 @@
               <a:t>microbit</a:t>
             </a:r>
             <a:r>
-              <a:rPr b="0" lang="cs-CZ" sz="2800" spc="-1" strike="noStrike">
+              <a:rPr lang="cs-CZ" sz="2800" b="0" strike="noStrike" spc="-1">
                 <a:solidFill>
                   <a:srgbClr val="000000"/>
                 </a:solidFill>
@@ -7175,7 +8152,7 @@
               <a:t> </a:t>
             </a:r>
             <a:r>
-              <a:rPr b="0" lang="cs-CZ" sz="2800" spc="-1" strike="noStrike">
+              <a:rPr lang="cs-CZ" sz="2800" b="0" strike="noStrike" spc="-1">
                 <a:solidFill>
                   <a:srgbClr val="008000"/>
                 </a:solidFill>
@@ -7185,7 +8162,7 @@
               <a:t>import</a:t>
             </a:r>
             <a:r>
-              <a:rPr b="0" lang="cs-CZ" sz="2800" spc="-1" strike="noStrike">
+              <a:rPr lang="cs-CZ" sz="2800" b="0" strike="noStrike" spc="-1">
                 <a:solidFill>
                   <a:srgbClr val="000000"/>
                 </a:solidFill>
@@ -7195,7 +8172,7 @@
               <a:t> </a:t>
             </a:r>
             <a:r>
-              <a:rPr b="0" lang="cs-CZ" sz="2800" spc="-1" strike="noStrike">
+              <a:rPr lang="cs-CZ" sz="2800" b="0" strike="noStrike" spc="-1">
                 <a:solidFill>
                   <a:srgbClr val="666666"/>
                 </a:solidFill>
@@ -7204,7 +8181,7 @@
               </a:rPr>
               <a:t>*</a:t>
             </a:r>
-            <a:endParaRPr b="0" lang="cs-CZ" sz="2800" spc="-1" strike="noStrike">
+            <a:endParaRPr lang="cs-CZ" sz="2800" b="0" strike="noStrike" spc="-1">
               <a:latin typeface="Arial"/>
             </a:endParaRPr>
           </a:p>
@@ -7215,7 +8192,7 @@
               </a:lnSpc>
             </a:pPr>
             <a:r>
-              <a:rPr b="0" lang="cs-CZ" sz="2800" spc="-1" strike="noStrike">
+              <a:rPr lang="cs-CZ" sz="2800" b="0" strike="noStrike" spc="-1">
                 <a:solidFill>
                   <a:srgbClr val="008000"/>
                 </a:solidFill>
@@ -7225,7 +8202,7 @@
               <a:t>for</a:t>
             </a:r>
             <a:r>
-              <a:rPr b="0" lang="cs-CZ" sz="2800" spc="-1" strike="noStrike">
+              <a:rPr lang="cs-CZ" sz="2800" b="0" strike="noStrike" spc="-1">
                 <a:solidFill>
                   <a:srgbClr val="000000"/>
                 </a:solidFill>
@@ -7235,9 +8212,9 @@
               <a:t> uhel </a:t>
             </a:r>
             <a:r>
-              <a:rPr b="0" lang="cs-CZ" sz="2800" spc="-1" strike="noStrike">
-                <a:solidFill>
-                  <a:srgbClr val="aa22ff"/>
+              <a:rPr lang="cs-CZ" sz="2800" b="0" strike="noStrike" spc="-1">
+                <a:solidFill>
+                  <a:srgbClr val="AA22FF"/>
                 </a:solidFill>
                 <a:latin typeface="Courier New"/>
                 <a:ea typeface="DejaVu Sans"/>
@@ -7245,7 +8222,7 @@
               <a:t>in</a:t>
             </a:r>
             <a:r>
-              <a:rPr b="0" lang="cs-CZ" sz="2800" spc="-1" strike="noStrike">
+              <a:rPr lang="cs-CZ" sz="2800" b="0" strike="noStrike" spc="-1">
                 <a:solidFill>
                   <a:srgbClr val="000000"/>
                 </a:solidFill>
@@ -7255,7 +8232,7 @@
               <a:t> </a:t>
             </a:r>
             <a:r>
-              <a:rPr b="0" lang="cs-CZ" sz="2800" spc="-1" strike="noStrike">
+              <a:rPr lang="cs-CZ" sz="2800" b="0" strike="noStrike" spc="-1">
                 <a:solidFill>
                   <a:srgbClr val="008000"/>
                 </a:solidFill>
@@ -7265,7 +8242,7 @@
               <a:t>range</a:t>
             </a:r>
             <a:r>
-              <a:rPr b="0" lang="cs-CZ" sz="2800" spc="-1" strike="noStrike">
+              <a:rPr lang="cs-CZ" sz="2800" b="0" strike="noStrike" spc="-1">
                 <a:solidFill>
                   <a:srgbClr val="000000"/>
                 </a:solidFill>
@@ -7275,7 +8252,7 @@
               <a:t>(</a:t>
             </a:r>
             <a:r>
-              <a:rPr b="0" lang="cs-CZ" sz="2800" spc="-1" strike="noStrike">
+              <a:rPr lang="cs-CZ" sz="2800" b="0" strike="noStrike" spc="-1">
                 <a:solidFill>
                   <a:srgbClr val="666666"/>
                 </a:solidFill>
@@ -7285,7 +8262,7 @@
               <a:t>0</a:t>
             </a:r>
             <a:r>
-              <a:rPr b="0" lang="cs-CZ" sz="2800" spc="-1" strike="noStrike">
+              <a:rPr lang="cs-CZ" sz="2800" b="0" strike="noStrike" spc="-1">
                 <a:solidFill>
                   <a:srgbClr val="000000"/>
                 </a:solidFill>
@@ -7295,7 +8272,7 @@
               <a:t>, </a:t>
             </a:r>
             <a:r>
-              <a:rPr b="0" lang="cs-CZ" sz="2800" spc="-1" strike="noStrike">
+              <a:rPr lang="cs-CZ" sz="2800" b="0" strike="noStrike" spc="-1">
                 <a:solidFill>
                   <a:srgbClr val="666666"/>
                 </a:solidFill>
@@ -7305,7 +8282,7 @@
               <a:t>12</a:t>
             </a:r>
             <a:r>
-              <a:rPr b="0" lang="cs-CZ" sz="2800" spc="-1" strike="noStrike">
+              <a:rPr lang="cs-CZ" sz="2800" b="0" strike="noStrike" spc="-1">
                 <a:solidFill>
                   <a:srgbClr val="000000"/>
                 </a:solidFill>
@@ -7314,7 +8291,7 @@
               </a:rPr>
               <a:t>):</a:t>
             </a:r>
-            <a:endParaRPr b="0" lang="cs-CZ" sz="2800" spc="-1" strike="noStrike">
+            <a:endParaRPr lang="cs-CZ" sz="2800" b="0" strike="noStrike" spc="-1">
               <a:latin typeface="Arial"/>
             </a:endParaRPr>
           </a:p>
@@ -7325,27 +8302,17 @@
               </a:lnSpc>
             </a:pPr>
             <a:r>
-              <a:rPr b="0" lang="cs-CZ" sz="2800" spc="-1" strike="noStrike">
-                <a:solidFill>
-                  <a:srgbClr val="000000"/>
-                </a:solidFill>
-                <a:latin typeface="Courier New"/>
-                <a:ea typeface="DejaVu Sans"/>
-              </a:rPr>
-              <a:t>    </a:t>
-            </a:r>
-            <a:r>
-              <a:rPr b="0" lang="cs-CZ" sz="2800" spc="-1" strike="noStrike">
-                <a:solidFill>
-                  <a:srgbClr val="000000"/>
-                </a:solidFill>
-                <a:latin typeface="Courier New"/>
-                <a:ea typeface="DejaVu Sans"/>
-              </a:rPr>
-              <a:t>display</a:t>
-            </a:r>
-            <a:r>
-              <a:rPr b="0" lang="cs-CZ" sz="2800" spc="-1" strike="noStrike">
+              <a:rPr lang="cs-CZ" sz="2800" b="0" strike="noStrike" spc="-1">
+                <a:solidFill>
+                  <a:srgbClr val="000000"/>
+                </a:solidFill>
+                <a:latin typeface="Courier New"/>
+                <a:ea typeface="DejaVu Sans"/>
+              </a:rPr>
+              <a:t>    display</a:t>
+            </a:r>
+            <a:r>
+              <a:rPr lang="cs-CZ" sz="2800" b="0" strike="noStrike" spc="-1">
                 <a:solidFill>
                   <a:srgbClr val="666666"/>
                 </a:solidFill>
@@ -7355,7 +8322,7 @@
               <a:t>.</a:t>
             </a:r>
             <a:r>
-              <a:rPr b="0" lang="cs-CZ" sz="2800" spc="-1" strike="noStrike">
+              <a:rPr lang="cs-CZ" sz="2800" b="0" strike="noStrike" spc="-1">
                 <a:solidFill>
                   <a:srgbClr val="000000"/>
                 </a:solidFill>
@@ -7365,7 +8332,7 @@
               <a:t>show(Image</a:t>
             </a:r>
             <a:r>
-              <a:rPr b="0" lang="cs-CZ" sz="2800" spc="-1" strike="noStrike">
+              <a:rPr lang="cs-CZ" sz="2800" b="0" strike="noStrike" spc="-1">
                 <a:solidFill>
                   <a:srgbClr val="666666"/>
                 </a:solidFill>
@@ -7375,7 +8342,7 @@
               <a:t>.</a:t>
             </a:r>
             <a:r>
-              <a:rPr b="0" lang="cs-CZ" sz="2800" spc="-1" strike="noStrike">
+              <a:rPr lang="cs-CZ" sz="2800" b="0" strike="noStrike" spc="-1">
                 <a:solidFill>
                   <a:srgbClr val="000000"/>
                 </a:solidFill>
@@ -7384,7 +8351,7 @@
               </a:rPr>
               <a:t>ALL_CLOCKS[uhel])</a:t>
             </a:r>
-            <a:endParaRPr b="0" lang="cs-CZ" sz="2800" spc="-1" strike="noStrike">
+            <a:endParaRPr lang="cs-CZ" sz="2800" b="0" strike="noStrike" spc="-1">
               <a:latin typeface="Arial"/>
             </a:endParaRPr>
           </a:p>
@@ -7395,27 +8362,17 @@
               </a:lnSpc>
             </a:pPr>
             <a:r>
-              <a:rPr b="0" lang="cs-CZ" sz="2800" spc="-1" strike="noStrike">
-                <a:solidFill>
-                  <a:srgbClr val="000000"/>
-                </a:solidFill>
-                <a:latin typeface="Courier New"/>
-                <a:ea typeface="DejaVu Sans"/>
-              </a:rPr>
-              <a:t>    </a:t>
-            </a:r>
-            <a:r>
-              <a:rPr b="0" lang="cs-CZ" sz="2800" spc="-1" strike="noStrike">
-                <a:solidFill>
-                  <a:srgbClr val="000000"/>
-                </a:solidFill>
-                <a:latin typeface="Courier New"/>
-                <a:ea typeface="DejaVu Sans"/>
-              </a:rPr>
-              <a:t>sleep(</a:t>
-            </a:r>
-            <a:r>
-              <a:rPr b="0" lang="cs-CZ" sz="2800" spc="-1" strike="noStrike">
+              <a:rPr lang="cs-CZ" sz="2800" b="0" strike="noStrike" spc="-1">
+                <a:solidFill>
+                  <a:srgbClr val="000000"/>
+                </a:solidFill>
+                <a:latin typeface="Courier New"/>
+                <a:ea typeface="DejaVu Sans"/>
+              </a:rPr>
+              <a:t>    sleep(</a:t>
+            </a:r>
+            <a:r>
+              <a:rPr lang="cs-CZ" sz="2800" b="0" strike="noStrike" spc="-1">
                 <a:solidFill>
                   <a:srgbClr val="666666"/>
                 </a:solidFill>
@@ -7425,7 +8382,7 @@
               <a:t>1000</a:t>
             </a:r>
             <a:r>
-              <a:rPr b="0" lang="cs-CZ" sz="2800" spc="-1" strike="noStrike">
+              <a:rPr lang="cs-CZ" sz="2800" b="0" strike="noStrike" spc="-1">
                 <a:solidFill>
                   <a:srgbClr val="000000"/>
                 </a:solidFill>
@@ -7434,7 +8391,7 @@
               </a:rPr>
               <a:t>)</a:t>
             </a:r>
-            <a:endParaRPr b="0" lang="cs-CZ" sz="2800" spc="-1" strike="noStrike">
+            <a:endParaRPr lang="cs-CZ" sz="2800" b="0" strike="noStrike" spc="-1">
               <a:latin typeface="Arial"/>
             </a:endParaRPr>
           </a:p>
@@ -7445,27 +8402,17 @@
               </a:lnSpc>
             </a:pPr>
             <a:r>
-              <a:rPr b="0" lang="cs-CZ" sz="2800" spc="-1" strike="noStrike">
-                <a:solidFill>
-                  <a:srgbClr val="000000"/>
-                </a:solidFill>
-                <a:latin typeface="Courier New"/>
-                <a:ea typeface="DejaVu Sans"/>
-              </a:rPr>
-              <a:t>    </a:t>
-            </a:r>
-            <a:r>
-              <a:rPr b="0" lang="cs-CZ" sz="2800" spc="-1" strike="noStrike">
-                <a:solidFill>
-                  <a:srgbClr val="000000"/>
-                </a:solidFill>
-                <a:latin typeface="Courier New"/>
-                <a:ea typeface="DejaVu Sans"/>
-              </a:rPr>
-              <a:t>display</a:t>
-            </a:r>
-            <a:r>
-              <a:rPr b="0" lang="cs-CZ" sz="2800" spc="-1" strike="noStrike">
+              <a:rPr lang="cs-CZ" sz="2800" b="0" strike="noStrike" spc="-1">
+                <a:solidFill>
+                  <a:srgbClr val="000000"/>
+                </a:solidFill>
+                <a:latin typeface="Courier New"/>
+                <a:ea typeface="DejaVu Sans"/>
+              </a:rPr>
+              <a:t>    display</a:t>
+            </a:r>
+            <a:r>
+              <a:rPr lang="cs-CZ" sz="2800" b="0" strike="noStrike" spc="-1">
                 <a:solidFill>
                   <a:srgbClr val="666666"/>
                 </a:solidFill>
@@ -7475,7 +8422,7 @@
               <a:t>.</a:t>
             </a:r>
             <a:r>
-              <a:rPr b="0" lang="cs-CZ" sz="2800" spc="-1" strike="noStrike">
+              <a:rPr lang="cs-CZ" sz="2800" b="0" strike="noStrike" spc="-1">
                 <a:solidFill>
                   <a:srgbClr val="000000"/>
                 </a:solidFill>
@@ -7484,7 +8431,7 @@
               </a:rPr>
               <a:t>clear()</a:t>
             </a:r>
-            <a:endParaRPr b="0" lang="cs-CZ" sz="2800" spc="-1" strike="noStrike">
+            <a:endParaRPr lang="cs-CZ" sz="2800" b="0" strike="noStrike" spc="-1">
               <a:latin typeface="Arial"/>
             </a:endParaRPr>
           </a:p>
@@ -7494,7 +8441,7 @@
                 <a:spcPct val="100000"/>
               </a:lnSpc>
             </a:pPr>
-            <a:endParaRPr b="0" lang="cs-CZ" sz="2800" spc="-1" strike="noStrike">
+            <a:endParaRPr lang="cs-CZ" sz="2800" b="0" strike="noStrike" spc="-1">
               <a:latin typeface="Arial"/>
             </a:endParaRPr>
           </a:p>
@@ -7502,22 +8449,25 @@
       </p:sp>
     </p:spTree>
   </p:cSld>
+  <p:clrMapOvr>
+    <a:masterClrMapping/>
+  </p:clrMapOvr>
   <p:timing>
     <p:tnLst>
       <p:par>
-        <p:cTn id="7" dur="indefinite" restart="never" nodeType="tmRoot">
+        <p:cTn id="1" dur="indefinite" restart="never" nodeType="tmRoot">
           <p:childTnLst>
             <p:seq>
-              <p:cTn id="8" dur="indefinite" nodeType="mainSeq"/>
+              <p:cTn id="2" dur="indefinite" nodeType="mainSeq"/>
               <p:prevCondLst>
-                <p:cond delay="0" evt="onPrev">
+                <p:cond evt="onPrev" delay="0">
                   <p:tgtEl>
                     <p:sldTgt/>
                   </p:tgtEl>
                 </p:cond>
               </p:prevCondLst>
               <p:nextCondLst>
-                <p:cond delay="0" evt="onNext">
+                <p:cond evt="onNext" delay="0">
                   <p:tgtEl>
                     <p:sldTgt/>
                   </p:tgtEl>
@@ -7533,7 +8483,7 @@
 </file>
 
 <file path=ppt/slides/slide5.xml><?xml version="1.0" encoding="utf-8"?>
-<p:sld xmlns:a="http://schemas.openxmlformats.org/drawingml/2006/main" xmlns:p="http://schemas.openxmlformats.org/presentationml/2006/main" xmlns:r="http://schemas.openxmlformats.org/officeDocument/2006/relationships" xmlns:p14="http://schemas.microsoft.com/office/powerpoint/2010/main" xmlns:p15="http://schemas.microsoft.com/office/powerpoint/2012/main" xmlns:mc="http://schemas.openxmlformats.org/markup-compatibility/2006">
+<p:sld xmlns:a="http://schemas.openxmlformats.org/drawingml/2006/main" xmlns:r="http://schemas.openxmlformats.org/officeDocument/2006/relationships" xmlns:p="http://schemas.openxmlformats.org/presentationml/2006/main">
   <p:cSld>
     <p:spTree>
       <p:nvGrpSpPr>
@@ -7569,13 +8519,20 @@
           </a:ln>
         </p:spPr>
         <p:style>
-          <a:lnRef idx="0"/>
-          <a:fillRef idx="0"/>
-          <a:effectRef idx="0"/>
+          <a:lnRef idx="0">
+            <a:scrgbClr r="0" g="0" b="0"/>
+          </a:lnRef>
+          <a:fillRef idx="0">
+            <a:scrgbClr r="0" g="0" b="0"/>
+          </a:fillRef>
+          <a:effectRef idx="0">
+            <a:scrgbClr r="0" g="0" b="0"/>
+          </a:effectRef>
           <a:fontRef idx="minor"/>
         </p:style>
         <p:txBody>
-          <a:bodyPr lIns="0" rIns="0" tIns="0" bIns="0" anchor="ctr"/>
+          <a:bodyPr lIns="0" tIns="0" rIns="0" bIns="0" anchor="ctr"/>
+          <a:lstStyle/>
           <a:p>
             <a:pPr algn="ctr">
               <a:lnSpc>
@@ -7583,7 +8540,7 @@
               </a:lnSpc>
             </a:pPr>
             <a:r>
-              <a:rPr b="0" lang="cs-CZ" sz="4400" spc="-1" strike="noStrike">
+              <a:rPr lang="cs-CZ" sz="4400" b="0" strike="noStrike" spc="-1">
                 <a:solidFill>
                   <a:srgbClr val="000000"/>
                 </a:solidFill>
@@ -7592,7 +8549,7 @@
               </a:rPr>
               <a:t>Směr sever</a:t>
             </a:r>
-            <a:endParaRPr b="0" lang="cs-CZ" sz="4400" spc="-1" strike="noStrike">
+            <a:endParaRPr lang="cs-CZ" sz="4400" b="0" strike="noStrike" spc="-1">
               <a:latin typeface="Arial"/>
             </a:endParaRPr>
           </a:p>
@@ -7613,22 +8570,29 @@
             <a:avLst/>
           </a:prstGeom>
           <a:solidFill>
-            <a:srgbClr val="dddddd"/>
+            <a:srgbClr val="DDDDDD"/>
           </a:solidFill>
           <a:ln>
             <a:solidFill>
-              <a:srgbClr val="3465a4"/>
+              <a:srgbClr val="3465A4"/>
             </a:solidFill>
           </a:ln>
         </p:spPr>
         <p:style>
-          <a:lnRef idx="0"/>
-          <a:fillRef idx="0"/>
-          <a:effectRef idx="0"/>
+          <a:lnRef idx="0">
+            <a:scrgbClr r="0" g="0" b="0"/>
+          </a:lnRef>
+          <a:fillRef idx="0">
+            <a:scrgbClr r="0" g="0" b="0"/>
+          </a:fillRef>
+          <a:effectRef idx="0">
+            <a:scrgbClr r="0" g="0" b="0"/>
+          </a:effectRef>
           <a:fontRef idx="minor"/>
         </p:style>
         <p:txBody>
-          <a:bodyPr lIns="90000" rIns="90000" tIns="45000" bIns="45000"/>
+          <a:bodyPr lIns="90000" tIns="45000" rIns="90000" bIns="45000"/>
+          <a:lstStyle/>
           <a:p>
             <a:pPr>
               <a:lnSpc>
@@ -7636,7 +8600,7 @@
               </a:lnSpc>
             </a:pPr>
             <a:r>
-              <a:rPr b="0" lang="cs-CZ" sz="2800" spc="-1" strike="noStrike">
+              <a:rPr lang="cs-CZ" sz="2800" b="0" strike="noStrike" spc="-1">
                 <a:solidFill>
                   <a:srgbClr val="008000"/>
                 </a:solidFill>
@@ -7646,7 +8610,7 @@
               <a:t>from</a:t>
             </a:r>
             <a:r>
-              <a:rPr b="0" lang="cs-CZ" sz="2800" spc="-1" strike="noStrike">
+              <a:rPr lang="cs-CZ" sz="2800" b="0" strike="noStrike" spc="-1">
                 <a:solidFill>
                   <a:srgbClr val="000000"/>
                 </a:solidFill>
@@ -7656,9 +8620,9 @@
               <a:t> </a:t>
             </a:r>
             <a:r>
-              <a:rPr b="0" lang="cs-CZ" sz="2800" spc="-1" strike="noStrike">
-                <a:solidFill>
-                  <a:srgbClr val="0000ff"/>
+              <a:rPr lang="cs-CZ" sz="2800" b="0" strike="noStrike" spc="-1">
+                <a:solidFill>
+                  <a:srgbClr val="0000FF"/>
                 </a:solidFill>
                 <a:latin typeface="Courier New"/>
                 <a:ea typeface="DejaVu Sans"/>
@@ -7666,7 +8630,7 @@
               <a:t>microbit</a:t>
             </a:r>
             <a:r>
-              <a:rPr b="0" lang="cs-CZ" sz="2800" spc="-1" strike="noStrike">
+              <a:rPr lang="cs-CZ" sz="2800" b="0" strike="noStrike" spc="-1">
                 <a:solidFill>
                   <a:srgbClr val="000000"/>
                 </a:solidFill>
@@ -7676,7 +8640,7 @@
               <a:t> </a:t>
             </a:r>
             <a:r>
-              <a:rPr b="0" lang="cs-CZ" sz="2800" spc="-1" strike="noStrike">
+              <a:rPr lang="cs-CZ" sz="2800" b="0" strike="noStrike" spc="-1">
                 <a:solidFill>
                   <a:srgbClr val="008000"/>
                 </a:solidFill>
@@ -7686,7 +8650,7 @@
               <a:t>import</a:t>
             </a:r>
             <a:r>
-              <a:rPr b="0" lang="cs-CZ" sz="2800" spc="-1" strike="noStrike">
+              <a:rPr lang="cs-CZ" sz="2800" b="0" strike="noStrike" spc="-1">
                 <a:solidFill>
                   <a:srgbClr val="000000"/>
                 </a:solidFill>
@@ -7696,7 +8660,7 @@
               <a:t> </a:t>
             </a:r>
             <a:r>
-              <a:rPr b="0" lang="cs-CZ" sz="2800" spc="-1" strike="noStrike">
+              <a:rPr lang="cs-CZ" sz="2800" b="0" strike="noStrike" spc="-1">
                 <a:solidFill>
                   <a:srgbClr val="666666"/>
                 </a:solidFill>
@@ -7705,7 +8669,7 @@
               </a:rPr>
               <a:t>*</a:t>
             </a:r>
-            <a:endParaRPr b="0" lang="cs-CZ" sz="2800" spc="-1" strike="noStrike">
+            <a:endParaRPr lang="cs-CZ" sz="2800" b="0" strike="noStrike" spc="-1">
               <a:latin typeface="Arial"/>
             </a:endParaRPr>
           </a:p>
@@ -7716,7 +8680,7 @@
               </a:lnSpc>
             </a:pPr>
             <a:r>
-              <a:rPr b="0" lang="cs-CZ" sz="2800" spc="-1" strike="noStrike">
+              <a:rPr lang="cs-CZ" sz="2800" b="0" strike="noStrike" spc="-1">
                 <a:solidFill>
                   <a:srgbClr val="000000"/>
                 </a:solidFill>
@@ -7726,7 +8690,7 @@
               <a:t>compass</a:t>
             </a:r>
             <a:r>
-              <a:rPr b="0" lang="cs-CZ" sz="2800" spc="-1" strike="noStrike">
+              <a:rPr lang="cs-CZ" sz="2800" b="0" strike="noStrike" spc="-1">
                 <a:solidFill>
                   <a:srgbClr val="666666"/>
                 </a:solidFill>
@@ -7736,7 +8700,7 @@
               <a:t>.</a:t>
             </a:r>
             <a:r>
-              <a:rPr b="0" lang="cs-CZ" sz="2800" spc="-1" strike="noStrike">
+              <a:rPr lang="cs-CZ" sz="2800" b="0" strike="noStrike" spc="-1">
                 <a:solidFill>
                   <a:srgbClr val="000000"/>
                 </a:solidFill>
@@ -7745,7 +8709,7 @@
               </a:rPr>
               <a:t>calibrate()</a:t>
             </a:r>
-            <a:endParaRPr b="0" lang="cs-CZ" sz="2800" spc="-1" strike="noStrike">
+            <a:endParaRPr lang="cs-CZ" sz="2800" b="0" strike="noStrike" spc="-1">
               <a:latin typeface="Arial"/>
             </a:endParaRPr>
           </a:p>
@@ -7756,7 +8720,7 @@
               </a:lnSpc>
             </a:pPr>
             <a:r>
-              <a:rPr b="0" lang="cs-CZ" sz="2800" spc="-1" strike="noStrike">
+              <a:rPr lang="cs-CZ" sz="2800" b="0" strike="noStrike" spc="-1">
                 <a:solidFill>
                   <a:srgbClr val="008000"/>
                 </a:solidFill>
@@ -7766,7 +8730,7 @@
               <a:t>while</a:t>
             </a:r>
             <a:r>
-              <a:rPr b="0" lang="cs-CZ" sz="2800" spc="-1" strike="noStrike">
+              <a:rPr lang="cs-CZ" sz="2800" b="0" strike="noStrike" spc="-1">
                 <a:solidFill>
                   <a:srgbClr val="000000"/>
                 </a:solidFill>
@@ -7776,7 +8740,7 @@
               <a:t> </a:t>
             </a:r>
             <a:r>
-              <a:rPr b="0" lang="cs-CZ" sz="2800" spc="-1" strike="noStrike">
+              <a:rPr lang="cs-CZ" sz="2800" b="0" strike="noStrike" spc="-1">
                 <a:solidFill>
                   <a:srgbClr val="008000"/>
                 </a:solidFill>
@@ -7786,7 +8750,7 @@
               <a:t>True</a:t>
             </a:r>
             <a:r>
-              <a:rPr b="0" lang="cs-CZ" sz="2800" spc="-1" strike="noStrike">
+              <a:rPr lang="cs-CZ" sz="2800" b="0" strike="noStrike" spc="-1">
                 <a:solidFill>
                   <a:srgbClr val="000000"/>
                 </a:solidFill>
@@ -7795,7 +8759,7 @@
               </a:rPr>
               <a:t>:</a:t>
             </a:r>
-            <a:endParaRPr b="0" lang="cs-CZ" sz="2800" spc="-1" strike="noStrike">
+            <a:endParaRPr lang="cs-CZ" sz="2800" b="0" strike="noStrike" spc="-1">
               <a:latin typeface="Arial"/>
             </a:endParaRPr>
           </a:p>
@@ -7806,27 +8770,17 @@
               </a:lnSpc>
             </a:pPr>
             <a:r>
-              <a:rPr b="0" lang="cs-CZ" sz="2800" spc="-1" strike="noStrike">
-                <a:solidFill>
-                  <a:srgbClr val="000000"/>
-                </a:solidFill>
-                <a:latin typeface="Courier New"/>
-                <a:ea typeface="DejaVu Sans"/>
-              </a:rPr>
-              <a:t>    </a:t>
-            </a:r>
-            <a:r>
-              <a:rPr b="0" lang="cs-CZ" sz="2800" spc="-1" strike="noStrike">
-                <a:solidFill>
-                  <a:srgbClr val="000000"/>
-                </a:solidFill>
-                <a:latin typeface="Courier New"/>
-                <a:ea typeface="DejaVu Sans"/>
-              </a:rPr>
-              <a:t>uhel </a:t>
-            </a:r>
-            <a:r>
-              <a:rPr b="0" lang="cs-CZ" sz="2800" spc="-1" strike="noStrike">
+              <a:rPr lang="cs-CZ" sz="2800" b="0" strike="noStrike" spc="-1">
+                <a:solidFill>
+                  <a:srgbClr val="000000"/>
+                </a:solidFill>
+                <a:latin typeface="Courier New"/>
+                <a:ea typeface="DejaVu Sans"/>
+              </a:rPr>
+              <a:t>    uhel </a:t>
+            </a:r>
+            <a:r>
+              <a:rPr lang="cs-CZ" sz="2800" b="0" strike="noStrike" spc="-1">
                 <a:solidFill>
                   <a:srgbClr val="666666"/>
                 </a:solidFill>
@@ -7836,7 +8790,7 @@
               <a:t>=</a:t>
             </a:r>
             <a:r>
-              <a:rPr b="0" lang="cs-CZ" sz="2800" spc="-1" strike="noStrike">
+              <a:rPr lang="cs-CZ" sz="2800" b="0" strike="noStrike" spc="-1">
                 <a:solidFill>
                   <a:srgbClr val="000000"/>
                 </a:solidFill>
@@ -7846,7 +8800,7 @@
               <a:t> ((compass</a:t>
             </a:r>
             <a:r>
-              <a:rPr b="0" lang="cs-CZ" sz="2800" spc="-1" strike="noStrike">
+              <a:rPr lang="cs-CZ" sz="2800" b="0" strike="noStrike" spc="-1">
                 <a:solidFill>
                   <a:srgbClr val="666666"/>
                 </a:solidFill>
@@ -7856,7 +8810,7 @@
               <a:t>.</a:t>
             </a:r>
             <a:r>
-              <a:rPr b="0" lang="cs-CZ" sz="2800" spc="-1" strike="noStrike">
+              <a:rPr lang="cs-CZ" sz="2800" b="0" strike="noStrike" spc="-1">
                 <a:solidFill>
                   <a:srgbClr val="000000"/>
                 </a:solidFill>
@@ -7866,7 +8820,7 @@
               <a:t>heading()</a:t>
             </a:r>
             <a:r>
-              <a:rPr b="0" lang="cs-CZ" sz="2800" spc="-1" strike="noStrike">
+              <a:rPr lang="cs-CZ" sz="2800" b="0" strike="noStrike" spc="-1">
                 <a:solidFill>
                   <a:srgbClr val="666666"/>
                 </a:solidFill>
@@ -7876,7 +8830,7 @@
               <a:t>-15</a:t>
             </a:r>
             <a:r>
-              <a:rPr b="0" lang="cs-CZ" sz="2800" spc="-1" strike="noStrike">
+              <a:rPr lang="cs-CZ" sz="2800" b="0" strike="noStrike" spc="-1">
                 <a:solidFill>
                   <a:srgbClr val="000000"/>
                 </a:solidFill>
@@ -7886,7 +8840,7 @@
               <a:t>) </a:t>
             </a:r>
             <a:r>
-              <a:rPr b="0" lang="cs-CZ" sz="2800" spc="-1" strike="noStrike">
+              <a:rPr lang="cs-CZ" sz="2800" b="0" strike="noStrike" spc="-1">
                 <a:solidFill>
                   <a:srgbClr val="666666"/>
                 </a:solidFill>
@@ -7896,7 +8850,7 @@
               <a:t>//</a:t>
             </a:r>
             <a:r>
-              <a:rPr b="0" lang="cs-CZ" sz="2800" spc="-1" strike="noStrike">
+              <a:rPr lang="cs-CZ" sz="2800" b="0" strike="noStrike" spc="-1">
                 <a:solidFill>
                   <a:srgbClr val="000000"/>
                 </a:solidFill>
@@ -7906,7 +8860,7 @@
               <a:t> </a:t>
             </a:r>
             <a:r>
-              <a:rPr b="0" lang="cs-CZ" sz="2800" spc="-1" strike="noStrike">
+              <a:rPr lang="cs-CZ" sz="2800" b="0" strike="noStrike" spc="-1">
                 <a:solidFill>
                   <a:srgbClr val="666666"/>
                 </a:solidFill>
@@ -7916,7 +8870,7 @@
               <a:t>30</a:t>
             </a:r>
             <a:r>
-              <a:rPr b="0" lang="cs-CZ" sz="2800" spc="-1" strike="noStrike">
+              <a:rPr lang="cs-CZ" sz="2800" b="0" strike="noStrike" spc="-1">
                 <a:solidFill>
                   <a:srgbClr val="000000"/>
                 </a:solidFill>
@@ -7925,7 +8879,7 @@
               </a:rPr>
               <a:t>)</a:t>
             </a:r>
-            <a:endParaRPr b="0" lang="cs-CZ" sz="2800" spc="-1" strike="noStrike">
+            <a:endParaRPr lang="cs-CZ" sz="2800" b="0" strike="noStrike" spc="-1">
               <a:latin typeface="Arial"/>
             </a:endParaRPr>
           </a:p>
@@ -7936,27 +8890,17 @@
               </a:lnSpc>
             </a:pPr>
             <a:r>
-              <a:rPr b="0" lang="cs-CZ" sz="2800" spc="-1" strike="noStrike">
-                <a:solidFill>
-                  <a:srgbClr val="000000"/>
-                </a:solidFill>
-                <a:latin typeface="Courier New"/>
-                <a:ea typeface="DejaVu Sans"/>
-              </a:rPr>
-              <a:t>    </a:t>
-            </a:r>
-            <a:r>
-              <a:rPr b="0" lang="cs-CZ" sz="2800" spc="-1" strike="noStrike">
-                <a:solidFill>
-                  <a:srgbClr val="000000"/>
-                </a:solidFill>
-                <a:latin typeface="Courier New"/>
-                <a:ea typeface="DejaVu Sans"/>
-              </a:rPr>
-              <a:t>display</a:t>
-            </a:r>
-            <a:r>
-              <a:rPr b="0" lang="cs-CZ" sz="2800" spc="-1" strike="noStrike">
+              <a:rPr lang="cs-CZ" sz="2800" b="0" strike="noStrike" spc="-1">
+                <a:solidFill>
+                  <a:srgbClr val="000000"/>
+                </a:solidFill>
+                <a:latin typeface="Courier New"/>
+                <a:ea typeface="DejaVu Sans"/>
+              </a:rPr>
+              <a:t>    display</a:t>
+            </a:r>
+            <a:r>
+              <a:rPr lang="cs-CZ" sz="2800" b="0" strike="noStrike" spc="-1">
                 <a:solidFill>
                   <a:srgbClr val="666666"/>
                 </a:solidFill>
@@ -7966,7 +8910,7 @@
               <a:t>.</a:t>
             </a:r>
             <a:r>
-              <a:rPr b="0" lang="cs-CZ" sz="2800" spc="-1" strike="noStrike">
+              <a:rPr lang="cs-CZ" sz="2800" b="0" strike="noStrike" spc="-1">
                 <a:solidFill>
                   <a:srgbClr val="000000"/>
                 </a:solidFill>
@@ -7976,7 +8920,7 @@
               <a:t>show(Image</a:t>
             </a:r>
             <a:r>
-              <a:rPr b="0" lang="cs-CZ" sz="2800" spc="-1" strike="noStrike">
+              <a:rPr lang="cs-CZ" sz="2800" b="0" strike="noStrike" spc="-1">
                 <a:solidFill>
                   <a:srgbClr val="666666"/>
                 </a:solidFill>
@@ -7986,7 +8930,7 @@
               <a:t>.</a:t>
             </a:r>
             <a:r>
-              <a:rPr b="0" lang="cs-CZ" sz="2800" spc="-1" strike="noStrike">
+              <a:rPr lang="cs-CZ" sz="2800" b="0" strike="noStrike" spc="-1">
                 <a:solidFill>
                   <a:srgbClr val="000000"/>
                 </a:solidFill>
@@ -7995,7 +8939,7 @@
               </a:rPr>
               <a:t>ALL_CLOCKS[uhel])</a:t>
             </a:r>
-            <a:endParaRPr b="0" lang="cs-CZ" sz="2800" spc="-1" strike="noStrike">
+            <a:endParaRPr lang="cs-CZ" sz="2800" b="0" strike="noStrike" spc="-1">
               <a:latin typeface="Arial"/>
             </a:endParaRPr>
           </a:p>
@@ -8005,7 +8949,7 @@
                 <a:spcPct val="100000"/>
               </a:lnSpc>
             </a:pPr>
-            <a:endParaRPr b="0" lang="cs-CZ" sz="2800" spc="-1" strike="noStrike">
+            <a:endParaRPr lang="cs-CZ" sz="2800" b="0" strike="noStrike" spc="-1">
               <a:latin typeface="Arial"/>
             </a:endParaRPr>
           </a:p>
@@ -8013,22 +8957,25 @@
       </p:sp>
     </p:spTree>
   </p:cSld>
+  <p:clrMapOvr>
+    <a:masterClrMapping/>
+  </p:clrMapOvr>
   <p:timing>
     <p:tnLst>
       <p:par>
-        <p:cTn id="9" dur="indefinite" restart="never" nodeType="tmRoot">
+        <p:cTn id="1" dur="indefinite" restart="never" nodeType="tmRoot">
           <p:childTnLst>
             <p:seq>
-              <p:cTn id="10" dur="indefinite" nodeType="mainSeq"/>
+              <p:cTn id="2" dur="indefinite" nodeType="mainSeq"/>
               <p:prevCondLst>
-                <p:cond delay="0" evt="onPrev">
+                <p:cond evt="onPrev" delay="0">
                   <p:tgtEl>
                     <p:sldTgt/>
                   </p:tgtEl>
                 </p:cond>
               </p:prevCondLst>
               <p:nextCondLst>
-                <p:cond delay="0" evt="onNext">
+                <p:cond evt="onNext" delay="0">
                   <p:tgtEl>
                     <p:sldTgt/>
                   </p:tgtEl>
@@ -8054,31 +9001,31 @@
         <a:sysClr val="window" lastClr="FFFFFF"/>
       </a:lt1>
       <a:dk2>
-        <a:srgbClr val="1f497d"/>
+        <a:srgbClr val="1F497D"/>
       </a:dk2>
       <a:lt2>
-        <a:srgbClr val="eeece1"/>
+        <a:srgbClr val="EEECE1"/>
       </a:lt2>
       <a:accent1>
-        <a:srgbClr val="4f81bd"/>
+        <a:srgbClr val="4F81BD"/>
       </a:accent1>
       <a:accent2>
-        <a:srgbClr val="c0504d"/>
+        <a:srgbClr val="C0504D"/>
       </a:accent2>
       <a:accent3>
-        <a:srgbClr val="9bbb59"/>
+        <a:srgbClr val="9BBB59"/>
       </a:accent3>
       <a:accent4>
-        <a:srgbClr val="8064a2"/>
+        <a:srgbClr val="8064A2"/>
       </a:accent4>
       <a:accent5>
-        <a:srgbClr val="4bacc6"/>
+        <a:srgbClr val="4BACC6"/>
       </a:accent5>
       <a:accent6>
-        <a:srgbClr val="f79646"/>
+        <a:srgbClr val="F79646"/>
       </a:accent6>
       <a:hlink>
-        <a:srgbClr val="0000ff"/>
+        <a:srgbClr val="0000FF"/>
       </a:hlink>
       <a:folHlink>
         <a:srgbClr val="800080"/>
@@ -8263,6 +9210,8 @@
       </a:bgFillStyleLst>
     </a:fmtScheme>
   </a:themeElements>
+  <a:objectDefaults/>
+  <a:extraClrSchemeLst/>
 </a:theme>
 </file>
 
@@ -8277,31 +9226,31 @@
         <a:sysClr val="window" lastClr="FFFFFF"/>
       </a:lt1>
       <a:dk2>
-        <a:srgbClr val="1f497d"/>
+        <a:srgbClr val="1F497D"/>
       </a:dk2>
       <a:lt2>
-        <a:srgbClr val="eeece1"/>
+        <a:srgbClr val="EEECE1"/>
       </a:lt2>
       <a:accent1>
-        <a:srgbClr val="4f81bd"/>
+        <a:srgbClr val="4F81BD"/>
       </a:accent1>
       <a:accent2>
-        <a:srgbClr val="c0504d"/>
+        <a:srgbClr val="C0504D"/>
       </a:accent2>
       <a:accent3>
-        <a:srgbClr val="9bbb59"/>
+        <a:srgbClr val="9BBB59"/>
       </a:accent3>
       <a:accent4>
-        <a:srgbClr val="8064a2"/>
+        <a:srgbClr val="8064A2"/>
       </a:accent4>
       <a:accent5>
-        <a:srgbClr val="4bacc6"/>
+        <a:srgbClr val="4BACC6"/>
       </a:accent5>
       <a:accent6>
-        <a:srgbClr val="f79646"/>
+        <a:srgbClr val="F79646"/>
       </a:accent6>
       <a:hlink>
-        <a:srgbClr val="0000ff"/>
+        <a:srgbClr val="0000FF"/>
       </a:hlink>
       <a:folHlink>
         <a:srgbClr val="800080"/>
@@ -8486,6 +9435,8 @@
       </a:bgFillStyleLst>
     </a:fmtScheme>
   </a:themeElements>
+  <a:objectDefaults/>
+  <a:extraClrSchemeLst/>
 </a:theme>
 </file>
 
@@ -8500,31 +9451,31 @@
         <a:sysClr val="window" lastClr="FFFFFF"/>
       </a:lt1>
       <a:dk2>
-        <a:srgbClr val="1f497d"/>
+        <a:srgbClr val="1F497D"/>
       </a:dk2>
       <a:lt2>
-        <a:srgbClr val="eeece1"/>
+        <a:srgbClr val="EEECE1"/>
       </a:lt2>
       <a:accent1>
-        <a:srgbClr val="4f81bd"/>
+        <a:srgbClr val="4F81BD"/>
       </a:accent1>
       <a:accent2>
-        <a:srgbClr val="c0504d"/>
+        <a:srgbClr val="C0504D"/>
       </a:accent2>
       <a:accent3>
-        <a:srgbClr val="9bbb59"/>
+        <a:srgbClr val="9BBB59"/>
       </a:accent3>
       <a:accent4>
-        <a:srgbClr val="8064a2"/>
+        <a:srgbClr val="8064A2"/>
       </a:accent4>
       <a:accent5>
-        <a:srgbClr val="4bacc6"/>
+        <a:srgbClr val="4BACC6"/>
       </a:accent5>
       <a:accent6>
-        <a:srgbClr val="f79646"/>
+        <a:srgbClr val="F79646"/>
       </a:accent6>
       <a:hlink>
-        <a:srgbClr val="0000ff"/>
+        <a:srgbClr val="0000FF"/>
       </a:hlink>
       <a:folHlink>
         <a:srgbClr val="800080"/>
@@ -8709,5 +9660,7 @@
       </a:bgFillStyleLst>
     </a:fmtScheme>
   </a:themeElements>
+  <a:objectDefaults/>
+  <a:extraClrSchemeLst/>
 </a:theme>
 </file>